--- a/presentation.pptx
+++ b/presentation.pptx
@@ -2,22 +2,26 @@
 <file path=ppt/presentation.xml><?xml version="1.0" encoding="utf-8"?>
 <p:presentation xmlns:a="http://schemas.openxmlformats.org/drawingml/2006/main" xmlns:r="http://schemas.openxmlformats.org/officeDocument/2006/relationships" xmlns:p="http://schemas.openxmlformats.org/presentationml/2006/main" saveSubsetFonts="1">
   <p:sldMasterIdLst>
-    <p:sldMasterId id="2147483761" r:id="rId1"/>
+    <p:sldMasterId id="2147483905" r:id="rId1"/>
   </p:sldMasterIdLst>
+  <p:notesMasterIdLst>
+    <p:notesMasterId r:id="rId16"/>
+  </p:notesMasterIdLst>
   <p:sldIdLst>
     <p:sldId id="256" r:id="rId2"/>
     <p:sldId id="267" r:id="rId3"/>
-    <p:sldId id="257" r:id="rId4"/>
-    <p:sldId id="258" r:id="rId5"/>
-    <p:sldId id="259" r:id="rId6"/>
-    <p:sldId id="260" r:id="rId7"/>
-    <p:sldId id="261" r:id="rId8"/>
-    <p:sldId id="262" r:id="rId9"/>
-    <p:sldId id="263" r:id="rId10"/>
-    <p:sldId id="264" r:id="rId11"/>
+    <p:sldId id="270" r:id="rId4"/>
+    <p:sldId id="271" r:id="rId5"/>
+    <p:sldId id="258" r:id="rId6"/>
+    <p:sldId id="259" r:id="rId7"/>
+    <p:sldId id="269" r:id="rId8"/>
+    <p:sldId id="272" r:id="rId9"/>
+    <p:sldId id="261" r:id="rId10"/>
+    <p:sldId id="263" r:id="rId11"/>
     <p:sldId id="265" r:id="rId12"/>
     <p:sldId id="266" r:id="rId13"/>
-    <p:sldId id="268" r:id="rId14"/>
+    <p:sldId id="273" r:id="rId14"/>
+    <p:sldId id="268" r:id="rId15"/>
   </p:sldIdLst>
   <p:sldSz cx="12192000" cy="6858000"/>
   <p:notesSz cx="6858000" cy="9144000"/>
@@ -124,16 +128,13 @@
 </p:presentation>
 </file>
 
-<file path=ppt/slideLayouts/slideLayout1.xml><?xml version="1.0" encoding="utf-8"?>
-<p:sldLayout xmlns:a="http://schemas.openxmlformats.org/drawingml/2006/main" xmlns:r="http://schemas.openxmlformats.org/officeDocument/2006/relationships" xmlns:p="http://schemas.openxmlformats.org/presentationml/2006/main" type="title" preserve="1">
-  <p:cSld name="Title Slide">
+<file path=ppt/notesMasters/notesMaster1.xml><?xml version="1.0" encoding="utf-8"?>
+<p:notesMaster xmlns:a="http://schemas.openxmlformats.org/drawingml/2006/main" xmlns:r="http://schemas.openxmlformats.org/officeDocument/2006/relationships" xmlns:p="http://schemas.openxmlformats.org/presentationml/2006/main">
+  <p:cSld>
     <p:bg>
-      <p:bgPr>
-        <a:solidFill>
-          <a:schemeClr val="accent1"/>
-        </a:solidFill>
-        <a:effectLst/>
-      </p:bgPr>
+      <p:bgRef idx="1001">
+        <a:schemeClr val="bg1"/>
+      </p:bgRef>
     </p:bg>
     <p:spTree>
       <p:nvGrpSpPr>
@@ -151,18 +152,450 @@
       </p:grpSpPr>
       <p:sp>
         <p:nvSpPr>
-          <p:cNvPr id="4" name="Rectangle 3"/>
-          <p:cNvSpPr/>
-          <p:nvPr/>
+          <p:cNvPr id="2" name="Header Placeholder 1"/>
+          <p:cNvSpPr>
+            <a:spLocks noGrp="1"/>
+          </p:cNvSpPr>
+          <p:nvPr>
+            <p:ph type="hdr" sz="quarter"/>
+          </p:nvPr>
         </p:nvSpPr>
         <p:spPr>
           <a:xfrm>
             <a:off x="0" y="0"/>
-            <a:ext cx="12192000" cy="6858000"/>
+            <a:ext cx="2971800" cy="458788"/>
           </a:xfrm>
           <a:prstGeom prst="rect">
             <a:avLst/>
           </a:prstGeom>
+        </p:spPr>
+        <p:txBody>
+          <a:bodyPr vert="horz" lIns="91440" tIns="45720" rIns="91440" bIns="45720" rtlCol="0"/>
+          <a:lstStyle>
+            <a:lvl1pPr algn="l">
+              <a:defRPr sz="1200"/>
+            </a:lvl1pPr>
+          </a:lstStyle>
+          <a:p>
+            <a:endParaRPr lang="en-US"/>
+          </a:p>
+        </p:txBody>
+      </p:sp>
+      <p:sp>
+        <p:nvSpPr>
+          <p:cNvPr id="3" name="Date Placeholder 2"/>
+          <p:cNvSpPr>
+            <a:spLocks noGrp="1"/>
+          </p:cNvSpPr>
+          <p:nvPr>
+            <p:ph type="dt" idx="1"/>
+          </p:nvPr>
+        </p:nvSpPr>
+        <p:spPr>
+          <a:xfrm>
+            <a:off x="3884613" y="0"/>
+            <a:ext cx="2971800" cy="458788"/>
+          </a:xfrm>
+          <a:prstGeom prst="rect">
+            <a:avLst/>
+          </a:prstGeom>
+        </p:spPr>
+        <p:txBody>
+          <a:bodyPr vert="horz" lIns="91440" tIns="45720" rIns="91440" bIns="45720" rtlCol="0"/>
+          <a:lstStyle>
+            <a:lvl1pPr algn="r">
+              <a:defRPr sz="1200"/>
+            </a:lvl1pPr>
+          </a:lstStyle>
+          <a:p>
+            <a:fld id="{0A24DC99-4584-9243-8227-88E4411C14D9}" type="datetimeFigureOut">
+              <a:rPr lang="en-US" smtClean="0"/>
+              <a:t>9/16/16</a:t>
+            </a:fld>
+            <a:endParaRPr lang="en-US"/>
+          </a:p>
+        </p:txBody>
+      </p:sp>
+      <p:sp>
+        <p:nvSpPr>
+          <p:cNvPr id="4" name="Slide Image Placeholder 3"/>
+          <p:cNvSpPr>
+            <a:spLocks noGrp="1" noRot="1" noChangeAspect="1"/>
+          </p:cNvSpPr>
+          <p:nvPr>
+            <p:ph type="sldImg" idx="2"/>
+          </p:nvPr>
+        </p:nvSpPr>
+        <p:spPr>
+          <a:xfrm>
+            <a:off x="685800" y="1143000"/>
+            <a:ext cx="5486400" cy="3086100"/>
+          </a:xfrm>
+          <a:prstGeom prst="rect">
+            <a:avLst/>
+          </a:prstGeom>
+          <a:noFill/>
+          <a:ln w="12700">
+            <a:solidFill>
+              <a:prstClr val="black"/>
+            </a:solidFill>
+          </a:ln>
+        </p:spPr>
+        <p:txBody>
+          <a:bodyPr vert="horz" lIns="91440" tIns="45720" rIns="91440" bIns="45720" rtlCol="0" anchor="ctr"/>
+          <a:lstStyle/>
+          <a:p>
+            <a:endParaRPr lang="en-US"/>
+          </a:p>
+        </p:txBody>
+      </p:sp>
+      <p:sp>
+        <p:nvSpPr>
+          <p:cNvPr id="5" name="Notes Placeholder 4"/>
+          <p:cNvSpPr>
+            <a:spLocks noGrp="1"/>
+          </p:cNvSpPr>
+          <p:nvPr>
+            <p:ph type="body" sz="quarter" idx="3"/>
+          </p:nvPr>
+        </p:nvSpPr>
+        <p:spPr>
+          <a:xfrm>
+            <a:off x="685800" y="4400550"/>
+            <a:ext cx="5486400" cy="3600450"/>
+          </a:xfrm>
+          <a:prstGeom prst="rect">
+            <a:avLst/>
+          </a:prstGeom>
+        </p:spPr>
+        <p:txBody>
+          <a:bodyPr vert="horz" lIns="91440" tIns="45720" rIns="91440" bIns="45720" rtlCol="0"/>
+          <a:lstStyle/>
+          <a:p>
+            <a:pPr lvl="0"/>
+            <a:r>
+              <a:rPr lang="en-US" smtClean="0"/>
+              <a:t>Click to edit Master text styles</a:t>
+            </a:r>
+          </a:p>
+          <a:p>
+            <a:pPr lvl="1"/>
+            <a:r>
+              <a:rPr lang="en-US" smtClean="0"/>
+              <a:t>Second level</a:t>
+            </a:r>
+          </a:p>
+          <a:p>
+            <a:pPr lvl="2"/>
+            <a:r>
+              <a:rPr lang="en-US" smtClean="0"/>
+              <a:t>Third level</a:t>
+            </a:r>
+          </a:p>
+          <a:p>
+            <a:pPr lvl="3"/>
+            <a:r>
+              <a:rPr lang="en-US" smtClean="0"/>
+              <a:t>Fourth level</a:t>
+            </a:r>
+          </a:p>
+          <a:p>
+            <a:pPr lvl="4"/>
+            <a:r>
+              <a:rPr lang="en-US" smtClean="0"/>
+              <a:t>Fifth level</a:t>
+            </a:r>
+            <a:endParaRPr lang="en-US"/>
+          </a:p>
+        </p:txBody>
+      </p:sp>
+      <p:sp>
+        <p:nvSpPr>
+          <p:cNvPr id="6" name="Footer Placeholder 5"/>
+          <p:cNvSpPr>
+            <a:spLocks noGrp="1"/>
+          </p:cNvSpPr>
+          <p:nvPr>
+            <p:ph type="ftr" sz="quarter" idx="4"/>
+          </p:nvPr>
+        </p:nvSpPr>
+        <p:spPr>
+          <a:xfrm>
+            <a:off x="0" y="8685213"/>
+            <a:ext cx="2971800" cy="458787"/>
+          </a:xfrm>
+          <a:prstGeom prst="rect">
+            <a:avLst/>
+          </a:prstGeom>
+        </p:spPr>
+        <p:txBody>
+          <a:bodyPr vert="horz" lIns="91440" tIns="45720" rIns="91440" bIns="45720" rtlCol="0" anchor="b"/>
+          <a:lstStyle>
+            <a:lvl1pPr algn="l">
+              <a:defRPr sz="1200"/>
+            </a:lvl1pPr>
+          </a:lstStyle>
+          <a:p>
+            <a:endParaRPr lang="en-US"/>
+          </a:p>
+        </p:txBody>
+      </p:sp>
+      <p:sp>
+        <p:nvSpPr>
+          <p:cNvPr id="7" name="Slide Number Placeholder 6"/>
+          <p:cNvSpPr>
+            <a:spLocks noGrp="1"/>
+          </p:cNvSpPr>
+          <p:nvPr>
+            <p:ph type="sldNum" sz="quarter" idx="5"/>
+          </p:nvPr>
+        </p:nvSpPr>
+        <p:spPr>
+          <a:xfrm>
+            <a:off x="3884613" y="8685213"/>
+            <a:ext cx="2971800" cy="458787"/>
+          </a:xfrm>
+          <a:prstGeom prst="rect">
+            <a:avLst/>
+          </a:prstGeom>
+        </p:spPr>
+        <p:txBody>
+          <a:bodyPr vert="horz" lIns="91440" tIns="45720" rIns="91440" bIns="45720" rtlCol="0" anchor="b"/>
+          <a:lstStyle>
+            <a:lvl1pPr algn="r">
+              <a:defRPr sz="1200"/>
+            </a:lvl1pPr>
+          </a:lstStyle>
+          <a:p>
+            <a:fld id="{4FB32A5C-E1FB-6E41-BCF9-8DA85C57BC63}" type="slidenum">
+              <a:rPr lang="en-US" smtClean="0"/>
+              <a:t>‹#›</a:t>
+            </a:fld>
+            <a:endParaRPr lang="en-US"/>
+          </a:p>
+        </p:txBody>
+      </p:sp>
+    </p:spTree>
+    <p:extLst>
+      <p:ext uri="{BB962C8B-B14F-4D97-AF65-F5344CB8AC3E}">
+        <p14:creationId xmlns:p14="http://schemas.microsoft.com/office/powerpoint/2010/main" val="653489101"/>
+      </p:ext>
+    </p:extLst>
+  </p:cSld>
+  <p:clrMap bg1="lt1" tx1="dk1" bg2="lt2" tx2="dk2" accent1="accent1" accent2="accent2" accent3="accent3" accent4="accent4" accent5="accent5" accent6="accent6" hlink="hlink" folHlink="folHlink"/>
+  <p:notesStyle>
+    <a:lvl1pPr marL="0" algn="l" defTabSz="914400" rtl="0" eaLnBrk="1" latinLnBrk="0" hangingPunct="1">
+      <a:defRPr sz="1200" kern="1200">
+        <a:solidFill>
+          <a:schemeClr val="tx1"/>
+        </a:solidFill>
+        <a:latin typeface="+mn-lt"/>
+        <a:ea typeface="+mn-ea"/>
+        <a:cs typeface="+mn-cs"/>
+      </a:defRPr>
+    </a:lvl1pPr>
+    <a:lvl2pPr marL="457200" algn="l" defTabSz="914400" rtl="0" eaLnBrk="1" latinLnBrk="0" hangingPunct="1">
+      <a:defRPr sz="1200" kern="1200">
+        <a:solidFill>
+          <a:schemeClr val="tx1"/>
+        </a:solidFill>
+        <a:latin typeface="+mn-lt"/>
+        <a:ea typeface="+mn-ea"/>
+        <a:cs typeface="+mn-cs"/>
+      </a:defRPr>
+    </a:lvl2pPr>
+    <a:lvl3pPr marL="914400" algn="l" defTabSz="914400" rtl="0" eaLnBrk="1" latinLnBrk="0" hangingPunct="1">
+      <a:defRPr sz="1200" kern="1200">
+        <a:solidFill>
+          <a:schemeClr val="tx1"/>
+        </a:solidFill>
+        <a:latin typeface="+mn-lt"/>
+        <a:ea typeface="+mn-ea"/>
+        <a:cs typeface="+mn-cs"/>
+      </a:defRPr>
+    </a:lvl3pPr>
+    <a:lvl4pPr marL="1371600" algn="l" defTabSz="914400" rtl="0" eaLnBrk="1" latinLnBrk="0" hangingPunct="1">
+      <a:defRPr sz="1200" kern="1200">
+        <a:solidFill>
+          <a:schemeClr val="tx1"/>
+        </a:solidFill>
+        <a:latin typeface="+mn-lt"/>
+        <a:ea typeface="+mn-ea"/>
+        <a:cs typeface="+mn-cs"/>
+      </a:defRPr>
+    </a:lvl4pPr>
+    <a:lvl5pPr marL="1828800" algn="l" defTabSz="914400" rtl="0" eaLnBrk="1" latinLnBrk="0" hangingPunct="1">
+      <a:defRPr sz="1200" kern="1200">
+        <a:solidFill>
+          <a:schemeClr val="tx1"/>
+        </a:solidFill>
+        <a:latin typeface="+mn-lt"/>
+        <a:ea typeface="+mn-ea"/>
+        <a:cs typeface="+mn-cs"/>
+      </a:defRPr>
+    </a:lvl5pPr>
+    <a:lvl6pPr marL="2286000" algn="l" defTabSz="914400" rtl="0" eaLnBrk="1" latinLnBrk="0" hangingPunct="1">
+      <a:defRPr sz="1200" kern="1200">
+        <a:solidFill>
+          <a:schemeClr val="tx1"/>
+        </a:solidFill>
+        <a:latin typeface="+mn-lt"/>
+        <a:ea typeface="+mn-ea"/>
+        <a:cs typeface="+mn-cs"/>
+      </a:defRPr>
+    </a:lvl6pPr>
+    <a:lvl7pPr marL="2743200" algn="l" defTabSz="914400" rtl="0" eaLnBrk="1" latinLnBrk="0" hangingPunct="1">
+      <a:defRPr sz="1200" kern="1200">
+        <a:solidFill>
+          <a:schemeClr val="tx1"/>
+        </a:solidFill>
+        <a:latin typeface="+mn-lt"/>
+        <a:ea typeface="+mn-ea"/>
+        <a:cs typeface="+mn-cs"/>
+      </a:defRPr>
+    </a:lvl7pPr>
+    <a:lvl8pPr marL="3200400" algn="l" defTabSz="914400" rtl="0" eaLnBrk="1" latinLnBrk="0" hangingPunct="1">
+      <a:defRPr sz="1200" kern="1200">
+        <a:solidFill>
+          <a:schemeClr val="tx1"/>
+        </a:solidFill>
+        <a:latin typeface="+mn-lt"/>
+        <a:ea typeface="+mn-ea"/>
+        <a:cs typeface="+mn-cs"/>
+      </a:defRPr>
+    </a:lvl8pPr>
+    <a:lvl9pPr marL="3657600" algn="l" defTabSz="914400" rtl="0" eaLnBrk="1" latinLnBrk="0" hangingPunct="1">
+      <a:defRPr sz="1200" kern="1200">
+        <a:solidFill>
+          <a:schemeClr val="tx1"/>
+        </a:solidFill>
+        <a:latin typeface="+mn-lt"/>
+        <a:ea typeface="+mn-ea"/>
+        <a:cs typeface="+mn-cs"/>
+      </a:defRPr>
+    </a:lvl9pPr>
+  </p:notesStyle>
+</p:notesMaster>
+</file>
+
+<file path=ppt/notesSlides/notesSlide1.xml><?xml version="1.0" encoding="utf-8"?>
+<p:notes xmlns:a="http://schemas.openxmlformats.org/drawingml/2006/main" xmlns:r="http://schemas.openxmlformats.org/officeDocument/2006/relationships" xmlns:p="http://schemas.openxmlformats.org/presentationml/2006/main">
+  <p:cSld>
+    <p:spTree>
+      <p:nvGrpSpPr>
+        <p:cNvPr id="1" name=""/>
+        <p:cNvGrpSpPr/>
+        <p:nvPr/>
+      </p:nvGrpSpPr>
+      <p:grpSpPr>
+        <a:xfrm>
+          <a:off x="0" y="0"/>
+          <a:ext cx="0" cy="0"/>
+          <a:chOff x="0" y="0"/>
+          <a:chExt cx="0" cy="0"/>
+        </a:xfrm>
+      </p:grpSpPr>
+      <p:sp>
+        <p:nvSpPr>
+          <p:cNvPr id="2" name="Slide Image Placeholder 1"/>
+          <p:cNvSpPr>
+            <a:spLocks noGrp="1" noRot="1" noChangeAspect="1"/>
+          </p:cNvSpPr>
+          <p:nvPr>
+            <p:ph type="sldImg"/>
+          </p:nvPr>
+        </p:nvSpPr>
+        <p:spPr/>
+      </p:sp>
+      <p:sp>
+        <p:nvSpPr>
+          <p:cNvPr id="3" name="Notes Placeholder 2"/>
+          <p:cNvSpPr>
+            <a:spLocks noGrp="1"/>
+          </p:cNvSpPr>
+          <p:nvPr>
+            <p:ph type="body" idx="1"/>
+          </p:nvPr>
+        </p:nvSpPr>
+        <p:spPr/>
+        <p:txBody>
+          <a:bodyPr/>
+          <a:lstStyle/>
+          <a:p>
+            <a:endParaRPr lang="en-US" dirty="0"/>
+          </a:p>
+        </p:txBody>
+      </p:sp>
+      <p:sp>
+        <p:nvSpPr>
+          <p:cNvPr id="4" name="Slide Number Placeholder 3"/>
+          <p:cNvSpPr>
+            <a:spLocks noGrp="1"/>
+          </p:cNvSpPr>
+          <p:nvPr>
+            <p:ph type="sldNum" sz="quarter" idx="10"/>
+          </p:nvPr>
+        </p:nvSpPr>
+        <p:spPr/>
+        <p:txBody>
+          <a:bodyPr/>
+          <a:lstStyle/>
+          <a:p>
+            <a:fld id="{4FB32A5C-E1FB-6E41-BCF9-8DA85C57BC63}" type="slidenum">
+              <a:rPr lang="en-US" smtClean="0"/>
+              <a:t>7</a:t>
+            </a:fld>
+            <a:endParaRPr lang="en-US"/>
+          </a:p>
+        </p:txBody>
+      </p:sp>
+    </p:spTree>
+    <p:extLst>
+      <p:ext uri="{BB962C8B-B14F-4D97-AF65-F5344CB8AC3E}">
+        <p14:creationId xmlns:p14="http://schemas.microsoft.com/office/powerpoint/2010/main" val="959949749"/>
+      </p:ext>
+    </p:extLst>
+  </p:cSld>
+  <p:clrMapOvr>
+    <a:masterClrMapping/>
+  </p:clrMapOvr>
+</p:notes>
+</file>
+
+<file path=ppt/slideLayouts/slideLayout1.xml><?xml version="1.0" encoding="utf-8"?>
+<p:sldLayout xmlns:a="http://schemas.openxmlformats.org/drawingml/2006/main" xmlns:r="http://schemas.openxmlformats.org/officeDocument/2006/relationships" xmlns:p="http://schemas.openxmlformats.org/presentationml/2006/main" type="title" preserve="1">
+  <p:cSld name="Title Slide">
+    <p:spTree>
+      <p:nvGrpSpPr>
+        <p:cNvPr id="1" name=""/>
+        <p:cNvGrpSpPr/>
+        <p:nvPr/>
+      </p:nvGrpSpPr>
+      <p:grpSpPr>
+        <a:xfrm>
+          <a:off x="0" y="0"/>
+          <a:ext cx="0" cy="0"/>
+          <a:chOff x="0" y="0"/>
+          <a:chExt cx="0" cy="0"/>
+        </a:xfrm>
+      </p:grpSpPr>
+      <p:sp>
+        <p:nvSpPr>
+          <p:cNvPr id="7" name="Rectangle 6"/>
+          <p:cNvSpPr/>
+          <p:nvPr/>
+        </p:nvSpPr>
+        <p:spPr>
+          <a:xfrm>
+            <a:off x="1" y="6400800"/>
+            <a:ext cx="12192000" cy="457200"/>
+          </a:xfrm>
+          <a:prstGeom prst="rect">
+            <a:avLst/>
+          </a:prstGeom>
+          <a:solidFill>
+            <a:schemeClr val="accent2"/>
+          </a:solidFill>
           <a:ln>
             <a:noFill/>
           </a:ln>
@@ -186,39 +619,80 @@
       </p:sp>
       <p:sp>
         <p:nvSpPr>
-          <p:cNvPr id="2" name="Title 1"/>
-          <p:cNvSpPr>
-            <a:spLocks noGrp="1"/>
-          </p:cNvSpPr>
-          <p:nvPr>
-            <p:ph type="ctrTitle"/>
-          </p:nvPr>
+          <p:cNvPr id="8" name="Rectangle 7"/>
+          <p:cNvSpPr/>
+          <p:nvPr/>
         </p:nvSpPr>
         <p:spPr>
           <a:xfrm>
-            <a:off x="603504" y="770467"/>
-            <a:ext cx="10782300" cy="3352800"/>
+            <a:off x="1" y="6334316"/>
+            <a:ext cx="12192000" cy="66484"/>
+          </a:xfrm>
+          <a:prstGeom prst="rect">
+            <a:avLst/>
+          </a:prstGeom>
+          <a:solidFill>
+            <a:schemeClr val="accent1"/>
+          </a:solidFill>
+          <a:ln>
+            <a:noFill/>
+          </a:ln>
+        </p:spPr>
+        <p:style>
+          <a:lnRef idx="2">
+            <a:schemeClr val="accent1">
+              <a:shade val="50000"/>
+            </a:schemeClr>
+          </a:lnRef>
+          <a:fillRef idx="1">
+            <a:schemeClr val="accent1"/>
+          </a:fillRef>
+          <a:effectRef idx="0">
+            <a:schemeClr val="accent1"/>
+          </a:effectRef>
+          <a:fontRef idx="minor">
+            <a:schemeClr val="lt1"/>
+          </a:fontRef>
+        </p:style>
+      </p:sp>
+      <p:sp>
+        <p:nvSpPr>
+          <p:cNvPr id="2" name="Title 1"/>
+          <p:cNvSpPr>
+            <a:spLocks noGrp="1"/>
+          </p:cNvSpPr>
+          <p:nvPr>
+            <p:ph type="ctrTitle"/>
+          </p:nvPr>
+        </p:nvSpPr>
+        <p:spPr>
+          <a:xfrm>
+            <a:off x="1097280" y="1106729"/>
+            <a:ext cx="10058400" cy="1990042"/>
           </a:xfrm>
         </p:spPr>
         <p:txBody>
           <a:bodyPr anchor="b">
-            <a:noAutofit/>
+            <a:normAutofit/>
           </a:bodyPr>
           <a:lstStyle>
-            <a:lvl1pPr algn="l">
+            <a:lvl1pPr algn="ctr">
               <a:lnSpc>
-                <a:spcPct val="80000"/>
+                <a:spcPct val="85000"/>
               </a:lnSpc>
-              <a:defRPr sz="8800" spc="-120" baseline="0">
+              <a:defRPr sz="8000" spc="-51" baseline="0">
                 <a:solidFill>
-                  <a:srgbClr val="FFFFFF"/>
+                  <a:schemeClr val="tx1">
+                    <a:lumMod val="85000"/>
+                    <a:lumOff val="15000"/>
+                  </a:schemeClr>
                 </a:solidFill>
               </a:defRPr>
             </a:lvl1pPr>
           </a:lstStyle>
           <a:p>
             <a:r>
-              <a:rPr lang="en-US"/>
+              <a:rPr lang="en-US" smtClean="0"/>
               <a:t>Click to edit Master title style</a:t>
             </a:r>
             <a:endParaRPr lang="en-US" dirty="0"/>
@@ -237,60 +711,60 @@
         </p:nvSpPr>
         <p:spPr>
           <a:xfrm>
-            <a:off x="667512" y="4206876"/>
-            <a:ext cx="9228201" cy="1645920"/>
+            <a:off x="1097280" y="3229740"/>
+            <a:ext cx="10058400" cy="1143000"/>
           </a:xfrm>
         </p:spPr>
         <p:txBody>
-          <a:bodyPr>
+          <a:bodyPr lIns="91440" rIns="91440">
             <a:normAutofit/>
           </a:bodyPr>
           <a:lstStyle>
-            <a:lvl1pPr marL="0" indent="0" algn="l">
+            <a:lvl1pPr marL="0" indent="0" algn="ctr">
               <a:buNone/>
-              <a:defRPr sz="3200">
+              <a:defRPr sz="2400" cap="all" spc="200" baseline="0">
                 <a:solidFill>
-                  <a:schemeClr val="bg1"/>
+                  <a:schemeClr val="tx2"/>
                 </a:solidFill>
                 <a:latin typeface="+mj-lt"/>
               </a:defRPr>
             </a:lvl1pPr>
-            <a:lvl2pPr marL="457200" indent="0" algn="ctr">
+            <a:lvl2pPr marL="457178" indent="0" algn="ctr">
               <a:buNone/>
-              <a:defRPr sz="2800"/>
+              <a:defRPr sz="2400"/>
             </a:lvl2pPr>
-            <a:lvl3pPr marL="914400" indent="0" algn="ctr">
+            <a:lvl3pPr marL="914354" indent="0" algn="ctr">
               <a:buNone/>
               <a:defRPr sz="2400"/>
             </a:lvl3pPr>
-            <a:lvl4pPr marL="1371600" indent="0" algn="ctr">
+            <a:lvl4pPr marL="1371532" indent="0" algn="ctr">
               <a:buNone/>
               <a:defRPr sz="2000"/>
             </a:lvl4pPr>
-            <a:lvl5pPr marL="1828800" indent="0" algn="ctr">
+            <a:lvl5pPr marL="1828709" indent="0" algn="ctr">
               <a:buNone/>
               <a:defRPr sz="2000"/>
             </a:lvl5pPr>
-            <a:lvl6pPr marL="2286000" indent="0" algn="ctr">
+            <a:lvl6pPr marL="2285886" indent="0" algn="ctr">
               <a:buNone/>
               <a:defRPr sz="2000"/>
             </a:lvl6pPr>
-            <a:lvl7pPr marL="2743200" indent="0" algn="ctr">
+            <a:lvl7pPr marL="2743062" indent="0" algn="ctr">
               <a:buNone/>
               <a:defRPr sz="2000"/>
             </a:lvl7pPr>
-            <a:lvl8pPr marL="3200400" indent="0" algn="ctr">
+            <a:lvl8pPr marL="3200240" indent="0" algn="ctr">
               <a:buNone/>
               <a:defRPr sz="2000"/>
             </a:lvl8pPr>
-            <a:lvl9pPr marL="3657600" indent="0" algn="ctr">
+            <a:lvl9pPr marL="3657418" indent="0" algn="ctr">
               <a:buNone/>
               <a:defRPr sz="2000"/>
             </a:lvl9pPr>
           </a:lstStyle>
           <a:p>
             <a:r>
-              <a:rPr lang="en-US"/>
+              <a:rPr lang="en-US" smtClean="0"/>
               <a:t>Click to edit Master subtitle style</a:t>
             </a:r>
             <a:endParaRPr lang="en-US" dirty="0"/>
@@ -299,7 +773,7 @@
       </p:sp>
       <p:sp>
         <p:nvSpPr>
-          <p:cNvPr id="7" name="Date Placeholder 6"/>
+          <p:cNvPr id="4" name="Date Placeholder 3"/>
           <p:cNvSpPr>
             <a:spLocks noGrp="1"/>
           </p:cNvSpPr>
@@ -310,21 +784,11 @@
         <p:spPr/>
         <p:txBody>
           <a:bodyPr/>
-          <a:lstStyle>
-            <a:lvl1pPr>
-              <a:defRPr>
-                <a:solidFill>
-                  <a:srgbClr val="FFFFFF">
-                    <a:alpha val="80000"/>
-                  </a:srgbClr>
-                </a:solidFill>
-              </a:defRPr>
-            </a:lvl1pPr>
-          </a:lstStyle>
+          <a:lstStyle/>
           <a:p>
             <a:fld id="{C844D2C0-41C2-43BC-8019-694385F02E35}" type="datetimeFigureOut">
               <a:rPr lang="en-US" smtClean="0"/>
-              <a:t>9/16/2016</a:t>
+              <a:t>9/16/16</a:t>
             </a:fld>
             <a:endParaRPr lang="en-US"/>
           </a:p>
@@ -332,7 +796,7 @@
       </p:sp>
       <p:sp>
         <p:nvSpPr>
-          <p:cNvPr id="8" name="Footer Placeholder 7"/>
+          <p:cNvPr id="5" name="Footer Placeholder 4"/>
           <p:cNvSpPr>
             <a:spLocks noGrp="1"/>
           </p:cNvSpPr>
@@ -343,17 +807,7 @@
         <p:spPr/>
         <p:txBody>
           <a:bodyPr/>
-          <a:lstStyle>
-            <a:lvl1pPr>
-              <a:defRPr>
-                <a:solidFill>
-                  <a:srgbClr val="FFFFFF">
-                    <a:alpha val="80000"/>
-                  </a:srgbClr>
-                </a:solidFill>
-              </a:defRPr>
-            </a:lvl1pPr>
-          </a:lstStyle>
+          <a:lstStyle/>
           <a:p>
             <a:endParaRPr lang="en-US"/>
           </a:p>
@@ -361,7 +815,7 @@
       </p:sp>
       <p:sp>
         <p:nvSpPr>
-          <p:cNvPr id="9" name="Slide Number Placeholder 8"/>
+          <p:cNvPr id="6" name="Slide Number Placeholder 5"/>
           <p:cNvSpPr>
             <a:spLocks noGrp="1"/>
           </p:cNvSpPr>
@@ -372,17 +826,7 @@
         <p:spPr/>
         <p:txBody>
           <a:bodyPr/>
-          <a:lstStyle>
-            <a:lvl1pPr>
-              <a:defRPr>
-                <a:solidFill>
-                  <a:srgbClr val="FFFFFF">
-                    <a:alpha val="25000"/>
-                  </a:srgbClr>
-                </a:solidFill>
-              </a:defRPr>
-            </a:lvl1pPr>
-          </a:lstStyle>
+          <a:lstStyle/>
           <a:p>
             <a:fld id="{8891EF41-D1D0-45E7-B90F-4F9B8211DA66}" type="slidenum">
               <a:rPr lang="en-US" smtClean="0"/>
@@ -392,16 +836,61 @@
           </a:p>
         </p:txBody>
       </p:sp>
+      <p:cxnSp>
+        <p:nvCxnSpPr>
+          <p:cNvPr id="9" name="Straight Connector 8"/>
+          <p:cNvCxnSpPr/>
+          <p:nvPr/>
+        </p:nvCxnSpPr>
+        <p:spPr>
+          <a:xfrm>
+            <a:off x="1188720" y="3163255"/>
+            <a:ext cx="9875520" cy="0"/>
+          </a:xfrm>
+          <a:prstGeom prst="line">
+            <a:avLst/>
+          </a:prstGeom>
+          <a:ln w="6350">
+            <a:solidFill>
+              <a:schemeClr val="tx1">
+                <a:lumMod val="50000"/>
+                <a:lumOff val="50000"/>
+              </a:schemeClr>
+            </a:solidFill>
+          </a:ln>
+        </p:spPr>
+        <p:style>
+          <a:lnRef idx="1">
+            <a:schemeClr val="accent1"/>
+          </a:lnRef>
+          <a:fillRef idx="0">
+            <a:schemeClr val="accent1"/>
+          </a:fillRef>
+          <a:effectRef idx="0">
+            <a:schemeClr val="accent1"/>
+          </a:effectRef>
+          <a:fontRef idx="minor">
+            <a:schemeClr val="tx1"/>
+          </a:fontRef>
+        </p:style>
+      </p:cxnSp>
     </p:spTree>
     <p:extLst>
       <p:ext uri="{BB962C8B-B14F-4D97-AF65-F5344CB8AC3E}">
-        <p14:creationId xmlns:p14="http://schemas.microsoft.com/office/powerpoint/2010/main" val="2748561668"/>
+        <p14:creationId xmlns:p14="http://schemas.microsoft.com/office/powerpoint/2010/main" val="138137750"/>
       </p:ext>
     </p:extLst>
   </p:cSld>
   <p:clrMapOvr>
     <a:masterClrMapping/>
   </p:clrMapOvr>
+  <p:timing>
+    <p:tnLst>
+      <p:par>
+        <p:cTn id="1" dur="indefinite" restart="never" nodeType="tmRoot"/>
+      </p:par>
+    </p:tnLst>
+  </p:timing>
 </p:sldLayout>
 </file>
 
@@ -438,7 +927,7 @@
           <a:lstStyle/>
           <a:p>
             <a:r>
-              <a:rPr lang="en-US"/>
+              <a:rPr lang="en-US" smtClean="0"/>
               <a:t>Click to edit Master title style</a:t>
             </a:r>
             <a:endParaRPr lang="en-US" dirty="0"/>
@@ -457,40 +946,40 @@
         </p:nvSpPr>
         <p:spPr/>
         <p:txBody>
-          <a:bodyPr vert="eaVert"/>
+          <a:bodyPr vert="eaVert" lIns="45720" tIns="0" rIns="45720" bIns="0"/>
           <a:lstStyle/>
           <a:p>
             <a:pPr lvl="0"/>
             <a:r>
-              <a:rPr lang="en-US"/>
-              <a:t>Edit Master text styles</a:t>
+              <a:rPr lang="en-US" smtClean="0"/>
+              <a:t>Click to edit Master text styles</a:t>
             </a:r>
           </a:p>
           <a:p>
             <a:pPr lvl="1"/>
             <a:r>
-              <a:rPr lang="en-US"/>
+              <a:rPr lang="en-US" smtClean="0"/>
               <a:t>Second level</a:t>
             </a:r>
           </a:p>
           <a:p>
             <a:pPr lvl="2"/>
             <a:r>
-              <a:rPr lang="en-US"/>
+              <a:rPr lang="en-US" smtClean="0"/>
               <a:t>Third level</a:t>
             </a:r>
           </a:p>
           <a:p>
             <a:pPr lvl="3"/>
             <a:r>
-              <a:rPr lang="en-US"/>
+              <a:rPr lang="en-US" smtClean="0"/>
               <a:t>Fourth level</a:t>
             </a:r>
           </a:p>
           <a:p>
             <a:pPr lvl="4"/>
             <a:r>
-              <a:rPr lang="en-US"/>
+              <a:rPr lang="en-US" smtClean="0"/>
               <a:t>Fifth level</a:t>
             </a:r>
             <a:endParaRPr lang="en-US" dirty="0"/>
@@ -514,7 +1003,7 @@
           <a:p>
             <a:fld id="{C844D2C0-41C2-43BC-8019-694385F02E35}" type="datetimeFigureOut">
               <a:rPr lang="en-US" smtClean="0"/>
-              <a:t>9/16/2016</a:t>
+              <a:t>9/16/16</a:t>
             </a:fld>
             <a:endParaRPr lang="en-US"/>
           </a:p>
@@ -565,7 +1054,7 @@
     </p:spTree>
     <p:extLst>
       <p:ext uri="{BB962C8B-B14F-4D97-AF65-F5344CB8AC3E}">
-        <p14:creationId xmlns:p14="http://schemas.microsoft.com/office/powerpoint/2010/main" val="333972266"/>
+        <p14:creationId xmlns:p14="http://schemas.microsoft.com/office/powerpoint/2010/main" val="183301631"/>
       </p:ext>
     </p:extLst>
   </p:cSld>
@@ -594,18 +1083,94 @@
       </p:grpSpPr>
       <p:sp>
         <p:nvSpPr>
-          <p:cNvPr id="2" name="Vertical Title 1"/>
-          <p:cNvSpPr>
-            <a:spLocks noGrp="1"/>
-          </p:cNvSpPr>
-          <p:nvPr>
-            <p:ph type="title" orient="vert"/>
-          </p:nvPr>
+          <p:cNvPr id="7" name="Rectangle 6"/>
+          <p:cNvSpPr/>
+          <p:nvPr/>
         </p:nvSpPr>
         <p:spPr>
           <a:xfrm>
-            <a:off x="8743950" y="695325"/>
-            <a:ext cx="2628900" cy="4800600"/>
+            <a:off x="3181" y="6400800"/>
+            <a:ext cx="12188825" cy="457200"/>
+          </a:xfrm>
+          <a:prstGeom prst="rect">
+            <a:avLst/>
+          </a:prstGeom>
+          <a:solidFill>
+            <a:schemeClr val="accent2"/>
+          </a:solidFill>
+          <a:ln>
+            <a:noFill/>
+          </a:ln>
+        </p:spPr>
+        <p:style>
+          <a:lnRef idx="2">
+            <a:schemeClr val="accent1">
+              <a:shade val="50000"/>
+            </a:schemeClr>
+          </a:lnRef>
+          <a:fillRef idx="1">
+            <a:schemeClr val="accent1"/>
+          </a:fillRef>
+          <a:effectRef idx="0">
+            <a:schemeClr val="accent1"/>
+          </a:effectRef>
+          <a:fontRef idx="minor">
+            <a:schemeClr val="lt1"/>
+          </a:fontRef>
+        </p:style>
+      </p:sp>
+      <p:sp>
+        <p:nvSpPr>
+          <p:cNvPr id="8" name="Rectangle 7"/>
+          <p:cNvSpPr/>
+          <p:nvPr/>
+        </p:nvSpPr>
+        <p:spPr>
+          <a:xfrm>
+            <a:off x="21" y="6334316"/>
+            <a:ext cx="12188825" cy="64008"/>
+          </a:xfrm>
+          <a:prstGeom prst="rect">
+            <a:avLst/>
+          </a:prstGeom>
+          <a:solidFill>
+            <a:schemeClr val="accent1"/>
+          </a:solidFill>
+          <a:ln>
+            <a:noFill/>
+          </a:ln>
+        </p:spPr>
+        <p:style>
+          <a:lnRef idx="2">
+            <a:schemeClr val="accent1">
+              <a:shade val="50000"/>
+            </a:schemeClr>
+          </a:lnRef>
+          <a:fillRef idx="1">
+            <a:schemeClr val="accent1"/>
+          </a:fillRef>
+          <a:effectRef idx="0">
+            <a:schemeClr val="accent1"/>
+          </a:effectRef>
+          <a:fontRef idx="minor">
+            <a:schemeClr val="lt1"/>
+          </a:fontRef>
+        </p:style>
+      </p:sp>
+      <p:sp>
+        <p:nvSpPr>
+          <p:cNvPr id="2" name="Vertical Title 1"/>
+          <p:cNvSpPr>
+            <a:spLocks noGrp="1"/>
+          </p:cNvSpPr>
+          <p:nvPr>
+            <p:ph type="title" orient="vert"/>
+          </p:nvPr>
+        </p:nvSpPr>
+        <p:spPr>
+          <a:xfrm>
+            <a:off x="8724902" y="412302"/>
+            <a:ext cx="2628900" cy="5759898"/>
           </a:xfrm>
         </p:spPr>
         <p:txBody>
@@ -613,7 +1178,7 @@
           <a:lstStyle/>
           <a:p>
             <a:r>
-              <a:rPr lang="en-US"/>
+              <a:rPr lang="en-US" smtClean="0"/>
               <a:t>Click to edit Master title style</a:t>
             </a:r>
             <a:endParaRPr lang="en-US" dirty="0"/>
@@ -632,45 +1197,45 @@
         </p:nvSpPr>
         <p:spPr>
           <a:xfrm>
-            <a:off x="771525" y="714375"/>
-            <a:ext cx="7734300" cy="5400675"/>
+            <a:off x="838203" y="412302"/>
+            <a:ext cx="7734300" cy="5759898"/>
           </a:xfrm>
         </p:spPr>
         <p:txBody>
-          <a:bodyPr vert="eaVert"/>
+          <a:bodyPr vert="eaVert" lIns="45720" tIns="0" rIns="45720" bIns="0"/>
           <a:lstStyle/>
           <a:p>
             <a:pPr lvl="0"/>
             <a:r>
-              <a:rPr lang="en-US"/>
-              <a:t>Edit Master text styles</a:t>
+              <a:rPr lang="en-US" smtClean="0"/>
+              <a:t>Click to edit Master text styles</a:t>
             </a:r>
           </a:p>
           <a:p>
             <a:pPr lvl="1"/>
             <a:r>
-              <a:rPr lang="en-US"/>
+              <a:rPr lang="en-US" smtClean="0"/>
               <a:t>Second level</a:t>
             </a:r>
           </a:p>
           <a:p>
             <a:pPr lvl="2"/>
             <a:r>
-              <a:rPr lang="en-US"/>
+              <a:rPr lang="en-US" smtClean="0"/>
               <a:t>Third level</a:t>
             </a:r>
           </a:p>
           <a:p>
             <a:pPr lvl="3"/>
             <a:r>
-              <a:rPr lang="en-US"/>
+              <a:rPr lang="en-US" smtClean="0"/>
               <a:t>Fourth level</a:t>
             </a:r>
           </a:p>
           <a:p>
             <a:pPr lvl="4"/>
             <a:r>
-              <a:rPr lang="en-US"/>
+              <a:rPr lang="en-US" smtClean="0"/>
               <a:t>Fifth level</a:t>
             </a:r>
             <a:endParaRPr lang="en-US" dirty="0"/>
@@ -694,7 +1259,7 @@
           <a:p>
             <a:fld id="{C844D2C0-41C2-43BC-8019-694385F02E35}" type="datetimeFigureOut">
               <a:rPr lang="en-US" smtClean="0"/>
-              <a:t>9/16/2016</a:t>
+              <a:t>9/16/16</a:t>
             </a:fld>
             <a:endParaRPr lang="en-US"/>
           </a:p>
@@ -745,7 +1310,7 @@
     </p:spTree>
     <p:extLst>
       <p:ext uri="{BB962C8B-B14F-4D97-AF65-F5344CB8AC3E}">
-        <p14:creationId xmlns:p14="http://schemas.microsoft.com/office/powerpoint/2010/main" val="1245942877"/>
+        <p14:creationId xmlns:p14="http://schemas.microsoft.com/office/powerpoint/2010/main" val="1258962419"/>
       </p:ext>
     </p:extLst>
   </p:cSld>
@@ -788,7 +1353,7 @@
           <a:lstStyle/>
           <a:p>
             <a:r>
-              <a:rPr lang="en-US"/>
+              <a:rPr lang="en-US" smtClean="0"/>
               <a:t>Click to edit Master title style</a:t>
             </a:r>
             <a:endParaRPr lang="en-US" dirty="0"/>
@@ -812,35 +1377,35 @@
           <a:p>
             <a:pPr lvl="0"/>
             <a:r>
-              <a:rPr lang="en-US"/>
-              <a:t>Edit Master text styles</a:t>
+              <a:rPr lang="en-US" smtClean="0"/>
+              <a:t>Click to edit Master text styles</a:t>
             </a:r>
           </a:p>
           <a:p>
             <a:pPr lvl="1"/>
             <a:r>
-              <a:rPr lang="en-US"/>
+              <a:rPr lang="en-US" smtClean="0"/>
               <a:t>Second level</a:t>
             </a:r>
           </a:p>
           <a:p>
             <a:pPr lvl="2"/>
             <a:r>
-              <a:rPr lang="en-US"/>
+              <a:rPr lang="en-US" smtClean="0"/>
               <a:t>Third level</a:t>
             </a:r>
           </a:p>
           <a:p>
             <a:pPr lvl="3"/>
             <a:r>
-              <a:rPr lang="en-US"/>
+              <a:rPr lang="en-US" smtClean="0"/>
               <a:t>Fourth level</a:t>
             </a:r>
           </a:p>
           <a:p>
             <a:pPr lvl="4"/>
             <a:r>
-              <a:rPr lang="en-US"/>
+              <a:rPr lang="en-US" smtClean="0"/>
               <a:t>Fifth level</a:t>
             </a:r>
             <a:endParaRPr lang="en-US" dirty="0"/>
@@ -864,7 +1429,7 @@
           <a:p>
             <a:fld id="{C844D2C0-41C2-43BC-8019-694385F02E35}" type="datetimeFigureOut">
               <a:rPr lang="en-US" smtClean="0"/>
-              <a:t>9/16/2016</a:t>
+              <a:t>9/16/16</a:t>
             </a:fld>
             <a:endParaRPr lang="en-US"/>
           </a:p>
@@ -915,13 +1480,20 @@
     </p:spTree>
     <p:extLst>
       <p:ext uri="{BB962C8B-B14F-4D97-AF65-F5344CB8AC3E}">
-        <p14:creationId xmlns:p14="http://schemas.microsoft.com/office/powerpoint/2010/main" val="1367564660"/>
+        <p14:creationId xmlns:p14="http://schemas.microsoft.com/office/powerpoint/2010/main" val="251341843"/>
       </p:ext>
     </p:extLst>
   </p:cSld>
   <p:clrMapOvr>
     <a:masterClrMapping/>
   </p:clrMapOvr>
+  <p:timing>
+    <p:tnLst>
+      <p:par>
+        <p:cTn id="1" dur="indefinite" restart="never" nodeType="tmRoot"/>
+      </p:par>
+    </p:tnLst>
+  </p:timing>
 </p:sldLayout>
 </file>
 
@@ -944,39 +1516,118 @@
       </p:grpSpPr>
       <p:sp>
         <p:nvSpPr>
-          <p:cNvPr id="2" name="Title 1"/>
-          <p:cNvSpPr>
-            <a:spLocks noGrp="1"/>
-          </p:cNvSpPr>
-          <p:nvPr>
-            <p:ph type="title"/>
-          </p:nvPr>
+          <p:cNvPr id="7" name="Rectangle 6"/>
+          <p:cNvSpPr/>
+          <p:nvPr/>
         </p:nvSpPr>
         <p:spPr>
           <a:xfrm>
-            <a:off x="603504" y="767419"/>
-            <a:ext cx="10780776" cy="3355848"/>
+            <a:off x="3181" y="6400800"/>
+            <a:ext cx="12188825" cy="457200"/>
+          </a:xfrm>
+          <a:prstGeom prst="rect">
+            <a:avLst/>
+          </a:prstGeom>
+          <a:solidFill>
+            <a:schemeClr val="accent2"/>
+          </a:solidFill>
+          <a:ln>
+            <a:noFill/>
+          </a:ln>
+        </p:spPr>
+        <p:style>
+          <a:lnRef idx="2">
+            <a:schemeClr val="accent1">
+              <a:shade val="50000"/>
+            </a:schemeClr>
+          </a:lnRef>
+          <a:fillRef idx="1">
+            <a:schemeClr val="accent1"/>
+          </a:fillRef>
+          <a:effectRef idx="0">
+            <a:schemeClr val="accent1"/>
+          </a:effectRef>
+          <a:fontRef idx="minor">
+            <a:schemeClr val="lt1"/>
+          </a:fontRef>
+        </p:style>
+      </p:sp>
+      <p:sp>
+        <p:nvSpPr>
+          <p:cNvPr id="8" name="Rectangle 7"/>
+          <p:cNvSpPr/>
+          <p:nvPr/>
+        </p:nvSpPr>
+        <p:spPr>
+          <a:xfrm>
+            <a:off x="21" y="6334316"/>
+            <a:ext cx="12188825" cy="64008"/>
+          </a:xfrm>
+          <a:prstGeom prst="rect">
+            <a:avLst/>
+          </a:prstGeom>
+          <a:solidFill>
+            <a:schemeClr val="accent1"/>
+          </a:solidFill>
+          <a:ln>
+            <a:noFill/>
+          </a:ln>
+        </p:spPr>
+        <p:style>
+          <a:lnRef idx="2">
+            <a:schemeClr val="accent1">
+              <a:shade val="50000"/>
+            </a:schemeClr>
+          </a:lnRef>
+          <a:fillRef idx="1">
+            <a:schemeClr val="accent1"/>
+          </a:fillRef>
+          <a:effectRef idx="0">
+            <a:schemeClr val="accent1"/>
+          </a:effectRef>
+          <a:fontRef idx="minor">
+            <a:schemeClr val="lt1"/>
+          </a:fontRef>
+        </p:style>
+      </p:sp>
+      <p:sp>
+        <p:nvSpPr>
+          <p:cNvPr id="2" name="Title 1"/>
+          <p:cNvSpPr>
+            <a:spLocks noGrp="1"/>
+          </p:cNvSpPr>
+          <p:nvPr>
+            <p:ph type="title"/>
+          </p:nvPr>
+        </p:nvSpPr>
+        <p:spPr>
+          <a:xfrm>
+            <a:off x="1097280" y="758952"/>
+            <a:ext cx="10058400" cy="3566160"/>
           </a:xfrm>
         </p:spPr>
         <p:txBody>
-          <a:bodyPr anchor="b">
+          <a:bodyPr anchor="b" anchorCtr="0">
             <a:normAutofit/>
           </a:bodyPr>
           <a:lstStyle>
             <a:lvl1pPr>
               <a:lnSpc>
-                <a:spcPct val="80000"/>
+                <a:spcPct val="85000"/>
               </a:lnSpc>
-              <a:defRPr sz="8800" b="0" baseline="0">
+              <a:defRPr sz="8000" b="0">
                 <a:solidFill>
-                  <a:schemeClr val="accent1"/>
+                  <a:schemeClr val="tx1">
+                    <a:lumMod val="85000"/>
+                    <a:lumOff val="15000"/>
+                  </a:schemeClr>
                 </a:solidFill>
               </a:defRPr>
             </a:lvl1pPr>
           </a:lstStyle>
           <a:p>
             <a:r>
-              <a:rPr lang="en-US"/>
+              <a:rPr lang="en-US" smtClean="0"/>
               <a:t>Click to edit Master title style</a:t>
             </a:r>
             <a:endParaRPr lang="en-US" dirty="0"/>
@@ -995,25 +1646,25 @@
         </p:nvSpPr>
         <p:spPr>
           <a:xfrm>
-            <a:off x="667512" y="4204209"/>
-            <a:ext cx="9226296" cy="1645920"/>
+            <a:off x="1097280" y="4453128"/>
+            <a:ext cx="10058400" cy="1143000"/>
           </a:xfrm>
         </p:spPr>
         <p:txBody>
-          <a:bodyPr anchor="t">
+          <a:bodyPr lIns="91440" rIns="91440" anchor="t" anchorCtr="0">
             <a:normAutofit/>
           </a:bodyPr>
           <a:lstStyle>
             <a:lvl1pPr marL="0" indent="0">
               <a:buNone/>
-              <a:defRPr sz="3200">
+              <a:defRPr sz="2400" cap="all" spc="200" baseline="0">
                 <a:solidFill>
-                  <a:schemeClr val="tx1"/>
+                  <a:schemeClr val="tx2"/>
                 </a:solidFill>
                 <a:latin typeface="+mj-lt"/>
               </a:defRPr>
             </a:lvl1pPr>
-            <a:lvl2pPr marL="457200" indent="0">
+            <a:lvl2pPr marL="457178" indent="0">
               <a:buNone/>
               <a:defRPr sz="1800">
                 <a:solidFill>
@@ -1023,7 +1674,7 @@
                 </a:solidFill>
               </a:defRPr>
             </a:lvl2pPr>
-            <a:lvl3pPr marL="914400" indent="0">
+            <a:lvl3pPr marL="914354" indent="0">
               <a:buNone/>
               <a:defRPr sz="1600">
                 <a:solidFill>
@@ -1033,7 +1684,7 @@
                 </a:solidFill>
               </a:defRPr>
             </a:lvl3pPr>
-            <a:lvl4pPr marL="1371600" indent="0">
+            <a:lvl4pPr marL="1371532" indent="0">
               <a:buNone/>
               <a:defRPr sz="1400">
                 <a:solidFill>
@@ -1043,7 +1694,7 @@
                 </a:solidFill>
               </a:defRPr>
             </a:lvl4pPr>
-            <a:lvl5pPr marL="1828800" indent="0">
+            <a:lvl5pPr marL="1828709" indent="0">
               <a:buNone/>
               <a:defRPr sz="1400">
                 <a:solidFill>
@@ -1053,7 +1704,7 @@
                 </a:solidFill>
               </a:defRPr>
             </a:lvl5pPr>
-            <a:lvl6pPr marL="2286000" indent="0">
+            <a:lvl6pPr marL="2285886" indent="0">
               <a:buNone/>
               <a:defRPr sz="1400">
                 <a:solidFill>
@@ -1063,7 +1714,7 @@
                 </a:solidFill>
               </a:defRPr>
             </a:lvl6pPr>
-            <a:lvl7pPr marL="2743200" indent="0">
+            <a:lvl7pPr marL="2743062" indent="0">
               <a:buNone/>
               <a:defRPr sz="1400">
                 <a:solidFill>
@@ -1073,7 +1724,7 @@
                 </a:solidFill>
               </a:defRPr>
             </a:lvl7pPr>
-            <a:lvl8pPr marL="3200400" indent="0">
+            <a:lvl8pPr marL="3200240" indent="0">
               <a:buNone/>
               <a:defRPr sz="1400">
                 <a:solidFill>
@@ -1083,7 +1734,7 @@
                 </a:solidFill>
               </a:defRPr>
             </a:lvl8pPr>
-            <a:lvl9pPr marL="3657600" indent="0">
+            <a:lvl9pPr marL="3657418" indent="0">
               <a:buNone/>
               <a:defRPr sz="1400">
                 <a:solidFill>
@@ -1097,8 +1748,8 @@
           <a:p>
             <a:pPr lvl="0"/>
             <a:r>
-              <a:rPr lang="en-US"/>
-              <a:t>Edit Master text styles</a:t>
+              <a:rPr lang="en-US" smtClean="0"/>
+              <a:t>Click to edit Master text styles</a:t>
             </a:r>
           </a:p>
         </p:txBody>
@@ -1120,7 +1771,7 @@
           <a:p>
             <a:fld id="{C844D2C0-41C2-43BC-8019-694385F02E35}" type="datetimeFigureOut">
               <a:rPr lang="en-US" smtClean="0"/>
-              <a:t>9/16/2016</a:t>
+              <a:t>9/16/16</a:t>
             </a:fld>
             <a:endParaRPr lang="en-US"/>
           </a:p>
@@ -1168,16 +1819,61 @@
           </a:p>
         </p:txBody>
       </p:sp>
+      <p:cxnSp>
+        <p:nvCxnSpPr>
+          <p:cNvPr id="9" name="Straight Connector 8"/>
+          <p:cNvCxnSpPr/>
+          <p:nvPr/>
+        </p:nvCxnSpPr>
+        <p:spPr>
+          <a:xfrm>
+            <a:off x="1207659" y="4343400"/>
+            <a:ext cx="9875520" cy="0"/>
+          </a:xfrm>
+          <a:prstGeom prst="line">
+            <a:avLst/>
+          </a:prstGeom>
+          <a:ln w="6350">
+            <a:solidFill>
+              <a:schemeClr val="tx1">
+                <a:lumMod val="50000"/>
+                <a:lumOff val="50000"/>
+              </a:schemeClr>
+            </a:solidFill>
+          </a:ln>
+        </p:spPr>
+        <p:style>
+          <a:lnRef idx="1">
+            <a:schemeClr val="accent1"/>
+          </a:lnRef>
+          <a:fillRef idx="0">
+            <a:schemeClr val="accent1"/>
+          </a:fillRef>
+          <a:effectRef idx="0">
+            <a:schemeClr val="accent1"/>
+          </a:effectRef>
+          <a:fontRef idx="minor">
+            <a:schemeClr val="tx1"/>
+          </a:fontRef>
+        </p:style>
+      </p:cxnSp>
     </p:spTree>
     <p:extLst>
       <p:ext uri="{BB962C8B-B14F-4D97-AF65-F5344CB8AC3E}">
-        <p14:creationId xmlns:p14="http://schemas.microsoft.com/office/powerpoint/2010/main" val="3653040602"/>
+        <p14:creationId xmlns:p14="http://schemas.microsoft.com/office/powerpoint/2010/main" val="202021652"/>
       </p:ext>
     </p:extLst>
   </p:cSld>
   <p:clrMapOvr>
     <a:masterClrMapping/>
   </p:clrMapOvr>
+  <p:timing>
+    <p:tnLst>
+      <p:par>
+        <p:cTn id="1" dur="indefinite" restart="never" nodeType="tmRoot"/>
+      </p:par>
+    </p:tnLst>
+  </p:timing>
 </p:sldLayout>
 </file>
 
@@ -1200,107 +1896,27 @@
       </p:grpSpPr>
       <p:sp>
         <p:nvSpPr>
-          <p:cNvPr id="2" name="Title 1"/>
+          <p:cNvPr id="8" name="Title 7"/>
           <p:cNvSpPr>
             <a:spLocks noGrp="1"/>
           </p:cNvSpPr>
           <p:nvPr>
             <p:ph type="title"/>
-          </p:nvPr>
-        </p:nvSpPr>
-        <p:spPr/>
-        <p:txBody>
-          <a:bodyPr/>
-          <a:lstStyle/>
-          <a:p>
-            <a:r>
-              <a:rPr lang="en-US"/>
-              <a:t>Click to edit Master title style</a:t>
-            </a:r>
-            <a:endParaRPr lang="en-US" dirty="0"/>
-          </a:p>
-        </p:txBody>
-      </p:sp>
-      <p:sp>
-        <p:nvSpPr>
-          <p:cNvPr id="3" name="Content Placeholder 2"/>
-          <p:cNvSpPr>
-            <a:spLocks noGrp="1"/>
-          </p:cNvSpPr>
-          <p:nvPr>
-            <p:ph sz="half" idx="1"/>
           </p:nvPr>
         </p:nvSpPr>
         <p:spPr>
           <a:xfrm>
-            <a:off x="676656" y="1998134"/>
-            <a:ext cx="4663440" cy="3767328"/>
+            <a:off x="1097280" y="286607"/>
+            <a:ext cx="10058400" cy="1450757"/>
           </a:xfrm>
         </p:spPr>
         <p:txBody>
           <a:bodyPr/>
-          <a:lstStyle>
-            <a:lvl1pPr>
-              <a:defRPr sz="2400"/>
-            </a:lvl1pPr>
-            <a:lvl2pPr>
-              <a:defRPr sz="2000"/>
-            </a:lvl2pPr>
-            <a:lvl3pPr>
-              <a:defRPr sz="1800"/>
-            </a:lvl3pPr>
-            <a:lvl4pPr>
-              <a:defRPr sz="1600"/>
-            </a:lvl4pPr>
-            <a:lvl5pPr>
-              <a:defRPr sz="1600"/>
-            </a:lvl5pPr>
-            <a:lvl6pPr>
-              <a:defRPr sz="1600"/>
-            </a:lvl6pPr>
-            <a:lvl7pPr>
-              <a:defRPr sz="1600"/>
-            </a:lvl7pPr>
-            <a:lvl8pPr>
-              <a:defRPr sz="1600"/>
-            </a:lvl8pPr>
-            <a:lvl9pPr>
-              <a:defRPr sz="1600"/>
-            </a:lvl9pPr>
-          </a:lstStyle>
-          <a:p>
-            <a:pPr lvl="0"/>
-            <a:r>
-              <a:rPr lang="en-US"/>
-              <a:t>Edit Master text styles</a:t>
-            </a:r>
-          </a:p>
-          <a:p>
-            <a:pPr lvl="1"/>
-            <a:r>
-              <a:rPr lang="en-US"/>
-              <a:t>Second level</a:t>
-            </a:r>
-          </a:p>
-          <a:p>
-            <a:pPr lvl="2"/>
-            <a:r>
-              <a:rPr lang="en-US"/>
-              <a:t>Third level</a:t>
-            </a:r>
-          </a:p>
-          <a:p>
-            <a:pPr lvl="3"/>
-            <a:r>
-              <a:rPr lang="en-US"/>
-              <a:t>Fourth level</a:t>
-            </a:r>
-          </a:p>
-          <a:p>
-            <a:pPr lvl="4"/>
-            <a:r>
-              <a:rPr lang="en-US"/>
-              <a:t>Fifth level</a:t>
+          <a:lstStyle/>
+          <a:p>
+            <a:r>
+              <a:rPr lang="en-US" smtClean="0"/>
+              <a:t>Click to edit Master title style</a:t>
             </a:r>
             <a:endParaRPr lang="en-US" dirty="0"/>
           </a:p>
@@ -1308,83 +1924,55 @@
       </p:sp>
       <p:sp>
         <p:nvSpPr>
-          <p:cNvPr id="4" name="Content Placeholder 3"/>
-          <p:cNvSpPr>
-            <a:spLocks noGrp="1"/>
-          </p:cNvSpPr>
-          <p:nvPr>
-            <p:ph sz="half" idx="2"/>
+          <p:cNvPr id="3" name="Content Placeholder 2"/>
+          <p:cNvSpPr>
+            <a:spLocks noGrp="1"/>
+          </p:cNvSpPr>
+          <p:nvPr>
+            <p:ph sz="half" idx="1"/>
           </p:nvPr>
         </p:nvSpPr>
         <p:spPr>
           <a:xfrm>
-            <a:off x="6011330" y="1998134"/>
-            <a:ext cx="4663440" cy="3767328"/>
+            <a:off x="1097280" y="1845742"/>
+            <a:ext cx="4937760" cy="4023359"/>
           </a:xfrm>
         </p:spPr>
         <p:txBody>
           <a:bodyPr/>
-          <a:lstStyle>
-            <a:lvl1pPr>
-              <a:defRPr sz="2400"/>
-            </a:lvl1pPr>
-            <a:lvl2pPr>
-              <a:defRPr sz="2000"/>
-            </a:lvl2pPr>
-            <a:lvl3pPr>
-              <a:defRPr sz="1800"/>
-            </a:lvl3pPr>
-            <a:lvl4pPr>
-              <a:defRPr sz="1600"/>
-            </a:lvl4pPr>
-            <a:lvl5pPr>
-              <a:defRPr sz="1600"/>
-            </a:lvl5pPr>
-            <a:lvl6pPr>
-              <a:defRPr sz="1600"/>
-            </a:lvl6pPr>
-            <a:lvl7pPr>
-              <a:defRPr sz="1600"/>
-            </a:lvl7pPr>
-            <a:lvl8pPr>
-              <a:defRPr sz="1600"/>
-            </a:lvl8pPr>
-            <a:lvl9pPr>
-              <a:defRPr sz="1600"/>
-            </a:lvl9pPr>
-          </a:lstStyle>
+          <a:lstStyle/>
           <a:p>
             <a:pPr lvl="0"/>
             <a:r>
-              <a:rPr lang="en-US"/>
-              <a:t>Edit Master text styles</a:t>
+              <a:rPr lang="en-US" smtClean="0"/>
+              <a:t>Click to edit Master text styles</a:t>
             </a:r>
           </a:p>
           <a:p>
             <a:pPr lvl="1"/>
             <a:r>
-              <a:rPr lang="en-US"/>
+              <a:rPr lang="en-US" smtClean="0"/>
               <a:t>Second level</a:t>
             </a:r>
           </a:p>
           <a:p>
             <a:pPr lvl="2"/>
             <a:r>
-              <a:rPr lang="en-US"/>
+              <a:rPr lang="en-US" smtClean="0"/>
               <a:t>Third level</a:t>
             </a:r>
           </a:p>
           <a:p>
             <a:pPr lvl="3"/>
             <a:r>
-              <a:rPr lang="en-US"/>
+              <a:rPr lang="en-US" smtClean="0"/>
               <a:t>Fourth level</a:t>
             </a:r>
           </a:p>
           <a:p>
             <a:pPr lvl="4"/>
             <a:r>
-              <a:rPr lang="en-US"/>
+              <a:rPr lang="en-US" smtClean="0"/>
               <a:t>Fifth level</a:t>
             </a:r>
             <a:endParaRPr lang="en-US" dirty="0"/>
@@ -1393,6 +1981,63 @@
       </p:sp>
       <p:sp>
         <p:nvSpPr>
+          <p:cNvPr id="4" name="Content Placeholder 3"/>
+          <p:cNvSpPr>
+            <a:spLocks noGrp="1"/>
+          </p:cNvSpPr>
+          <p:nvPr>
+            <p:ph sz="half" idx="2"/>
+          </p:nvPr>
+        </p:nvSpPr>
+        <p:spPr>
+          <a:xfrm>
+            <a:off x="6217920" y="1845735"/>
+            <a:ext cx="4937760" cy="4023360"/>
+          </a:xfrm>
+        </p:spPr>
+        <p:txBody>
+          <a:bodyPr/>
+          <a:lstStyle/>
+          <a:p>
+            <a:pPr lvl="0"/>
+            <a:r>
+              <a:rPr lang="en-US" smtClean="0"/>
+              <a:t>Click to edit Master text styles</a:t>
+            </a:r>
+          </a:p>
+          <a:p>
+            <a:pPr lvl="1"/>
+            <a:r>
+              <a:rPr lang="en-US" smtClean="0"/>
+              <a:t>Second level</a:t>
+            </a:r>
+          </a:p>
+          <a:p>
+            <a:pPr lvl="2"/>
+            <a:r>
+              <a:rPr lang="en-US" smtClean="0"/>
+              <a:t>Third level</a:t>
+            </a:r>
+          </a:p>
+          <a:p>
+            <a:pPr lvl="3"/>
+            <a:r>
+              <a:rPr lang="en-US" smtClean="0"/>
+              <a:t>Fourth level</a:t>
+            </a:r>
+          </a:p>
+          <a:p>
+            <a:pPr lvl="4"/>
+            <a:r>
+              <a:rPr lang="en-US" smtClean="0"/>
+              <a:t>Fifth level</a:t>
+            </a:r>
+            <a:endParaRPr lang="en-US" dirty="0"/>
+          </a:p>
+        </p:txBody>
+      </p:sp>
+      <p:sp>
+        <p:nvSpPr>
           <p:cNvPr id="5" name="Date Placeholder 4"/>
           <p:cNvSpPr>
             <a:spLocks noGrp="1"/>
@@ -1408,7 +2053,7 @@
           <a:p>
             <a:fld id="{C844D2C0-41C2-43BC-8019-694385F02E35}" type="datetimeFigureOut">
               <a:rPr lang="en-US" smtClean="0"/>
-              <a:t>9/16/2016</a:t>
+              <a:t>9/16/16</a:t>
             </a:fld>
             <a:endParaRPr lang="en-US"/>
           </a:p>
@@ -1459,7 +2104,7 @@
     </p:spTree>
     <p:extLst>
       <p:ext uri="{BB962C8B-B14F-4D97-AF65-F5344CB8AC3E}">
-        <p14:creationId xmlns:p14="http://schemas.microsoft.com/office/powerpoint/2010/main" val="1999044544"/>
+        <p14:creationId xmlns:p14="http://schemas.microsoft.com/office/powerpoint/2010/main" val="206259257"/>
       </p:ext>
     </p:extLst>
   </p:cSld>
@@ -1496,81 +2141,82 @@
             <p:ph type="title"/>
           </p:nvPr>
         </p:nvSpPr>
-        <p:spPr/>
-        <p:txBody>
-          <a:bodyPr/>
-          <a:lstStyle/>
-          <a:p>
-            <a:r>
-              <a:rPr lang="en-US"/>
-              <a:t>Click to edit Master title style</a:t>
-            </a:r>
-            <a:endParaRPr lang="en-US" dirty="0"/>
-          </a:p>
-        </p:txBody>
-      </p:sp>
-      <p:sp>
-        <p:nvSpPr>
-          <p:cNvPr id="3" name="Text Placeholder 2"/>
-          <p:cNvSpPr>
-            <a:spLocks noGrp="1"/>
-          </p:cNvSpPr>
-          <p:nvPr>
-            <p:ph type="body" idx="1"/>
-          </p:nvPr>
-        </p:nvSpPr>
         <p:spPr>
           <a:xfrm>
-            <a:off x="676656" y="2040467"/>
-            <a:ext cx="4663440" cy="723400"/>
+            <a:off x="1097280" y="286607"/>
+            <a:ext cx="10058400" cy="1450757"/>
           </a:xfrm>
         </p:spPr>
         <p:txBody>
-          <a:bodyPr anchor="ctr">
+          <a:bodyPr/>
+          <a:lstStyle/>
+          <a:p>
+            <a:r>
+              <a:rPr lang="en-US" smtClean="0"/>
+              <a:t>Click to edit Master title style</a:t>
+            </a:r>
+            <a:endParaRPr lang="en-US" dirty="0"/>
+          </a:p>
+        </p:txBody>
+      </p:sp>
+      <p:sp>
+        <p:nvSpPr>
+          <p:cNvPr id="3" name="Text Placeholder 2"/>
+          <p:cNvSpPr>
+            <a:spLocks noGrp="1"/>
+          </p:cNvSpPr>
+          <p:nvPr>
+            <p:ph type="body" idx="1"/>
+          </p:nvPr>
+        </p:nvSpPr>
+        <p:spPr>
+          <a:xfrm>
+            <a:off x="1097280" y="1846052"/>
+            <a:ext cx="4937760" cy="736282"/>
+          </a:xfrm>
+        </p:spPr>
+        <p:txBody>
+          <a:bodyPr lIns="91440" rIns="91440" anchor="ctr">
             <a:normAutofit/>
           </a:bodyPr>
           <a:lstStyle>
             <a:lvl1pPr marL="0" indent="0">
               <a:buNone/>
-              <a:defRPr sz="2200" b="0" cap="all" baseline="0">
+              <a:defRPr sz="2000" b="0" cap="all" baseline="0">
                 <a:solidFill>
-                  <a:schemeClr val="tx1">
-                    <a:lumMod val="85000"/>
-                    <a:lumOff val="15000"/>
-                  </a:schemeClr>
+                  <a:schemeClr val="tx2"/>
                 </a:solidFill>
-                <a:latin typeface="+mj-lt"/>
               </a:defRPr>
             </a:lvl1pPr>
-            <a:lvl2pPr marL="457200" indent="0">
+            <a:lvl2pPr marL="457178" indent="0">
               <a:buNone/>
               <a:defRPr sz="2000" b="1"/>
             </a:lvl2pPr>
-            <a:lvl3pPr marL="914400" indent="0">
+            <a:lvl3pPr marL="914354" indent="0">
               <a:buNone/>
               <a:defRPr sz="1800" b="1"/>
             </a:lvl3pPr>
-            <a:lvl4pPr marL="1371600" indent="0">
+            <a:lvl4pPr marL="1371532" indent="0">
               <a:buNone/>
               <a:defRPr sz="1600" b="1"/>
             </a:lvl4pPr>
-            <a:lvl5pPr marL="1828800" indent="0">
+            <a:lvl5pPr marL="1828709" indent="0">
               <a:buNone/>
               <a:defRPr sz="1600" b="1"/>
             </a:lvl5pPr>
-            <a:lvl6pPr marL="2286000" indent="0">
+            <a:lvl6pPr marL="2285886" indent="0">
               <a:buNone/>
               <a:defRPr sz="1600" b="1"/>
             </a:lvl6pPr>
-            <a:lvl7pPr marL="2743200" indent="0">
+            <a:lvl7pPr marL="2743062" indent="0">
               <a:buNone/>
               <a:defRPr sz="1600" b="1"/>
             </a:lvl7pPr>
-            <a:lvl8pPr marL="3200400" indent="0">
+            <a:lvl8pPr marL="3200240" indent="0">
               <a:buNone/>
               <a:defRPr sz="1600" b="1"/>
             </a:lvl8pPr>
-            <a:lvl9pPr marL="3657600" indent="0">
+            <a:lvl9pPr marL="3657418" indent="0">
               <a:buNone/>
               <a:defRPr sz="1600" b="1"/>
             </a:lvl9pPr>
@@ -1578,8 +2224,8 @@
           <a:p>
             <a:pPr lvl="0"/>
             <a:r>
-              <a:rPr lang="en-US"/>
-              <a:t>Edit Master text styles</a:t>
+              <a:rPr lang="en-US" smtClean="0"/>
+              <a:t>Click to edit Master text styles</a:t>
             </a:r>
           </a:p>
         </p:txBody>
@@ -1596,73 +2242,45 @@
         </p:nvSpPr>
         <p:spPr>
           <a:xfrm>
-            <a:off x="676656" y="2753084"/>
-            <a:ext cx="4663440" cy="3200400"/>
+            <a:off x="1097280" y="2582335"/>
+            <a:ext cx="4937760" cy="3286760"/>
           </a:xfrm>
         </p:spPr>
         <p:txBody>
           <a:bodyPr/>
-          <a:lstStyle>
-            <a:lvl1pPr>
-              <a:defRPr sz="2400"/>
-            </a:lvl1pPr>
-            <a:lvl2pPr>
-              <a:defRPr sz="2000"/>
-            </a:lvl2pPr>
-            <a:lvl3pPr>
-              <a:defRPr sz="1800"/>
-            </a:lvl3pPr>
-            <a:lvl4pPr>
-              <a:defRPr sz="1600"/>
-            </a:lvl4pPr>
-            <a:lvl5pPr>
-              <a:defRPr sz="1600"/>
-            </a:lvl5pPr>
-            <a:lvl6pPr>
-              <a:defRPr sz="1600"/>
-            </a:lvl6pPr>
-            <a:lvl7pPr>
-              <a:defRPr sz="1600"/>
-            </a:lvl7pPr>
-            <a:lvl8pPr>
-              <a:defRPr sz="1600"/>
-            </a:lvl8pPr>
-            <a:lvl9pPr>
-              <a:defRPr sz="1600"/>
-            </a:lvl9pPr>
-          </a:lstStyle>
+          <a:lstStyle/>
           <a:p>
             <a:pPr lvl="0"/>
             <a:r>
-              <a:rPr lang="en-US"/>
-              <a:t>Edit Master text styles</a:t>
+              <a:rPr lang="en-US" smtClean="0"/>
+              <a:t>Click to edit Master text styles</a:t>
             </a:r>
           </a:p>
           <a:p>
             <a:pPr lvl="1"/>
             <a:r>
-              <a:rPr lang="en-US"/>
+              <a:rPr lang="en-US" smtClean="0"/>
               <a:t>Second level</a:t>
             </a:r>
           </a:p>
           <a:p>
             <a:pPr lvl="2"/>
             <a:r>
-              <a:rPr lang="en-US"/>
+              <a:rPr lang="en-US" smtClean="0"/>
               <a:t>Third level</a:t>
             </a:r>
           </a:p>
           <a:p>
             <a:pPr lvl="3"/>
             <a:r>
-              <a:rPr lang="en-US"/>
+              <a:rPr lang="en-US" smtClean="0"/>
               <a:t>Fourth level</a:t>
             </a:r>
           </a:p>
           <a:p>
             <a:pPr lvl="4"/>
             <a:r>
-              <a:rPr lang="en-US"/>
+              <a:rPr lang="en-US" smtClean="0"/>
               <a:t>Fifth level</a:t>
             </a:r>
             <a:endParaRPr lang="en-US" dirty="0"/>
@@ -1681,56 +2299,52 @@
         </p:nvSpPr>
         <p:spPr>
           <a:xfrm>
-            <a:off x="6007608" y="2038435"/>
-            <a:ext cx="4663440" cy="722376"/>
+            <a:off x="6217920" y="1846052"/>
+            <a:ext cx="4937760" cy="736282"/>
           </a:xfrm>
         </p:spPr>
         <p:txBody>
-          <a:bodyPr anchor="ctr">
+          <a:bodyPr lIns="91440" rIns="91440" anchor="ctr">
             <a:normAutofit/>
           </a:bodyPr>
           <a:lstStyle>
             <a:lvl1pPr marL="0" indent="0">
               <a:buNone/>
-              <a:defRPr sz="2200" b="0" cap="all" baseline="0">
+              <a:defRPr sz="2000" b="0" cap="all" baseline="0">
                 <a:solidFill>
-                  <a:schemeClr val="tx1">
-                    <a:lumMod val="85000"/>
-                    <a:lumOff val="15000"/>
-                  </a:schemeClr>
+                  <a:schemeClr val="tx2"/>
                 </a:solidFill>
-                <a:latin typeface="+mj-lt"/>
               </a:defRPr>
             </a:lvl1pPr>
-            <a:lvl2pPr marL="457200" indent="0">
+            <a:lvl2pPr marL="457178" indent="0">
               <a:buNone/>
               <a:defRPr sz="2000" b="1"/>
             </a:lvl2pPr>
-            <a:lvl3pPr marL="914400" indent="0">
+            <a:lvl3pPr marL="914354" indent="0">
               <a:buNone/>
               <a:defRPr sz="1800" b="1"/>
             </a:lvl3pPr>
-            <a:lvl4pPr marL="1371600" indent="0">
+            <a:lvl4pPr marL="1371532" indent="0">
               <a:buNone/>
               <a:defRPr sz="1600" b="1"/>
             </a:lvl4pPr>
-            <a:lvl5pPr marL="1828800" indent="0">
+            <a:lvl5pPr marL="1828709" indent="0">
               <a:buNone/>
               <a:defRPr sz="1600" b="1"/>
             </a:lvl5pPr>
-            <a:lvl6pPr marL="2286000" indent="0">
+            <a:lvl6pPr marL="2285886" indent="0">
               <a:buNone/>
               <a:defRPr sz="1600" b="1"/>
             </a:lvl6pPr>
-            <a:lvl7pPr marL="2743200" indent="0">
+            <a:lvl7pPr marL="2743062" indent="0">
               <a:buNone/>
               <a:defRPr sz="1600" b="1"/>
             </a:lvl7pPr>
-            <a:lvl8pPr marL="3200400" indent="0">
+            <a:lvl8pPr marL="3200240" indent="0">
               <a:buNone/>
               <a:defRPr sz="1600" b="1"/>
             </a:lvl8pPr>
-            <a:lvl9pPr marL="3657600" indent="0">
+            <a:lvl9pPr marL="3657418" indent="0">
               <a:buNone/>
               <a:defRPr sz="1600" b="1"/>
             </a:lvl9pPr>
@@ -1738,8 +2352,8 @@
           <a:p>
             <a:pPr lvl="0"/>
             <a:r>
-              <a:rPr lang="en-US"/>
-              <a:t>Edit Master text styles</a:t>
+              <a:rPr lang="en-US" smtClean="0"/>
+              <a:t>Click to edit Master text styles</a:t>
             </a:r>
           </a:p>
         </p:txBody>
@@ -1756,73 +2370,45 @@
         </p:nvSpPr>
         <p:spPr>
           <a:xfrm>
-            <a:off x="6007608" y="2750990"/>
-            <a:ext cx="4663440" cy="3200400"/>
+            <a:off x="6217920" y="2582334"/>
+            <a:ext cx="4937760" cy="3286760"/>
           </a:xfrm>
         </p:spPr>
         <p:txBody>
           <a:bodyPr/>
-          <a:lstStyle>
-            <a:lvl1pPr>
-              <a:defRPr sz="2400"/>
-            </a:lvl1pPr>
-            <a:lvl2pPr>
-              <a:defRPr sz="2000"/>
-            </a:lvl2pPr>
-            <a:lvl3pPr>
-              <a:defRPr sz="1800"/>
-            </a:lvl3pPr>
-            <a:lvl4pPr>
-              <a:defRPr sz="1600"/>
-            </a:lvl4pPr>
-            <a:lvl5pPr>
-              <a:defRPr sz="1600"/>
-            </a:lvl5pPr>
-            <a:lvl6pPr>
-              <a:defRPr sz="1600"/>
-            </a:lvl6pPr>
-            <a:lvl7pPr>
-              <a:defRPr sz="1600"/>
-            </a:lvl7pPr>
-            <a:lvl8pPr>
-              <a:defRPr sz="1600"/>
-            </a:lvl8pPr>
-            <a:lvl9pPr>
-              <a:defRPr sz="1600"/>
-            </a:lvl9pPr>
-          </a:lstStyle>
+          <a:lstStyle/>
           <a:p>
             <a:pPr lvl="0"/>
             <a:r>
-              <a:rPr lang="en-US"/>
-              <a:t>Edit Master text styles</a:t>
+              <a:rPr lang="en-US" smtClean="0"/>
+              <a:t>Click to edit Master text styles</a:t>
             </a:r>
           </a:p>
           <a:p>
             <a:pPr lvl="1"/>
             <a:r>
-              <a:rPr lang="en-US"/>
+              <a:rPr lang="en-US" smtClean="0"/>
               <a:t>Second level</a:t>
             </a:r>
           </a:p>
           <a:p>
             <a:pPr lvl="2"/>
             <a:r>
-              <a:rPr lang="en-US"/>
+              <a:rPr lang="en-US" smtClean="0"/>
               <a:t>Third level</a:t>
             </a:r>
           </a:p>
           <a:p>
             <a:pPr lvl="3"/>
             <a:r>
-              <a:rPr lang="en-US"/>
+              <a:rPr lang="en-US" smtClean="0"/>
               <a:t>Fourth level</a:t>
             </a:r>
           </a:p>
           <a:p>
             <a:pPr lvl="4"/>
             <a:r>
-              <a:rPr lang="en-US"/>
+              <a:rPr lang="en-US" smtClean="0"/>
               <a:t>Fifth level</a:t>
             </a:r>
             <a:endParaRPr lang="en-US" dirty="0"/>
@@ -1846,7 +2432,7 @@
           <a:p>
             <a:fld id="{C844D2C0-41C2-43BC-8019-694385F02E35}" type="datetimeFigureOut">
               <a:rPr lang="en-US" smtClean="0"/>
-              <a:t>9/16/2016</a:t>
+              <a:t>9/16/16</a:t>
             </a:fld>
             <a:endParaRPr lang="en-US"/>
           </a:p>
@@ -1897,7 +2483,7 @@
     </p:spTree>
     <p:extLst>
       <p:ext uri="{BB962C8B-B14F-4D97-AF65-F5344CB8AC3E}">
-        <p14:creationId xmlns:p14="http://schemas.microsoft.com/office/powerpoint/2010/main" val="211361015"/>
+        <p14:creationId xmlns:p14="http://schemas.microsoft.com/office/powerpoint/2010/main" val="560726141"/>
       </p:ext>
     </p:extLst>
   </p:cSld>
@@ -1926,7 +2512,7 @@
       </p:grpSpPr>
       <p:sp>
         <p:nvSpPr>
-          <p:cNvPr id="6" name="Title 5"/>
+          <p:cNvPr id="2" name="Title 1"/>
           <p:cNvSpPr>
             <a:spLocks noGrp="1"/>
           </p:cNvSpPr>
@@ -1940,7 +2526,7 @@
           <a:lstStyle/>
           <a:p>
             <a:r>
-              <a:rPr lang="en-US"/>
+              <a:rPr lang="en-US" smtClean="0"/>
               <a:t>Click to edit Master title style</a:t>
             </a:r>
             <a:endParaRPr lang="en-US" dirty="0"/>
@@ -1964,7 +2550,7 @@
           <a:p>
             <a:fld id="{C844D2C0-41C2-43BC-8019-694385F02E35}" type="datetimeFigureOut">
               <a:rPr lang="en-US" smtClean="0"/>
-              <a:t>9/16/2016</a:t>
+              <a:t>9/16/16</a:t>
             </a:fld>
             <a:endParaRPr lang="en-US"/>
           </a:p>
@@ -2015,7 +2601,7 @@
     </p:spTree>
     <p:extLst>
       <p:ext uri="{BB962C8B-B14F-4D97-AF65-F5344CB8AC3E}">
-        <p14:creationId xmlns:p14="http://schemas.microsoft.com/office/powerpoint/2010/main" val="1421965456"/>
+        <p14:creationId xmlns:p14="http://schemas.microsoft.com/office/powerpoint/2010/main" val="966008751"/>
       </p:ext>
     </p:extLst>
   </p:cSld>
@@ -2044,7 +2630,83 @@
       </p:grpSpPr>
       <p:sp>
         <p:nvSpPr>
-          <p:cNvPr id="2" name="Date Placeholder 1"/>
+          <p:cNvPr id="5" name="Rectangle 4"/>
+          <p:cNvSpPr/>
+          <p:nvPr/>
+        </p:nvSpPr>
+        <p:spPr>
+          <a:xfrm>
+            <a:off x="3181" y="6400800"/>
+            <a:ext cx="12188825" cy="457200"/>
+          </a:xfrm>
+          <a:prstGeom prst="rect">
+            <a:avLst/>
+          </a:prstGeom>
+          <a:solidFill>
+            <a:schemeClr val="accent2"/>
+          </a:solidFill>
+          <a:ln>
+            <a:noFill/>
+          </a:ln>
+        </p:spPr>
+        <p:style>
+          <a:lnRef idx="2">
+            <a:schemeClr val="accent1">
+              <a:shade val="50000"/>
+            </a:schemeClr>
+          </a:lnRef>
+          <a:fillRef idx="1">
+            <a:schemeClr val="accent1"/>
+          </a:fillRef>
+          <a:effectRef idx="0">
+            <a:schemeClr val="accent1"/>
+          </a:effectRef>
+          <a:fontRef idx="minor">
+            <a:schemeClr val="lt1"/>
+          </a:fontRef>
+        </p:style>
+      </p:sp>
+      <p:sp>
+        <p:nvSpPr>
+          <p:cNvPr id="6" name="Rectangle 5"/>
+          <p:cNvSpPr/>
+          <p:nvPr/>
+        </p:nvSpPr>
+        <p:spPr>
+          <a:xfrm>
+            <a:off x="21" y="6334316"/>
+            <a:ext cx="12188825" cy="64008"/>
+          </a:xfrm>
+          <a:prstGeom prst="rect">
+            <a:avLst/>
+          </a:prstGeom>
+          <a:solidFill>
+            <a:schemeClr val="accent1"/>
+          </a:solidFill>
+          <a:ln>
+            <a:noFill/>
+          </a:ln>
+        </p:spPr>
+        <p:style>
+          <a:lnRef idx="2">
+            <a:schemeClr val="accent1">
+              <a:shade val="50000"/>
+            </a:schemeClr>
+          </a:lnRef>
+          <a:fillRef idx="1">
+            <a:schemeClr val="accent1"/>
+          </a:fillRef>
+          <a:effectRef idx="0">
+            <a:schemeClr val="accent1"/>
+          </a:effectRef>
+          <a:fontRef idx="minor">
+            <a:schemeClr val="lt1"/>
+          </a:fontRef>
+        </p:style>
+      </p:sp>
+      <p:sp>
+        <p:nvSpPr>
+          <p:cNvPr id="7" name="Date Placeholder 6"/>
           <p:cNvSpPr>
             <a:spLocks noGrp="1"/>
           </p:cNvSpPr>
@@ -2059,7 +2721,7 @@
           <a:p>
             <a:fld id="{C844D2C0-41C2-43BC-8019-694385F02E35}" type="datetimeFigureOut">
               <a:rPr lang="en-US" smtClean="0"/>
-              <a:t>9/16/2016</a:t>
+              <a:t>9/16/16</a:t>
             </a:fld>
             <a:endParaRPr lang="en-US"/>
           </a:p>
@@ -2067,7 +2729,7 @@
       </p:sp>
       <p:sp>
         <p:nvSpPr>
-          <p:cNvPr id="3" name="Footer Placeholder 2"/>
+          <p:cNvPr id="8" name="Footer Placeholder 7"/>
           <p:cNvSpPr>
             <a:spLocks noGrp="1"/>
           </p:cNvSpPr>
@@ -2078,7 +2740,15 @@
         <p:spPr/>
         <p:txBody>
           <a:bodyPr/>
-          <a:lstStyle/>
+          <a:lstStyle>
+            <a:lvl1pPr>
+              <a:defRPr>
+                <a:solidFill>
+                  <a:srgbClr val="FFFFFF"/>
+                </a:solidFill>
+              </a:defRPr>
+            </a:lvl1pPr>
+          </a:lstStyle>
           <a:p>
             <a:endParaRPr lang="en-US"/>
           </a:p>
@@ -2086,7 +2756,7 @@
       </p:sp>
       <p:sp>
         <p:nvSpPr>
-          <p:cNvPr id="4" name="Slide Number Placeholder 3"/>
+          <p:cNvPr id="9" name="Slide Number Placeholder 8"/>
           <p:cNvSpPr>
             <a:spLocks noGrp="1"/>
           </p:cNvSpPr>
@@ -2110,7 +2780,7 @@
     </p:spTree>
     <p:extLst>
       <p:ext uri="{BB962C8B-B14F-4D97-AF65-F5344CB8AC3E}">
-        <p14:creationId xmlns:p14="http://schemas.microsoft.com/office/powerpoint/2010/main" val="1705537448"/>
+        <p14:creationId xmlns:p14="http://schemas.microsoft.com/office/powerpoint/2010/main" val="732706737"/>
       </p:ext>
     </p:extLst>
   </p:cSld>
@@ -2139,18 +2809,21 @@
       </p:grpSpPr>
       <p:sp>
         <p:nvSpPr>
-          <p:cNvPr id="2" name="Rectangle 1"/>
+          <p:cNvPr id="8" name="Rectangle 7"/>
           <p:cNvSpPr/>
           <p:nvPr/>
         </p:nvSpPr>
         <p:spPr>
           <a:xfrm>
-            <a:off x="7620000" y="0"/>
-            <a:ext cx="4572000" cy="6858000"/>
+            <a:off x="22" y="0"/>
+            <a:ext cx="4050791" cy="6858000"/>
           </a:xfrm>
           <a:prstGeom prst="rect">
             <a:avLst/>
           </a:prstGeom>
+          <a:solidFill>
+            <a:schemeClr val="accent2"/>
+          </a:solidFill>
           <a:ln>
             <a:noFill/>
           </a:ln>
@@ -2174,30 +2847,65 @@
       </p:sp>
       <p:sp>
         <p:nvSpPr>
-          <p:cNvPr id="9" name="Title 8"/>
-          <p:cNvSpPr>
-            <a:spLocks noGrp="1"/>
-          </p:cNvSpPr>
-          <p:nvPr>
-            <p:ph type="title"/>
-          </p:nvPr>
+          <p:cNvPr id="9" name="Rectangle 8"/>
+          <p:cNvSpPr/>
+          <p:nvPr/>
         </p:nvSpPr>
         <p:spPr>
           <a:xfrm>
-            <a:off x="8261404" y="542282"/>
-            <a:ext cx="3383280" cy="1920240"/>
+            <a:off x="4040071" y="0"/>
+            <a:ext cx="64008" cy="6858000"/>
+          </a:xfrm>
+          <a:prstGeom prst="rect">
+            <a:avLst/>
+          </a:prstGeom>
+          <a:solidFill>
+            <a:schemeClr val="accent1"/>
+          </a:solidFill>
+          <a:ln>
+            <a:noFill/>
+          </a:ln>
+        </p:spPr>
+        <p:style>
+          <a:lnRef idx="2">
+            <a:schemeClr val="accent1">
+              <a:shade val="50000"/>
+            </a:schemeClr>
+          </a:lnRef>
+          <a:fillRef idx="1">
+            <a:schemeClr val="accent1"/>
+          </a:fillRef>
+          <a:effectRef idx="0">
+            <a:schemeClr val="accent1"/>
+          </a:effectRef>
+          <a:fontRef idx="minor">
+            <a:schemeClr val="lt1"/>
+          </a:fontRef>
+        </p:style>
+      </p:sp>
+      <p:sp>
+        <p:nvSpPr>
+          <p:cNvPr id="2" name="Title 1"/>
+          <p:cNvSpPr>
+            <a:spLocks noGrp="1"/>
+          </p:cNvSpPr>
+          <p:nvPr>
+            <p:ph type="title"/>
+          </p:nvPr>
+        </p:nvSpPr>
+        <p:spPr>
+          <a:xfrm>
+            <a:off x="457200" y="594359"/>
+            <a:ext cx="3200400" cy="2286000"/>
           </a:xfrm>
         </p:spPr>
         <p:txBody>
           <a:bodyPr anchor="b">
-            <a:noAutofit/>
+            <a:normAutofit/>
           </a:bodyPr>
           <a:lstStyle>
             <a:lvl1pPr>
-              <a:lnSpc>
-                <a:spcPct val="85000"/>
-              </a:lnSpc>
-              <a:defRPr sz="4000">
+              <a:defRPr sz="3600" b="0">
                 <a:solidFill>
                   <a:srgbClr val="FFFFFF"/>
                 </a:solidFill>
@@ -2206,7 +2914,7 @@
           </a:lstStyle>
           <a:p>
             <a:r>
-              <a:rPr lang="en-US"/>
+              <a:rPr lang="en-US" smtClean="0"/>
               <a:t>Click to edit Master title style</a:t>
             </a:r>
             <a:endParaRPr lang="en-US" dirty="0"/>
@@ -2225,73 +2933,45 @@
         </p:nvSpPr>
         <p:spPr>
           <a:xfrm>
-            <a:off x="762000" y="762000"/>
-            <a:ext cx="6096000" cy="4572000"/>
+            <a:off x="4800600" y="731520"/>
+            <a:ext cx="6492240" cy="5257800"/>
           </a:xfrm>
         </p:spPr>
         <p:txBody>
           <a:bodyPr/>
-          <a:lstStyle>
-            <a:lvl1pPr>
-              <a:defRPr sz="3200"/>
-            </a:lvl1pPr>
-            <a:lvl2pPr>
-              <a:defRPr sz="2800"/>
-            </a:lvl2pPr>
-            <a:lvl3pPr>
-              <a:defRPr sz="2400"/>
-            </a:lvl3pPr>
-            <a:lvl4pPr>
-              <a:defRPr sz="2000"/>
-            </a:lvl4pPr>
-            <a:lvl5pPr>
-              <a:defRPr sz="2000"/>
-            </a:lvl5pPr>
-            <a:lvl6pPr>
-              <a:defRPr sz="2000"/>
-            </a:lvl6pPr>
-            <a:lvl7pPr>
-              <a:defRPr sz="2000"/>
-            </a:lvl7pPr>
-            <a:lvl8pPr>
-              <a:defRPr sz="2000"/>
-            </a:lvl8pPr>
-            <a:lvl9pPr>
-              <a:defRPr sz="2000"/>
-            </a:lvl9pPr>
-          </a:lstStyle>
+          <a:lstStyle/>
           <a:p>
             <a:pPr lvl="0"/>
             <a:r>
-              <a:rPr lang="en-US"/>
-              <a:t>Edit Master text styles</a:t>
+              <a:rPr lang="en-US" smtClean="0"/>
+              <a:t>Click to edit Master text styles</a:t>
             </a:r>
           </a:p>
           <a:p>
             <a:pPr lvl="1"/>
             <a:r>
-              <a:rPr lang="en-US"/>
+              <a:rPr lang="en-US" smtClean="0"/>
               <a:t>Second level</a:t>
             </a:r>
           </a:p>
           <a:p>
             <a:pPr lvl="2"/>
             <a:r>
-              <a:rPr lang="en-US"/>
+              <a:rPr lang="en-US" smtClean="0"/>
               <a:t>Third level</a:t>
             </a:r>
           </a:p>
           <a:p>
             <a:pPr lvl="3"/>
             <a:r>
-              <a:rPr lang="en-US"/>
+              <a:rPr lang="en-US" smtClean="0"/>
               <a:t>Fourth level</a:t>
             </a:r>
           </a:p>
           <a:p>
             <a:pPr lvl="4"/>
             <a:r>
-              <a:rPr lang="en-US"/>
+              <a:rPr lang="en-US" smtClean="0"/>
               <a:t>Fifth level</a:t>
             </a:r>
             <a:endParaRPr lang="en-US" dirty="0"/>
@@ -2310,112 +2990,92 @@
         </p:nvSpPr>
         <p:spPr>
           <a:xfrm>
-            <a:off x="8275982" y="2511813"/>
-            <a:ext cx="3398520" cy="3126987"/>
+            <a:off x="457200" y="2926080"/>
+            <a:ext cx="3200400" cy="3379124"/>
           </a:xfrm>
         </p:spPr>
         <p:txBody>
-          <a:bodyPr>
+          <a:bodyPr lIns="91440" rIns="91440">
             <a:normAutofit/>
           </a:bodyPr>
           <a:lstStyle>
-            <a:lvl1pPr marL="0" marR="0" indent="0" algn="l" defTabSz="914400" rtl="0" eaLnBrk="1" fontAlgn="auto" latinLnBrk="0" hangingPunct="1">
-              <a:lnSpc>
-                <a:spcPct val="100000"/>
-              </a:lnSpc>
-              <a:spcBef>
-                <a:spcPts val="1200"/>
-              </a:spcBef>
-              <a:spcAft>
-                <a:spcPts val="0"/>
-              </a:spcAft>
-              <a:buClrTx/>
-              <a:buSzTx/>
-              <a:buFontTx/>
+            <a:lvl1pPr marL="0" indent="0">
               <a:buNone/>
-              <a:tabLst/>
-              <a:defRPr sz="1800">
+              <a:defRPr sz="1500">
                 <a:solidFill>
-                  <a:srgbClr val="262626"/>
+                  <a:srgbClr val="FFFFFF"/>
                 </a:solidFill>
               </a:defRPr>
             </a:lvl1pPr>
-            <a:lvl2pPr marL="457200" indent="0">
+            <a:lvl2pPr marL="457178" indent="0">
               <a:buNone/>
               <a:defRPr sz="1200"/>
             </a:lvl2pPr>
-            <a:lvl3pPr marL="914400" indent="0">
+            <a:lvl3pPr marL="914354" indent="0">
               <a:buNone/>
               <a:defRPr sz="1000"/>
             </a:lvl3pPr>
-            <a:lvl4pPr marL="1371600" indent="0">
+            <a:lvl4pPr marL="1371532" indent="0">
               <a:buNone/>
               <a:defRPr sz="900"/>
             </a:lvl4pPr>
-            <a:lvl5pPr marL="1828800" indent="0">
+            <a:lvl5pPr marL="1828709" indent="0">
               <a:buNone/>
               <a:defRPr sz="900"/>
             </a:lvl5pPr>
-            <a:lvl6pPr marL="2286000" indent="0">
+            <a:lvl6pPr marL="2285886" indent="0">
               <a:buNone/>
               <a:defRPr sz="900"/>
             </a:lvl6pPr>
-            <a:lvl7pPr marL="2743200" indent="0">
+            <a:lvl7pPr marL="2743062" indent="0">
               <a:buNone/>
               <a:defRPr sz="900"/>
             </a:lvl7pPr>
-            <a:lvl8pPr marL="3200400" indent="0">
+            <a:lvl8pPr marL="3200240" indent="0">
               <a:buNone/>
               <a:defRPr sz="900"/>
             </a:lvl8pPr>
-            <a:lvl9pPr marL="3657600" indent="0">
+            <a:lvl9pPr marL="3657418" indent="0">
               <a:buNone/>
               <a:defRPr sz="900"/>
             </a:lvl9pPr>
           </a:lstStyle>
           <a:p>
-            <a:pPr marL="0" marR="0" lvl="0" indent="0" algn="l" defTabSz="914400" rtl="0" eaLnBrk="1" fontAlgn="auto" latinLnBrk="0" hangingPunct="1">
-              <a:lnSpc>
-                <a:spcPct val="100000"/>
-              </a:lnSpc>
-              <a:spcBef>
-                <a:spcPts val="1400"/>
-              </a:spcBef>
-              <a:spcAft>
-                <a:spcPts val="0"/>
-              </a:spcAft>
-              <a:buClrTx/>
-              <a:buSzTx/>
-              <a:buFontTx/>
-              <a:buNone/>
-              <a:tabLst/>
+            <a:pPr lvl="0"/>
+            <a:r>
+              <a:rPr lang="en-US" smtClean="0"/>
+              <a:t>Click to edit Master text styles</a:t>
+            </a:r>
+          </a:p>
+        </p:txBody>
+      </p:sp>
+      <p:sp>
+        <p:nvSpPr>
+          <p:cNvPr id="5" name="Date Placeholder 4"/>
+          <p:cNvSpPr>
+            <a:spLocks noGrp="1"/>
+          </p:cNvSpPr>
+          <p:nvPr>
+            <p:ph type="dt" sz="half" idx="10"/>
+          </p:nvPr>
+        </p:nvSpPr>
+        <p:spPr>
+          <a:xfrm>
+            <a:off x="465517" y="6459793"/>
+            <a:ext cx="2618511" cy="365125"/>
+          </a:xfrm>
+        </p:spPr>
+        <p:txBody>
+          <a:bodyPr/>
+          <a:lstStyle>
+            <a:lvl1pPr algn="l">
               <a:defRPr/>
-            </a:pPr>
-            <a:r>
-              <a:rPr lang="en-US"/>
-              <a:t>Edit Master text styles</a:t>
-            </a:r>
-          </a:p>
-        </p:txBody>
-      </p:sp>
-      <p:sp>
-        <p:nvSpPr>
-          <p:cNvPr id="5" name="Date Placeholder 4"/>
-          <p:cNvSpPr>
-            <a:spLocks noGrp="1"/>
-          </p:cNvSpPr>
-          <p:nvPr>
-            <p:ph type="dt" sz="half" idx="10"/>
-          </p:nvPr>
-        </p:nvSpPr>
-        <p:spPr/>
-        <p:txBody>
-          <a:bodyPr/>
-          <a:lstStyle/>
+            </a:lvl1pPr>
+          </a:lstStyle>
           <a:p>
             <a:fld id="{C844D2C0-41C2-43BC-8019-694385F02E35}" type="datetimeFigureOut">
               <a:rPr lang="en-US" smtClean="0"/>
-              <a:t>9/16/2016</a:t>
+              <a:t>9/16/16</a:t>
             </a:fld>
             <a:endParaRPr lang="en-US"/>
           </a:p>
@@ -2431,10 +3091,23 @@
             <p:ph type="ftr" sz="quarter" idx="11"/>
           </p:nvPr>
         </p:nvSpPr>
-        <p:spPr/>
+        <p:spPr>
+          <a:xfrm>
+            <a:off x="4800600" y="6459793"/>
+            <a:ext cx="4648200" cy="365125"/>
+          </a:xfrm>
+        </p:spPr>
         <p:txBody>
           <a:bodyPr/>
-          <a:lstStyle/>
+          <a:lstStyle>
+            <a:lvl1pPr algn="l">
+              <a:defRPr>
+                <a:solidFill>
+                  <a:schemeClr val="tx2"/>
+                </a:solidFill>
+              </a:defRPr>
+            </a:lvl1pPr>
+          </a:lstStyle>
           <a:p>
             <a:endParaRPr lang="en-US"/>
           </a:p>
@@ -2457,9 +3130,7 @@
             <a:lvl1pPr>
               <a:defRPr>
                 <a:solidFill>
-                  <a:srgbClr val="FFFFFF">
-                    <a:alpha val="20000"/>
-                  </a:srgbClr>
+                  <a:schemeClr val="tx2"/>
                 </a:solidFill>
               </a:defRPr>
             </a:lvl1pPr>
@@ -2476,7 +3147,7 @@
     </p:spTree>
     <p:extLst>
       <p:ext uri="{BB962C8B-B14F-4D97-AF65-F5344CB8AC3E}">
-        <p14:creationId xmlns:p14="http://schemas.microsoft.com/office/powerpoint/2010/main" val="1939626738"/>
+        <p14:creationId xmlns:p14="http://schemas.microsoft.com/office/powerpoint/2010/main" val="930896861"/>
       </p:ext>
     </p:extLst>
   </p:cSld>
@@ -2489,10 +3160,366 @@
 <file path=ppt/slideLayouts/slideLayout9.xml><?xml version="1.0" encoding="utf-8"?>
 <p:sldLayout xmlns:a="http://schemas.openxmlformats.org/drawingml/2006/main" xmlns:r="http://schemas.openxmlformats.org/officeDocument/2006/relationships" xmlns:p="http://schemas.openxmlformats.org/presentationml/2006/main" type="picTx" preserve="1">
   <p:cSld name="Picture with Caption">
+    <p:spTree>
+      <p:nvGrpSpPr>
+        <p:cNvPr id="1" name=""/>
+        <p:cNvGrpSpPr/>
+        <p:nvPr/>
+      </p:nvGrpSpPr>
+      <p:grpSpPr>
+        <a:xfrm>
+          <a:off x="0" y="0"/>
+          <a:ext cx="0" cy="0"/>
+          <a:chOff x="0" y="0"/>
+          <a:chExt cx="0" cy="0"/>
+        </a:xfrm>
+      </p:grpSpPr>
+      <p:sp>
+        <p:nvSpPr>
+          <p:cNvPr id="8" name="Rectangle 7"/>
+          <p:cNvSpPr/>
+          <p:nvPr/>
+        </p:nvSpPr>
+        <p:spPr>
+          <a:xfrm>
+            <a:off x="5" y="4953000"/>
+            <a:ext cx="12188825" cy="1905000"/>
+          </a:xfrm>
+          <a:prstGeom prst="rect">
+            <a:avLst/>
+          </a:prstGeom>
+          <a:solidFill>
+            <a:schemeClr val="accent2"/>
+          </a:solidFill>
+          <a:ln>
+            <a:noFill/>
+          </a:ln>
+        </p:spPr>
+        <p:style>
+          <a:lnRef idx="2">
+            <a:schemeClr val="accent1">
+              <a:shade val="50000"/>
+            </a:schemeClr>
+          </a:lnRef>
+          <a:fillRef idx="1">
+            <a:schemeClr val="accent1"/>
+          </a:fillRef>
+          <a:effectRef idx="0">
+            <a:schemeClr val="accent1"/>
+          </a:effectRef>
+          <a:fontRef idx="minor">
+            <a:schemeClr val="lt1"/>
+          </a:fontRef>
+        </p:style>
+      </p:sp>
+      <p:sp>
+        <p:nvSpPr>
+          <p:cNvPr id="9" name="Rectangle 8"/>
+          <p:cNvSpPr/>
+          <p:nvPr/>
+        </p:nvSpPr>
+        <p:spPr>
+          <a:xfrm>
+            <a:off x="21" y="4915076"/>
+            <a:ext cx="12188825" cy="64008"/>
+          </a:xfrm>
+          <a:prstGeom prst="rect">
+            <a:avLst/>
+          </a:prstGeom>
+          <a:solidFill>
+            <a:schemeClr val="accent1"/>
+          </a:solidFill>
+          <a:ln>
+            <a:noFill/>
+          </a:ln>
+        </p:spPr>
+        <p:style>
+          <a:lnRef idx="2">
+            <a:schemeClr val="accent1">
+              <a:shade val="50000"/>
+            </a:schemeClr>
+          </a:lnRef>
+          <a:fillRef idx="1">
+            <a:schemeClr val="accent1"/>
+          </a:fillRef>
+          <a:effectRef idx="0">
+            <a:schemeClr val="accent1"/>
+          </a:effectRef>
+          <a:fontRef idx="minor">
+            <a:schemeClr val="lt1"/>
+          </a:fontRef>
+        </p:style>
+      </p:sp>
+      <p:sp>
+        <p:nvSpPr>
+          <p:cNvPr id="2" name="Title 1"/>
+          <p:cNvSpPr>
+            <a:spLocks noGrp="1"/>
+          </p:cNvSpPr>
+          <p:nvPr>
+            <p:ph type="title"/>
+          </p:nvPr>
+        </p:nvSpPr>
+        <p:spPr>
+          <a:xfrm>
+            <a:off x="1097280" y="5074920"/>
+            <a:ext cx="10113645" cy="822960"/>
+          </a:xfrm>
+        </p:spPr>
+        <p:txBody>
+          <a:bodyPr tIns="0" bIns="0" anchor="b">
+            <a:noAutofit/>
+          </a:bodyPr>
+          <a:lstStyle>
+            <a:lvl1pPr>
+              <a:defRPr sz="3600" b="0">
+                <a:solidFill>
+                  <a:srgbClr val="FFFFFF"/>
+                </a:solidFill>
+              </a:defRPr>
+            </a:lvl1pPr>
+          </a:lstStyle>
+          <a:p>
+            <a:r>
+              <a:rPr lang="en-US" smtClean="0"/>
+              <a:t>Click to edit Master title style</a:t>
+            </a:r>
+            <a:endParaRPr lang="en-US" dirty="0"/>
+          </a:p>
+        </p:txBody>
+      </p:sp>
+      <p:sp>
+        <p:nvSpPr>
+          <p:cNvPr id="3" name="Picture Placeholder 2"/>
+          <p:cNvSpPr>
+            <a:spLocks noGrp="1" noChangeAspect="1"/>
+          </p:cNvSpPr>
+          <p:nvPr>
+            <p:ph type="pic" idx="1"/>
+          </p:nvPr>
+        </p:nvSpPr>
+        <p:spPr>
+          <a:xfrm>
+            <a:off x="21" y="0"/>
+            <a:ext cx="12191985" cy="4915076"/>
+          </a:xfrm>
+          <a:solidFill>
+            <a:schemeClr val="bg2">
+              <a:lumMod val="90000"/>
+            </a:schemeClr>
+          </a:solidFill>
+        </p:spPr>
+        <p:txBody>
+          <a:bodyPr lIns="457200" tIns="457200" anchor="t"/>
+          <a:lstStyle>
+            <a:lvl1pPr marL="0" indent="0">
+              <a:buNone/>
+              <a:defRPr sz="3200"/>
+            </a:lvl1pPr>
+            <a:lvl2pPr marL="457178" indent="0">
+              <a:buNone/>
+              <a:defRPr sz="2800"/>
+            </a:lvl2pPr>
+            <a:lvl3pPr marL="914354" indent="0">
+              <a:buNone/>
+              <a:defRPr sz="2400"/>
+            </a:lvl3pPr>
+            <a:lvl4pPr marL="1371532" indent="0">
+              <a:buNone/>
+              <a:defRPr sz="2000"/>
+            </a:lvl4pPr>
+            <a:lvl5pPr marL="1828709" indent="0">
+              <a:buNone/>
+              <a:defRPr sz="2000"/>
+            </a:lvl5pPr>
+            <a:lvl6pPr marL="2285886" indent="0">
+              <a:buNone/>
+              <a:defRPr sz="2000"/>
+            </a:lvl6pPr>
+            <a:lvl7pPr marL="2743062" indent="0">
+              <a:buNone/>
+              <a:defRPr sz="2000"/>
+            </a:lvl7pPr>
+            <a:lvl8pPr marL="3200240" indent="0">
+              <a:buNone/>
+              <a:defRPr sz="2000"/>
+            </a:lvl8pPr>
+            <a:lvl9pPr marL="3657418" indent="0">
+              <a:buNone/>
+              <a:defRPr sz="2000"/>
+            </a:lvl9pPr>
+          </a:lstStyle>
+          <a:p>
+            <a:r>
+              <a:rPr lang="en-US" smtClean="0"/>
+              <a:t>Drag picture to placeholder or click icon to add</a:t>
+            </a:r>
+            <a:endParaRPr lang="en-US" dirty="0"/>
+          </a:p>
+        </p:txBody>
+      </p:sp>
+      <p:sp>
+        <p:nvSpPr>
+          <p:cNvPr id="4" name="Text Placeholder 3"/>
+          <p:cNvSpPr>
+            <a:spLocks noGrp="1"/>
+          </p:cNvSpPr>
+          <p:nvPr>
+            <p:ph type="body" sz="half" idx="2"/>
+          </p:nvPr>
+        </p:nvSpPr>
+        <p:spPr>
+          <a:xfrm>
+            <a:off x="1097280" y="5907024"/>
+            <a:ext cx="10113264" cy="594360"/>
+          </a:xfrm>
+        </p:spPr>
+        <p:txBody>
+          <a:bodyPr lIns="91440" tIns="0" rIns="91440" bIns="0">
+            <a:normAutofit/>
+          </a:bodyPr>
+          <a:lstStyle>
+            <a:lvl1pPr marL="0" indent="0">
+              <a:spcBef>
+                <a:spcPts val="0"/>
+              </a:spcBef>
+              <a:spcAft>
+                <a:spcPts val="600"/>
+              </a:spcAft>
+              <a:buNone/>
+              <a:defRPr sz="1500">
+                <a:solidFill>
+                  <a:srgbClr val="FFFFFF"/>
+                </a:solidFill>
+              </a:defRPr>
+            </a:lvl1pPr>
+            <a:lvl2pPr marL="457178" indent="0">
+              <a:buNone/>
+              <a:defRPr sz="1200"/>
+            </a:lvl2pPr>
+            <a:lvl3pPr marL="914354" indent="0">
+              <a:buNone/>
+              <a:defRPr sz="1000"/>
+            </a:lvl3pPr>
+            <a:lvl4pPr marL="1371532" indent="0">
+              <a:buNone/>
+              <a:defRPr sz="900"/>
+            </a:lvl4pPr>
+            <a:lvl5pPr marL="1828709" indent="0">
+              <a:buNone/>
+              <a:defRPr sz="900"/>
+            </a:lvl5pPr>
+            <a:lvl6pPr marL="2285886" indent="0">
+              <a:buNone/>
+              <a:defRPr sz="900"/>
+            </a:lvl6pPr>
+            <a:lvl7pPr marL="2743062" indent="0">
+              <a:buNone/>
+              <a:defRPr sz="900"/>
+            </a:lvl7pPr>
+            <a:lvl8pPr marL="3200240" indent="0">
+              <a:buNone/>
+              <a:defRPr sz="900"/>
+            </a:lvl8pPr>
+            <a:lvl9pPr marL="3657418" indent="0">
+              <a:buNone/>
+              <a:defRPr sz="900"/>
+            </a:lvl9pPr>
+          </a:lstStyle>
+          <a:p>
+            <a:pPr lvl="0"/>
+            <a:r>
+              <a:rPr lang="en-US" smtClean="0"/>
+              <a:t>Click to edit Master text styles</a:t>
+            </a:r>
+          </a:p>
+        </p:txBody>
+      </p:sp>
+      <p:sp>
+        <p:nvSpPr>
+          <p:cNvPr id="5" name="Date Placeholder 4"/>
+          <p:cNvSpPr>
+            <a:spLocks noGrp="1"/>
+          </p:cNvSpPr>
+          <p:nvPr>
+            <p:ph type="dt" sz="half" idx="10"/>
+          </p:nvPr>
+        </p:nvSpPr>
+        <p:spPr/>
+        <p:txBody>
+          <a:bodyPr/>
+          <a:lstStyle/>
+          <a:p>
+            <a:fld id="{C844D2C0-41C2-43BC-8019-694385F02E35}" type="datetimeFigureOut">
+              <a:rPr lang="en-US" smtClean="0"/>
+              <a:t>9/16/16</a:t>
+            </a:fld>
+            <a:endParaRPr lang="en-US"/>
+          </a:p>
+        </p:txBody>
+      </p:sp>
+      <p:sp>
+        <p:nvSpPr>
+          <p:cNvPr id="6" name="Footer Placeholder 5"/>
+          <p:cNvSpPr>
+            <a:spLocks noGrp="1"/>
+          </p:cNvSpPr>
+          <p:nvPr>
+            <p:ph type="ftr" sz="quarter" idx="11"/>
+          </p:nvPr>
+        </p:nvSpPr>
+        <p:spPr/>
+        <p:txBody>
+          <a:bodyPr/>
+          <a:lstStyle/>
+          <a:p>
+            <a:endParaRPr lang="en-US"/>
+          </a:p>
+        </p:txBody>
+      </p:sp>
+      <p:sp>
+        <p:nvSpPr>
+          <p:cNvPr id="7" name="Slide Number Placeholder 6"/>
+          <p:cNvSpPr>
+            <a:spLocks noGrp="1"/>
+          </p:cNvSpPr>
+          <p:nvPr>
+            <p:ph type="sldNum" sz="quarter" idx="12"/>
+          </p:nvPr>
+        </p:nvSpPr>
+        <p:spPr/>
+        <p:txBody>
+          <a:bodyPr/>
+          <a:lstStyle/>
+          <a:p>
+            <a:fld id="{8891EF41-D1D0-45E7-B90F-4F9B8211DA66}" type="slidenum">
+              <a:rPr lang="en-US" smtClean="0"/>
+              <a:t>‹#›</a:t>
+            </a:fld>
+            <a:endParaRPr lang="en-US"/>
+          </a:p>
+        </p:txBody>
+      </p:sp>
+    </p:spTree>
+    <p:extLst>
+      <p:ext uri="{BB962C8B-B14F-4D97-AF65-F5344CB8AC3E}">
+        <p14:creationId xmlns:p14="http://schemas.microsoft.com/office/powerpoint/2010/main" val="1165174432"/>
+      </p:ext>
+    </p:extLst>
+  </p:cSld>
+  <p:clrMapOvr>
+    <a:masterClrMapping/>
+  </p:clrMapOvr>
+</p:sldLayout>
+</file>
+
+<file path=ppt/slideMasters/slideMaster1.xml><?xml version="1.0" encoding="utf-8"?>
+<p:sldMaster xmlns:a="http://schemas.openxmlformats.org/drawingml/2006/main" xmlns:r="http://schemas.openxmlformats.org/officeDocument/2006/relationships" xmlns:p="http://schemas.openxmlformats.org/presentationml/2006/main">
+  <p:cSld>
     <p:bg>
       <p:bgPr>
         <a:solidFill>
-          <a:schemeClr val="accent1"/>
+          <a:schemeClr val="bg1"/>
         </a:solidFill>
         <a:effectLst/>
       </p:bgPr>
@@ -2513,27 +3540,199 @@
       </p:grpSpPr>
       <p:sp>
         <p:nvSpPr>
-          <p:cNvPr id="2" name="Title 1"/>
-          <p:cNvSpPr>
-            <a:spLocks noGrp="1"/>
-          </p:cNvSpPr>
-          <p:nvPr>
-            <p:ph type="title"/>
-          </p:nvPr>
+          <p:cNvPr id="7" name="Rectangle 6"/>
+          <p:cNvSpPr/>
+          <p:nvPr/>
         </p:nvSpPr>
         <p:spPr>
           <a:xfrm>
-            <a:off x="649224" y="5418667"/>
-            <a:ext cx="10780776" cy="613283"/>
+            <a:off x="3181" y="6400800"/>
+            <a:ext cx="12188825" cy="457200"/>
           </a:xfrm>
+          <a:prstGeom prst="rect">
+            <a:avLst/>
+          </a:prstGeom>
+          <a:solidFill>
+            <a:schemeClr val="accent2"/>
+          </a:solidFill>
+          <a:ln>
+            <a:noFill/>
+          </a:ln>
         </p:spPr>
-        <p:txBody>
-          <a:bodyPr anchor="b">
+        <p:style>
+          <a:lnRef idx="2">
+            <a:schemeClr val="accent1">
+              <a:shade val="50000"/>
+            </a:schemeClr>
+          </a:lnRef>
+          <a:fillRef idx="1">
+            <a:schemeClr val="accent1"/>
+          </a:fillRef>
+          <a:effectRef idx="0">
+            <a:schemeClr val="accent1"/>
+          </a:effectRef>
+          <a:fontRef idx="minor">
+            <a:schemeClr val="lt1"/>
+          </a:fontRef>
+        </p:style>
+      </p:sp>
+      <p:sp>
+        <p:nvSpPr>
+          <p:cNvPr id="9" name="Rectangle 8"/>
+          <p:cNvSpPr/>
+          <p:nvPr/>
+        </p:nvSpPr>
+        <p:spPr>
+          <a:xfrm>
+            <a:off x="21" y="6334316"/>
+            <a:ext cx="12188825" cy="64008"/>
+          </a:xfrm>
+          <a:prstGeom prst="rect">
+            <a:avLst/>
+          </a:prstGeom>
+          <a:solidFill>
+            <a:schemeClr val="accent1"/>
+          </a:solidFill>
+          <a:ln>
+            <a:noFill/>
+          </a:ln>
+        </p:spPr>
+        <p:style>
+          <a:lnRef idx="2">
+            <a:schemeClr val="accent1">
+              <a:shade val="50000"/>
+            </a:schemeClr>
+          </a:lnRef>
+          <a:fillRef idx="1">
+            <a:schemeClr val="accent1"/>
+          </a:fillRef>
+          <a:effectRef idx="0">
+            <a:schemeClr val="accent1"/>
+          </a:effectRef>
+          <a:fontRef idx="minor">
+            <a:schemeClr val="lt1"/>
+          </a:fontRef>
+        </p:style>
+      </p:sp>
+      <p:sp>
+        <p:nvSpPr>
+          <p:cNvPr id="2" name="Title Placeholder 1"/>
+          <p:cNvSpPr>
+            <a:spLocks noGrp="1"/>
+          </p:cNvSpPr>
+          <p:nvPr>
+            <p:ph type="title"/>
+          </p:nvPr>
+        </p:nvSpPr>
+        <p:spPr>
+          <a:xfrm>
+            <a:off x="1097280" y="286607"/>
+            <a:ext cx="10058400" cy="1450757"/>
+          </a:xfrm>
+          <a:prstGeom prst="rect">
+            <a:avLst/>
+          </a:prstGeom>
+        </p:spPr>
+        <p:txBody>
+          <a:bodyPr vert="horz" lIns="91440" tIns="45720" rIns="91440" bIns="45720" rtlCol="0" anchor="b">
             <a:normAutofit/>
           </a:bodyPr>
+          <a:lstStyle/>
+          <a:p>
+            <a:r>
+              <a:rPr lang="en-US" smtClean="0"/>
+              <a:t>Click to edit Master title style</a:t>
+            </a:r>
+            <a:endParaRPr lang="en-US" dirty="0"/>
+          </a:p>
+        </p:txBody>
+      </p:sp>
+      <p:sp>
+        <p:nvSpPr>
+          <p:cNvPr id="3" name="Text Placeholder 2"/>
+          <p:cNvSpPr>
+            <a:spLocks noGrp="1"/>
+          </p:cNvSpPr>
+          <p:nvPr>
+            <p:ph type="body" idx="1"/>
+          </p:nvPr>
+        </p:nvSpPr>
+        <p:spPr>
+          <a:xfrm>
+            <a:off x="1097280" y="1845734"/>
+            <a:ext cx="10058400" cy="4023360"/>
+          </a:xfrm>
+          <a:prstGeom prst="rect">
+            <a:avLst/>
+          </a:prstGeom>
+        </p:spPr>
+        <p:txBody>
+          <a:bodyPr vert="horz" lIns="0" tIns="45720" rIns="0" bIns="45720" rtlCol="0">
+            <a:normAutofit/>
+          </a:bodyPr>
+          <a:lstStyle/>
+          <a:p>
+            <a:pPr lvl="0"/>
+            <a:r>
+              <a:rPr lang="en-US" smtClean="0"/>
+              <a:t>Click to edit Master text styles</a:t>
+            </a:r>
+          </a:p>
+          <a:p>
+            <a:pPr lvl="1"/>
+            <a:r>
+              <a:rPr lang="en-US" smtClean="0"/>
+              <a:t>Second level</a:t>
+            </a:r>
+          </a:p>
+          <a:p>
+            <a:pPr lvl="2"/>
+            <a:r>
+              <a:rPr lang="en-US" smtClean="0"/>
+              <a:t>Third level</a:t>
+            </a:r>
+          </a:p>
+          <a:p>
+            <a:pPr lvl="3"/>
+            <a:r>
+              <a:rPr lang="en-US" smtClean="0"/>
+              <a:t>Fourth level</a:t>
+            </a:r>
+          </a:p>
+          <a:p>
+            <a:pPr lvl="4"/>
+            <a:r>
+              <a:rPr lang="en-US" smtClean="0"/>
+              <a:t>Fifth level</a:t>
+            </a:r>
+            <a:endParaRPr lang="en-US" dirty="0"/>
+          </a:p>
+        </p:txBody>
+      </p:sp>
+      <p:sp>
+        <p:nvSpPr>
+          <p:cNvPr id="4" name="Date Placeholder 3"/>
+          <p:cNvSpPr>
+            <a:spLocks noGrp="1"/>
+          </p:cNvSpPr>
+          <p:nvPr>
+            <p:ph type="dt" sz="half" idx="2"/>
+          </p:nvPr>
+        </p:nvSpPr>
+        <p:spPr>
+          <a:xfrm>
+            <a:off x="1097286" y="6459793"/>
+            <a:ext cx="2472271" cy="365125"/>
+          </a:xfrm>
+          <a:prstGeom prst="rect">
+            <a:avLst/>
+          </a:prstGeom>
+        </p:spPr>
+        <p:txBody>
+          <a:bodyPr vert="horz" lIns="91440" tIns="45720" rIns="91440" bIns="45720" rtlCol="0" anchor="ctr"/>
           <a:lstStyle>
-            <a:lvl1pPr>
-              <a:defRPr sz="3200" b="0">
+            <a:lvl1pPr algn="l">
+              <a:defRPr sz="900">
                 <a:solidFill>
                   <a:srgbClr val="FFFFFF"/>
                 </a:solidFill>
@@ -2541,509 +3740,80 @@
             </a:lvl1pPr>
           </a:lstStyle>
           <a:p>
-            <a:r>
-              <a:rPr lang="en-US"/>
-              <a:t>Click to edit Master title style</a:t>
-            </a:r>
-            <a:endParaRPr lang="en-US" dirty="0"/>
-          </a:p>
-        </p:txBody>
-      </p:sp>
-      <p:sp>
-        <p:nvSpPr>
-          <p:cNvPr id="3" name="Picture Placeholder 2"/>
-          <p:cNvSpPr>
-            <a:spLocks noGrp="1" noChangeAspect="1"/>
-          </p:cNvSpPr>
-          <p:nvPr>
-            <p:ph type="pic" idx="1"/>
+            <a:fld id="{C844D2C0-41C2-43BC-8019-694385F02E35}" type="datetimeFigureOut">
+              <a:rPr lang="en-US" smtClean="0"/>
+              <a:t>9/16/16</a:t>
+            </a:fld>
+            <a:endParaRPr lang="en-US"/>
+          </a:p>
+        </p:txBody>
+      </p:sp>
+      <p:sp>
+        <p:nvSpPr>
+          <p:cNvPr id="5" name="Footer Placeholder 4"/>
+          <p:cNvSpPr>
+            <a:spLocks noGrp="1"/>
+          </p:cNvSpPr>
+          <p:nvPr>
+            <p:ph type="ftr" sz="quarter" idx="3"/>
           </p:nvPr>
         </p:nvSpPr>
         <p:spPr>
           <a:xfrm>
-            <a:off x="0" y="0"/>
-            <a:ext cx="12192000" cy="5330952"/>
-          </a:xfrm>
-          <a:solidFill>
-            <a:schemeClr val="accent1">
-              <a:lumMod val="40000"/>
-              <a:lumOff val="60000"/>
-            </a:schemeClr>
-          </a:solidFill>
-        </p:spPr>
-        <p:txBody>
-          <a:bodyPr anchor="t"/>
-          <a:lstStyle>
-            <a:lvl1pPr marL="0" indent="0" algn="ctr">
-              <a:spcBef>
-                <a:spcPts val="800"/>
-              </a:spcBef>
-              <a:buNone/>
-              <a:defRPr sz="3200">
-                <a:solidFill>
-                  <a:schemeClr val="tx1">
-                    <a:lumMod val="75000"/>
-                    <a:lumOff val="25000"/>
-                  </a:schemeClr>
-                </a:solidFill>
-              </a:defRPr>
-            </a:lvl1pPr>
-            <a:lvl2pPr marL="457200" indent="0">
-              <a:buNone/>
-              <a:defRPr sz="2800"/>
-            </a:lvl2pPr>
-            <a:lvl3pPr marL="914400" indent="0">
-              <a:buNone/>
-              <a:defRPr sz="2400"/>
-            </a:lvl3pPr>
-            <a:lvl4pPr marL="1371600" indent="0">
-              <a:buNone/>
-              <a:defRPr sz="2000"/>
-            </a:lvl4pPr>
-            <a:lvl5pPr marL="1828800" indent="0">
-              <a:buNone/>
-              <a:defRPr sz="2000"/>
-            </a:lvl5pPr>
-            <a:lvl6pPr marL="2286000" indent="0">
-              <a:buNone/>
-              <a:defRPr sz="2000"/>
-            </a:lvl6pPr>
-            <a:lvl7pPr marL="2743200" indent="0">
-              <a:buNone/>
-              <a:defRPr sz="2000"/>
-            </a:lvl7pPr>
-            <a:lvl8pPr marL="3200400" indent="0">
-              <a:buNone/>
-              <a:defRPr sz="2000"/>
-            </a:lvl8pPr>
-            <a:lvl9pPr marL="3657600" indent="0">
-              <a:buNone/>
-              <a:defRPr sz="2000"/>
-            </a:lvl9pPr>
-          </a:lstStyle>
-          <a:p>
-            <a:r>
-              <a:rPr lang="en-US"/>
-              <a:t>Click icon to add picture</a:t>
-            </a:r>
-            <a:endParaRPr lang="en-US" dirty="0"/>
-          </a:p>
-        </p:txBody>
-      </p:sp>
-      <p:sp>
-        <p:nvSpPr>
-          <p:cNvPr id="4" name="Text Placeholder 3"/>
-          <p:cNvSpPr>
-            <a:spLocks noGrp="1"/>
-          </p:cNvSpPr>
-          <p:nvPr>
-            <p:ph type="body" sz="half" idx="2"/>
-          </p:nvPr>
-        </p:nvSpPr>
-        <p:spPr>
-          <a:xfrm>
-            <a:off x="676656" y="5909735"/>
-            <a:ext cx="9229344" cy="533400"/>
-          </a:xfrm>
-        </p:spPr>
-        <p:txBody>
-          <a:bodyPr>
-            <a:normAutofit/>
-          </a:bodyPr>
-          <a:lstStyle>
-            <a:lvl1pPr marL="0" indent="0">
-              <a:lnSpc>
-                <a:spcPct val="90000"/>
-              </a:lnSpc>
-              <a:buNone/>
-              <a:defRPr sz="1400">
-                <a:solidFill>
-                  <a:srgbClr val="262626"/>
-                </a:solidFill>
-              </a:defRPr>
-            </a:lvl1pPr>
-            <a:lvl2pPr marL="457200" indent="0">
-              <a:buNone/>
-              <a:defRPr sz="1200"/>
-            </a:lvl2pPr>
-            <a:lvl3pPr marL="914400" indent="0">
-              <a:buNone/>
-              <a:defRPr sz="1000"/>
-            </a:lvl3pPr>
-            <a:lvl4pPr marL="1371600" indent="0">
-              <a:buNone/>
-              <a:defRPr sz="900"/>
-            </a:lvl4pPr>
-            <a:lvl5pPr marL="1828800" indent="0">
-              <a:buNone/>
-              <a:defRPr sz="900"/>
-            </a:lvl5pPr>
-            <a:lvl6pPr marL="2286000" indent="0">
-              <a:buNone/>
-              <a:defRPr sz="900"/>
-            </a:lvl6pPr>
-            <a:lvl7pPr marL="2743200" indent="0">
-              <a:buNone/>
-              <a:defRPr sz="900"/>
-            </a:lvl7pPr>
-            <a:lvl8pPr marL="3200400" indent="0">
-              <a:buNone/>
-              <a:defRPr sz="900"/>
-            </a:lvl8pPr>
-            <a:lvl9pPr marL="3657600" indent="0">
-              <a:buNone/>
-              <a:defRPr sz="900"/>
-            </a:lvl9pPr>
-          </a:lstStyle>
-          <a:p>
-            <a:pPr lvl="0"/>
-            <a:r>
-              <a:rPr lang="en-US"/>
-              <a:t>Edit Master text styles</a:t>
-            </a:r>
-          </a:p>
-        </p:txBody>
-      </p:sp>
-      <p:sp>
-        <p:nvSpPr>
-          <p:cNvPr id="12" name="Date Placeholder 11"/>
-          <p:cNvSpPr>
-            <a:spLocks noGrp="1"/>
-          </p:cNvSpPr>
-          <p:nvPr>
-            <p:ph type="dt" sz="half" idx="10"/>
-          </p:nvPr>
-        </p:nvSpPr>
-        <p:spPr/>
-        <p:txBody>
-          <a:bodyPr/>
-          <a:lstStyle>
-            <a:lvl1pPr>
-              <a:defRPr>
-                <a:solidFill>
-                  <a:srgbClr val="FFFFFF">
-                    <a:alpha val="80000"/>
-                  </a:srgbClr>
-                </a:solidFill>
-              </a:defRPr>
-            </a:lvl1pPr>
-          </a:lstStyle>
-          <a:p>
-            <a:fld id="{C844D2C0-41C2-43BC-8019-694385F02E35}" type="datetimeFigureOut">
-              <a:rPr lang="en-US" smtClean="0"/>
-              <a:t>9/16/2016</a:t>
-            </a:fld>
-            <a:endParaRPr lang="en-US"/>
-          </a:p>
-        </p:txBody>
-      </p:sp>
-      <p:sp>
-        <p:nvSpPr>
-          <p:cNvPr id="13" name="Footer Placeholder 12"/>
-          <p:cNvSpPr>
-            <a:spLocks noGrp="1"/>
-          </p:cNvSpPr>
-          <p:nvPr>
-            <p:ph type="ftr" sz="quarter" idx="11"/>
-          </p:nvPr>
-        </p:nvSpPr>
-        <p:spPr/>
-        <p:txBody>
-          <a:bodyPr/>
-          <a:lstStyle>
-            <a:lvl1pPr>
-              <a:defRPr>
-                <a:solidFill>
-                  <a:srgbClr val="FFFFFF">
-                    <a:alpha val="80000"/>
-                  </a:srgbClr>
-                </a:solidFill>
-              </a:defRPr>
-            </a:lvl1pPr>
-          </a:lstStyle>
-          <a:p>
-            <a:endParaRPr lang="en-US"/>
-          </a:p>
-        </p:txBody>
-      </p:sp>
-      <p:sp>
-        <p:nvSpPr>
-          <p:cNvPr id="14" name="Slide Number Placeholder 13"/>
-          <p:cNvSpPr>
-            <a:spLocks noGrp="1"/>
-          </p:cNvSpPr>
-          <p:nvPr>
-            <p:ph type="sldNum" sz="quarter" idx="12"/>
-          </p:nvPr>
-        </p:nvSpPr>
-        <p:spPr/>
-        <p:txBody>
-          <a:bodyPr/>
-          <a:lstStyle>
-            <a:lvl1pPr>
-              <a:defRPr>
-                <a:solidFill>
-                  <a:srgbClr val="FFFFFF">
-                    <a:alpha val="25000"/>
-                  </a:srgbClr>
-                </a:solidFill>
-              </a:defRPr>
-            </a:lvl1pPr>
-          </a:lstStyle>
-          <a:p>
-            <a:fld id="{8891EF41-D1D0-45E7-B90F-4F9B8211DA66}" type="slidenum">
-              <a:rPr lang="en-US" smtClean="0"/>
-              <a:t>‹#›</a:t>
-            </a:fld>
-            <a:endParaRPr lang="en-US"/>
-          </a:p>
-        </p:txBody>
-      </p:sp>
-    </p:spTree>
-    <p:extLst>
-      <p:ext uri="{BB962C8B-B14F-4D97-AF65-F5344CB8AC3E}">
-        <p14:creationId xmlns:p14="http://schemas.microsoft.com/office/powerpoint/2010/main" val="103504826"/>
-      </p:ext>
-    </p:extLst>
-  </p:cSld>
-  <p:clrMapOvr>
-    <a:overrideClrMapping bg1="lt1" tx1="dk1" bg2="lt2" tx2="dk2" accent1="accent1" accent2="accent2" accent3="accent3" accent4="accent4" accent5="accent5" accent6="accent6" hlink="hlink" folHlink="folHlink"/>
-  </p:clrMapOvr>
-</p:sldLayout>
-</file>
-
-<file path=ppt/slideMasters/slideMaster1.xml><?xml version="1.0" encoding="utf-8"?>
-<p:sldMaster xmlns:a="http://schemas.openxmlformats.org/drawingml/2006/main" xmlns:r="http://schemas.openxmlformats.org/officeDocument/2006/relationships" xmlns:p="http://schemas.openxmlformats.org/presentationml/2006/main">
-  <p:cSld>
-    <p:bg>
-      <p:bgRef idx="1001">
-        <a:schemeClr val="bg1"/>
-      </p:bgRef>
-    </p:bg>
-    <p:spTree>
-      <p:nvGrpSpPr>
-        <p:cNvPr id="1" name=""/>
-        <p:cNvGrpSpPr/>
-        <p:nvPr/>
-      </p:nvGrpSpPr>
-      <p:grpSpPr>
-        <a:xfrm>
-          <a:off x="0" y="0"/>
-          <a:ext cx="0" cy="0"/>
-          <a:chOff x="0" y="0"/>
-          <a:chExt cx="0" cy="0"/>
-        </a:xfrm>
-      </p:grpSpPr>
-      <p:sp>
-        <p:nvSpPr>
-          <p:cNvPr id="2" name="Title Placeholder 1"/>
-          <p:cNvSpPr>
-            <a:spLocks noGrp="1"/>
-          </p:cNvSpPr>
-          <p:nvPr>
-            <p:ph type="title"/>
-          </p:nvPr>
-        </p:nvSpPr>
-        <p:spPr>
-          <a:xfrm>
-            <a:off x="657224" y="499533"/>
-            <a:ext cx="10772775" cy="1658198"/>
+            <a:off x="3686187" y="6459793"/>
+            <a:ext cx="4822804" cy="365125"/>
           </a:xfrm>
           <a:prstGeom prst="rect">
             <a:avLst/>
           </a:prstGeom>
         </p:spPr>
         <p:txBody>
-          <a:bodyPr vert="horz" lIns="91440" tIns="45720" rIns="91440" bIns="45720" rtlCol="0" anchor="ctr">
-            <a:normAutofit/>
-          </a:bodyPr>
-          <a:lstStyle/>
-          <a:p>
-            <a:r>
-              <a:rPr lang="en-US"/>
-              <a:t>Click to edit Master title style</a:t>
-            </a:r>
-            <a:endParaRPr lang="en-US" dirty="0"/>
-          </a:p>
-        </p:txBody>
-      </p:sp>
-      <p:sp>
-        <p:nvSpPr>
-          <p:cNvPr id="3" name="Text Placeholder 2"/>
-          <p:cNvSpPr>
-            <a:spLocks noGrp="1"/>
-          </p:cNvSpPr>
-          <p:nvPr>
-            <p:ph type="body" idx="1"/>
+          <a:bodyPr vert="horz" lIns="91440" tIns="45720" rIns="91440" bIns="45720" rtlCol="0" anchor="ctr"/>
+          <a:lstStyle>
+            <a:lvl1pPr algn="ctr">
+              <a:defRPr sz="900" cap="all" baseline="0">
+                <a:solidFill>
+                  <a:srgbClr val="FFFFFF"/>
+                </a:solidFill>
+              </a:defRPr>
+            </a:lvl1pPr>
+          </a:lstStyle>
+          <a:p>
+            <a:endParaRPr lang="en-US"/>
+          </a:p>
+        </p:txBody>
+      </p:sp>
+      <p:sp>
+        <p:nvSpPr>
+          <p:cNvPr id="6" name="Slide Number Placeholder 5"/>
+          <p:cNvSpPr>
+            <a:spLocks noGrp="1"/>
+          </p:cNvSpPr>
+          <p:nvPr>
+            <p:ph type="sldNum" sz="quarter" idx="4"/>
           </p:nvPr>
         </p:nvSpPr>
         <p:spPr>
           <a:xfrm>
-            <a:off x="676656" y="2011680"/>
-            <a:ext cx="10753725" cy="3766185"/>
+            <a:off x="9900464" y="6459793"/>
+            <a:ext cx="1312025" cy="365125"/>
           </a:xfrm>
           <a:prstGeom prst="rect">
             <a:avLst/>
           </a:prstGeom>
         </p:spPr>
         <p:txBody>
-          <a:bodyPr vert="horz" lIns="91440" tIns="45720" rIns="91440" bIns="45720" rtlCol="0">
-            <a:normAutofit/>
-          </a:bodyPr>
-          <a:lstStyle/>
-          <a:p>
-            <a:pPr lvl="0"/>
-            <a:r>
-              <a:rPr lang="en-US"/>
-              <a:t>Edit Master text styles</a:t>
-            </a:r>
-          </a:p>
-          <a:p>
-            <a:pPr lvl="1"/>
-            <a:r>
-              <a:rPr lang="en-US"/>
-              <a:t>Second level</a:t>
-            </a:r>
-          </a:p>
-          <a:p>
-            <a:pPr lvl="2"/>
-            <a:r>
-              <a:rPr lang="en-US"/>
-              <a:t>Third level</a:t>
-            </a:r>
-          </a:p>
-          <a:p>
-            <a:pPr lvl="3"/>
-            <a:r>
-              <a:rPr lang="en-US"/>
-              <a:t>Fourth level</a:t>
-            </a:r>
-          </a:p>
-          <a:p>
-            <a:pPr lvl="4"/>
-            <a:r>
-              <a:rPr lang="en-US"/>
-              <a:t>Fifth level</a:t>
-            </a:r>
-            <a:endParaRPr lang="en-US" dirty="0"/>
-          </a:p>
-        </p:txBody>
-      </p:sp>
-      <p:sp>
-        <p:nvSpPr>
-          <p:cNvPr id="4" name="Date Placeholder 3"/>
-          <p:cNvSpPr>
-            <a:spLocks noGrp="1"/>
-          </p:cNvSpPr>
-          <p:nvPr>
-            <p:ph type="dt" sz="half" idx="2"/>
-          </p:nvPr>
-        </p:nvSpPr>
-        <p:spPr>
-          <a:xfrm>
-            <a:off x="685800" y="6412447"/>
-            <a:ext cx="4114800" cy="228600"/>
-          </a:xfrm>
-          <a:prstGeom prst="rect">
-            <a:avLst/>
-          </a:prstGeom>
-        </p:spPr>
-        <p:txBody>
           <a:bodyPr vert="horz" lIns="91440" tIns="45720" rIns="91440" bIns="45720" rtlCol="0" anchor="ctr"/>
           <a:lstStyle>
-            <a:lvl1pPr algn="l">
-              <a:defRPr sz="950">
+            <a:lvl1pPr algn="r">
+              <a:defRPr sz="1051">
                 <a:solidFill>
-                  <a:schemeClr val="tx1">
-                    <a:alpha val="80000"/>
-                  </a:schemeClr>
+                  <a:srgbClr val="FFFFFF"/>
                 </a:solidFill>
               </a:defRPr>
             </a:lvl1pPr>
           </a:lstStyle>
           <a:p>
-            <a:fld id="{C844D2C0-41C2-43BC-8019-694385F02E35}" type="datetimeFigureOut">
-              <a:rPr lang="en-US" smtClean="0"/>
-              <a:t>9/16/2016</a:t>
-            </a:fld>
-            <a:endParaRPr lang="en-US"/>
-          </a:p>
-        </p:txBody>
-      </p:sp>
-      <p:sp>
-        <p:nvSpPr>
-          <p:cNvPr id="5" name="Footer Placeholder 4"/>
-          <p:cNvSpPr>
-            <a:spLocks noGrp="1"/>
-          </p:cNvSpPr>
-          <p:nvPr>
-            <p:ph type="ftr" sz="quarter" idx="3"/>
-          </p:nvPr>
-        </p:nvSpPr>
-        <p:spPr>
-          <a:xfrm>
-            <a:off x="685800" y="6554697"/>
-            <a:ext cx="5029200" cy="228600"/>
-          </a:xfrm>
-          <a:prstGeom prst="rect">
-            <a:avLst/>
-          </a:prstGeom>
-        </p:spPr>
-        <p:txBody>
-          <a:bodyPr vert="horz" lIns="91440" tIns="45720" rIns="91440" bIns="45720" rtlCol="0" anchor="ctr"/>
-          <a:lstStyle>
-            <a:lvl1pPr algn="l">
-              <a:defRPr sz="950" cap="all" baseline="0">
-                <a:solidFill>
-                  <a:schemeClr val="tx1">
-                    <a:alpha val="80000"/>
-                  </a:schemeClr>
-                </a:solidFill>
-              </a:defRPr>
-            </a:lvl1pPr>
-          </a:lstStyle>
-          <a:p>
-            <a:endParaRPr lang="en-US"/>
-          </a:p>
-        </p:txBody>
-      </p:sp>
-      <p:sp>
-        <p:nvSpPr>
-          <p:cNvPr id="6" name="Slide Number Placeholder 5"/>
-          <p:cNvSpPr>
-            <a:spLocks noGrp="1"/>
-          </p:cNvSpPr>
-          <p:nvPr>
-            <p:ph type="sldNum" sz="quarter" idx="4"/>
-          </p:nvPr>
-        </p:nvSpPr>
-        <p:spPr>
-          <a:xfrm>
-            <a:off x="8763926" y="5876412"/>
-            <a:ext cx="2926080" cy="1397039"/>
-          </a:xfrm>
-          <a:prstGeom prst="rect">
-            <a:avLst/>
-          </a:prstGeom>
-        </p:spPr>
-        <p:txBody>
-          <a:bodyPr vert="horz" lIns="91440" tIns="45720" rIns="91440" bIns="45720" rtlCol="0" anchor="b"/>
-          <a:lstStyle>
-            <a:lvl1pPr algn="r">
-              <a:defRPr sz="10300" b="0">
-                <a:ln>
-                  <a:noFill/>
-                </a:ln>
-                <a:solidFill>
-                  <a:schemeClr val="accent1">
-                    <a:alpha val="25000"/>
-                  </a:schemeClr>
-                </a:solidFill>
-                <a:latin typeface="+mj-lt"/>
-              </a:defRPr>
-            </a:lvl1pPr>
-          </a:lstStyle>
-          <a:p>
             <a:fld id="{8891EF41-D1D0-45E7-B90F-4F9B8211DA66}" type="slidenum">
               <a:rPr lang="en-US" smtClean="0"/>
               <a:t>‹#›</a:t>
@@ -3055,27 +3825,27 @@
     </p:spTree>
     <p:extLst>
       <p:ext uri="{BB962C8B-B14F-4D97-AF65-F5344CB8AC3E}">
-        <p14:creationId xmlns:p14="http://schemas.microsoft.com/office/powerpoint/2010/main" val="2934205386"/>
+        <p14:creationId xmlns:p14="http://schemas.microsoft.com/office/powerpoint/2010/main" val="1383408317"/>
       </p:ext>
     </p:extLst>
   </p:cSld>
   <p:clrMap bg1="lt1" tx1="dk1" bg2="lt2" tx2="dk2" accent1="accent1" accent2="accent2" accent3="accent3" accent4="accent4" accent5="accent5" accent6="accent6" hlink="hlink" folHlink="folHlink"/>
   <p:sldLayoutIdLst>
-    <p:sldLayoutId id="2147483762" r:id="rId1"/>
-    <p:sldLayoutId id="2147483763" r:id="rId2"/>
-    <p:sldLayoutId id="2147483764" r:id="rId3"/>
-    <p:sldLayoutId id="2147483765" r:id="rId4"/>
-    <p:sldLayoutId id="2147483766" r:id="rId5"/>
-    <p:sldLayoutId id="2147483767" r:id="rId6"/>
-    <p:sldLayoutId id="2147483768" r:id="rId7"/>
-    <p:sldLayoutId id="2147483769" r:id="rId8"/>
-    <p:sldLayoutId id="2147483770" r:id="rId9"/>
-    <p:sldLayoutId id="2147483771" r:id="rId10"/>
-    <p:sldLayoutId id="2147483772" r:id="rId11"/>
+    <p:sldLayoutId id="2147483906" r:id="rId1"/>
+    <p:sldLayoutId id="2147483907" r:id="rId2"/>
+    <p:sldLayoutId id="2147483908" r:id="rId3"/>
+    <p:sldLayoutId id="2147483909" r:id="rId4"/>
+    <p:sldLayoutId id="2147483910" r:id="rId5"/>
+    <p:sldLayoutId id="2147483911" r:id="rId6"/>
+    <p:sldLayoutId id="2147483912" r:id="rId7"/>
+    <p:sldLayoutId id="2147483913" r:id="rId8"/>
+    <p:sldLayoutId id="2147483914" r:id="rId9"/>
+    <p:sldLayoutId id="2147483915" r:id="rId10"/>
+    <p:sldLayoutId id="2147483916" r:id="rId11"/>
   </p:sldLayoutIdLst>
   <p:txStyles>
     <p:titleStyle>
-      <a:lvl1pPr algn="l" defTabSz="914400" rtl="0" eaLnBrk="1" latinLnBrk="0" hangingPunct="1">
+      <a:lvl1pPr algn="l" defTabSz="914354" rtl="0" eaLnBrk="1" latinLnBrk="0" hangingPunct="1">
         <a:lnSpc>
           <a:spcPct val="85000"/>
         </a:lnSpc>
@@ -3083,9 +3853,12 @@
           <a:spcPct val="0"/>
         </a:spcBef>
         <a:buNone/>
-        <a:defRPr sz="5400" kern="1200" spc="-120" baseline="0">
+        <a:defRPr sz="4800" kern="1200" spc="-51" baseline="0">
           <a:solidFill>
-            <a:schemeClr val="accent1"/>
+            <a:schemeClr val="tx1">
+              <a:lumMod val="75000"/>
+              <a:lumOff val="25000"/>
+            </a:schemeClr>
           </a:solidFill>
           <a:latin typeface="+mj-lt"/>
           <a:ea typeface="+mj-ea"/>
@@ -3094,20 +3867,27 @@
       </a:lvl1pPr>
     </p:titleStyle>
     <p:bodyStyle>
-      <a:lvl1pPr marL="91440" indent="-91440" algn="l" defTabSz="914400" rtl="0" eaLnBrk="1" latinLnBrk="0" hangingPunct="1">
+      <a:lvl1pPr marL="91436" indent="-91436" algn="l" defTabSz="914354" rtl="0" eaLnBrk="1" latinLnBrk="0" hangingPunct="1">
         <a:lnSpc>
-          <a:spcPct val="85000"/>
+          <a:spcPct val="90000"/>
         </a:lnSpc>
         <a:spcBef>
-          <a:spcPts val="1300"/>
+          <a:spcPts val="1200"/>
         </a:spcBef>
-        <a:buFont typeface="Arial" pitchFamily="34" charset="0"/>
+        <a:spcAft>
+          <a:spcPts val="200"/>
+        </a:spcAft>
+        <a:buClr>
+          <a:schemeClr val="accent1"/>
+        </a:buClr>
+        <a:buSzPct val="100000"/>
+        <a:buFont typeface="Calibri" panose="020F0502020204030204" pitchFamily="34" charset="0"/>
         <a:buChar char=" "/>
-        <a:defRPr sz="2400" kern="1200">
+        <a:defRPr sz="2000" kern="1200">
           <a:solidFill>
             <a:schemeClr val="tx1">
-              <a:lumMod val="85000"/>
-              <a:lumOff val="15000"/>
+              <a:lumMod val="75000"/>
+              <a:lumOff val="25000"/>
             </a:schemeClr>
           </a:solidFill>
           <a:latin typeface="+mn-lt"/>
@@ -3115,20 +3895,26 @@
           <a:cs typeface="+mn-cs"/>
         </a:defRPr>
       </a:lvl1pPr>
-      <a:lvl2pPr marL="347472" indent="-342900" algn="l" defTabSz="914400" rtl="0" eaLnBrk="1" latinLnBrk="0" hangingPunct="1">
+      <a:lvl2pPr marL="384029" indent="-182870" algn="l" defTabSz="914354" rtl="0" eaLnBrk="1" latinLnBrk="0" hangingPunct="1">
         <a:lnSpc>
-          <a:spcPct val="85000"/>
+          <a:spcPct val="90000"/>
         </a:lnSpc>
         <a:spcBef>
-          <a:spcPts val="600"/>
+          <a:spcPts val="200"/>
         </a:spcBef>
-        <a:buFont typeface="Arial" pitchFamily="34" charset="0"/>
-        <a:buChar char=" "/>
-        <a:defRPr sz="2400" kern="1200">
+        <a:spcAft>
+          <a:spcPts val="400"/>
+        </a:spcAft>
+        <a:buClr>
+          <a:schemeClr val="accent1"/>
+        </a:buClr>
+        <a:buFont typeface="Calibri" pitchFamily="34" charset="0"/>
+        <a:buChar char="◦"/>
+        <a:defRPr sz="1800" kern="1200">
           <a:solidFill>
             <a:schemeClr val="tx1">
-              <a:lumMod val="85000"/>
-              <a:lumOff val="15000"/>
+              <a:lumMod val="75000"/>
+              <a:lumOff val="25000"/>
             </a:schemeClr>
           </a:solidFill>
           <a:latin typeface="+mn-lt"/>
@@ -3136,20 +3922,26 @@
           <a:cs typeface="+mn-cs"/>
         </a:defRPr>
       </a:lvl2pPr>
-      <a:lvl3pPr marL="548640" indent="-548640" algn="l" defTabSz="914400" rtl="0" eaLnBrk="1" latinLnBrk="0" hangingPunct="1">
+      <a:lvl3pPr marL="566900" indent="-182870" algn="l" defTabSz="914354" rtl="0" eaLnBrk="1" latinLnBrk="0" hangingPunct="1">
         <a:lnSpc>
-          <a:spcPct val="85000"/>
+          <a:spcPct val="90000"/>
         </a:lnSpc>
         <a:spcBef>
-          <a:spcPts val="600"/>
+          <a:spcPts val="200"/>
         </a:spcBef>
-        <a:buFont typeface="Arial" pitchFamily="34" charset="0"/>
-        <a:buChar char=" "/>
-        <a:defRPr sz="2000" i="1" kern="1200">
+        <a:spcAft>
+          <a:spcPts val="400"/>
+        </a:spcAft>
+        <a:buClr>
+          <a:schemeClr val="accent1"/>
+        </a:buClr>
+        <a:buFont typeface="Calibri" pitchFamily="34" charset="0"/>
+        <a:buChar char="◦"/>
+        <a:defRPr sz="1400" kern="1200">
           <a:solidFill>
             <a:schemeClr val="tx1">
-              <a:lumMod val="85000"/>
-              <a:lumOff val="15000"/>
+              <a:lumMod val="75000"/>
+              <a:lumOff val="25000"/>
             </a:schemeClr>
           </a:solidFill>
           <a:latin typeface="+mn-lt"/>
@@ -3157,20 +3949,26 @@
           <a:cs typeface="+mn-cs"/>
         </a:defRPr>
       </a:lvl3pPr>
-      <a:lvl4pPr marL="822960" indent="-822960" algn="l" defTabSz="914400" rtl="0" eaLnBrk="1" latinLnBrk="0" hangingPunct="1">
+      <a:lvl4pPr marL="749771" indent="-182870" algn="l" defTabSz="914354" rtl="0" eaLnBrk="1" latinLnBrk="0" hangingPunct="1">
         <a:lnSpc>
-          <a:spcPct val="85000"/>
+          <a:spcPct val="90000"/>
         </a:lnSpc>
         <a:spcBef>
-          <a:spcPts val="600"/>
+          <a:spcPts val="200"/>
         </a:spcBef>
-        <a:buFont typeface="Arial" pitchFamily="34" charset="0"/>
-        <a:buChar char=" "/>
-        <a:defRPr sz="1800" kern="1200">
+        <a:spcAft>
+          <a:spcPts val="400"/>
+        </a:spcAft>
+        <a:buClr>
+          <a:schemeClr val="accent1"/>
+        </a:buClr>
+        <a:buFont typeface="Calibri" pitchFamily="34" charset="0"/>
+        <a:buChar char="◦"/>
+        <a:defRPr sz="1400" kern="1200">
           <a:solidFill>
             <a:schemeClr val="tx1">
-              <a:lumMod val="85000"/>
-              <a:lumOff val="15000"/>
+              <a:lumMod val="75000"/>
+              <a:lumOff val="25000"/>
             </a:schemeClr>
           </a:solidFill>
           <a:latin typeface="+mn-lt"/>
@@ -3178,20 +3976,26 @@
           <a:cs typeface="+mn-cs"/>
         </a:defRPr>
       </a:lvl4pPr>
-      <a:lvl5pPr marL="1097280" indent="-1097280" algn="l" defTabSz="914400" rtl="0" eaLnBrk="1" latinLnBrk="0" hangingPunct="1">
+      <a:lvl5pPr marL="932642" indent="-182870" algn="l" defTabSz="914354" rtl="0" eaLnBrk="1" latinLnBrk="0" hangingPunct="1">
         <a:lnSpc>
-          <a:spcPct val="85000"/>
+          <a:spcPct val="90000"/>
         </a:lnSpc>
         <a:spcBef>
-          <a:spcPts val="600"/>
+          <a:spcPts val="200"/>
         </a:spcBef>
-        <a:buFont typeface="Arial" pitchFamily="34" charset="0"/>
-        <a:buChar char=" "/>
-        <a:defRPr sz="1800" kern="1200">
+        <a:spcAft>
+          <a:spcPts val="400"/>
+        </a:spcAft>
+        <a:buClr>
+          <a:schemeClr val="accent1"/>
+        </a:buClr>
+        <a:buFont typeface="Calibri" pitchFamily="34" charset="0"/>
+        <a:buChar char="◦"/>
+        <a:defRPr sz="1400" kern="1200">
           <a:solidFill>
             <a:schemeClr val="tx1">
-              <a:lumMod val="85000"/>
-              <a:lumOff val="15000"/>
+              <a:lumMod val="75000"/>
+              <a:lumOff val="25000"/>
             </a:schemeClr>
           </a:solidFill>
           <a:latin typeface="+mn-lt"/>
@@ -3199,20 +4003,26 @@
           <a:cs typeface="+mn-cs"/>
         </a:defRPr>
       </a:lvl5pPr>
-      <a:lvl6pPr marL="1200000" indent="-228600" algn="l" defTabSz="914400" rtl="0" eaLnBrk="1" latinLnBrk="0" hangingPunct="1">
+      <a:lvl6pPr marL="1099946" indent="-228589" algn="l" defTabSz="914354" rtl="0" eaLnBrk="1" latinLnBrk="0" hangingPunct="1">
         <a:lnSpc>
-          <a:spcPct val="85000"/>
+          <a:spcPct val="90000"/>
         </a:lnSpc>
         <a:spcBef>
-          <a:spcPts val="600"/>
+          <a:spcPts val="200"/>
         </a:spcBef>
-        <a:buFont typeface="Arial" pitchFamily="34" charset="0"/>
-        <a:buChar char=" "/>
-        <a:defRPr sz="1800" kern="1200">
+        <a:spcAft>
+          <a:spcPts val="400"/>
+        </a:spcAft>
+        <a:buClr>
+          <a:schemeClr val="accent1"/>
+        </a:buClr>
+        <a:buFont typeface="Calibri" pitchFamily="34" charset="0"/>
+        <a:buChar char="◦"/>
+        <a:defRPr sz="1400" kern="1200">
           <a:solidFill>
             <a:schemeClr val="tx1">
-              <a:lumMod val="85000"/>
-              <a:lumOff val="15000"/>
+              <a:lumMod val="75000"/>
+              <a:lumOff val="25000"/>
             </a:schemeClr>
           </a:solidFill>
           <a:latin typeface="+mn-lt"/>
@@ -3220,20 +4030,26 @@
           <a:cs typeface="+mn-cs"/>
         </a:defRPr>
       </a:lvl6pPr>
-      <a:lvl7pPr marL="1400000" indent="-228600" algn="l" defTabSz="914400" rtl="0" eaLnBrk="1" latinLnBrk="0" hangingPunct="1">
+      <a:lvl7pPr marL="1299936" indent="-228589" algn="l" defTabSz="914354" rtl="0" eaLnBrk="1" latinLnBrk="0" hangingPunct="1">
         <a:lnSpc>
-          <a:spcPct val="85000"/>
+          <a:spcPct val="90000"/>
         </a:lnSpc>
         <a:spcBef>
-          <a:spcPts val="600"/>
+          <a:spcPts val="200"/>
         </a:spcBef>
-        <a:buFont typeface="Arial" pitchFamily="34" charset="0"/>
-        <a:buChar char=" "/>
-        <a:defRPr sz="1800" kern="1200">
+        <a:spcAft>
+          <a:spcPts val="400"/>
+        </a:spcAft>
+        <a:buClr>
+          <a:schemeClr val="accent1"/>
+        </a:buClr>
+        <a:buFont typeface="Calibri" pitchFamily="34" charset="0"/>
+        <a:buChar char="◦"/>
+        <a:defRPr sz="1400" kern="1200">
           <a:solidFill>
             <a:schemeClr val="tx1">
-              <a:lumMod val="85000"/>
-              <a:lumOff val="15000"/>
+              <a:lumMod val="75000"/>
+              <a:lumOff val="25000"/>
             </a:schemeClr>
           </a:solidFill>
           <a:latin typeface="+mn-lt"/>
@@ -3241,20 +4057,26 @@
           <a:cs typeface="+mn-cs"/>
         </a:defRPr>
       </a:lvl7pPr>
-      <a:lvl8pPr marL="1600000" indent="-228600" algn="l" defTabSz="914400" rtl="0" eaLnBrk="1" latinLnBrk="0" hangingPunct="1">
+      <a:lvl8pPr marL="1499925" indent="-228589" algn="l" defTabSz="914354" rtl="0" eaLnBrk="1" latinLnBrk="0" hangingPunct="1">
         <a:lnSpc>
-          <a:spcPct val="85000"/>
+          <a:spcPct val="90000"/>
         </a:lnSpc>
         <a:spcBef>
-          <a:spcPts val="600"/>
+          <a:spcPts val="200"/>
         </a:spcBef>
-        <a:buFont typeface="Arial" pitchFamily="34" charset="0"/>
-        <a:buChar char=" "/>
-        <a:defRPr sz="1800" kern="1200">
+        <a:spcAft>
+          <a:spcPts val="400"/>
+        </a:spcAft>
+        <a:buClr>
+          <a:schemeClr val="accent1"/>
+        </a:buClr>
+        <a:buFont typeface="Calibri" pitchFamily="34" charset="0"/>
+        <a:buChar char="◦"/>
+        <a:defRPr sz="1400" kern="1200">
           <a:solidFill>
             <a:schemeClr val="tx1">
-              <a:lumMod val="85000"/>
-              <a:lumOff val="15000"/>
+              <a:lumMod val="75000"/>
+              <a:lumOff val="25000"/>
             </a:schemeClr>
           </a:solidFill>
           <a:latin typeface="+mn-lt"/>
@@ -3262,20 +4084,26 @@
           <a:cs typeface="+mn-cs"/>
         </a:defRPr>
       </a:lvl8pPr>
-      <a:lvl9pPr marL="1800000" indent="-228600" algn="l" defTabSz="914400" rtl="0" eaLnBrk="1" latinLnBrk="0" hangingPunct="1">
+      <a:lvl9pPr marL="1699916" indent="-228589" algn="l" defTabSz="914354" rtl="0" eaLnBrk="1" latinLnBrk="0" hangingPunct="1">
         <a:lnSpc>
-          <a:spcPct val="85000"/>
+          <a:spcPct val="90000"/>
         </a:lnSpc>
         <a:spcBef>
-          <a:spcPts val="600"/>
+          <a:spcPts val="200"/>
         </a:spcBef>
-        <a:buFont typeface="Arial" pitchFamily="34" charset="0"/>
-        <a:buChar char=" "/>
-        <a:defRPr sz="1800" kern="1200">
+        <a:spcAft>
+          <a:spcPts val="400"/>
+        </a:spcAft>
+        <a:buClr>
+          <a:schemeClr val="accent1"/>
+        </a:buClr>
+        <a:buFont typeface="Calibri" pitchFamily="34" charset="0"/>
+        <a:buChar char="◦"/>
+        <a:defRPr sz="1400" kern="1200">
           <a:solidFill>
             <a:schemeClr val="tx1">
-              <a:lumMod val="85000"/>
-              <a:lumOff val="15000"/>
+              <a:lumMod val="75000"/>
+              <a:lumOff val="25000"/>
             </a:schemeClr>
           </a:solidFill>
           <a:latin typeface="+mn-lt"/>
@@ -3288,7 +4116,7 @@
       <a:defPPr>
         <a:defRPr lang="en-US"/>
       </a:defPPr>
-      <a:lvl1pPr marL="0" algn="l" defTabSz="914400" rtl="0" eaLnBrk="1" latinLnBrk="0" hangingPunct="1">
+      <a:lvl1pPr marL="0" algn="l" defTabSz="914354" rtl="0" eaLnBrk="1" latinLnBrk="0" hangingPunct="1">
         <a:defRPr sz="1800" kern="1200">
           <a:solidFill>
             <a:schemeClr val="tx1"/>
@@ -3298,7 +4126,7 @@
           <a:cs typeface="+mn-cs"/>
         </a:defRPr>
       </a:lvl1pPr>
-      <a:lvl2pPr marL="457200" algn="l" defTabSz="914400" rtl="0" eaLnBrk="1" latinLnBrk="0" hangingPunct="1">
+      <a:lvl2pPr marL="457178" algn="l" defTabSz="914354" rtl="0" eaLnBrk="1" latinLnBrk="0" hangingPunct="1">
         <a:defRPr sz="1800" kern="1200">
           <a:solidFill>
             <a:schemeClr val="tx1"/>
@@ -3308,7 +4136,7 @@
           <a:cs typeface="+mn-cs"/>
         </a:defRPr>
       </a:lvl2pPr>
-      <a:lvl3pPr marL="914400" algn="l" defTabSz="914400" rtl="0" eaLnBrk="1" latinLnBrk="0" hangingPunct="1">
+      <a:lvl3pPr marL="914354" algn="l" defTabSz="914354" rtl="0" eaLnBrk="1" latinLnBrk="0" hangingPunct="1">
         <a:defRPr sz="1800" kern="1200">
           <a:solidFill>
             <a:schemeClr val="tx1"/>
@@ -3318,7 +4146,7 @@
           <a:cs typeface="+mn-cs"/>
         </a:defRPr>
       </a:lvl3pPr>
-      <a:lvl4pPr marL="1371600" algn="l" defTabSz="914400" rtl="0" eaLnBrk="1" latinLnBrk="0" hangingPunct="1">
+      <a:lvl4pPr marL="1371532" algn="l" defTabSz="914354" rtl="0" eaLnBrk="1" latinLnBrk="0" hangingPunct="1">
         <a:defRPr sz="1800" kern="1200">
           <a:solidFill>
             <a:schemeClr val="tx1"/>
@@ -3328,7 +4156,7 @@
           <a:cs typeface="+mn-cs"/>
         </a:defRPr>
       </a:lvl4pPr>
-      <a:lvl5pPr marL="1828800" algn="l" defTabSz="914400" rtl="0" eaLnBrk="1" latinLnBrk="0" hangingPunct="1">
+      <a:lvl5pPr marL="1828709" algn="l" defTabSz="914354" rtl="0" eaLnBrk="1" latinLnBrk="0" hangingPunct="1">
         <a:defRPr sz="1800" kern="1200">
           <a:solidFill>
             <a:schemeClr val="tx1"/>
@@ -3338,7 +4166,7 @@
           <a:cs typeface="+mn-cs"/>
         </a:defRPr>
       </a:lvl5pPr>
-      <a:lvl6pPr marL="2286000" algn="l" defTabSz="914400" rtl="0" eaLnBrk="1" latinLnBrk="0" hangingPunct="1">
+      <a:lvl6pPr marL="2285886" algn="l" defTabSz="914354" rtl="0" eaLnBrk="1" latinLnBrk="0" hangingPunct="1">
         <a:defRPr sz="1800" kern="1200">
           <a:solidFill>
             <a:schemeClr val="tx1"/>
@@ -3348,7 +4176,7 @@
           <a:cs typeface="+mn-cs"/>
         </a:defRPr>
       </a:lvl6pPr>
-      <a:lvl7pPr marL="2743200" algn="l" defTabSz="914400" rtl="0" eaLnBrk="1" latinLnBrk="0" hangingPunct="1">
+      <a:lvl7pPr marL="2743062" algn="l" defTabSz="914354" rtl="0" eaLnBrk="1" latinLnBrk="0" hangingPunct="1">
         <a:defRPr sz="1800" kern="1200">
           <a:solidFill>
             <a:schemeClr val="tx1"/>
@@ -3358,7 +4186,7 @@
           <a:cs typeface="+mn-cs"/>
         </a:defRPr>
       </a:lvl7pPr>
-      <a:lvl8pPr marL="3200400" algn="l" defTabSz="914400" rtl="0" eaLnBrk="1" latinLnBrk="0" hangingPunct="1">
+      <a:lvl8pPr marL="3200240" algn="l" defTabSz="914354" rtl="0" eaLnBrk="1" latinLnBrk="0" hangingPunct="1">
         <a:defRPr sz="1800" kern="1200">
           <a:solidFill>
             <a:schemeClr val="tx1"/>
@@ -3368,7 +4196,7 @@
           <a:cs typeface="+mn-cs"/>
         </a:defRPr>
       </a:lvl8pPr>
-      <a:lvl9pPr marL="3657600" algn="l" defTabSz="914400" rtl="0" eaLnBrk="1" latinLnBrk="0" hangingPunct="1">
+      <a:lvl9pPr marL="3657418" algn="l" defTabSz="914354" rtl="0" eaLnBrk="1" latinLnBrk="0" hangingPunct="1">
         <a:defRPr sz="1800" kern="1200">
           <a:solidFill>
             <a:schemeClr val="tx1"/>
@@ -3417,12 +4245,49 @@
         </p:nvSpPr>
         <p:spPr/>
         <p:txBody>
-          <a:bodyPr/>
-          <a:lstStyle/>
-          <a:p>
-            <a:r>
-              <a:rPr lang="en-US" dirty="0"/>
-              <a:t>Intermediate Language for JavaScript</a:t>
+          <a:bodyPr>
+            <a:normAutofit/>
+          </a:bodyPr>
+          <a:lstStyle/>
+          <a:p>
+            <a:r>
+              <a:rPr lang="en-US" sz="6000" b="1" cap="small" dirty="0">
+                <a:solidFill>
+                  <a:schemeClr val="accent2"/>
+                </a:solidFill>
+              </a:rPr>
+              <a:t>Intermediate Language </a:t>
+            </a:r>
+            <a:r>
+              <a:rPr lang="en-US" sz="6000" b="1" cap="small" dirty="0" smtClean="0">
+                <a:solidFill>
+                  <a:schemeClr val="accent2"/>
+                </a:solidFill>
+              </a:rPr>
+              <a:t/>
+            </a:r>
+            <a:br>
+              <a:rPr lang="en-US" sz="6000" b="1" cap="small" dirty="0" smtClean="0">
+                <a:solidFill>
+                  <a:schemeClr val="accent2"/>
+                </a:solidFill>
+              </a:rPr>
+            </a:br>
+            <a:r>
+              <a:rPr lang="en-US" sz="6000" b="1" cap="small" dirty="0" smtClean="0">
+                <a:solidFill>
+                  <a:schemeClr val="accent2"/>
+                </a:solidFill>
+              </a:rPr>
+              <a:t>for </a:t>
+            </a:r>
+            <a:r>
+              <a:rPr lang="en-US" sz="6000" b="1" cap="small" dirty="0">
+                <a:solidFill>
+                  <a:schemeClr val="accent2"/>
+                </a:solidFill>
+              </a:rPr>
+              <a:t>JavaScript</a:t>
             </a:r>
           </a:p>
         </p:txBody>
@@ -3459,6 +4324,13 @@
   <p:clrMapOvr>
     <a:masterClrMapping/>
   </p:clrMapOvr>
+  <p:timing>
+    <p:tnLst>
+      <p:par>
+        <p:cTn id="1" dur="indefinite" restart="never" nodeType="tmRoot"/>
+      </p:par>
+    </p:tnLst>
+  </p:timing>
 </p:sld>
 </file>
 
@@ -3496,7 +4368,7 @@
           <a:p>
             <a:r>
               <a:rPr lang="en-US" dirty="0"/>
-              <a:t>Arguments Object</a:t>
+              <a:t>Array Library</a:t>
             </a:r>
           </a:p>
         </p:txBody>
@@ -3518,13 +4390,16 @@
           <a:p>
             <a:r>
               <a:rPr lang="en-US" dirty="0"/>
-              <a:t>Explain</a:t>
-            </a:r>
+              <a:t>Unit tests before pushing to repo</a:t>
+            </a:r>
+          </a:p>
+          <a:p>
+            <a:endParaRPr lang="en-US" dirty="0"/>
           </a:p>
           <a:p>
             <a:r>
               <a:rPr lang="en-US" dirty="0"/>
-              <a:t>Show difference between strict and non strict (simpler)</a:t>
+              <a:t>Example (filter): standard, PBS, JSIL</a:t>
             </a:r>
           </a:p>
         </p:txBody>
@@ -3532,7 +4407,7 @@
     </p:spTree>
     <p:extLst>
       <p:ext uri="{BB962C8B-B14F-4D97-AF65-F5344CB8AC3E}">
-        <p14:creationId xmlns:p14="http://schemas.microsoft.com/office/powerpoint/2010/main" val="1848249536"/>
+        <p14:creationId xmlns:p14="http://schemas.microsoft.com/office/powerpoint/2010/main" val="2898863830"/>
       </p:ext>
     </p:extLst>
   </p:cSld>
@@ -3597,8 +4472,31 @@
           <a:lstStyle/>
           <a:p>
             <a:r>
+              <a:rPr lang="en-US" dirty="0" smtClean="0"/>
+              <a:t>Unit testing – how was it done?</a:t>
+            </a:r>
+          </a:p>
+          <a:p>
+            <a:r>
+              <a:rPr lang="en-US" dirty="0" smtClean="0"/>
+              <a:t>Testing infrastructure – table</a:t>
+            </a:r>
+            <a:endParaRPr lang="en-US" dirty="0" smtClean="0"/>
+          </a:p>
+          <a:p>
+            <a:r>
+              <a:rPr lang="en-US" dirty="0" smtClean="0"/>
+              <a:t>String stuff</a:t>
+            </a:r>
+          </a:p>
+          <a:p>
+            <a:r>
+              <a:rPr lang="en-US" dirty="0" smtClean="0"/>
+              <a:t>Process </a:t>
+            </a:r>
+            <a:r>
               <a:rPr lang="en-US" dirty="0"/>
-              <a:t>Process (unit test + test suite)</a:t>
+              <a:t>(unit test + test suite)</a:t>
             </a:r>
           </a:p>
           <a:p>
@@ -3729,6 +4627,128 @@
           <a:lstStyle/>
           <a:p>
             <a:r>
+              <a:rPr lang="en-US" b="1" u="sng" dirty="0" smtClean="0">
+                <a:solidFill>
+                  <a:schemeClr val="accent2"/>
+                </a:solidFill>
+              </a:rPr>
+              <a:t>Conclusions and Evaluation</a:t>
+            </a:r>
+            <a:endParaRPr lang="en-US" b="1" u="sng" dirty="0">
+              <a:solidFill>
+                <a:schemeClr val="accent2"/>
+              </a:solidFill>
+            </a:endParaRPr>
+          </a:p>
+        </p:txBody>
+      </p:sp>
+      <p:sp>
+        <p:nvSpPr>
+          <p:cNvPr id="3" name="Content Placeholder 2"/>
+          <p:cNvSpPr>
+            <a:spLocks noGrp="1"/>
+          </p:cNvSpPr>
+          <p:nvPr>
+            <p:ph idx="1"/>
+          </p:nvPr>
+        </p:nvSpPr>
+        <p:spPr/>
+        <p:txBody>
+          <a:bodyPr/>
+          <a:lstStyle/>
+          <a:p>
+            <a:r>
+              <a:rPr lang="en-US" dirty="0" smtClean="0"/>
+              <a:t>Implementation – what was it based on (standard, </a:t>
+            </a:r>
+            <a:r>
+              <a:rPr lang="en-US" dirty="0" err="1" smtClean="0"/>
+              <a:t>opsem</a:t>
+            </a:r>
+            <a:r>
+              <a:rPr lang="en-US" dirty="0" smtClean="0"/>
+              <a:t>)</a:t>
+            </a:r>
+          </a:p>
+          <a:p>
+            <a:r>
+              <a:rPr lang="en-US" dirty="0" smtClean="0"/>
+              <a:t>JSIL – programming not difficult, resembling assembly, but debugging</a:t>
+            </a:r>
+            <a:r>
+              <a:rPr lang="is-IS" dirty="0" smtClean="0"/>
+              <a:t>…</a:t>
+            </a:r>
+          </a:p>
+          <a:p>
+            <a:r>
+              <a:rPr lang="is-IS" dirty="0" smtClean="0"/>
+              <a:t>Unit testing – greatly helped bug detection, reduced Test262 debugging time  (shame we didn’t keep them)</a:t>
+            </a:r>
+          </a:p>
+          <a:p>
+            <a:r>
+              <a:rPr lang="is-IS" dirty="0" smtClean="0"/>
+              <a:t>Test262 experience – takes time, tests complex, unsuited for intial debugging</a:t>
+            </a:r>
+          </a:p>
+          <a:p>
+            <a:r>
+              <a:rPr lang="is-IS" dirty="0" smtClean="0"/>
+              <a:t>Infrastructure - interface good, filtering, etc.</a:t>
+            </a:r>
+          </a:p>
+          <a:p>
+            <a:endParaRPr lang="en-US" dirty="0"/>
+          </a:p>
+        </p:txBody>
+      </p:sp>
+    </p:spTree>
+    <p:extLst>
+      <p:ext uri="{BB962C8B-B14F-4D97-AF65-F5344CB8AC3E}">
+        <p14:creationId xmlns:p14="http://schemas.microsoft.com/office/powerpoint/2010/main" val="1936165394"/>
+      </p:ext>
+    </p:extLst>
+  </p:cSld>
+  <p:clrMapOvr>
+    <a:masterClrMapping/>
+  </p:clrMapOvr>
+</p:sld>
+</file>
+
+<file path=ppt/slides/slide14.xml><?xml version="1.0" encoding="utf-8"?>
+<p:sld xmlns:a="http://schemas.openxmlformats.org/drawingml/2006/main" xmlns:r="http://schemas.openxmlformats.org/officeDocument/2006/relationships" xmlns:p="http://schemas.openxmlformats.org/presentationml/2006/main">
+  <p:cSld>
+    <p:spTree>
+      <p:nvGrpSpPr>
+        <p:cNvPr id="1" name=""/>
+        <p:cNvGrpSpPr/>
+        <p:nvPr/>
+      </p:nvGrpSpPr>
+      <p:grpSpPr>
+        <a:xfrm>
+          <a:off x="0" y="0"/>
+          <a:ext cx="0" cy="0"/>
+          <a:chOff x="0" y="0"/>
+          <a:chExt cx="0" cy="0"/>
+        </a:xfrm>
+      </p:grpSpPr>
+      <p:sp>
+        <p:nvSpPr>
+          <p:cNvPr id="2" name="Title 1"/>
+          <p:cNvSpPr>
+            <a:spLocks noGrp="1"/>
+          </p:cNvSpPr>
+          <p:nvPr>
+            <p:ph type="title"/>
+          </p:nvPr>
+        </p:nvSpPr>
+        <p:spPr/>
+        <p:txBody>
+          <a:bodyPr/>
+          <a:lstStyle/>
+          <a:p>
+            <a:r>
               <a:rPr lang="en-US" dirty="0"/>
               <a:t>Future Work</a:t>
             </a:r>
@@ -3854,37 +4874,47 @@
           <a:lstStyle/>
           <a:p>
             <a:r>
-              <a:rPr lang="en-US" dirty="0"/>
-              <a:t>Context and Contributions</a:t>
-            </a:r>
-          </a:p>
-        </p:txBody>
-      </p:sp>
-      <p:sp>
-        <p:nvSpPr>
-          <p:cNvPr id="3" name="Content Placeholder 2"/>
-          <p:cNvSpPr>
-            <a:spLocks noGrp="1"/>
-          </p:cNvSpPr>
-          <p:nvPr>
-            <p:ph idx="1"/>
-          </p:nvPr>
-        </p:nvSpPr>
-        <p:spPr/>
-        <p:txBody>
-          <a:bodyPr/>
-          <a:lstStyle/>
-          <a:p>
-            <a:r>
-              <a:rPr lang="en-US" dirty="0"/>
-              <a:t>Provide infrastructure for the verification tool</a:t>
-            </a:r>
-          </a:p>
-          <a:p>
-            <a:r>
-              <a:rPr lang="en-US" dirty="0"/>
-              <a:t>Extend compilation tool for JSIL and test</a:t>
-            </a:r>
+              <a:rPr lang="en-US" b="1" u="sng" dirty="0" smtClean="0">
+                <a:solidFill>
+                  <a:schemeClr val="accent2"/>
+                </a:solidFill>
+              </a:rPr>
+              <a:t>Context</a:t>
+            </a:r>
+            <a:endParaRPr lang="en-US" b="1" u="sng" dirty="0">
+              <a:solidFill>
+                <a:schemeClr val="accent2"/>
+              </a:solidFill>
+            </a:endParaRPr>
+          </a:p>
+        </p:txBody>
+      </p:sp>
+      <p:sp>
+        <p:nvSpPr>
+          <p:cNvPr id="4" name="Rectangle 3"/>
+          <p:cNvSpPr/>
+          <p:nvPr/>
+        </p:nvSpPr>
+        <p:spPr>
+          <a:xfrm>
+            <a:off x="768927" y="1854863"/>
+            <a:ext cx="6096000" cy="369332"/>
+          </a:xfrm>
+          <a:prstGeom prst="rect">
+            <a:avLst/>
+          </a:prstGeom>
+        </p:spPr>
+        <p:txBody>
+          <a:bodyPr>
+            <a:spAutoFit/>
+          </a:bodyPr>
+          <a:lstStyle/>
+          <a:p>
+            <a:r>
+              <a:rPr lang="en-US" dirty="0" smtClean="0"/>
+              <a:t>DIAGRAM!</a:t>
+            </a:r>
+            <a:endParaRPr lang="en-US" dirty="0"/>
           </a:p>
         </p:txBody>
       </p:sp>
@@ -3898,6 +4928,13 @@
   <p:clrMapOvr>
     <a:masterClrMapping/>
   </p:clrMapOvr>
+  <p:timing>
+    <p:tnLst>
+      <p:par>
+        <p:cTn id="1" dur="indefinite" restart="never" nodeType="tmRoot"/>
+      </p:par>
+    </p:tnLst>
+  </p:timing>
 </p:sld>
 </file>
 
@@ -3928,21 +4965,35 @@
             <p:ph type="title"/>
           </p:nvPr>
         </p:nvSpPr>
-        <p:spPr/>
+        <p:spPr>
+          <a:xfrm>
+            <a:off x="890016" y="298799"/>
+            <a:ext cx="10058400" cy="1450757"/>
+          </a:xfrm>
+        </p:spPr>
         <p:txBody>
           <a:bodyPr/>
           <a:lstStyle/>
           <a:p>
             <a:r>
-              <a:rPr lang="en-US" dirty="0"/>
-              <a:t>JavaScript</a:t>
-            </a:r>
-          </a:p>
-        </p:txBody>
-      </p:sp>
-      <p:sp>
-        <p:nvSpPr>
-          <p:cNvPr id="3" name="Content Placeholder 2"/>
+              <a:rPr lang="en-US" b="1" u="sng" dirty="0" smtClean="0">
+                <a:solidFill>
+                  <a:schemeClr val="accent2"/>
+                </a:solidFill>
+              </a:rPr>
+              <a:t>Contributions</a:t>
+            </a:r>
+            <a:endParaRPr lang="en-US" b="1" u="sng" dirty="0">
+              <a:solidFill>
+                <a:schemeClr val="accent2"/>
+              </a:solidFill>
+            </a:endParaRPr>
+          </a:p>
+        </p:txBody>
+      </p:sp>
+      <p:sp>
+        <p:nvSpPr>
+          <p:cNvPr id="5" name="Content Placeholder 2"/>
           <p:cNvSpPr>
             <a:spLocks noGrp="1"/>
           </p:cNvSpPr>
@@ -3950,73 +5001,182 @@
             <p:ph idx="1"/>
           </p:nvPr>
         </p:nvSpPr>
-        <p:spPr/>
-        <p:txBody>
-          <a:bodyPr/>
-          <a:lstStyle/>
-          <a:p>
-            <a:r>
-              <a:rPr lang="en-US" dirty="0"/>
-              <a:t>Language of the web</a:t>
-            </a:r>
-          </a:p>
-          <a:p>
-            <a:pPr lvl="1"/>
-            <a:r>
-              <a:rPr lang="en-US" dirty="0"/>
-              <a:t>Adds interactivity on web pages </a:t>
-            </a:r>
-          </a:p>
-          <a:p>
-            <a:pPr lvl="1"/>
-            <a:r>
-              <a:rPr lang="en-US" dirty="0"/>
-              <a:t>Controls the Document Object Model</a:t>
-            </a:r>
-          </a:p>
-          <a:p>
-            <a:pPr lvl="1"/>
-            <a:r>
-              <a:rPr lang="en-US" dirty="0"/>
-              <a:t>Security vulnerabilities such as cross-site scripting</a:t>
-            </a:r>
-          </a:p>
-          <a:p>
-            <a:r>
-              <a:rPr lang="en-US" dirty="0"/>
-              <a:t>Sample code snippet</a:t>
-            </a:r>
-          </a:p>
-          <a:p>
-            <a:pPr lvl="1"/>
-            <a:r>
-              <a:rPr lang="en-US" dirty="0"/>
-              <a:t>(![]+[])[+!+[]]</a:t>
-            </a:r>
-          </a:p>
-          <a:p>
-            <a:pPr lvl="1"/>
-            <a:r>
-              <a:rPr lang="en-US" dirty="0"/>
-              <a:t>Evaluates to “a”</a:t>
-            </a:r>
+        <p:spPr>
+          <a:xfrm>
+            <a:off x="975360" y="1945387"/>
+            <a:ext cx="9400032" cy="4077461"/>
+          </a:xfrm>
+        </p:spPr>
+        <p:txBody>
+          <a:bodyPr>
+            <a:normAutofit/>
+          </a:bodyPr>
+          <a:lstStyle/>
+          <a:p>
+            <a:r>
+              <a:rPr lang="en-US" dirty="0" smtClean="0"/>
+              <a:t>ES5 Strict extensions</a:t>
+            </a:r>
+          </a:p>
+          <a:p>
+            <a:r>
+              <a:rPr lang="en-US" dirty="0" smtClean="0"/>
+              <a:t>Arguments object</a:t>
+            </a:r>
+          </a:p>
+          <a:p>
+            <a:r>
+              <a:rPr lang="en-US" dirty="0" smtClean="0"/>
+              <a:t>Libraries:</a:t>
+            </a:r>
+          </a:p>
+          <a:p>
+            <a:r>
+              <a:rPr lang="en-US" dirty="0" smtClean="0"/>
+              <a:t>Array entire</a:t>
+            </a:r>
+          </a:p>
+          <a:p>
+            <a:r>
+              <a:rPr lang="en-US" dirty="0" err="1" smtClean="0"/>
+              <a:t>Obj.proto</a:t>
+            </a:r>
+            <a:r>
+              <a:rPr lang="en-US" dirty="0" smtClean="0"/>
+              <a:t> entire</a:t>
+            </a:r>
+          </a:p>
+          <a:p>
+            <a:r>
+              <a:rPr lang="en-US" dirty="0" smtClean="0"/>
+              <a:t>String partial</a:t>
+            </a:r>
+          </a:p>
+          <a:p>
+            <a:r>
+              <a:rPr lang="en-US" dirty="0" smtClean="0"/>
+              <a:t>JSIL implementation</a:t>
+            </a:r>
+          </a:p>
+          <a:p>
+            <a:r>
+              <a:rPr lang="en-US" dirty="0" smtClean="0"/>
+              <a:t>Unit tests</a:t>
+            </a:r>
+          </a:p>
+          <a:p>
+            <a:r>
+              <a:rPr lang="en-US" dirty="0" smtClean="0"/>
+              <a:t>Formal tests (Test262) for the String bit</a:t>
+            </a:r>
+            <a:endParaRPr lang="en-US" dirty="0"/>
           </a:p>
         </p:txBody>
       </p:sp>
     </p:spTree>
     <p:extLst>
       <p:ext uri="{BB962C8B-B14F-4D97-AF65-F5344CB8AC3E}">
-        <p14:creationId xmlns:p14="http://schemas.microsoft.com/office/powerpoint/2010/main" val="3942073389"/>
+        <p14:creationId xmlns:p14="http://schemas.microsoft.com/office/powerpoint/2010/main" val="184043267"/>
       </p:ext>
     </p:extLst>
   </p:cSld>
   <p:clrMapOvr>
     <a:masterClrMapping/>
   </p:clrMapOvr>
+  <p:timing>
+    <p:tnLst>
+      <p:par>
+        <p:cTn id="1" dur="indefinite" restart="never" nodeType="tmRoot"/>
+      </p:par>
+    </p:tnLst>
+  </p:timing>
 </p:sld>
 </file>
 
 <file path=ppt/slides/slide4.xml><?xml version="1.0" encoding="utf-8"?>
+<p:sld xmlns:a="http://schemas.openxmlformats.org/drawingml/2006/main" xmlns:r="http://schemas.openxmlformats.org/officeDocument/2006/relationships" xmlns:p="http://schemas.openxmlformats.org/presentationml/2006/main">
+  <p:cSld>
+    <p:spTree>
+      <p:nvGrpSpPr>
+        <p:cNvPr id="1" name=""/>
+        <p:cNvGrpSpPr/>
+        <p:nvPr/>
+      </p:nvGrpSpPr>
+      <p:grpSpPr>
+        <a:xfrm>
+          <a:off x="0" y="0"/>
+          <a:ext cx="0" cy="0"/>
+          <a:chOff x="0" y="0"/>
+          <a:chExt cx="0" cy="0"/>
+        </a:xfrm>
+      </p:grpSpPr>
+      <p:sp>
+        <p:nvSpPr>
+          <p:cNvPr id="2" name="Title 1"/>
+          <p:cNvSpPr>
+            <a:spLocks noGrp="1"/>
+          </p:cNvSpPr>
+          <p:nvPr>
+            <p:ph type="title"/>
+          </p:nvPr>
+        </p:nvSpPr>
+        <p:spPr/>
+        <p:txBody>
+          <a:bodyPr/>
+          <a:lstStyle/>
+          <a:p>
+            <a:r>
+              <a:rPr lang="en-US" dirty="0" err="1" smtClean="0"/>
+              <a:t>Object.prototype.isPrototypeOf</a:t>
+            </a:r>
+            <a:endParaRPr lang="en-US" dirty="0"/>
+          </a:p>
+        </p:txBody>
+      </p:sp>
+      <p:sp>
+        <p:nvSpPr>
+          <p:cNvPr id="3" name="Content Placeholder 2"/>
+          <p:cNvSpPr>
+            <a:spLocks noGrp="1"/>
+          </p:cNvSpPr>
+          <p:nvPr>
+            <p:ph idx="1"/>
+          </p:nvPr>
+        </p:nvSpPr>
+        <p:spPr/>
+        <p:txBody>
+          <a:bodyPr/>
+          <a:lstStyle/>
+          <a:p>
+            <a:r>
+              <a:rPr lang="en-US" dirty="0" smtClean="0"/>
+              <a:t>In words!</a:t>
+            </a:r>
+            <a:endParaRPr lang="en-US" dirty="0"/>
+          </a:p>
+        </p:txBody>
+      </p:sp>
+    </p:spTree>
+    <p:extLst>
+      <p:ext uri="{BB962C8B-B14F-4D97-AF65-F5344CB8AC3E}">
+        <p14:creationId xmlns:p14="http://schemas.microsoft.com/office/powerpoint/2010/main" val="1748528465"/>
+      </p:ext>
+    </p:extLst>
+  </p:cSld>
+  <p:clrMapOvr>
+    <a:masterClrMapping/>
+  </p:clrMapOvr>
+  <p:timing>
+    <p:tnLst>
+      <p:par>
+        <p:cTn id="1" dur="indefinite" restart="never" nodeType="tmRoot"/>
+      </p:par>
+    </p:tnLst>
+  </p:timing>
+</p:sld>
+</file>
+
+<file path=ppt/slides/slide5.xml><?xml version="1.0" encoding="utf-8"?>
 <p:sld xmlns:a="http://schemas.openxmlformats.org/drawingml/2006/main" xmlns:r="http://schemas.openxmlformats.org/officeDocument/2006/relationships" xmlns:p="http://schemas.openxmlformats.org/presentationml/2006/main">
   <p:cSld>
     <p:spTree>
@@ -4139,110 +5299,13 @@
   <p:clrMapOvr>
     <a:masterClrMapping/>
   </p:clrMapOvr>
-</p:sld>
-</file>
-
-<file path=ppt/slides/slide5.xml><?xml version="1.0" encoding="utf-8"?>
-<p:sld xmlns:a="http://schemas.openxmlformats.org/drawingml/2006/main" xmlns:r="http://schemas.openxmlformats.org/officeDocument/2006/relationships" xmlns:p="http://schemas.openxmlformats.org/presentationml/2006/main">
-  <p:cSld>
-    <p:spTree>
-      <p:nvGrpSpPr>
-        <p:cNvPr id="1" name=""/>
-        <p:cNvGrpSpPr/>
-        <p:nvPr/>
-      </p:nvGrpSpPr>
-      <p:grpSpPr>
-        <a:xfrm>
-          <a:off x="0" y="0"/>
-          <a:ext cx="0" cy="0"/>
-          <a:chOff x="0" y="0"/>
-          <a:chExt cx="0" cy="0"/>
-        </a:xfrm>
-      </p:grpSpPr>
-      <p:sp>
-        <p:nvSpPr>
-          <p:cNvPr id="2" name="Title 1"/>
-          <p:cNvSpPr>
-            <a:spLocks noGrp="1"/>
-          </p:cNvSpPr>
-          <p:nvPr>
-            <p:ph type="title"/>
-          </p:nvPr>
-        </p:nvSpPr>
-        <p:spPr/>
-        <p:txBody>
-          <a:bodyPr/>
-          <a:lstStyle/>
-          <a:p>
-            <a:r>
-              <a:rPr lang="en-US" dirty="0"/>
-              <a:t>Prototype Inheritance</a:t>
-            </a:r>
-          </a:p>
-        </p:txBody>
-      </p:sp>
-      <p:sp>
-        <p:nvSpPr>
-          <p:cNvPr id="3" name="Content Placeholder 2"/>
-          <p:cNvSpPr>
-            <a:spLocks noGrp="1"/>
-          </p:cNvSpPr>
-          <p:nvPr>
-            <p:ph idx="1"/>
-          </p:nvPr>
-        </p:nvSpPr>
-        <p:spPr/>
-        <p:txBody>
-          <a:bodyPr/>
-          <a:lstStyle/>
-          <a:p>
-            <a:r>
-              <a:rPr lang="en-US" dirty="0"/>
-              <a:t>An example: </a:t>
-            </a:r>
-          </a:p>
-        </p:txBody>
-      </p:sp>
-      <p:pic>
-        <p:nvPicPr>
-          <p:cNvPr id="4" name="Picture 3"/>
-          <p:cNvPicPr>
-            <a:picLocks noChangeAspect="1"/>
-          </p:cNvPicPr>
-          <p:nvPr/>
-        </p:nvPicPr>
-        <p:blipFill>
-          <a:blip r:embed="rId2">
-            <a:extLst>
-              <a:ext uri="{28A0092B-C50C-407E-A947-70E740481C1C}">
-                <a14:useLocalDpi xmlns:a14="http://schemas.microsoft.com/office/drawing/2010/main" val="0"/>
-              </a:ext>
-            </a:extLst>
-          </a:blip>
-          <a:stretch>
-            <a:fillRect/>
-          </a:stretch>
-        </p:blipFill>
-        <p:spPr>
-          <a:xfrm>
-            <a:off x="1510748" y="2377441"/>
-            <a:ext cx="8185254" cy="3230466"/>
-          </a:xfrm>
-          <a:prstGeom prst="rect">
-            <a:avLst/>
-          </a:prstGeom>
-        </p:spPr>
-      </p:pic>
-    </p:spTree>
-    <p:extLst>
-      <p:ext uri="{BB962C8B-B14F-4D97-AF65-F5344CB8AC3E}">
-        <p14:creationId xmlns:p14="http://schemas.microsoft.com/office/powerpoint/2010/main" val="348932770"/>
-      </p:ext>
-    </p:extLst>
-  </p:cSld>
-  <p:clrMapOvr>
-    <a:masterClrMapping/>
-  </p:clrMapOvr>
+  <p:timing>
+    <p:tnLst>
+      <p:par>
+        <p:cTn id="1" dur="indefinite" restart="never" nodeType="tmRoot"/>
+      </p:par>
+    </p:tnLst>
+  </p:timing>
 </p:sld>
 </file>
 
@@ -4273,50 +5336,369 @@
             <p:ph type="title"/>
           </p:nvPr>
         </p:nvSpPr>
-        <p:spPr/>
-        <p:txBody>
-          <a:bodyPr/>
-          <a:lstStyle/>
-          <a:p>
+        <p:spPr>
+          <a:xfrm>
+            <a:off x="847249" y="497692"/>
+            <a:ext cx="10058400" cy="784956"/>
+          </a:xfrm>
+        </p:spPr>
+        <p:txBody>
+          <a:bodyPr>
+            <a:normAutofit/>
+          </a:bodyPr>
+          <a:lstStyle/>
+          <a:p>
+            <a:r>
+              <a:rPr lang="en-US" sz="4400" b="1" u="sng" dirty="0">
+                <a:solidFill>
+                  <a:schemeClr val="accent2"/>
+                </a:solidFill>
+              </a:rPr>
+              <a:t>Prototype Inheritance</a:t>
+            </a:r>
+          </a:p>
+        </p:txBody>
+      </p:sp>
+      <p:pic>
+        <p:nvPicPr>
+          <p:cNvPr id="5" name="Picture 4"/>
+          <p:cNvPicPr>
+            <a:picLocks noChangeAspect="1"/>
+          </p:cNvPicPr>
+          <p:nvPr/>
+        </p:nvPicPr>
+        <p:blipFill>
+          <a:blip r:embed="rId2">
+            <a:extLst>
+              <a:ext uri="{28A0092B-C50C-407E-A947-70E740481C1C}">
+                <a14:useLocalDpi xmlns:a14="http://schemas.microsoft.com/office/drawing/2010/main" val="0"/>
+              </a:ext>
+            </a:extLst>
+          </a:blip>
+          <a:stretch>
+            <a:fillRect/>
+          </a:stretch>
+        </p:blipFill>
+        <p:spPr>
+          <a:xfrm>
+            <a:off x="985837" y="1446002"/>
+            <a:ext cx="7091280" cy="2880000"/>
+          </a:xfrm>
+          <a:prstGeom prst="rect">
+            <a:avLst/>
+          </a:prstGeom>
+        </p:spPr>
+      </p:pic>
+      <p:sp>
+        <p:nvSpPr>
+          <p:cNvPr id="7" name="TextBox 6"/>
+          <p:cNvSpPr txBox="1"/>
+          <p:nvPr/>
+        </p:nvSpPr>
+        <p:spPr>
+          <a:xfrm>
+            <a:off x="4879182" y="2968086"/>
+            <a:ext cx="7115175" cy="1600438"/>
+          </a:xfrm>
+          <a:prstGeom prst="rect">
+            <a:avLst/>
+          </a:prstGeom>
+          <a:noFill/>
+        </p:spPr>
+        <p:txBody>
+          <a:bodyPr wrap="square" rtlCol="0">
+            <a:spAutoFit/>
+          </a:bodyPr>
+          <a:lstStyle/>
+          <a:p>
+            <a:r>
+              <a:rPr lang="en-US" sz="2000" b="1" dirty="0" smtClean="0">
+                <a:solidFill>
+                  <a:schemeClr val="accent2"/>
+                </a:solidFill>
+              </a:rPr>
+              <a:t>Object field lookup: </a:t>
+            </a:r>
+            <a:r>
+              <a:rPr lang="en-US" sz="2000" b="1" dirty="0" err="1" smtClean="0">
+                <a:solidFill>
+                  <a:schemeClr val="accent2"/>
+                </a:solidFill>
+              </a:rPr>
+              <a:t>o.x</a:t>
+            </a:r>
+            <a:endParaRPr lang="en-US" sz="2000" b="1" dirty="0" smtClean="0">
+              <a:solidFill>
+                <a:schemeClr val="accent2"/>
+              </a:solidFill>
+            </a:endParaRPr>
+          </a:p>
+          <a:p>
+            <a:endParaRPr lang="en-US" sz="400" dirty="0" smtClean="0"/>
+          </a:p>
+          <a:p>
+            <a:pPr marL="715963" indent="-454025">
+              <a:buFont typeface="+mj-lt"/>
+              <a:buAutoNum type="arabicPeriod"/>
+            </a:pPr>
+            <a:r>
+              <a:rPr lang="en-US" dirty="0" smtClean="0"/>
+              <a:t>Look for property </a:t>
+            </a:r>
+            <a:r>
+              <a:rPr lang="en-US" dirty="0" smtClean="0">
+                <a:latin typeface="Courier" charset="0"/>
+                <a:ea typeface="Courier" charset="0"/>
+                <a:cs typeface="Courier" charset="0"/>
+              </a:rPr>
+              <a:t>x</a:t>
+            </a:r>
+            <a:r>
+              <a:rPr lang="en-US" dirty="0" smtClean="0"/>
+              <a:t> in the object </a:t>
+            </a:r>
+            <a:r>
+              <a:rPr lang="en-US" dirty="0" smtClean="0">
+                <a:latin typeface="Courier" charset="0"/>
+                <a:ea typeface="Courier" charset="0"/>
+                <a:cs typeface="Courier" charset="0"/>
+              </a:rPr>
+              <a:t>o</a:t>
+            </a:r>
+            <a:r>
+              <a:rPr lang="en-US" dirty="0" smtClean="0"/>
+              <a:t>. If found, return its value.</a:t>
+            </a:r>
+          </a:p>
+          <a:p>
+            <a:pPr marL="715963" indent="-454025">
+              <a:buFont typeface="+mj-lt"/>
+              <a:buAutoNum type="arabicPeriod"/>
+            </a:pPr>
+            <a:r>
+              <a:rPr lang="en-US" dirty="0" smtClean="0"/>
+              <a:t>Otherwise, look for property x in the prototype of object o.</a:t>
+            </a:r>
+          </a:p>
+          <a:p>
+            <a:pPr marL="715963" indent="-454025">
+              <a:buFont typeface="+mj-lt"/>
+              <a:buAutoNum type="arabicPeriod"/>
+            </a:pPr>
             <a:r>
               <a:rPr lang="en-US" dirty="0"/>
-              <a:t>JSIL</a:t>
-            </a:r>
-          </a:p>
-        </p:txBody>
-      </p:sp>
-      <p:sp>
-        <p:nvSpPr>
-          <p:cNvPr id="3" name="Content Placeholder 2"/>
-          <p:cNvSpPr>
-            <a:spLocks noGrp="1"/>
-          </p:cNvSpPr>
-          <p:nvPr>
-            <p:ph idx="1"/>
-          </p:nvPr>
-        </p:nvSpPr>
-        <p:spPr/>
-        <p:txBody>
-          <a:bodyPr/>
-          <a:lstStyle/>
-          <a:p>
-            <a:r>
-              <a:rPr lang="en-US" dirty="0"/>
-              <a:t>Syntax + explain syntax</a:t>
-            </a:r>
+              <a:t>A</a:t>
+            </a:r>
+            <a:r>
+              <a:rPr lang="en-US" dirty="0" smtClean="0"/>
+              <a:t>nd so on, until the end of the prototype chain</a:t>
+            </a:r>
+            <a:r>
+              <a:rPr lang="is-IS" dirty="0"/>
+              <a:t>.</a:t>
+            </a:r>
+            <a:endParaRPr lang="en-US" dirty="0" smtClean="0"/>
+          </a:p>
+          <a:p>
+            <a:pPr marL="285750" indent="-285750">
+              <a:buFont typeface="Arial" charset="0"/>
+              <a:buChar char="•"/>
+            </a:pPr>
+            <a:endParaRPr lang="en-US" sz="2000" dirty="0" smtClean="0"/>
+          </a:p>
+        </p:txBody>
+      </p:sp>
+      <p:sp>
+        <p:nvSpPr>
+          <p:cNvPr id="8" name="Rectangle 7"/>
+          <p:cNvSpPr/>
+          <p:nvPr/>
+        </p:nvSpPr>
+        <p:spPr>
+          <a:xfrm>
+            <a:off x="4879182" y="4326002"/>
+            <a:ext cx="6886574" cy="1892826"/>
+          </a:xfrm>
+          <a:prstGeom prst="rect">
+            <a:avLst/>
+          </a:prstGeom>
+        </p:spPr>
+        <p:txBody>
+          <a:bodyPr wrap="square">
+            <a:spAutoFit/>
+          </a:bodyPr>
+          <a:lstStyle/>
+          <a:p>
+            <a:r>
+              <a:rPr lang="en-US" sz="2000" b="1" dirty="0">
+                <a:solidFill>
+                  <a:schemeClr val="accent2"/>
+                </a:solidFill>
+              </a:rPr>
+              <a:t>For example:</a:t>
+            </a:r>
+            <a:endParaRPr lang="en-US" sz="2000" b="1" dirty="0">
+              <a:solidFill>
+                <a:schemeClr val="accent1"/>
+              </a:solidFill>
+            </a:endParaRPr>
+          </a:p>
+          <a:p>
+            <a:endParaRPr lang="en-US" sz="400" dirty="0"/>
+          </a:p>
+          <a:p>
+            <a:pPr lvl="1"/>
+            <a:r>
+              <a:rPr lang="en-US" sz="1700" dirty="0" err="1">
+                <a:latin typeface="Courier" charset="0"/>
+                <a:ea typeface="Courier" charset="0"/>
+                <a:cs typeface="Courier" charset="0"/>
+              </a:rPr>
+              <a:t>alice.name</a:t>
+            </a:r>
+            <a:r>
+              <a:rPr lang="en-US" sz="1700" dirty="0">
+                <a:latin typeface="Courier" charset="0"/>
+                <a:ea typeface="Courier" charset="0"/>
+                <a:cs typeface="Courier" charset="0"/>
+              </a:rPr>
+              <a:t>   = “Alice”</a:t>
+            </a:r>
+          </a:p>
+          <a:p>
+            <a:pPr lvl="1"/>
+            <a:r>
+              <a:rPr lang="en-US" sz="1700" dirty="0" err="1">
+                <a:latin typeface="Courier" charset="0"/>
+                <a:ea typeface="Courier" charset="0"/>
+                <a:cs typeface="Courier" charset="0"/>
+              </a:rPr>
+              <a:t>r.physical</a:t>
+            </a:r>
+            <a:r>
+              <a:rPr lang="en-US" sz="1700" dirty="0">
+                <a:latin typeface="Courier" charset="0"/>
+                <a:ea typeface="Courier" charset="0"/>
+                <a:cs typeface="Courier" charset="0"/>
+              </a:rPr>
+              <a:t>   = true</a:t>
+            </a:r>
+          </a:p>
+          <a:p>
+            <a:pPr lvl="1"/>
+            <a:r>
+              <a:rPr lang="en-US" sz="1700" dirty="0" err="1">
+                <a:latin typeface="Courier" charset="0"/>
+                <a:ea typeface="Courier" charset="0"/>
+                <a:cs typeface="Courier" charset="0"/>
+              </a:rPr>
+              <a:t>alice.living</a:t>
+            </a:r>
+            <a:r>
+              <a:rPr lang="en-US" sz="1700" dirty="0">
+                <a:latin typeface="Courier" charset="0"/>
+                <a:ea typeface="Courier" charset="0"/>
+                <a:cs typeface="Courier" charset="0"/>
+              </a:rPr>
+              <a:t> = </a:t>
+            </a:r>
+            <a:r>
+              <a:rPr lang="en-US" sz="1700" dirty="0" smtClean="0">
+                <a:latin typeface="Courier" charset="0"/>
+                <a:ea typeface="Courier" charset="0"/>
+                <a:cs typeface="Courier" charset="0"/>
+              </a:rPr>
+              <a:t>true</a:t>
+            </a:r>
+          </a:p>
+          <a:p>
+            <a:pPr lvl="1"/>
+            <a:r>
+              <a:rPr lang="en-US" sz="1700" dirty="0" err="1" smtClean="0">
+                <a:latin typeface="Courier" charset="0"/>
+                <a:ea typeface="Courier" charset="0"/>
+                <a:cs typeface="Courier" charset="0"/>
+              </a:rPr>
+              <a:t>alice.weight</a:t>
+            </a:r>
+            <a:r>
+              <a:rPr lang="en-US" sz="1700" dirty="0" smtClean="0">
+                <a:latin typeface="Courier" charset="0"/>
+                <a:ea typeface="Courier" charset="0"/>
+                <a:cs typeface="Courier" charset="0"/>
+              </a:rPr>
+              <a:t> = undefined</a:t>
+            </a:r>
+          </a:p>
+          <a:p>
+            <a:pPr lvl="1"/>
+            <a:endParaRPr lang="en-US" sz="800" dirty="0">
+              <a:latin typeface="Courier" charset="0"/>
+              <a:ea typeface="Courier" charset="0"/>
+              <a:cs typeface="Courier" charset="0"/>
+            </a:endParaRPr>
+          </a:p>
+          <a:p>
+            <a:pPr lvl="1"/>
+            <a:r>
+              <a:rPr lang="en-US" sz="1700" dirty="0" smtClean="0">
+                <a:ea typeface="Courier" charset="0"/>
+                <a:cs typeface="Courier" charset="0"/>
+              </a:rPr>
+              <a:t>All objects share the methods of </a:t>
+            </a:r>
+            <a:r>
+              <a:rPr lang="en-US" sz="1700" dirty="0" err="1" smtClean="0">
+                <a:ea typeface="Courier" charset="0"/>
+                <a:cs typeface="Courier" charset="0"/>
+              </a:rPr>
+              <a:t>Object.prototype</a:t>
+            </a:r>
+            <a:r>
+              <a:rPr lang="en-US" sz="1700" dirty="0" smtClean="0">
+                <a:ea typeface="Courier" charset="0"/>
+                <a:cs typeface="Courier" charset="0"/>
+              </a:rPr>
+              <a:t> (</a:t>
+            </a:r>
+            <a:r>
+              <a:rPr lang="en-US" sz="1700" dirty="0" err="1" smtClean="0">
+                <a:ea typeface="Courier" charset="0"/>
+                <a:cs typeface="Courier" charset="0"/>
+              </a:rPr>
+              <a:t>valueOf</a:t>
+            </a:r>
+            <a:r>
+              <a:rPr lang="en-US" sz="1700" dirty="0" smtClean="0">
+                <a:ea typeface="Courier" charset="0"/>
+                <a:cs typeface="Courier" charset="0"/>
+              </a:rPr>
+              <a:t>)</a:t>
+            </a:r>
+            <a:endParaRPr lang="en-US" sz="1700" dirty="0">
+              <a:ea typeface="Courier" charset="0"/>
+              <a:cs typeface="Courier" charset="0"/>
+            </a:endParaRPr>
           </a:p>
         </p:txBody>
       </p:sp>
     </p:spTree>
     <p:extLst>
       <p:ext uri="{BB962C8B-B14F-4D97-AF65-F5344CB8AC3E}">
-        <p14:creationId xmlns:p14="http://schemas.microsoft.com/office/powerpoint/2010/main" val="2886874013"/>
+        <p14:creationId xmlns:p14="http://schemas.microsoft.com/office/powerpoint/2010/main" val="348932770"/>
       </p:ext>
     </p:extLst>
   </p:cSld>
   <p:clrMapOvr>
     <a:masterClrMapping/>
   </p:clrMapOvr>
+  <p:timing>
+    <p:tnLst>
+      <p:par>
+        <p:cTn id="1" dur="indefinite" restart="never" nodeType="tmRoot"/>
+      </p:par>
+    </p:tnLst>
+  </p:timing>
 </p:sld>
 </file>
 
@@ -4339,6 +5721,150 @@
       </p:grpSpPr>
       <p:sp>
         <p:nvSpPr>
+          <p:cNvPr id="13" name="TextBox 12"/>
+          <p:cNvSpPr txBox="1"/>
+          <p:nvPr/>
+        </p:nvSpPr>
+        <p:spPr>
+          <a:xfrm>
+            <a:off x="428203" y="3907994"/>
+            <a:ext cx="3193658" cy="1785104"/>
+          </a:xfrm>
+          <a:prstGeom prst="rect">
+            <a:avLst/>
+          </a:prstGeom>
+          <a:noFill/>
+        </p:spPr>
+        <p:txBody>
+          <a:bodyPr wrap="square" rtlCol="0">
+            <a:spAutoFit/>
+          </a:bodyPr>
+          <a:lstStyle/>
+          <a:p>
+            <a:pPr>
+              <a:spcAft>
+                <a:spcPts val="1200"/>
+              </a:spcAft>
+            </a:pPr>
+            <a:r>
+              <a:rPr lang="en-US" sz="2000" b="1" dirty="0" smtClean="0">
+                <a:solidFill>
+                  <a:schemeClr val="accent2"/>
+                </a:solidFill>
+              </a:rPr>
+              <a:t>✓</a:t>
+            </a:r>
+            <a:r>
+              <a:rPr lang="en-US" sz="2000" dirty="0" smtClean="0"/>
+              <a:t> Extensible objects</a:t>
+            </a:r>
+          </a:p>
+          <a:p>
+            <a:pPr>
+              <a:spcAft>
+                <a:spcPts val="1200"/>
+              </a:spcAft>
+            </a:pPr>
+            <a:r>
+              <a:rPr lang="en-US" sz="2000" b="1" dirty="0">
+                <a:solidFill>
+                  <a:schemeClr val="accent2"/>
+                </a:solidFill>
+              </a:rPr>
+              <a:t>✓</a:t>
+            </a:r>
+            <a:r>
+              <a:rPr lang="en-US" sz="2000" dirty="0" smtClean="0"/>
+              <a:t> Dynamic field access</a:t>
+            </a:r>
+          </a:p>
+          <a:p>
+            <a:pPr>
+              <a:spcAft>
+                <a:spcPts val="1200"/>
+              </a:spcAft>
+            </a:pPr>
+            <a:r>
+              <a:rPr lang="en-US" sz="2000" b="1" dirty="0">
+                <a:solidFill>
+                  <a:schemeClr val="accent2"/>
+                </a:solidFill>
+              </a:rPr>
+              <a:t>✓</a:t>
+            </a:r>
+            <a:r>
+              <a:rPr lang="en-US" sz="2000" dirty="0" smtClean="0"/>
+              <a:t> Dynamic procedure calls</a:t>
+            </a:r>
+          </a:p>
+          <a:p>
+            <a:pPr>
+              <a:spcAft>
+                <a:spcPts val="1200"/>
+              </a:spcAft>
+            </a:pPr>
+            <a:r>
+              <a:rPr lang="en-US" sz="2000" b="1" dirty="0" smtClean="0">
+                <a:solidFill>
+                  <a:schemeClr val="accent2"/>
+                </a:solidFill>
+              </a:rPr>
+              <a:t>✓</a:t>
+            </a:r>
+            <a:r>
+              <a:rPr lang="en-US" sz="2000" dirty="0" smtClean="0"/>
+              <a:t> Top-level procedures</a:t>
+            </a:r>
+          </a:p>
+        </p:txBody>
+      </p:sp>
+      <p:sp>
+        <p:nvSpPr>
+          <p:cNvPr id="18" name="Rectangle 17"/>
+          <p:cNvSpPr/>
+          <p:nvPr/>
+        </p:nvSpPr>
+        <p:spPr>
+          <a:xfrm>
+            <a:off x="481384" y="2024824"/>
+            <a:ext cx="3112738" cy="418957"/>
+          </a:xfrm>
+          <a:prstGeom prst="rect">
+            <a:avLst/>
+          </a:prstGeom>
+          <a:solidFill>
+            <a:schemeClr val="accent1">
+              <a:alpha val="40000"/>
+            </a:schemeClr>
+          </a:solidFill>
+        </p:spPr>
+        <p:style>
+          <a:lnRef idx="2">
+            <a:schemeClr val="accent1">
+              <a:shade val="50000"/>
+            </a:schemeClr>
+          </a:lnRef>
+          <a:fillRef idx="1">
+            <a:schemeClr val="accent1"/>
+          </a:fillRef>
+          <a:effectRef idx="0">
+            <a:schemeClr val="accent1"/>
+          </a:effectRef>
+          <a:fontRef idx="minor">
+            <a:schemeClr val="lt1"/>
+          </a:fontRef>
+        </p:style>
+        <p:txBody>
+          <a:bodyPr rtlCol="0" anchor="ctr"/>
+          <a:lstStyle/>
+          <a:p>
+            <a:pPr algn="ctr"/>
+            <a:endParaRPr lang="en-US"/>
+          </a:p>
+        </p:txBody>
+      </p:sp>
+      <p:sp>
+        <p:nvSpPr>
           <p:cNvPr id="2" name="Title 1"/>
           <p:cNvSpPr>
             <a:spLocks noGrp="1"/>
@@ -4347,62 +5873,2445 @@
             <p:ph type="title"/>
           </p:nvPr>
         </p:nvSpPr>
-        <p:spPr/>
-        <p:txBody>
-          <a:bodyPr/>
-          <a:lstStyle/>
-          <a:p>
+        <p:spPr>
+          <a:xfrm>
+            <a:off x="803451" y="569606"/>
+            <a:ext cx="10535830" cy="762268"/>
+          </a:xfrm>
+        </p:spPr>
+        <p:txBody>
+          <a:bodyPr>
+            <a:noAutofit/>
+          </a:bodyPr>
+          <a:lstStyle/>
+          <a:p>
+            <a:pPr algn="ctr"/>
+            <a:r>
+              <a:rPr lang="en-US" sz="4100" b="1" u="sng" dirty="0" smtClean="0">
+                <a:solidFill>
+                  <a:schemeClr val="accent2"/>
+                </a:solidFill>
+              </a:rPr>
+              <a:t>JSIL: An Intermediate Language for JS Verification</a:t>
+            </a:r>
+            <a:endParaRPr lang="en-US" sz="4100" b="1" u="sng" dirty="0">
+              <a:solidFill>
+                <a:schemeClr val="accent2"/>
+              </a:solidFill>
+            </a:endParaRPr>
+          </a:p>
+        </p:txBody>
+      </p:sp>
+      <p:sp>
+        <p:nvSpPr>
+          <p:cNvPr id="8" name="TextBox 7"/>
+          <p:cNvSpPr txBox="1"/>
+          <p:nvPr/>
+        </p:nvSpPr>
+        <p:spPr>
+          <a:xfrm>
+            <a:off x="5834356" y="3304338"/>
+            <a:ext cx="2508531" cy="2492990"/>
+          </a:xfrm>
+          <a:prstGeom prst="rect">
+            <a:avLst/>
+          </a:prstGeom>
+          <a:noFill/>
+        </p:spPr>
+        <p:txBody>
+          <a:bodyPr wrap="square" rtlCol="0">
+            <a:spAutoFit/>
+          </a:bodyPr>
+          <a:lstStyle/>
+          <a:p>
+            <a:pPr algn="ctr"/>
+            <a:r>
+              <a:rPr lang="en-US" sz="2000" b="1" dirty="0" smtClean="0">
+                <a:solidFill>
+                  <a:schemeClr val="accent2"/>
+                </a:solidFill>
+              </a:rPr>
+              <a:t>Basic commands (</a:t>
+            </a:r>
+            <a:r>
+              <a:rPr lang="en-US" b="1" dirty="0" err="1" smtClean="0">
+                <a:solidFill>
+                  <a:schemeClr val="accent2"/>
+                </a:solidFill>
+                <a:latin typeface="Courier" charset="0"/>
+                <a:ea typeface="Courier" charset="0"/>
+                <a:cs typeface="Courier" charset="0"/>
+              </a:rPr>
+              <a:t>bc</a:t>
+            </a:r>
+            <a:r>
+              <a:rPr lang="en-US" sz="2000" b="1" dirty="0" smtClean="0">
+                <a:solidFill>
+                  <a:schemeClr val="accent2"/>
+                </a:solidFill>
+              </a:rPr>
+              <a:t>):</a:t>
+            </a:r>
+          </a:p>
+          <a:p>
+            <a:pPr algn="ctr"/>
+            <a:endParaRPr lang="en-US" sz="800" dirty="0" smtClean="0"/>
+          </a:p>
+          <a:p>
+            <a:pPr algn="ctr"/>
+            <a:r>
+              <a:rPr lang="en-US" sz="1600" dirty="0" smtClean="0">
+                <a:latin typeface="Courier" charset="0"/>
+                <a:ea typeface="Courier" charset="0"/>
+                <a:cs typeface="Courier" charset="0"/>
+              </a:rPr>
+              <a:t>skip</a:t>
+            </a:r>
+          </a:p>
+          <a:p>
+            <a:pPr algn="ctr"/>
+            <a:r>
+              <a:rPr lang="en-US" sz="1600" dirty="0" smtClean="0">
+                <a:latin typeface="Courier" charset="0"/>
+                <a:ea typeface="Courier" charset="0"/>
+                <a:cs typeface="Courier" charset="0"/>
+              </a:rPr>
+              <a:t>x := e</a:t>
+            </a:r>
+          </a:p>
+          <a:p>
+            <a:pPr algn="ctr"/>
+            <a:r>
+              <a:rPr lang="en-US" sz="1600" dirty="0" smtClean="0">
+                <a:latin typeface="Courier" charset="0"/>
+                <a:ea typeface="Courier" charset="0"/>
+                <a:cs typeface="Courier" charset="0"/>
+              </a:rPr>
+              <a:t>x := new()</a:t>
+            </a:r>
+          </a:p>
+          <a:p>
+            <a:pPr algn="ctr"/>
+            <a:r>
+              <a:rPr lang="en-US" sz="1600" dirty="0">
+                <a:latin typeface="Courier" charset="0"/>
+                <a:ea typeface="Courier" charset="0"/>
+                <a:cs typeface="Courier" charset="0"/>
+              </a:rPr>
+              <a:t>x</a:t>
+            </a:r>
+            <a:r>
+              <a:rPr lang="en-US" sz="1600" dirty="0" smtClean="0">
+                <a:latin typeface="Courier" charset="0"/>
+                <a:ea typeface="Courier" charset="0"/>
+                <a:cs typeface="Courier" charset="0"/>
+              </a:rPr>
+              <a:t> := [e, e]</a:t>
+            </a:r>
+          </a:p>
+          <a:p>
+            <a:pPr algn="ctr"/>
+            <a:r>
+              <a:rPr lang="en-US" sz="1600" dirty="0" smtClean="0">
+                <a:latin typeface="Courier" charset="0"/>
+                <a:ea typeface="Courier" charset="0"/>
+                <a:cs typeface="Courier" charset="0"/>
+              </a:rPr>
+              <a:t>[e, e] := e</a:t>
+            </a:r>
+          </a:p>
+          <a:p>
+            <a:pPr algn="ctr"/>
+            <a:r>
+              <a:rPr lang="en-US" sz="1600" dirty="0">
+                <a:latin typeface="Courier" charset="0"/>
+                <a:ea typeface="Courier" charset="0"/>
+                <a:cs typeface="Courier" charset="0"/>
+              </a:rPr>
+              <a:t>d</a:t>
+            </a:r>
+            <a:r>
+              <a:rPr lang="en-US" sz="1600" dirty="0" smtClean="0">
+                <a:latin typeface="Courier" charset="0"/>
+                <a:ea typeface="Courier" charset="0"/>
+                <a:cs typeface="Courier" charset="0"/>
+              </a:rPr>
+              <a:t>elete (e, e)</a:t>
+            </a:r>
+          </a:p>
+          <a:p>
+            <a:pPr algn="ctr"/>
+            <a:r>
+              <a:rPr lang="en-US" sz="1600" dirty="0" smtClean="0">
+                <a:latin typeface="Courier" charset="0"/>
+                <a:ea typeface="Courier" charset="0"/>
+                <a:cs typeface="Courier" charset="0"/>
+              </a:rPr>
+              <a:t>x := </a:t>
+            </a:r>
+            <a:r>
+              <a:rPr lang="en-US" sz="1600" dirty="0" err="1" smtClean="0">
+                <a:latin typeface="Courier" charset="0"/>
+                <a:ea typeface="Courier" charset="0"/>
+                <a:cs typeface="Courier" charset="0"/>
+              </a:rPr>
+              <a:t>hasField</a:t>
+            </a:r>
+            <a:r>
+              <a:rPr lang="en-US" sz="1600" dirty="0" smtClean="0">
+                <a:latin typeface="Courier" charset="0"/>
+                <a:ea typeface="Courier" charset="0"/>
+                <a:cs typeface="Courier" charset="0"/>
+              </a:rPr>
+              <a:t>(e, e)</a:t>
+            </a:r>
+          </a:p>
+          <a:p>
+            <a:pPr algn="ctr"/>
+            <a:r>
+              <a:rPr lang="en-US" sz="1600" dirty="0" smtClean="0">
+                <a:latin typeface="Courier" charset="0"/>
+                <a:ea typeface="Courier" charset="0"/>
+                <a:cs typeface="Courier" charset="0"/>
+              </a:rPr>
+              <a:t>x := </a:t>
+            </a:r>
+            <a:r>
+              <a:rPr lang="en-US" sz="1600" dirty="0" err="1" smtClean="0">
+                <a:latin typeface="Courier" charset="0"/>
+                <a:ea typeface="Courier" charset="0"/>
+                <a:cs typeface="Courier" charset="0"/>
+              </a:rPr>
+              <a:t>getFields</a:t>
+            </a:r>
+            <a:r>
+              <a:rPr lang="en-US" sz="1600" dirty="0" smtClean="0">
+                <a:latin typeface="Courier" charset="0"/>
+                <a:ea typeface="Courier" charset="0"/>
+                <a:cs typeface="Courier" charset="0"/>
+              </a:rPr>
+              <a:t>(e)</a:t>
+            </a:r>
+          </a:p>
+        </p:txBody>
+      </p:sp>
+      <p:sp>
+        <p:nvSpPr>
+          <p:cNvPr id="10" name="TextBox 9"/>
+          <p:cNvSpPr txBox="1"/>
+          <p:nvPr/>
+        </p:nvSpPr>
+        <p:spPr>
+          <a:xfrm>
+            <a:off x="3644112" y="3304338"/>
+            <a:ext cx="2004127" cy="2492990"/>
+          </a:xfrm>
+          <a:prstGeom prst="rect">
+            <a:avLst/>
+          </a:prstGeom>
+          <a:noFill/>
+        </p:spPr>
+        <p:txBody>
+          <a:bodyPr wrap="square" rtlCol="0">
+            <a:spAutoFit/>
+          </a:bodyPr>
+          <a:lstStyle/>
+          <a:p>
+            <a:pPr algn="ctr"/>
+            <a:r>
+              <a:rPr lang="en-US" sz="2000" b="1" dirty="0" smtClean="0">
+                <a:solidFill>
+                  <a:schemeClr val="accent2"/>
+                </a:solidFill>
+              </a:rPr>
+              <a:t>Expressions (</a:t>
+            </a:r>
+            <a:r>
+              <a:rPr lang="en-US" b="1" dirty="0" smtClean="0">
+                <a:solidFill>
+                  <a:schemeClr val="accent2"/>
+                </a:solidFill>
+                <a:latin typeface="Courier" charset="0"/>
+                <a:ea typeface="Courier" charset="0"/>
+                <a:cs typeface="Courier" charset="0"/>
+              </a:rPr>
+              <a:t>e</a:t>
+            </a:r>
+            <a:r>
+              <a:rPr lang="en-US" sz="2000" b="1" dirty="0" smtClean="0">
+                <a:solidFill>
+                  <a:schemeClr val="accent2"/>
+                </a:solidFill>
+              </a:rPr>
+              <a:t>):</a:t>
+            </a:r>
+          </a:p>
+          <a:p>
+            <a:pPr algn="ctr"/>
+            <a:endParaRPr lang="en-US" sz="800" dirty="0" smtClean="0"/>
+          </a:p>
+          <a:p>
+            <a:pPr algn="ctr"/>
+            <a:r>
+              <a:rPr lang="en-US" sz="1600" dirty="0" smtClean="0">
+                <a:latin typeface="Courier" charset="0"/>
+                <a:ea typeface="Courier" charset="0"/>
+                <a:cs typeface="Courier" charset="0"/>
+              </a:rPr>
+              <a:t>v</a:t>
+            </a:r>
+          </a:p>
+          <a:p>
+            <a:pPr algn="ctr"/>
+            <a:r>
+              <a:rPr lang="en-US" sz="1600" dirty="0" smtClean="0">
+                <a:latin typeface="Courier" charset="0"/>
+                <a:ea typeface="Courier" charset="0"/>
+                <a:cs typeface="Courier" charset="0"/>
+              </a:rPr>
+              <a:t>x</a:t>
+            </a:r>
+          </a:p>
+          <a:p>
+            <a:pPr algn="ctr"/>
+            <a:r>
+              <a:rPr lang="en-US" sz="1600" dirty="0" smtClean="0">
+                <a:latin typeface="Courier" charset="0"/>
+                <a:ea typeface="Courier" charset="0"/>
+                <a:cs typeface="Courier" charset="0"/>
+              </a:rPr>
+              <a:t>-</a:t>
+            </a:r>
+            <a:r>
+              <a:rPr lang="en-US" sz="1600" dirty="0" smtClean="0">
+                <a:ea typeface="Courier" charset="0"/>
+                <a:cs typeface="Courier" charset="0"/>
+              </a:rPr>
+              <a:t> </a:t>
+            </a:r>
+            <a:r>
+              <a:rPr lang="en-US" sz="1600" dirty="0" smtClean="0">
+                <a:latin typeface="Courier" charset="0"/>
+                <a:ea typeface="Courier" charset="0"/>
+                <a:cs typeface="Courier" charset="0"/>
+              </a:rPr>
+              <a:t>e, e</a:t>
+            </a:r>
+            <a:r>
+              <a:rPr lang="en-US" sz="1600" dirty="0" smtClean="0">
+                <a:ea typeface="Courier" charset="0"/>
+                <a:cs typeface="Courier" charset="0"/>
+              </a:rPr>
+              <a:t> </a:t>
+            </a:r>
+            <a:r>
+              <a:rPr lang="en-US" sz="1600" dirty="0" smtClean="0">
+                <a:latin typeface="Courier" charset="0"/>
+                <a:ea typeface="Courier" charset="0"/>
+                <a:cs typeface="Courier" charset="0"/>
+              </a:rPr>
+              <a:t>+</a:t>
+            </a:r>
+            <a:r>
+              <a:rPr lang="en-US" sz="1600" dirty="0" smtClean="0">
+                <a:ea typeface="Courier" charset="0"/>
+                <a:cs typeface="Courier" charset="0"/>
+              </a:rPr>
+              <a:t> </a:t>
+            </a:r>
+            <a:r>
+              <a:rPr lang="en-US" sz="1600" dirty="0" smtClean="0">
+                <a:latin typeface="Courier" charset="0"/>
+                <a:ea typeface="Courier" charset="0"/>
+                <a:cs typeface="Courier" charset="0"/>
+              </a:rPr>
+              <a:t>e</a:t>
+            </a:r>
+          </a:p>
+          <a:p>
+            <a:pPr algn="ctr"/>
+            <a:r>
+              <a:rPr lang="en-US" sz="1600" dirty="0" err="1" smtClean="0">
+                <a:latin typeface="Courier" charset="0"/>
+                <a:ea typeface="Courier" charset="0"/>
+                <a:cs typeface="Courier" charset="0"/>
+              </a:rPr>
+              <a:t>typeOf</a:t>
+            </a:r>
+            <a:r>
+              <a:rPr lang="en-US" sz="1600" dirty="0" smtClean="0">
+                <a:latin typeface="Courier" charset="0"/>
+                <a:ea typeface="Courier" charset="0"/>
+                <a:cs typeface="Courier" charset="0"/>
+              </a:rPr>
+              <a:t>(e)</a:t>
+            </a:r>
+          </a:p>
+          <a:p>
+            <a:pPr algn="ctr"/>
+            <a:r>
+              <a:rPr lang="en-US" sz="1600" dirty="0" err="1" smtClean="0">
+                <a:latin typeface="Courier" charset="0"/>
+                <a:ea typeface="Courier" charset="0"/>
+                <a:cs typeface="Courier" charset="0"/>
+              </a:rPr>
+              <a:t>e.</a:t>
+            </a:r>
+            <a:r>
+              <a:rPr lang="en-US" sz="1600" baseline="-25000" dirty="0" err="1" smtClean="0">
+                <a:latin typeface="Courier" charset="0"/>
+                <a:ea typeface="Courier" charset="0"/>
+                <a:cs typeface="Courier" charset="0"/>
+              </a:rPr>
+              <a:t>v</a:t>
+            </a:r>
+            <a:r>
+              <a:rPr lang="en-US" sz="1600" dirty="0" err="1" smtClean="0">
+                <a:latin typeface="Courier" charset="0"/>
+                <a:ea typeface="Courier" charset="0"/>
+                <a:cs typeface="Courier" charset="0"/>
+              </a:rPr>
+              <a:t>e</a:t>
+            </a:r>
+            <a:r>
+              <a:rPr lang="en-US" sz="1600" dirty="0" smtClean="0">
+                <a:latin typeface="Courier" charset="0"/>
+                <a:ea typeface="Courier" charset="0"/>
+                <a:cs typeface="Courier" charset="0"/>
+              </a:rPr>
+              <a:t>, </a:t>
+            </a:r>
+            <a:r>
+              <a:rPr lang="en-US" sz="1600" dirty="0" err="1" smtClean="0">
+                <a:latin typeface="Courier" charset="0"/>
+                <a:ea typeface="Courier" charset="0"/>
+                <a:cs typeface="Courier" charset="0"/>
+              </a:rPr>
+              <a:t>e.</a:t>
+            </a:r>
+            <a:r>
+              <a:rPr lang="en-US" sz="1600" baseline="-25000" dirty="0" err="1" smtClean="0">
+                <a:latin typeface="Courier" charset="0"/>
+                <a:ea typeface="Courier" charset="0"/>
+                <a:cs typeface="Courier" charset="0"/>
+              </a:rPr>
+              <a:t>o</a:t>
+            </a:r>
+            <a:r>
+              <a:rPr lang="en-US" sz="1600" dirty="0" err="1" smtClean="0">
+                <a:latin typeface="Courier" charset="0"/>
+                <a:ea typeface="Courier" charset="0"/>
+                <a:cs typeface="Courier" charset="0"/>
+              </a:rPr>
+              <a:t>e</a:t>
+            </a:r>
+            <a:endParaRPr lang="en-US" sz="1600" dirty="0" smtClean="0">
+              <a:latin typeface="Courier" charset="0"/>
+              <a:ea typeface="Courier" charset="0"/>
+              <a:cs typeface="Courier" charset="0"/>
+            </a:endParaRPr>
+          </a:p>
+          <a:p>
+            <a:pPr algn="ctr"/>
+            <a:r>
+              <a:rPr lang="en-US" sz="1600" dirty="0" smtClean="0">
+                <a:latin typeface="Courier" charset="0"/>
+                <a:ea typeface="Courier" charset="0"/>
+                <a:cs typeface="Courier" charset="0"/>
+              </a:rPr>
+              <a:t>base(e)</a:t>
+            </a:r>
+          </a:p>
+          <a:p>
+            <a:pPr algn="ctr"/>
+            <a:r>
+              <a:rPr lang="en-US" sz="1600" dirty="0" smtClean="0">
+                <a:latin typeface="Courier" charset="0"/>
+                <a:ea typeface="Courier" charset="0"/>
+                <a:cs typeface="Courier" charset="0"/>
+              </a:rPr>
+              <a:t>field(e)</a:t>
+            </a:r>
+          </a:p>
+          <a:p>
+            <a:pPr algn="ctr"/>
+            <a:r>
+              <a:rPr lang="en-US" sz="1600" dirty="0">
+                <a:latin typeface="Courier" charset="0"/>
+                <a:ea typeface="Courier" charset="0"/>
+                <a:cs typeface="Courier" charset="0"/>
+              </a:rPr>
+              <a:t>n</a:t>
+            </a:r>
+            <a:r>
+              <a:rPr lang="en-US" sz="1600" dirty="0" smtClean="0">
+                <a:latin typeface="Courier" charset="0"/>
+                <a:ea typeface="Courier" charset="0"/>
+                <a:cs typeface="Courier" charset="0"/>
+              </a:rPr>
+              <a:t>th (e, e)</a:t>
+            </a:r>
+            <a:endParaRPr lang="en-US" sz="1600" dirty="0">
+              <a:latin typeface="Courier" charset="0"/>
+              <a:ea typeface="Courier" charset="0"/>
+              <a:cs typeface="Courier" charset="0"/>
+            </a:endParaRPr>
+          </a:p>
+        </p:txBody>
+      </p:sp>
+      <p:grpSp>
+        <p:nvGrpSpPr>
+          <p:cNvPr id="17" name="Group 16"/>
+          <p:cNvGrpSpPr/>
+          <p:nvPr/>
+        </p:nvGrpSpPr>
+        <p:grpSpPr>
+          <a:xfrm>
+            <a:off x="8342887" y="3249284"/>
+            <a:ext cx="3472833" cy="2603096"/>
+            <a:chOff x="8593740" y="1369522"/>
+            <a:chExt cx="3472833" cy="2603096"/>
+          </a:xfrm>
+        </p:grpSpPr>
+        <p:sp>
+          <p:nvSpPr>
+            <p:cNvPr id="9" name="TextBox 8"/>
+            <p:cNvSpPr txBox="1"/>
+            <p:nvPr/>
+          </p:nvSpPr>
+          <p:spPr>
+            <a:xfrm>
+              <a:off x="8808854" y="1369522"/>
+              <a:ext cx="3042607" cy="1754326"/>
+            </a:xfrm>
+            <a:prstGeom prst="rect">
+              <a:avLst/>
+            </a:prstGeom>
+            <a:noFill/>
+          </p:spPr>
+          <p:txBody>
+            <a:bodyPr wrap="square" rtlCol="0">
+              <a:spAutoFit/>
+            </a:bodyPr>
+            <a:lstStyle/>
+            <a:p>
+              <a:pPr algn="ctr"/>
+              <a:r>
+                <a:rPr lang="en-US" sz="2000" b="1" dirty="0" smtClean="0">
+                  <a:solidFill>
+                    <a:schemeClr val="accent2"/>
+                  </a:solidFill>
+                </a:rPr>
+                <a:t>Commands (</a:t>
+              </a:r>
+              <a:r>
+                <a:rPr lang="en-US" b="1" dirty="0" smtClean="0">
+                  <a:solidFill>
+                    <a:schemeClr val="accent2"/>
+                  </a:solidFill>
+                  <a:latin typeface="Courier" charset="0"/>
+                  <a:ea typeface="Courier" charset="0"/>
+                  <a:cs typeface="Courier" charset="0"/>
+                </a:rPr>
+                <a:t>c</a:t>
+              </a:r>
+              <a:r>
+                <a:rPr lang="en-US" sz="2000" b="1" dirty="0" smtClean="0">
+                  <a:solidFill>
+                    <a:schemeClr val="accent2"/>
+                  </a:solidFill>
+                </a:rPr>
+                <a:t>):</a:t>
+              </a:r>
+            </a:p>
+            <a:p>
+              <a:pPr algn="ctr"/>
+              <a:endParaRPr lang="en-US" sz="800" b="1" dirty="0">
+                <a:solidFill>
+                  <a:schemeClr val="accent2"/>
+                </a:solidFill>
+              </a:endParaRPr>
+            </a:p>
+            <a:p>
+              <a:pPr algn="ctr"/>
+              <a:r>
+                <a:rPr lang="en-US" sz="1600" dirty="0" err="1" smtClean="0">
+                  <a:latin typeface="Courier" charset="0"/>
+                  <a:ea typeface="Courier" charset="0"/>
+                  <a:cs typeface="Courier" charset="0"/>
+                </a:rPr>
+                <a:t>bc</a:t>
+              </a:r>
+              <a:endParaRPr lang="en-US" sz="1600" dirty="0" smtClean="0">
+                <a:latin typeface="Courier" charset="0"/>
+                <a:ea typeface="Courier" charset="0"/>
+                <a:cs typeface="Courier" charset="0"/>
+              </a:endParaRPr>
+            </a:p>
+            <a:p>
+              <a:pPr algn="ctr"/>
+              <a:r>
+                <a:rPr lang="en-US" sz="1600" dirty="0" err="1" smtClean="0">
+                  <a:latin typeface="Courier" charset="0"/>
+                  <a:ea typeface="Courier" charset="0"/>
+                  <a:cs typeface="Courier" charset="0"/>
+                </a:rPr>
+                <a:t>goto</a:t>
+              </a:r>
+              <a:r>
+                <a:rPr lang="en-US" sz="1600" dirty="0" smtClean="0">
+                  <a:latin typeface="Courier" charset="0"/>
+                  <a:ea typeface="Courier" charset="0"/>
+                  <a:cs typeface="Courier" charset="0"/>
+                </a:rPr>
+                <a:t> </a:t>
+              </a:r>
+              <a:r>
+                <a:rPr lang="en-US" sz="1600" dirty="0" err="1" smtClean="0">
+                  <a:latin typeface="Courier" charset="0"/>
+                  <a:ea typeface="Courier" charset="0"/>
+                  <a:cs typeface="Courier" charset="0"/>
+                </a:rPr>
+                <a:t>i</a:t>
+              </a:r>
+              <a:endParaRPr lang="en-US" sz="1600" dirty="0" smtClean="0">
+                <a:latin typeface="Courier" charset="0"/>
+                <a:ea typeface="Courier" charset="0"/>
+                <a:cs typeface="Courier" charset="0"/>
+              </a:endParaRPr>
+            </a:p>
+            <a:p>
+              <a:pPr algn="ctr"/>
+              <a:r>
+                <a:rPr lang="en-US" sz="1600" dirty="0" err="1" smtClean="0">
+                  <a:latin typeface="Courier" charset="0"/>
+                  <a:ea typeface="Courier" charset="0"/>
+                  <a:cs typeface="Courier" charset="0"/>
+                </a:rPr>
+                <a:t>goto</a:t>
+              </a:r>
+              <a:r>
+                <a:rPr lang="en-US" sz="1600" dirty="0" smtClean="0">
+                  <a:latin typeface="Courier" charset="0"/>
+                  <a:ea typeface="Courier" charset="0"/>
+                  <a:cs typeface="Courier" charset="0"/>
+                </a:rPr>
+                <a:t> [e] </a:t>
+              </a:r>
+              <a:r>
+                <a:rPr lang="en-US" sz="1600" dirty="0" err="1" smtClean="0">
+                  <a:latin typeface="Courier" charset="0"/>
+                  <a:ea typeface="Courier" charset="0"/>
+                  <a:cs typeface="Courier" charset="0"/>
+                </a:rPr>
+                <a:t>i</a:t>
+              </a:r>
+              <a:r>
+                <a:rPr lang="en-US" sz="1600" dirty="0" smtClean="0">
+                  <a:latin typeface="Courier" charset="0"/>
+                  <a:ea typeface="Courier" charset="0"/>
+                  <a:cs typeface="Courier" charset="0"/>
+                </a:rPr>
+                <a:t> j</a:t>
+              </a:r>
+            </a:p>
+            <a:p>
+              <a:pPr algn="ctr"/>
+              <a:r>
+                <a:rPr lang="en-US" sz="1600" dirty="0" smtClean="0">
+                  <a:latin typeface="Courier" charset="0"/>
+                  <a:ea typeface="Courier" charset="0"/>
+                  <a:cs typeface="Courier" charset="0"/>
+                </a:rPr>
+                <a:t>x := e (e, </a:t>
+              </a:r>
+              <a:r>
+                <a:rPr lang="is-IS" sz="1600" dirty="0" smtClean="0">
+                  <a:latin typeface="Courier" charset="0"/>
+                  <a:ea typeface="Courier" charset="0"/>
+                  <a:cs typeface="Courier" charset="0"/>
+                </a:rPr>
+                <a:t>…, e) with j</a:t>
+              </a:r>
+            </a:p>
+            <a:p>
+              <a:pPr algn="ctr"/>
+              <a:r>
+                <a:rPr lang="en-US" sz="1600" dirty="0" smtClean="0">
+                  <a:latin typeface="Courier" charset="0"/>
+                  <a:ea typeface="Courier" charset="0"/>
+                  <a:cs typeface="Courier" charset="0"/>
+                </a:rPr>
+                <a:t>x = PHI (x, </a:t>
+              </a:r>
+              <a:r>
+                <a:rPr lang="is-IS" sz="1600" dirty="0" smtClean="0">
+                  <a:latin typeface="Courier" charset="0"/>
+                  <a:ea typeface="Courier" charset="0"/>
+                  <a:cs typeface="Courier" charset="0"/>
+                </a:rPr>
+                <a:t>…, x)</a:t>
+              </a:r>
+              <a:endParaRPr lang="en-US" sz="1600" dirty="0" smtClean="0">
+                <a:latin typeface="Courier" charset="0"/>
+                <a:ea typeface="Courier" charset="0"/>
+                <a:cs typeface="Courier" charset="0"/>
+              </a:endParaRPr>
+            </a:p>
+          </p:txBody>
+        </p:sp>
+        <p:sp>
+          <p:nvSpPr>
+            <p:cNvPr id="16" name="TextBox 15"/>
+            <p:cNvSpPr txBox="1"/>
+            <p:nvPr/>
+          </p:nvSpPr>
+          <p:spPr>
+            <a:xfrm>
+              <a:off x="8593740" y="3203177"/>
+              <a:ext cx="3472833" cy="769441"/>
+            </a:xfrm>
+            <a:prstGeom prst="rect">
+              <a:avLst/>
+            </a:prstGeom>
+            <a:noFill/>
+          </p:spPr>
+          <p:txBody>
+            <a:bodyPr wrap="square" rtlCol="0">
+              <a:spAutoFit/>
+            </a:bodyPr>
+            <a:lstStyle/>
+            <a:p>
+              <a:pPr algn="ctr"/>
+              <a:r>
+                <a:rPr lang="en-US" sz="2000" b="1" dirty="0" smtClean="0">
+                  <a:solidFill>
+                    <a:schemeClr val="accent2"/>
+                  </a:solidFill>
+                </a:rPr>
+                <a:t>Procedures (</a:t>
+              </a:r>
+              <a:r>
+                <a:rPr lang="en-US" b="1" dirty="0" smtClean="0">
+                  <a:solidFill>
+                    <a:schemeClr val="accent2"/>
+                  </a:solidFill>
+                  <a:latin typeface="Courier" charset="0"/>
+                  <a:ea typeface="Courier" charset="0"/>
+                  <a:cs typeface="Courier" charset="0"/>
+                </a:rPr>
+                <a:t>proc</a:t>
+              </a:r>
+              <a:r>
+                <a:rPr lang="en-US" sz="2000" b="1" dirty="0" smtClean="0">
+                  <a:solidFill>
+                    <a:schemeClr val="accent2"/>
+                  </a:solidFill>
+                </a:rPr>
+                <a:t>):</a:t>
+              </a:r>
+            </a:p>
+            <a:p>
+              <a:pPr algn="ctr"/>
+              <a:endParaRPr lang="en-US" sz="800" b="1" dirty="0">
+                <a:solidFill>
+                  <a:schemeClr val="accent2"/>
+                </a:solidFill>
+              </a:endParaRPr>
+            </a:p>
+            <a:p>
+              <a:pPr algn="ctr"/>
+              <a:r>
+                <a:rPr lang="en-US" sz="1600" dirty="0">
+                  <a:latin typeface="Courier" charset="0"/>
+                  <a:ea typeface="Courier" charset="0"/>
+                  <a:cs typeface="Courier" charset="0"/>
+                </a:rPr>
+                <a:t>p</a:t>
+              </a:r>
+              <a:r>
+                <a:rPr lang="en-US" sz="1600" dirty="0" smtClean="0">
+                  <a:latin typeface="Courier" charset="0"/>
+                  <a:ea typeface="Courier" charset="0"/>
+                  <a:cs typeface="Courier" charset="0"/>
+                </a:rPr>
+                <a:t>roc m(x, </a:t>
+              </a:r>
+              <a:r>
+                <a:rPr lang="is-IS" sz="1600" dirty="0" smtClean="0">
+                  <a:latin typeface="Courier" charset="0"/>
+                  <a:ea typeface="Courier" charset="0"/>
+                  <a:cs typeface="Courier" charset="0"/>
+                </a:rPr>
+                <a:t>…, x) {c, </a:t>
+              </a:r>
+              <a:r>
+                <a:rPr lang="is-IS" sz="1600" dirty="0">
+                  <a:latin typeface="Courier" charset="0"/>
+                  <a:ea typeface="Courier" charset="0"/>
+                  <a:cs typeface="Courier" charset="0"/>
+                </a:rPr>
+                <a:t>…</a:t>
+              </a:r>
+              <a:r>
+                <a:rPr lang="is-IS" sz="1600" dirty="0" smtClean="0">
+                  <a:latin typeface="Courier" charset="0"/>
+                  <a:ea typeface="Courier" charset="0"/>
+                  <a:cs typeface="Courier" charset="0"/>
+                </a:rPr>
+                <a:t>, c}</a:t>
+              </a:r>
+              <a:endParaRPr lang="en-US" sz="1600" dirty="0" smtClean="0">
+                <a:latin typeface="Courier" charset="0"/>
+                <a:ea typeface="Courier" charset="0"/>
+                <a:cs typeface="Courier" charset="0"/>
+              </a:endParaRPr>
+            </a:p>
+          </p:txBody>
+        </p:sp>
+      </p:grpSp>
+      <p:sp>
+        <p:nvSpPr>
+          <p:cNvPr id="19" name="Rectangle 18"/>
+          <p:cNvSpPr/>
+          <p:nvPr/>
+        </p:nvSpPr>
+        <p:spPr>
+          <a:xfrm>
+            <a:off x="454498" y="4359212"/>
+            <a:ext cx="3112738" cy="418957"/>
+          </a:xfrm>
+          <a:prstGeom prst="rect">
+            <a:avLst/>
+          </a:prstGeom>
+          <a:solidFill>
+            <a:schemeClr val="accent1">
+              <a:alpha val="40000"/>
+            </a:schemeClr>
+          </a:solidFill>
+        </p:spPr>
+        <p:style>
+          <a:lnRef idx="2">
+            <a:schemeClr val="accent1">
+              <a:shade val="50000"/>
+            </a:schemeClr>
+          </a:lnRef>
+          <a:fillRef idx="1">
+            <a:schemeClr val="accent1"/>
+          </a:fillRef>
+          <a:effectRef idx="0">
+            <a:schemeClr val="accent1"/>
+          </a:effectRef>
+          <a:fontRef idx="minor">
+            <a:schemeClr val="lt1"/>
+          </a:fontRef>
+        </p:style>
+        <p:txBody>
+          <a:bodyPr rtlCol="0" anchor="ctr"/>
+          <a:lstStyle/>
+          <a:p>
+            <a:pPr algn="ctr"/>
+            <a:endParaRPr lang="en-US"/>
+          </a:p>
+        </p:txBody>
+      </p:sp>
+      <p:sp>
+        <p:nvSpPr>
+          <p:cNvPr id="20" name="Rectangle 19"/>
+          <p:cNvSpPr/>
+          <p:nvPr/>
+        </p:nvSpPr>
+        <p:spPr>
+          <a:xfrm>
+            <a:off x="454498" y="4820770"/>
+            <a:ext cx="3112738" cy="418957"/>
+          </a:xfrm>
+          <a:prstGeom prst="rect">
+            <a:avLst/>
+          </a:prstGeom>
+          <a:solidFill>
+            <a:schemeClr val="accent1">
+              <a:alpha val="40000"/>
+            </a:schemeClr>
+          </a:solidFill>
+        </p:spPr>
+        <p:style>
+          <a:lnRef idx="2">
+            <a:schemeClr val="accent1">
+              <a:shade val="50000"/>
+            </a:schemeClr>
+          </a:lnRef>
+          <a:fillRef idx="1">
+            <a:schemeClr val="accent1"/>
+          </a:fillRef>
+          <a:effectRef idx="0">
+            <a:schemeClr val="accent1"/>
+          </a:effectRef>
+          <a:fontRef idx="minor">
+            <a:schemeClr val="lt1"/>
+          </a:fontRef>
+        </p:style>
+        <p:txBody>
+          <a:bodyPr rtlCol="0" anchor="ctr"/>
+          <a:lstStyle/>
+          <a:p>
+            <a:pPr algn="ctr"/>
+            <a:endParaRPr lang="en-US"/>
+          </a:p>
+        </p:txBody>
+      </p:sp>
+      <p:sp>
+        <p:nvSpPr>
+          <p:cNvPr id="21" name="Rectangle 20"/>
+          <p:cNvSpPr/>
+          <p:nvPr/>
+        </p:nvSpPr>
+        <p:spPr>
+          <a:xfrm>
+            <a:off x="454498" y="5282328"/>
+            <a:ext cx="3112738" cy="418957"/>
+          </a:xfrm>
+          <a:prstGeom prst="rect">
+            <a:avLst/>
+          </a:prstGeom>
+          <a:solidFill>
+            <a:schemeClr val="accent1">
+              <a:alpha val="40000"/>
+            </a:schemeClr>
+          </a:solidFill>
+        </p:spPr>
+        <p:style>
+          <a:lnRef idx="2">
+            <a:schemeClr val="accent1">
+              <a:shade val="50000"/>
+            </a:schemeClr>
+          </a:lnRef>
+          <a:fillRef idx="1">
+            <a:schemeClr val="accent1"/>
+          </a:fillRef>
+          <a:effectRef idx="0">
+            <a:schemeClr val="accent1"/>
+          </a:effectRef>
+          <a:fontRef idx="minor">
+            <a:schemeClr val="lt1"/>
+          </a:fontRef>
+        </p:style>
+        <p:txBody>
+          <a:bodyPr rtlCol="0" anchor="ctr"/>
+          <a:lstStyle/>
+          <a:p>
+            <a:pPr algn="ctr"/>
+            <a:endParaRPr lang="en-US"/>
+          </a:p>
+        </p:txBody>
+      </p:sp>
+      <p:sp>
+        <p:nvSpPr>
+          <p:cNvPr id="24" name="Rectangle 23"/>
+          <p:cNvSpPr/>
+          <p:nvPr/>
+        </p:nvSpPr>
+        <p:spPr>
+          <a:xfrm>
+            <a:off x="454498" y="3897654"/>
+            <a:ext cx="3112738" cy="418957"/>
+          </a:xfrm>
+          <a:prstGeom prst="rect">
+            <a:avLst/>
+          </a:prstGeom>
+          <a:solidFill>
+            <a:schemeClr val="accent1">
+              <a:alpha val="40000"/>
+            </a:schemeClr>
+          </a:solidFill>
+        </p:spPr>
+        <p:style>
+          <a:lnRef idx="2">
+            <a:schemeClr val="accent1">
+              <a:shade val="50000"/>
+            </a:schemeClr>
+          </a:lnRef>
+          <a:fillRef idx="1">
+            <a:schemeClr val="accent1"/>
+          </a:fillRef>
+          <a:effectRef idx="0">
+            <a:schemeClr val="accent1"/>
+          </a:effectRef>
+          <a:fontRef idx="minor">
+            <a:schemeClr val="lt1"/>
+          </a:fontRef>
+        </p:style>
+        <p:txBody>
+          <a:bodyPr rtlCol="0" anchor="ctr"/>
+          <a:lstStyle/>
+          <a:p>
+            <a:pPr algn="ctr"/>
+            <a:endParaRPr lang="en-US"/>
+          </a:p>
+        </p:txBody>
+      </p:sp>
+      <p:sp>
+        <p:nvSpPr>
+          <p:cNvPr id="32" name="Rectangle 31"/>
+          <p:cNvSpPr/>
+          <p:nvPr/>
+        </p:nvSpPr>
+        <p:spPr>
+          <a:xfrm>
+            <a:off x="5769622" y="4265322"/>
+            <a:ext cx="2573265" cy="1532006"/>
+          </a:xfrm>
+          <a:prstGeom prst="rect">
+            <a:avLst/>
+          </a:prstGeom>
+          <a:solidFill>
+            <a:srgbClr val="FFFF00">
+              <a:alpha val="25000"/>
+            </a:srgbClr>
+          </a:solidFill>
+        </p:spPr>
+        <p:style>
+          <a:lnRef idx="2">
+            <a:schemeClr val="accent1">
+              <a:shade val="50000"/>
+            </a:schemeClr>
+          </a:lnRef>
+          <a:fillRef idx="1">
+            <a:schemeClr val="accent1"/>
+          </a:fillRef>
+          <a:effectRef idx="0">
+            <a:schemeClr val="accent1"/>
+          </a:effectRef>
+          <a:fontRef idx="minor">
+            <a:schemeClr val="lt1"/>
+          </a:fontRef>
+        </p:style>
+        <p:txBody>
+          <a:bodyPr rtlCol="0" anchor="ctr"/>
+          <a:lstStyle/>
+          <a:p>
+            <a:pPr algn="ctr"/>
+            <a:endParaRPr lang="en-US"/>
+          </a:p>
+        </p:txBody>
+      </p:sp>
+      <p:sp>
+        <p:nvSpPr>
+          <p:cNvPr id="33" name="Rectangle 32"/>
+          <p:cNvSpPr/>
+          <p:nvPr/>
+        </p:nvSpPr>
+        <p:spPr>
+          <a:xfrm>
+            <a:off x="9100167" y="3960501"/>
+            <a:ext cx="1958272" cy="530579"/>
+          </a:xfrm>
+          <a:prstGeom prst="rect">
+            <a:avLst/>
+          </a:prstGeom>
+          <a:solidFill>
+            <a:srgbClr val="FFFF00">
+              <a:alpha val="25000"/>
+            </a:srgbClr>
+          </a:solidFill>
+        </p:spPr>
+        <p:style>
+          <a:lnRef idx="2">
+            <a:schemeClr val="accent1">
+              <a:shade val="50000"/>
+            </a:schemeClr>
+          </a:lnRef>
+          <a:fillRef idx="1">
+            <a:schemeClr val="accent1"/>
+          </a:fillRef>
+          <a:effectRef idx="0">
+            <a:schemeClr val="accent1"/>
+          </a:effectRef>
+          <a:fontRef idx="minor">
+            <a:schemeClr val="lt1"/>
+          </a:fontRef>
+        </p:style>
+        <p:txBody>
+          <a:bodyPr rtlCol="0" anchor="ctr"/>
+          <a:lstStyle/>
+          <a:p>
+            <a:pPr algn="ctr"/>
+            <a:endParaRPr lang="en-US"/>
+          </a:p>
+        </p:txBody>
+      </p:sp>
+      <p:sp>
+        <p:nvSpPr>
+          <p:cNvPr id="34" name="Rectangle 33"/>
+          <p:cNvSpPr/>
+          <p:nvPr/>
+        </p:nvSpPr>
+        <p:spPr>
+          <a:xfrm>
+            <a:off x="9192553" y="4431111"/>
+            <a:ext cx="323682" cy="305491"/>
+          </a:xfrm>
+          <a:prstGeom prst="rect">
+            <a:avLst/>
+          </a:prstGeom>
+          <a:solidFill>
+            <a:srgbClr val="FFFF00">
+              <a:alpha val="25000"/>
+            </a:srgbClr>
+          </a:solidFill>
+        </p:spPr>
+        <p:style>
+          <a:lnRef idx="2">
+            <a:schemeClr val="accent1">
+              <a:shade val="50000"/>
+            </a:schemeClr>
+          </a:lnRef>
+          <a:fillRef idx="1">
+            <a:schemeClr val="accent1"/>
+          </a:fillRef>
+          <a:effectRef idx="0">
+            <a:schemeClr val="accent1"/>
+          </a:effectRef>
+          <a:fontRef idx="minor">
+            <a:schemeClr val="lt1"/>
+          </a:fontRef>
+        </p:style>
+        <p:txBody>
+          <a:bodyPr rtlCol="0" anchor="ctr"/>
+          <a:lstStyle/>
+          <a:p>
+            <a:pPr algn="ctr"/>
+            <a:endParaRPr lang="en-US"/>
+          </a:p>
+        </p:txBody>
+      </p:sp>
+      <p:sp>
+        <p:nvSpPr>
+          <p:cNvPr id="36" name="Rectangle 35"/>
+          <p:cNvSpPr/>
+          <p:nvPr/>
+        </p:nvSpPr>
+        <p:spPr>
+          <a:xfrm>
+            <a:off x="8407620" y="5541032"/>
+            <a:ext cx="3293463" cy="305491"/>
+          </a:xfrm>
+          <a:prstGeom prst="rect">
+            <a:avLst/>
+          </a:prstGeom>
+          <a:solidFill>
+            <a:srgbClr val="FFFF00">
+              <a:alpha val="25000"/>
+            </a:srgbClr>
+          </a:solidFill>
+        </p:spPr>
+        <p:style>
+          <a:lnRef idx="2">
+            <a:schemeClr val="accent1">
+              <a:shade val="50000"/>
+            </a:schemeClr>
+          </a:lnRef>
+          <a:fillRef idx="1">
+            <a:schemeClr val="accent1"/>
+          </a:fillRef>
+          <a:effectRef idx="0">
+            <a:schemeClr val="accent1"/>
+          </a:effectRef>
+          <a:fontRef idx="minor">
+            <a:schemeClr val="lt1"/>
+          </a:fontRef>
+        </p:style>
+        <p:txBody>
+          <a:bodyPr rtlCol="0" anchor="ctr"/>
+          <a:lstStyle/>
+          <a:p>
+            <a:pPr algn="ctr"/>
+            <a:endParaRPr lang="en-US"/>
+          </a:p>
+        </p:txBody>
+      </p:sp>
+      <p:sp>
+        <p:nvSpPr>
+          <p:cNvPr id="37" name="Rectangle 36"/>
+          <p:cNvSpPr/>
+          <p:nvPr/>
+        </p:nvSpPr>
+        <p:spPr>
+          <a:xfrm>
+            <a:off x="7573382" y="4982804"/>
+            <a:ext cx="323682" cy="305491"/>
+          </a:xfrm>
+          <a:prstGeom prst="rect">
+            <a:avLst/>
+          </a:prstGeom>
+          <a:solidFill>
+            <a:srgbClr val="FFFF00">
+              <a:alpha val="25000"/>
+            </a:srgbClr>
+          </a:solidFill>
+        </p:spPr>
+        <p:style>
+          <a:lnRef idx="2">
+            <a:schemeClr val="accent1">
+              <a:shade val="50000"/>
+            </a:schemeClr>
+          </a:lnRef>
+          <a:fillRef idx="1">
+            <a:schemeClr val="accent1"/>
+          </a:fillRef>
+          <a:effectRef idx="0">
+            <a:schemeClr val="accent1"/>
+          </a:effectRef>
+          <a:fontRef idx="minor">
+            <a:schemeClr val="lt1"/>
+          </a:fontRef>
+        </p:style>
+        <p:txBody>
+          <a:bodyPr rtlCol="0" anchor="ctr"/>
+          <a:lstStyle/>
+          <a:p>
+            <a:pPr algn="ctr"/>
+            <a:endParaRPr lang="en-US"/>
+          </a:p>
+        </p:txBody>
+      </p:sp>
+      <p:sp>
+        <p:nvSpPr>
+          <p:cNvPr id="38" name="Rectangle 37"/>
+          <p:cNvSpPr/>
+          <p:nvPr/>
+        </p:nvSpPr>
+        <p:spPr>
+          <a:xfrm>
+            <a:off x="7454612" y="4507580"/>
+            <a:ext cx="323682" cy="305491"/>
+          </a:xfrm>
+          <a:prstGeom prst="rect">
+            <a:avLst/>
+          </a:prstGeom>
+          <a:solidFill>
+            <a:srgbClr val="FFFF00">
+              <a:alpha val="25000"/>
+            </a:srgbClr>
+          </a:solidFill>
+        </p:spPr>
+        <p:style>
+          <a:lnRef idx="2">
+            <a:schemeClr val="accent1">
+              <a:shade val="50000"/>
+            </a:schemeClr>
+          </a:lnRef>
+          <a:fillRef idx="1">
+            <a:schemeClr val="accent1"/>
+          </a:fillRef>
+          <a:effectRef idx="0">
+            <a:schemeClr val="accent1"/>
+          </a:effectRef>
+          <a:fontRef idx="minor">
+            <a:schemeClr val="lt1"/>
+          </a:fontRef>
+        </p:style>
+        <p:txBody>
+          <a:bodyPr rtlCol="0" anchor="ctr"/>
+          <a:lstStyle/>
+          <a:p>
+            <a:pPr algn="ctr"/>
+            <a:endParaRPr lang="en-US"/>
+          </a:p>
+        </p:txBody>
+      </p:sp>
+      <p:sp>
+        <p:nvSpPr>
+          <p:cNvPr id="39" name="Rectangle 38"/>
+          <p:cNvSpPr/>
+          <p:nvPr/>
+        </p:nvSpPr>
+        <p:spPr>
+          <a:xfrm>
+            <a:off x="6820060" y="4747454"/>
+            <a:ext cx="323682" cy="305491"/>
+          </a:xfrm>
+          <a:prstGeom prst="rect">
+            <a:avLst/>
+          </a:prstGeom>
+          <a:solidFill>
+            <a:srgbClr val="FFFF00">
+              <a:alpha val="25000"/>
+            </a:srgbClr>
+          </a:solidFill>
+        </p:spPr>
+        <p:style>
+          <a:lnRef idx="2">
+            <a:schemeClr val="accent1">
+              <a:shade val="50000"/>
+            </a:schemeClr>
+          </a:lnRef>
+          <a:fillRef idx="1">
+            <a:schemeClr val="accent1"/>
+          </a:fillRef>
+          <a:effectRef idx="0">
+            <a:schemeClr val="accent1"/>
+          </a:effectRef>
+          <a:fontRef idx="minor">
+            <a:schemeClr val="lt1"/>
+          </a:fontRef>
+        </p:style>
+        <p:txBody>
+          <a:bodyPr rtlCol="0" anchor="ctr"/>
+          <a:lstStyle/>
+          <a:p>
+            <a:pPr algn="ctr"/>
+            <a:endParaRPr lang="en-US"/>
+          </a:p>
+        </p:txBody>
+      </p:sp>
+      <p:sp>
+        <p:nvSpPr>
+          <p:cNvPr id="40" name="Rectangle 39"/>
+          <p:cNvSpPr/>
+          <p:nvPr/>
+        </p:nvSpPr>
+        <p:spPr>
+          <a:xfrm>
+            <a:off x="7946373" y="5228295"/>
+            <a:ext cx="323682" cy="305491"/>
+          </a:xfrm>
+          <a:prstGeom prst="rect">
+            <a:avLst/>
+          </a:prstGeom>
+          <a:solidFill>
+            <a:srgbClr val="FFFF00">
+              <a:alpha val="25000"/>
+            </a:srgbClr>
+          </a:solidFill>
+        </p:spPr>
+        <p:style>
+          <a:lnRef idx="2">
+            <a:schemeClr val="accent1">
+              <a:shade val="50000"/>
+            </a:schemeClr>
+          </a:lnRef>
+          <a:fillRef idx="1">
+            <a:schemeClr val="accent1"/>
+          </a:fillRef>
+          <a:effectRef idx="0">
+            <a:schemeClr val="accent1"/>
+          </a:effectRef>
+          <a:fontRef idx="minor">
+            <a:schemeClr val="lt1"/>
+          </a:fontRef>
+        </p:style>
+        <p:txBody>
+          <a:bodyPr rtlCol="0" anchor="ctr"/>
+          <a:lstStyle/>
+          <a:p>
+            <a:pPr algn="ctr"/>
+            <a:endParaRPr lang="en-US"/>
+          </a:p>
+        </p:txBody>
+      </p:sp>
+      <p:sp>
+        <p:nvSpPr>
+          <p:cNvPr id="63" name="TextBox 62"/>
+          <p:cNvSpPr txBox="1"/>
+          <p:nvPr/>
+        </p:nvSpPr>
+        <p:spPr>
+          <a:xfrm>
+            <a:off x="4243510" y="1866491"/>
+            <a:ext cx="7307108" cy="723275"/>
+          </a:xfrm>
+          <a:prstGeom prst="rect">
+            <a:avLst/>
+          </a:prstGeom>
+          <a:noFill/>
+        </p:spPr>
+        <p:txBody>
+          <a:bodyPr wrap="square" rtlCol="0">
+            <a:spAutoFit/>
+          </a:bodyPr>
+          <a:lstStyle/>
+          <a:p>
+            <a:pPr>
+              <a:spcAft>
+                <a:spcPts val="600"/>
+              </a:spcAft>
+            </a:pPr>
+            <a:r>
+              <a:rPr lang="en-US" dirty="0"/>
+              <a:t>V</a:t>
+            </a:r>
+            <a:r>
+              <a:rPr lang="en-US" dirty="0" smtClean="0"/>
+              <a:t>erification tools, esp. separation logic ones, compile to </a:t>
+            </a:r>
+            <a:r>
+              <a:rPr lang="en-US" dirty="0" err="1" smtClean="0"/>
+              <a:t>goto</a:t>
+            </a:r>
+            <a:r>
+              <a:rPr lang="en-US" dirty="0" smtClean="0"/>
+              <a:t> languages</a:t>
+            </a:r>
+            <a:endParaRPr lang="en-US" sz="800" dirty="0" smtClean="0"/>
+          </a:p>
+          <a:p>
+            <a:pPr>
+              <a:spcAft>
+                <a:spcPts val="600"/>
+              </a:spcAft>
+            </a:pPr>
+            <a:r>
+              <a:rPr lang="en-US" dirty="0"/>
+              <a:t>JS control flow constructs fully dismantled in JSIL – simpler analysis</a:t>
+            </a:r>
+          </a:p>
+        </p:txBody>
+      </p:sp>
+      <p:sp>
+        <p:nvSpPr>
+          <p:cNvPr id="64" name="TextBox 63"/>
+          <p:cNvSpPr txBox="1"/>
+          <p:nvPr/>
+        </p:nvSpPr>
+        <p:spPr>
+          <a:xfrm>
+            <a:off x="481384" y="2049636"/>
+            <a:ext cx="3095792" cy="369332"/>
+          </a:xfrm>
+          <a:prstGeom prst="rect">
+            <a:avLst/>
+          </a:prstGeom>
+          <a:noFill/>
+        </p:spPr>
+        <p:txBody>
+          <a:bodyPr wrap="square" rtlCol="0">
+            <a:spAutoFit/>
+          </a:bodyPr>
+          <a:lstStyle/>
+          <a:p>
+            <a:r>
+              <a:rPr lang="en-US" b="1" dirty="0">
+                <a:solidFill>
+                  <a:schemeClr val="accent2"/>
+                </a:solidFill>
+              </a:rPr>
+              <a:t>✓</a:t>
+            </a:r>
+            <a:r>
+              <a:rPr lang="en-US" dirty="0"/>
+              <a:t> Simple </a:t>
+            </a:r>
             <a:r>
               <a:rPr lang="en-US" dirty="0" err="1"/>
-              <a:t>Object.prototype</a:t>
+              <a:t>goto</a:t>
             </a:r>
             <a:r>
               <a:rPr lang="en-US" dirty="0"/>
-              <a:t> Library</a:t>
-            </a:r>
-          </a:p>
-        </p:txBody>
-      </p:sp>
-      <p:sp>
-        <p:nvSpPr>
-          <p:cNvPr id="3" name="Content Placeholder 2"/>
-          <p:cNvSpPr>
-            <a:spLocks noGrp="1"/>
-          </p:cNvSpPr>
-          <p:nvPr>
-            <p:ph idx="1"/>
-          </p:nvPr>
-        </p:nvSpPr>
-        <p:spPr/>
-        <p:txBody>
-          <a:bodyPr/>
-          <a:lstStyle/>
-          <a:p>
-            <a:r>
-              <a:rPr lang="en-US" dirty="0"/>
-              <a:t>Example (</a:t>
-            </a:r>
-            <a:r>
-              <a:rPr lang="en-US" dirty="0" err="1"/>
-              <a:t>isPrototypeOf</a:t>
-            </a:r>
-            <a:r>
-              <a:rPr lang="en-US" dirty="0"/>
-              <a:t>): standard, PBS, JSIL</a:t>
-            </a:r>
-          </a:p>
-        </p:txBody>
-      </p:sp>
+              <a:t> </a:t>
+            </a:r>
+            <a:r>
+              <a:rPr lang="en-US" dirty="0" smtClean="0"/>
+              <a:t>language</a:t>
+            </a:r>
+            <a:endParaRPr lang="en-US" dirty="0"/>
+          </a:p>
+        </p:txBody>
+      </p:sp>
+      <p:cxnSp>
+        <p:nvCxnSpPr>
+          <p:cNvPr id="66" name="Curved Connector 65"/>
+          <p:cNvCxnSpPr>
+            <a:stCxn id="18" idx="3"/>
+          </p:cNvCxnSpPr>
+          <p:nvPr/>
+        </p:nvCxnSpPr>
+        <p:spPr>
+          <a:xfrm flipV="1">
+            <a:off x="3594122" y="2077396"/>
+            <a:ext cx="649388" cy="156907"/>
+          </a:xfrm>
+          <a:prstGeom prst="curvedConnector3">
+            <a:avLst/>
+          </a:prstGeom>
+          <a:ln>
+            <a:solidFill>
+              <a:schemeClr val="accent2"/>
+            </a:solidFill>
+            <a:tailEnd type="triangle"/>
+          </a:ln>
+        </p:spPr>
+        <p:style>
+          <a:lnRef idx="1">
+            <a:schemeClr val="accent1"/>
+          </a:lnRef>
+          <a:fillRef idx="0">
+            <a:schemeClr val="accent1"/>
+          </a:fillRef>
+          <a:effectRef idx="0">
+            <a:schemeClr val="accent1"/>
+          </a:effectRef>
+          <a:fontRef idx="minor">
+            <a:schemeClr val="tx1"/>
+          </a:fontRef>
+        </p:style>
+      </p:cxnSp>
+      <p:cxnSp>
+        <p:nvCxnSpPr>
+          <p:cNvPr id="68" name="Curved Connector 67"/>
+          <p:cNvCxnSpPr>
+            <a:stCxn id="18" idx="3"/>
+          </p:cNvCxnSpPr>
+          <p:nvPr/>
+        </p:nvCxnSpPr>
+        <p:spPr>
+          <a:xfrm>
+            <a:off x="3594122" y="2234303"/>
+            <a:ext cx="649388" cy="154284"/>
+          </a:xfrm>
+          <a:prstGeom prst="curvedConnector3">
+            <a:avLst/>
+          </a:prstGeom>
+          <a:ln>
+            <a:solidFill>
+              <a:schemeClr val="accent2"/>
+            </a:solidFill>
+            <a:tailEnd type="triangle"/>
+          </a:ln>
+        </p:spPr>
+        <p:style>
+          <a:lnRef idx="1">
+            <a:schemeClr val="accent1"/>
+          </a:lnRef>
+          <a:fillRef idx="0">
+            <a:schemeClr val="accent1"/>
+          </a:fillRef>
+          <a:effectRef idx="0">
+            <a:schemeClr val="accent1"/>
+          </a:effectRef>
+          <a:fontRef idx="minor">
+            <a:schemeClr val="tx1"/>
+          </a:fontRef>
+        </p:style>
+      </p:cxnSp>
     </p:spTree>
     <p:extLst>
       <p:ext uri="{BB962C8B-B14F-4D97-AF65-F5344CB8AC3E}">
-        <p14:creationId xmlns:p14="http://schemas.microsoft.com/office/powerpoint/2010/main" val="3937553355"/>
+        <p14:creationId xmlns:p14="http://schemas.microsoft.com/office/powerpoint/2010/main" val="2146758827"/>
       </p:ext>
     </p:extLst>
   </p:cSld>
   <p:clrMapOvr>
     <a:masterClrMapping/>
   </p:clrMapOvr>
+  <mc:AlternateContent xmlns:mc="http://schemas.openxmlformats.org/markup-compatibility/2006" xmlns:p14="http://schemas.microsoft.com/office/powerpoint/2010/main">
+    <mc:Choice Requires="p14">
+      <p:transition spd="med" p14:dur="700">
+        <p:fade/>
+      </p:transition>
+    </mc:Choice>
+    <mc:Fallback xmlns="">
+      <p:transition spd="med">
+        <p:fade/>
+      </p:transition>
+    </mc:Fallback>
+  </mc:AlternateContent>
+  <p:timing>
+    <p:tnLst>
+      <p:par>
+        <p:cTn id="1" dur="indefinite" restart="never" nodeType="tmRoot">
+          <p:childTnLst>
+            <p:seq concurrent="1" nextAc="seek">
+              <p:cTn id="2" dur="indefinite" nodeType="mainSeq">
+                <p:childTnLst>
+                  <p:par>
+                    <p:cTn id="3" fill="hold">
+                      <p:stCondLst>
+                        <p:cond delay="indefinite"/>
+                      </p:stCondLst>
+                      <p:childTnLst>
+                        <p:par>
+                          <p:cTn id="4" fill="hold">
+                            <p:stCondLst>
+                              <p:cond delay="0"/>
+                            </p:stCondLst>
+                            <p:childTnLst>
+                              <p:par>
+                                <p:cTn id="5" presetID="10" presetClass="entr" presetSubtype="0" fill="hold" grpId="0" nodeType="clickEffect">
+                                  <p:stCondLst>
+                                    <p:cond delay="0"/>
+                                  </p:stCondLst>
+                                  <p:childTnLst>
+                                    <p:set>
+                                      <p:cBhvr>
+                                        <p:cTn id="6" dur="1" fill="hold">
+                                          <p:stCondLst>
+                                            <p:cond delay="0"/>
+                                          </p:stCondLst>
+                                        </p:cTn>
+                                        <p:tgtEl>
+                                          <p:spTgt spid="24"/>
+                                        </p:tgtEl>
+                                        <p:attrNameLst>
+                                          <p:attrName>style.visibility</p:attrName>
+                                        </p:attrNameLst>
+                                      </p:cBhvr>
+                                      <p:to>
+                                        <p:strVal val="visible"/>
+                                      </p:to>
+                                    </p:set>
+                                    <p:animEffect transition="in" filter="fade">
+                                      <p:cBhvr>
+                                        <p:cTn id="7" dur="1000"/>
+                                        <p:tgtEl>
+                                          <p:spTgt spid="24"/>
+                                        </p:tgtEl>
+                                      </p:cBhvr>
+                                    </p:animEffect>
+                                  </p:childTnLst>
+                                </p:cTn>
+                              </p:par>
+                              <p:par>
+                                <p:cTn id="8" presetID="10" presetClass="entr" presetSubtype="0" fill="hold" grpId="0" nodeType="withEffect">
+                                  <p:stCondLst>
+                                    <p:cond delay="0"/>
+                                  </p:stCondLst>
+                                  <p:childTnLst>
+                                    <p:set>
+                                      <p:cBhvr>
+                                        <p:cTn id="9" dur="1" fill="hold">
+                                          <p:stCondLst>
+                                            <p:cond delay="0"/>
+                                          </p:stCondLst>
+                                        </p:cTn>
+                                        <p:tgtEl>
+                                          <p:spTgt spid="32"/>
+                                        </p:tgtEl>
+                                        <p:attrNameLst>
+                                          <p:attrName>style.visibility</p:attrName>
+                                        </p:attrNameLst>
+                                      </p:cBhvr>
+                                      <p:to>
+                                        <p:strVal val="visible"/>
+                                      </p:to>
+                                    </p:set>
+                                    <p:animEffect transition="in" filter="fade">
+                                      <p:cBhvr>
+                                        <p:cTn id="10" dur="1000"/>
+                                        <p:tgtEl>
+                                          <p:spTgt spid="32"/>
+                                        </p:tgtEl>
+                                      </p:cBhvr>
+                                    </p:animEffect>
+                                  </p:childTnLst>
+                                </p:cTn>
+                              </p:par>
+                              <p:par>
+                                <p:cTn id="11" presetID="10" presetClass="entr" presetSubtype="0" fill="hold" grpId="0" nodeType="withEffect">
+                                  <p:stCondLst>
+                                    <p:cond delay="0"/>
+                                  </p:stCondLst>
+                                  <p:childTnLst>
+                                    <p:set>
+                                      <p:cBhvr>
+                                        <p:cTn id="12" dur="1" fill="hold">
+                                          <p:stCondLst>
+                                            <p:cond delay="0"/>
+                                          </p:stCondLst>
+                                        </p:cTn>
+                                        <p:tgtEl>
+                                          <p:spTgt spid="13"/>
+                                        </p:tgtEl>
+                                        <p:attrNameLst>
+                                          <p:attrName>style.visibility</p:attrName>
+                                        </p:attrNameLst>
+                                      </p:cBhvr>
+                                      <p:to>
+                                        <p:strVal val="visible"/>
+                                      </p:to>
+                                    </p:set>
+                                    <p:animEffect transition="in" filter="fade">
+                                      <p:cBhvr>
+                                        <p:cTn id="13" dur="500"/>
+                                        <p:tgtEl>
+                                          <p:spTgt spid="13"/>
+                                        </p:tgtEl>
+                                      </p:cBhvr>
+                                    </p:animEffect>
+                                  </p:childTnLst>
+                                </p:cTn>
+                              </p:par>
+                              <p:par>
+                                <p:cTn id="14" presetID="10" presetClass="exit" presetSubtype="0" fill="hold" grpId="0" nodeType="withEffect">
+                                  <p:stCondLst>
+                                    <p:cond delay="0"/>
+                                  </p:stCondLst>
+                                  <p:childTnLst>
+                                    <p:animEffect transition="out" filter="fade">
+                                      <p:cBhvr>
+                                        <p:cTn id="15" dur="1000"/>
+                                        <p:tgtEl>
+                                          <p:spTgt spid="33"/>
+                                        </p:tgtEl>
+                                      </p:cBhvr>
+                                    </p:animEffect>
+                                    <p:set>
+                                      <p:cBhvr>
+                                        <p:cTn id="16" dur="1" fill="hold">
+                                          <p:stCondLst>
+                                            <p:cond delay="999"/>
+                                          </p:stCondLst>
+                                        </p:cTn>
+                                        <p:tgtEl>
+                                          <p:spTgt spid="33"/>
+                                        </p:tgtEl>
+                                        <p:attrNameLst>
+                                          <p:attrName>style.visibility</p:attrName>
+                                        </p:attrNameLst>
+                                      </p:cBhvr>
+                                      <p:to>
+                                        <p:strVal val="hidden"/>
+                                      </p:to>
+                                    </p:set>
+                                  </p:childTnLst>
+                                </p:cTn>
+                              </p:par>
+                            </p:childTnLst>
+                          </p:cTn>
+                        </p:par>
+                      </p:childTnLst>
+                    </p:cTn>
+                  </p:par>
+                  <p:par>
+                    <p:cTn id="17" fill="hold">
+                      <p:stCondLst>
+                        <p:cond delay="indefinite"/>
+                      </p:stCondLst>
+                      <p:childTnLst>
+                        <p:par>
+                          <p:cTn id="18" fill="hold">
+                            <p:stCondLst>
+                              <p:cond delay="0"/>
+                            </p:stCondLst>
+                            <p:childTnLst>
+                              <p:par>
+                                <p:cTn id="19" presetID="10" presetClass="entr" presetSubtype="0" fill="hold" grpId="0" nodeType="clickEffect">
+                                  <p:stCondLst>
+                                    <p:cond delay="0"/>
+                                  </p:stCondLst>
+                                  <p:childTnLst>
+                                    <p:set>
+                                      <p:cBhvr>
+                                        <p:cTn id="20" dur="1" fill="hold">
+                                          <p:stCondLst>
+                                            <p:cond delay="0"/>
+                                          </p:stCondLst>
+                                        </p:cTn>
+                                        <p:tgtEl>
+                                          <p:spTgt spid="19"/>
+                                        </p:tgtEl>
+                                        <p:attrNameLst>
+                                          <p:attrName>style.visibility</p:attrName>
+                                        </p:attrNameLst>
+                                      </p:cBhvr>
+                                      <p:to>
+                                        <p:strVal val="visible"/>
+                                      </p:to>
+                                    </p:set>
+                                    <p:animEffect transition="in" filter="fade">
+                                      <p:cBhvr>
+                                        <p:cTn id="21" dur="1000"/>
+                                        <p:tgtEl>
+                                          <p:spTgt spid="19"/>
+                                        </p:tgtEl>
+                                      </p:cBhvr>
+                                    </p:animEffect>
+                                  </p:childTnLst>
+                                </p:cTn>
+                              </p:par>
+                              <p:par>
+                                <p:cTn id="22" presetID="10" presetClass="entr" presetSubtype="0" fill="hold" grpId="0" nodeType="withEffect">
+                                  <p:stCondLst>
+                                    <p:cond delay="0"/>
+                                  </p:stCondLst>
+                                  <p:childTnLst>
+                                    <p:set>
+                                      <p:cBhvr>
+                                        <p:cTn id="23" dur="1" fill="hold">
+                                          <p:stCondLst>
+                                            <p:cond delay="0"/>
+                                          </p:stCondLst>
+                                        </p:cTn>
+                                        <p:tgtEl>
+                                          <p:spTgt spid="37"/>
+                                        </p:tgtEl>
+                                        <p:attrNameLst>
+                                          <p:attrName>style.visibility</p:attrName>
+                                        </p:attrNameLst>
+                                      </p:cBhvr>
+                                      <p:to>
+                                        <p:strVal val="visible"/>
+                                      </p:to>
+                                    </p:set>
+                                    <p:animEffect transition="in" filter="fade">
+                                      <p:cBhvr>
+                                        <p:cTn id="24" dur="1000"/>
+                                        <p:tgtEl>
+                                          <p:spTgt spid="37"/>
+                                        </p:tgtEl>
+                                      </p:cBhvr>
+                                    </p:animEffect>
+                                  </p:childTnLst>
+                                </p:cTn>
+                              </p:par>
+                              <p:par>
+                                <p:cTn id="25" presetID="10" presetClass="entr" presetSubtype="0" fill="hold" grpId="0" nodeType="withEffect">
+                                  <p:stCondLst>
+                                    <p:cond delay="0"/>
+                                  </p:stCondLst>
+                                  <p:childTnLst>
+                                    <p:set>
+                                      <p:cBhvr>
+                                        <p:cTn id="26" dur="1" fill="hold">
+                                          <p:stCondLst>
+                                            <p:cond delay="0"/>
+                                          </p:stCondLst>
+                                        </p:cTn>
+                                        <p:tgtEl>
+                                          <p:spTgt spid="38"/>
+                                        </p:tgtEl>
+                                        <p:attrNameLst>
+                                          <p:attrName>style.visibility</p:attrName>
+                                        </p:attrNameLst>
+                                      </p:cBhvr>
+                                      <p:to>
+                                        <p:strVal val="visible"/>
+                                      </p:to>
+                                    </p:set>
+                                    <p:animEffect transition="in" filter="fade">
+                                      <p:cBhvr>
+                                        <p:cTn id="27" dur="1000"/>
+                                        <p:tgtEl>
+                                          <p:spTgt spid="38"/>
+                                        </p:tgtEl>
+                                      </p:cBhvr>
+                                    </p:animEffect>
+                                  </p:childTnLst>
+                                </p:cTn>
+                              </p:par>
+                              <p:par>
+                                <p:cTn id="28" presetID="10" presetClass="entr" presetSubtype="0" fill="hold" grpId="0" nodeType="withEffect">
+                                  <p:stCondLst>
+                                    <p:cond delay="0"/>
+                                  </p:stCondLst>
+                                  <p:childTnLst>
+                                    <p:set>
+                                      <p:cBhvr>
+                                        <p:cTn id="29" dur="1" fill="hold">
+                                          <p:stCondLst>
+                                            <p:cond delay="0"/>
+                                          </p:stCondLst>
+                                        </p:cTn>
+                                        <p:tgtEl>
+                                          <p:spTgt spid="39"/>
+                                        </p:tgtEl>
+                                        <p:attrNameLst>
+                                          <p:attrName>style.visibility</p:attrName>
+                                        </p:attrNameLst>
+                                      </p:cBhvr>
+                                      <p:to>
+                                        <p:strVal val="visible"/>
+                                      </p:to>
+                                    </p:set>
+                                    <p:animEffect transition="in" filter="fade">
+                                      <p:cBhvr>
+                                        <p:cTn id="30" dur="1000"/>
+                                        <p:tgtEl>
+                                          <p:spTgt spid="39"/>
+                                        </p:tgtEl>
+                                      </p:cBhvr>
+                                    </p:animEffect>
+                                  </p:childTnLst>
+                                </p:cTn>
+                              </p:par>
+                              <p:par>
+                                <p:cTn id="31" presetID="10" presetClass="entr" presetSubtype="0" fill="hold" grpId="0" nodeType="withEffect">
+                                  <p:stCondLst>
+                                    <p:cond delay="0"/>
+                                  </p:stCondLst>
+                                  <p:childTnLst>
+                                    <p:set>
+                                      <p:cBhvr>
+                                        <p:cTn id="32" dur="1" fill="hold">
+                                          <p:stCondLst>
+                                            <p:cond delay="0"/>
+                                          </p:stCondLst>
+                                        </p:cTn>
+                                        <p:tgtEl>
+                                          <p:spTgt spid="40"/>
+                                        </p:tgtEl>
+                                        <p:attrNameLst>
+                                          <p:attrName>style.visibility</p:attrName>
+                                        </p:attrNameLst>
+                                      </p:cBhvr>
+                                      <p:to>
+                                        <p:strVal val="visible"/>
+                                      </p:to>
+                                    </p:set>
+                                    <p:animEffect transition="in" filter="fade">
+                                      <p:cBhvr>
+                                        <p:cTn id="33" dur="1000"/>
+                                        <p:tgtEl>
+                                          <p:spTgt spid="40"/>
+                                        </p:tgtEl>
+                                      </p:cBhvr>
+                                    </p:animEffect>
+                                  </p:childTnLst>
+                                </p:cTn>
+                              </p:par>
+                              <p:par>
+                                <p:cTn id="34" presetID="10" presetClass="exit" presetSubtype="0" fill="hold" grpId="1" nodeType="withEffect">
+                                  <p:stCondLst>
+                                    <p:cond delay="0"/>
+                                  </p:stCondLst>
+                                  <p:childTnLst>
+                                    <p:animEffect transition="out" filter="fade">
+                                      <p:cBhvr>
+                                        <p:cTn id="35" dur="1000"/>
+                                        <p:tgtEl>
+                                          <p:spTgt spid="24"/>
+                                        </p:tgtEl>
+                                      </p:cBhvr>
+                                    </p:animEffect>
+                                    <p:set>
+                                      <p:cBhvr>
+                                        <p:cTn id="36" dur="1" fill="hold">
+                                          <p:stCondLst>
+                                            <p:cond delay="999"/>
+                                          </p:stCondLst>
+                                        </p:cTn>
+                                        <p:tgtEl>
+                                          <p:spTgt spid="24"/>
+                                        </p:tgtEl>
+                                        <p:attrNameLst>
+                                          <p:attrName>style.visibility</p:attrName>
+                                        </p:attrNameLst>
+                                      </p:cBhvr>
+                                      <p:to>
+                                        <p:strVal val="hidden"/>
+                                      </p:to>
+                                    </p:set>
+                                  </p:childTnLst>
+                                </p:cTn>
+                              </p:par>
+                              <p:par>
+                                <p:cTn id="37" presetID="10" presetClass="exit" presetSubtype="0" fill="hold" grpId="1" nodeType="withEffect">
+                                  <p:stCondLst>
+                                    <p:cond delay="0"/>
+                                  </p:stCondLst>
+                                  <p:childTnLst>
+                                    <p:animEffect transition="out" filter="fade">
+                                      <p:cBhvr>
+                                        <p:cTn id="38" dur="1000"/>
+                                        <p:tgtEl>
+                                          <p:spTgt spid="32"/>
+                                        </p:tgtEl>
+                                      </p:cBhvr>
+                                    </p:animEffect>
+                                    <p:set>
+                                      <p:cBhvr>
+                                        <p:cTn id="39" dur="1" fill="hold">
+                                          <p:stCondLst>
+                                            <p:cond delay="999"/>
+                                          </p:stCondLst>
+                                        </p:cTn>
+                                        <p:tgtEl>
+                                          <p:spTgt spid="32"/>
+                                        </p:tgtEl>
+                                        <p:attrNameLst>
+                                          <p:attrName>style.visibility</p:attrName>
+                                        </p:attrNameLst>
+                                      </p:cBhvr>
+                                      <p:to>
+                                        <p:strVal val="hidden"/>
+                                      </p:to>
+                                    </p:set>
+                                  </p:childTnLst>
+                                </p:cTn>
+                              </p:par>
+                            </p:childTnLst>
+                          </p:cTn>
+                        </p:par>
+                      </p:childTnLst>
+                    </p:cTn>
+                  </p:par>
+                  <p:par>
+                    <p:cTn id="40" fill="hold">
+                      <p:stCondLst>
+                        <p:cond delay="indefinite"/>
+                      </p:stCondLst>
+                      <p:childTnLst>
+                        <p:par>
+                          <p:cTn id="41" fill="hold">
+                            <p:stCondLst>
+                              <p:cond delay="0"/>
+                            </p:stCondLst>
+                            <p:childTnLst>
+                              <p:par>
+                                <p:cTn id="42" presetID="10" presetClass="entr" presetSubtype="0" fill="hold" grpId="0" nodeType="clickEffect">
+                                  <p:stCondLst>
+                                    <p:cond delay="0"/>
+                                  </p:stCondLst>
+                                  <p:childTnLst>
+                                    <p:set>
+                                      <p:cBhvr>
+                                        <p:cTn id="43" dur="1" fill="hold">
+                                          <p:stCondLst>
+                                            <p:cond delay="0"/>
+                                          </p:stCondLst>
+                                        </p:cTn>
+                                        <p:tgtEl>
+                                          <p:spTgt spid="20"/>
+                                        </p:tgtEl>
+                                        <p:attrNameLst>
+                                          <p:attrName>style.visibility</p:attrName>
+                                        </p:attrNameLst>
+                                      </p:cBhvr>
+                                      <p:to>
+                                        <p:strVal val="visible"/>
+                                      </p:to>
+                                    </p:set>
+                                    <p:animEffect transition="in" filter="fade">
+                                      <p:cBhvr>
+                                        <p:cTn id="44" dur="1000"/>
+                                        <p:tgtEl>
+                                          <p:spTgt spid="20"/>
+                                        </p:tgtEl>
+                                      </p:cBhvr>
+                                    </p:animEffect>
+                                  </p:childTnLst>
+                                </p:cTn>
+                              </p:par>
+                              <p:par>
+                                <p:cTn id="45" presetID="10" presetClass="entr" presetSubtype="0" fill="hold" grpId="0" nodeType="withEffect">
+                                  <p:stCondLst>
+                                    <p:cond delay="0"/>
+                                  </p:stCondLst>
+                                  <p:childTnLst>
+                                    <p:set>
+                                      <p:cBhvr>
+                                        <p:cTn id="46" dur="1" fill="hold">
+                                          <p:stCondLst>
+                                            <p:cond delay="0"/>
+                                          </p:stCondLst>
+                                        </p:cTn>
+                                        <p:tgtEl>
+                                          <p:spTgt spid="34"/>
+                                        </p:tgtEl>
+                                        <p:attrNameLst>
+                                          <p:attrName>style.visibility</p:attrName>
+                                        </p:attrNameLst>
+                                      </p:cBhvr>
+                                      <p:to>
+                                        <p:strVal val="visible"/>
+                                      </p:to>
+                                    </p:set>
+                                    <p:animEffect transition="in" filter="fade">
+                                      <p:cBhvr>
+                                        <p:cTn id="47" dur="1000"/>
+                                        <p:tgtEl>
+                                          <p:spTgt spid="34"/>
+                                        </p:tgtEl>
+                                      </p:cBhvr>
+                                    </p:animEffect>
+                                  </p:childTnLst>
+                                </p:cTn>
+                              </p:par>
+                              <p:par>
+                                <p:cTn id="48" presetID="10" presetClass="exit" presetSubtype="0" fill="hold" grpId="1" nodeType="withEffect">
+                                  <p:stCondLst>
+                                    <p:cond delay="0"/>
+                                  </p:stCondLst>
+                                  <p:childTnLst>
+                                    <p:animEffect transition="out" filter="fade">
+                                      <p:cBhvr>
+                                        <p:cTn id="49" dur="1000"/>
+                                        <p:tgtEl>
+                                          <p:spTgt spid="19"/>
+                                        </p:tgtEl>
+                                      </p:cBhvr>
+                                    </p:animEffect>
+                                    <p:set>
+                                      <p:cBhvr>
+                                        <p:cTn id="50" dur="1" fill="hold">
+                                          <p:stCondLst>
+                                            <p:cond delay="999"/>
+                                          </p:stCondLst>
+                                        </p:cTn>
+                                        <p:tgtEl>
+                                          <p:spTgt spid="19"/>
+                                        </p:tgtEl>
+                                        <p:attrNameLst>
+                                          <p:attrName>style.visibility</p:attrName>
+                                        </p:attrNameLst>
+                                      </p:cBhvr>
+                                      <p:to>
+                                        <p:strVal val="hidden"/>
+                                      </p:to>
+                                    </p:set>
+                                  </p:childTnLst>
+                                </p:cTn>
+                              </p:par>
+                              <p:par>
+                                <p:cTn id="51" presetID="10" presetClass="exit" presetSubtype="0" fill="hold" grpId="1" nodeType="withEffect">
+                                  <p:stCondLst>
+                                    <p:cond delay="0"/>
+                                  </p:stCondLst>
+                                  <p:childTnLst>
+                                    <p:animEffect transition="out" filter="fade">
+                                      <p:cBhvr>
+                                        <p:cTn id="52" dur="1000"/>
+                                        <p:tgtEl>
+                                          <p:spTgt spid="37"/>
+                                        </p:tgtEl>
+                                      </p:cBhvr>
+                                    </p:animEffect>
+                                    <p:set>
+                                      <p:cBhvr>
+                                        <p:cTn id="53" dur="1" fill="hold">
+                                          <p:stCondLst>
+                                            <p:cond delay="999"/>
+                                          </p:stCondLst>
+                                        </p:cTn>
+                                        <p:tgtEl>
+                                          <p:spTgt spid="37"/>
+                                        </p:tgtEl>
+                                        <p:attrNameLst>
+                                          <p:attrName>style.visibility</p:attrName>
+                                        </p:attrNameLst>
+                                      </p:cBhvr>
+                                      <p:to>
+                                        <p:strVal val="hidden"/>
+                                      </p:to>
+                                    </p:set>
+                                  </p:childTnLst>
+                                </p:cTn>
+                              </p:par>
+                              <p:par>
+                                <p:cTn id="54" presetID="10" presetClass="exit" presetSubtype="0" fill="hold" grpId="1" nodeType="withEffect">
+                                  <p:stCondLst>
+                                    <p:cond delay="0"/>
+                                  </p:stCondLst>
+                                  <p:childTnLst>
+                                    <p:animEffect transition="out" filter="fade">
+                                      <p:cBhvr>
+                                        <p:cTn id="55" dur="1000"/>
+                                        <p:tgtEl>
+                                          <p:spTgt spid="38"/>
+                                        </p:tgtEl>
+                                      </p:cBhvr>
+                                    </p:animEffect>
+                                    <p:set>
+                                      <p:cBhvr>
+                                        <p:cTn id="56" dur="1" fill="hold">
+                                          <p:stCondLst>
+                                            <p:cond delay="999"/>
+                                          </p:stCondLst>
+                                        </p:cTn>
+                                        <p:tgtEl>
+                                          <p:spTgt spid="38"/>
+                                        </p:tgtEl>
+                                        <p:attrNameLst>
+                                          <p:attrName>style.visibility</p:attrName>
+                                        </p:attrNameLst>
+                                      </p:cBhvr>
+                                      <p:to>
+                                        <p:strVal val="hidden"/>
+                                      </p:to>
+                                    </p:set>
+                                  </p:childTnLst>
+                                </p:cTn>
+                              </p:par>
+                              <p:par>
+                                <p:cTn id="57" presetID="10" presetClass="exit" presetSubtype="0" fill="hold" grpId="1" nodeType="withEffect">
+                                  <p:stCondLst>
+                                    <p:cond delay="0"/>
+                                  </p:stCondLst>
+                                  <p:childTnLst>
+                                    <p:animEffect transition="out" filter="fade">
+                                      <p:cBhvr>
+                                        <p:cTn id="58" dur="1000"/>
+                                        <p:tgtEl>
+                                          <p:spTgt spid="39"/>
+                                        </p:tgtEl>
+                                      </p:cBhvr>
+                                    </p:animEffect>
+                                    <p:set>
+                                      <p:cBhvr>
+                                        <p:cTn id="59" dur="1" fill="hold">
+                                          <p:stCondLst>
+                                            <p:cond delay="999"/>
+                                          </p:stCondLst>
+                                        </p:cTn>
+                                        <p:tgtEl>
+                                          <p:spTgt spid="39"/>
+                                        </p:tgtEl>
+                                        <p:attrNameLst>
+                                          <p:attrName>style.visibility</p:attrName>
+                                        </p:attrNameLst>
+                                      </p:cBhvr>
+                                      <p:to>
+                                        <p:strVal val="hidden"/>
+                                      </p:to>
+                                    </p:set>
+                                  </p:childTnLst>
+                                </p:cTn>
+                              </p:par>
+                              <p:par>
+                                <p:cTn id="60" presetID="10" presetClass="exit" presetSubtype="0" fill="hold" grpId="1" nodeType="withEffect">
+                                  <p:stCondLst>
+                                    <p:cond delay="0"/>
+                                  </p:stCondLst>
+                                  <p:childTnLst>
+                                    <p:animEffect transition="out" filter="fade">
+                                      <p:cBhvr>
+                                        <p:cTn id="61" dur="1000"/>
+                                        <p:tgtEl>
+                                          <p:spTgt spid="40"/>
+                                        </p:tgtEl>
+                                      </p:cBhvr>
+                                    </p:animEffect>
+                                    <p:set>
+                                      <p:cBhvr>
+                                        <p:cTn id="62" dur="1" fill="hold">
+                                          <p:stCondLst>
+                                            <p:cond delay="999"/>
+                                          </p:stCondLst>
+                                        </p:cTn>
+                                        <p:tgtEl>
+                                          <p:spTgt spid="40"/>
+                                        </p:tgtEl>
+                                        <p:attrNameLst>
+                                          <p:attrName>style.visibility</p:attrName>
+                                        </p:attrNameLst>
+                                      </p:cBhvr>
+                                      <p:to>
+                                        <p:strVal val="hidden"/>
+                                      </p:to>
+                                    </p:set>
+                                  </p:childTnLst>
+                                </p:cTn>
+                              </p:par>
+                            </p:childTnLst>
+                          </p:cTn>
+                        </p:par>
+                      </p:childTnLst>
+                    </p:cTn>
+                  </p:par>
+                  <p:par>
+                    <p:cTn id="63" fill="hold">
+                      <p:stCondLst>
+                        <p:cond delay="indefinite"/>
+                      </p:stCondLst>
+                      <p:childTnLst>
+                        <p:par>
+                          <p:cTn id="64" fill="hold">
+                            <p:stCondLst>
+                              <p:cond delay="0"/>
+                            </p:stCondLst>
+                            <p:childTnLst>
+                              <p:par>
+                                <p:cTn id="65" presetID="10" presetClass="entr" presetSubtype="0" fill="hold" grpId="0" nodeType="clickEffect">
+                                  <p:stCondLst>
+                                    <p:cond delay="0"/>
+                                  </p:stCondLst>
+                                  <p:childTnLst>
+                                    <p:set>
+                                      <p:cBhvr>
+                                        <p:cTn id="66" dur="1" fill="hold">
+                                          <p:stCondLst>
+                                            <p:cond delay="0"/>
+                                          </p:stCondLst>
+                                        </p:cTn>
+                                        <p:tgtEl>
+                                          <p:spTgt spid="21"/>
+                                        </p:tgtEl>
+                                        <p:attrNameLst>
+                                          <p:attrName>style.visibility</p:attrName>
+                                        </p:attrNameLst>
+                                      </p:cBhvr>
+                                      <p:to>
+                                        <p:strVal val="visible"/>
+                                      </p:to>
+                                    </p:set>
+                                    <p:animEffect transition="in" filter="fade">
+                                      <p:cBhvr>
+                                        <p:cTn id="67" dur="1000"/>
+                                        <p:tgtEl>
+                                          <p:spTgt spid="21"/>
+                                        </p:tgtEl>
+                                      </p:cBhvr>
+                                    </p:animEffect>
+                                  </p:childTnLst>
+                                </p:cTn>
+                              </p:par>
+                              <p:par>
+                                <p:cTn id="68" presetID="10" presetClass="entr" presetSubtype="0" fill="hold" grpId="0" nodeType="withEffect">
+                                  <p:stCondLst>
+                                    <p:cond delay="0"/>
+                                  </p:stCondLst>
+                                  <p:childTnLst>
+                                    <p:set>
+                                      <p:cBhvr>
+                                        <p:cTn id="69" dur="1" fill="hold">
+                                          <p:stCondLst>
+                                            <p:cond delay="0"/>
+                                          </p:stCondLst>
+                                        </p:cTn>
+                                        <p:tgtEl>
+                                          <p:spTgt spid="36"/>
+                                        </p:tgtEl>
+                                        <p:attrNameLst>
+                                          <p:attrName>style.visibility</p:attrName>
+                                        </p:attrNameLst>
+                                      </p:cBhvr>
+                                      <p:to>
+                                        <p:strVal val="visible"/>
+                                      </p:to>
+                                    </p:set>
+                                    <p:animEffect transition="in" filter="fade">
+                                      <p:cBhvr>
+                                        <p:cTn id="70" dur="1000"/>
+                                        <p:tgtEl>
+                                          <p:spTgt spid="36"/>
+                                        </p:tgtEl>
+                                      </p:cBhvr>
+                                    </p:animEffect>
+                                  </p:childTnLst>
+                                </p:cTn>
+                              </p:par>
+                              <p:par>
+                                <p:cTn id="71" presetID="10" presetClass="exit" presetSubtype="0" fill="hold" grpId="1" nodeType="withEffect">
+                                  <p:stCondLst>
+                                    <p:cond delay="0"/>
+                                  </p:stCondLst>
+                                  <p:childTnLst>
+                                    <p:animEffect transition="out" filter="fade">
+                                      <p:cBhvr>
+                                        <p:cTn id="72" dur="1000"/>
+                                        <p:tgtEl>
+                                          <p:spTgt spid="20"/>
+                                        </p:tgtEl>
+                                      </p:cBhvr>
+                                    </p:animEffect>
+                                    <p:set>
+                                      <p:cBhvr>
+                                        <p:cTn id="73" dur="1" fill="hold">
+                                          <p:stCondLst>
+                                            <p:cond delay="999"/>
+                                          </p:stCondLst>
+                                        </p:cTn>
+                                        <p:tgtEl>
+                                          <p:spTgt spid="20"/>
+                                        </p:tgtEl>
+                                        <p:attrNameLst>
+                                          <p:attrName>style.visibility</p:attrName>
+                                        </p:attrNameLst>
+                                      </p:cBhvr>
+                                      <p:to>
+                                        <p:strVal val="hidden"/>
+                                      </p:to>
+                                    </p:set>
+                                  </p:childTnLst>
+                                </p:cTn>
+                              </p:par>
+                              <p:par>
+                                <p:cTn id="74" presetID="10" presetClass="exit" presetSubtype="0" fill="hold" grpId="1" nodeType="withEffect">
+                                  <p:stCondLst>
+                                    <p:cond delay="0"/>
+                                  </p:stCondLst>
+                                  <p:childTnLst>
+                                    <p:animEffect transition="out" filter="fade">
+                                      <p:cBhvr>
+                                        <p:cTn id="75" dur="1000"/>
+                                        <p:tgtEl>
+                                          <p:spTgt spid="34"/>
+                                        </p:tgtEl>
+                                      </p:cBhvr>
+                                    </p:animEffect>
+                                    <p:set>
+                                      <p:cBhvr>
+                                        <p:cTn id="76" dur="1" fill="hold">
+                                          <p:stCondLst>
+                                            <p:cond delay="999"/>
+                                          </p:stCondLst>
+                                        </p:cTn>
+                                        <p:tgtEl>
+                                          <p:spTgt spid="34"/>
+                                        </p:tgtEl>
+                                        <p:attrNameLst>
+                                          <p:attrName>style.visibility</p:attrName>
+                                        </p:attrNameLst>
+                                      </p:cBhvr>
+                                      <p:to>
+                                        <p:strVal val="hidden"/>
+                                      </p:to>
+                                    </p:set>
+                                  </p:childTnLst>
+                                </p:cTn>
+                              </p:par>
+                            </p:childTnLst>
+                          </p:cTn>
+                        </p:par>
+                      </p:childTnLst>
+                    </p:cTn>
+                  </p:par>
+                </p:childTnLst>
+              </p:cTn>
+              <p:prevCondLst>
+                <p:cond evt="onPrev" delay="0">
+                  <p:tgtEl>
+                    <p:sldTgt/>
+                  </p:tgtEl>
+                </p:cond>
+              </p:prevCondLst>
+              <p:nextCondLst>
+                <p:cond evt="onNext" delay="0">
+                  <p:tgtEl>
+                    <p:sldTgt/>
+                  </p:tgtEl>
+                </p:cond>
+              </p:nextCondLst>
+            </p:seq>
+          </p:childTnLst>
+        </p:cTn>
+      </p:par>
+    </p:tnLst>
+    <p:bldLst>
+      <p:bldP spid="13" grpId="0"/>
+      <p:bldP spid="19" grpId="0" animBg="1"/>
+      <p:bldP spid="19" grpId="1" animBg="1"/>
+      <p:bldP spid="20" grpId="0" animBg="1"/>
+      <p:bldP spid="20" grpId="1" animBg="1"/>
+      <p:bldP spid="21" grpId="0" animBg="1"/>
+      <p:bldP spid="24" grpId="0" animBg="1"/>
+      <p:bldP spid="24" grpId="1" animBg="1"/>
+      <p:bldP spid="32" grpId="0" animBg="1"/>
+      <p:bldP spid="32" grpId="1" animBg="1"/>
+      <p:bldP spid="33" grpId="0" animBg="1"/>
+      <p:bldP spid="34" grpId="0" animBg="1"/>
+      <p:bldP spid="34" grpId="1" animBg="1"/>
+      <p:bldP spid="36" grpId="0" animBg="1"/>
+      <p:bldP spid="37" grpId="0" animBg="1"/>
+      <p:bldP spid="37" grpId="1" animBg="1"/>
+      <p:bldP spid="38" grpId="0" animBg="1"/>
+      <p:bldP spid="38" grpId="1" animBg="1"/>
+      <p:bldP spid="39" grpId="0" animBg="1"/>
+      <p:bldP spid="39" grpId="1" animBg="1"/>
+      <p:bldP spid="40" grpId="0" animBg="1"/>
+      <p:bldP spid="40" grpId="1" animBg="1"/>
+    </p:bldLst>
+  </p:timing>
 </p:sld>
 </file>
 
@@ -4439,50 +8348,71 @@
           <a:lstStyle/>
           <a:p>
             <a:r>
+              <a:rPr lang="en-US" dirty="0" err="1" smtClean="0"/>
+              <a:t>Object.prototype.isPrototypeOf</a:t>
+            </a:r>
+            <a:endParaRPr lang="en-US" dirty="0"/>
+          </a:p>
+        </p:txBody>
+      </p:sp>
+      <p:sp>
+        <p:nvSpPr>
+          <p:cNvPr id="3" name="Content Placeholder 2"/>
+          <p:cNvSpPr>
+            <a:spLocks noGrp="1"/>
+          </p:cNvSpPr>
+          <p:nvPr>
+            <p:ph idx="1"/>
+          </p:nvPr>
+        </p:nvSpPr>
+        <p:spPr/>
+        <p:txBody>
+          <a:bodyPr/>
+          <a:lstStyle/>
+          <a:p>
+            <a:r>
               <a:rPr lang="en-US" dirty="0"/>
-              <a:t>JavaScript Arrays</a:t>
-            </a:r>
-          </a:p>
-        </p:txBody>
-      </p:sp>
-      <p:sp>
-        <p:nvSpPr>
-          <p:cNvPr id="3" name="Content Placeholder 2"/>
-          <p:cNvSpPr>
-            <a:spLocks noGrp="1"/>
-          </p:cNvSpPr>
-          <p:nvPr>
-            <p:ph idx="1"/>
-          </p:nvPr>
-        </p:nvSpPr>
-        <p:spPr/>
-        <p:txBody>
-          <a:bodyPr/>
-          <a:lstStyle/>
-          <a:p>
+              <a:t>Example (</a:t>
+            </a:r>
+            <a:r>
+              <a:rPr lang="en-US" dirty="0" err="1"/>
+              <a:t>isPrototypeOf</a:t>
+            </a:r>
             <a:r>
               <a:rPr lang="en-US" dirty="0"/>
-              <a:t>Explain array properties</a:t>
-            </a:r>
-          </a:p>
-          <a:p>
-            <a:r>
-              <a:rPr lang="en-US" dirty="0"/>
-              <a:t>Example </a:t>
-            </a:r>
+              <a:t>): standard, PBS, </a:t>
+            </a:r>
+            <a:r>
+              <a:rPr lang="en-US" dirty="0" smtClean="0"/>
+              <a:t>JSIL</a:t>
+            </a:r>
+          </a:p>
+          <a:p>
+            <a:r>
+              <a:rPr lang="en-US" dirty="0" smtClean="0"/>
+              <a:t>Use examples</a:t>
+            </a:r>
+            <a:endParaRPr lang="en-US" dirty="0"/>
           </a:p>
         </p:txBody>
       </p:sp>
     </p:spTree>
     <p:extLst>
       <p:ext uri="{BB962C8B-B14F-4D97-AF65-F5344CB8AC3E}">
-        <p14:creationId xmlns:p14="http://schemas.microsoft.com/office/powerpoint/2010/main" val="2083764080"/>
+        <p14:creationId xmlns:p14="http://schemas.microsoft.com/office/powerpoint/2010/main" val="1921277994"/>
       </p:ext>
     </p:extLst>
   </p:cSld>
   <p:clrMapOvr>
     <a:masterClrMapping/>
   </p:clrMapOvr>
+  <p:timing>
+    <p:tnLst>
+      <p:par>
+        <p:cTn id="1" dur="indefinite" restart="never" nodeType="tmRoot"/>
+      </p:par>
+    </p:tnLst>
+  </p:timing>
 </p:sld>
 </file>
 
@@ -4519,9 +8449,18 @@
           <a:lstStyle/>
           <a:p>
             <a:r>
-              <a:rPr lang="en-US" dirty="0"/>
-              <a:t>Array Library</a:t>
-            </a:r>
+              <a:rPr lang="en-US" b="1" u="sng" dirty="0" smtClean="0">
+                <a:solidFill>
+                  <a:schemeClr val="accent2"/>
+                </a:solidFill>
+              </a:rPr>
+              <a:t>Coverage</a:t>
+            </a:r>
+            <a:endParaRPr lang="en-US" b="1" u="sng" dirty="0">
+              <a:solidFill>
+                <a:schemeClr val="accent2"/>
+              </a:solidFill>
+            </a:endParaRPr>
           </a:p>
         </p:txBody>
       </p:sp>
@@ -4541,38 +8480,50 @@
           <a:lstStyle/>
           <a:p>
             <a:r>
-              <a:rPr lang="en-US" dirty="0"/>
-              <a:t>Unit tests before pushing to repo</a:t>
-            </a:r>
-          </a:p>
-          <a:p>
-            <a:endParaRPr lang="en-US" dirty="0"/>
-          </a:p>
-          <a:p>
-            <a:r>
-              <a:rPr lang="en-US" dirty="0"/>
-              <a:t>Example (filter): standard, PBS, JSIL</a:t>
-            </a:r>
+              <a:rPr lang="en-US" dirty="0" smtClean="0"/>
+              <a:t>What has been done</a:t>
+            </a:r>
+          </a:p>
+          <a:p>
+            <a:r>
+              <a:rPr lang="en-US" dirty="0" smtClean="0"/>
+              <a:t>How? Standard, bit of </a:t>
+            </a:r>
+            <a:r>
+              <a:rPr lang="en-US" dirty="0" err="1" smtClean="0"/>
+              <a:t>opsem</a:t>
+            </a:r>
+            <a:endParaRPr lang="en-US" dirty="0" smtClean="0"/>
+          </a:p>
+          <a:p>
+            <a:endParaRPr lang="en-US" dirty="0" smtClean="0"/>
           </a:p>
         </p:txBody>
       </p:sp>
     </p:spTree>
     <p:extLst>
       <p:ext uri="{BB962C8B-B14F-4D97-AF65-F5344CB8AC3E}">
-        <p14:creationId xmlns:p14="http://schemas.microsoft.com/office/powerpoint/2010/main" val="2898863830"/>
+        <p14:creationId xmlns:p14="http://schemas.microsoft.com/office/powerpoint/2010/main" val="3937553355"/>
       </p:ext>
     </p:extLst>
   </p:cSld>
   <p:clrMapOvr>
     <a:masterClrMapping/>
   </p:clrMapOvr>
+  <p:timing>
+    <p:tnLst>
+      <p:par>
+        <p:cTn id="1" dur="indefinite" restart="never" nodeType="tmRoot"/>
+      </p:par>
+    </p:tnLst>
+  </p:timing>
 </p:sld>
 </file>
 
 <file path=ppt/theme/theme1.xml><?xml version="1.0" encoding="utf-8"?>
-<a:theme xmlns:a="http://schemas.openxmlformats.org/drawingml/2006/main" name="Metropolitan">
+<a:theme xmlns:a="http://schemas.openxmlformats.org/drawingml/2006/main" name="Theme">
   <a:themeElements>
-    <a:clrScheme name="Metropolitan">
+    <a:clrScheme name="Retrospect">
       <a:dk1>
         <a:sysClr val="windowText" lastClr="000000"/>
       </a:dk1>
@@ -4580,37 +8531,37 @@
         <a:sysClr val="window" lastClr="FFFFFF"/>
       </a:lt1>
       <a:dk2>
-        <a:srgbClr val="162F33"/>
+        <a:srgbClr val="344068"/>
       </a:dk2>
       <a:lt2>
-        <a:srgbClr val="EAF0E0"/>
+        <a:srgbClr val="D9E0E6"/>
       </a:lt2>
       <a:accent1>
-        <a:srgbClr val="50B4C8"/>
+        <a:srgbClr val="1CADE4"/>
       </a:accent1>
       <a:accent2>
-        <a:srgbClr val="A8B97F"/>
+        <a:srgbClr val="2683C6"/>
       </a:accent2>
       <a:accent3>
-        <a:srgbClr val="9B9256"/>
+        <a:srgbClr val="28C4CC"/>
       </a:accent3>
       <a:accent4>
-        <a:srgbClr val="657689"/>
+        <a:srgbClr val="42BA97"/>
       </a:accent4>
       <a:accent5>
-        <a:srgbClr val="7A855D"/>
+        <a:srgbClr val="3E8853"/>
       </a:accent5>
       <a:accent6>
-        <a:srgbClr val="84AC9D"/>
+        <a:srgbClr val="62A39F"/>
       </a:accent6>
       <a:hlink>
-        <a:srgbClr val="2370CD"/>
+        <a:srgbClr val="6EAC1C"/>
       </a:hlink>
       <a:folHlink>
-        <a:srgbClr val="877589"/>
+        <a:srgbClr val="B26B02"/>
       </a:folHlink>
     </a:clrScheme>
-    <a:fontScheme name="Metropolitan">
+    <a:fontScheme name="Retrospect">
       <a:majorFont>
         <a:latin typeface="Calibri Light" panose="020F0302020204030204"/>
         <a:ea typeface=""/>
@@ -4647,12 +8598,260 @@
         <a:font script="Geor" typeface="Sylfaen"/>
       </a:majorFont>
       <a:minorFont>
-        <a:latin typeface="Calibri Light" panose="020F0302020204030204"/>
+        <a:latin typeface="Calibri" panose="020F0502020204030204"/>
         <a:ea typeface=""/>
         <a:cs typeface=""/>
         <a:font script="Jpan" typeface="ＭＳ Ｐゴシック"/>
         <a:font script="Hang" typeface="맑은 고딕"/>
         <a:font script="Hans" typeface="宋体"/>
+        <a:font script="Hant" typeface="新細明體"/>
+        <a:font script="Arab" typeface="Arial"/>
+        <a:font script="Hebr" typeface="Arial"/>
+        <a:font script="Thai" typeface="Cordia New"/>
+        <a:font script="Ethi" typeface="Nyala"/>
+        <a:font script="Beng" typeface="Vrinda"/>
+        <a:font script="Gujr" typeface="Shruti"/>
+        <a:font script="Khmr" typeface="DaunPenh"/>
+        <a:font script="Knda" typeface="Tunga"/>
+        <a:font script="Guru" typeface="Raavi"/>
+        <a:font script="Cans" typeface="Euphemia"/>
+        <a:font script="Cher" typeface="Plantagenet Cherokee"/>
+        <a:font script="Yiii" typeface="Microsoft Yi Baiti"/>
+        <a:font script="Tibt" typeface="Microsoft Himalaya"/>
+        <a:font script="Thaa" typeface="MV Boli"/>
+        <a:font script="Deva" typeface="Mangal"/>
+        <a:font script="Telu" typeface="Gautami"/>
+        <a:font script="Taml" typeface="Latha"/>
+        <a:font script="Syrc" typeface="Estrangelo Edessa"/>
+        <a:font script="Orya" typeface="Kalinga"/>
+        <a:font script="Mlym" typeface="Kartika"/>
+        <a:font script="Laoo" typeface="DokChampa"/>
+        <a:font script="Sinh" typeface="Iskoola Pota"/>
+        <a:font script="Mong" typeface="Mongolian Baiti"/>
+        <a:font script="Viet" typeface="Arial"/>
+        <a:font script="Uigh" typeface="Microsoft Uighur"/>
+        <a:font script="Geor" typeface="Sylfaen"/>
+      </a:minorFont>
+    </a:fontScheme>
+    <a:fmtScheme name="Retrospect">
+      <a:fillStyleLst>
+        <a:solidFill>
+          <a:schemeClr val="phClr"/>
+        </a:solidFill>
+        <a:gradFill rotWithShape="1">
+          <a:gsLst>
+            <a:gs pos="0">
+              <a:schemeClr val="phClr">
+                <a:tint val="65000"/>
+                <a:shade val="92000"/>
+                <a:satMod val="130000"/>
+              </a:schemeClr>
+            </a:gs>
+            <a:gs pos="45000">
+              <a:schemeClr val="phClr">
+                <a:tint val="60000"/>
+                <a:shade val="99000"/>
+                <a:satMod val="120000"/>
+              </a:schemeClr>
+            </a:gs>
+            <a:gs pos="100000">
+              <a:schemeClr val="phClr">
+                <a:tint val="55000"/>
+                <a:satMod val="140000"/>
+              </a:schemeClr>
+            </a:gs>
+          </a:gsLst>
+          <a:path path="circle">
+            <a:fillToRect l="100000" t="100000" r="100000" b="100000"/>
+          </a:path>
+        </a:gradFill>
+        <a:gradFill rotWithShape="1">
+          <a:gsLst>
+            <a:gs pos="0">
+              <a:schemeClr val="phClr">
+                <a:shade val="85000"/>
+                <a:satMod val="130000"/>
+              </a:schemeClr>
+            </a:gs>
+            <a:gs pos="34000">
+              <a:schemeClr val="phClr">
+                <a:shade val="87000"/>
+                <a:satMod val="125000"/>
+              </a:schemeClr>
+            </a:gs>
+            <a:gs pos="70000">
+              <a:schemeClr val="phClr">
+                <a:tint val="100000"/>
+                <a:shade val="90000"/>
+                <a:satMod val="130000"/>
+              </a:schemeClr>
+            </a:gs>
+            <a:gs pos="100000">
+              <a:schemeClr val="phClr">
+                <a:tint val="100000"/>
+                <a:shade val="100000"/>
+                <a:satMod val="110000"/>
+              </a:schemeClr>
+            </a:gs>
+          </a:gsLst>
+          <a:path path="circle">
+            <a:fillToRect l="100000" t="100000" r="100000" b="100000"/>
+          </a:path>
+        </a:gradFill>
+      </a:fillStyleLst>
+      <a:lnStyleLst>
+        <a:ln w="12700" cap="flat" cmpd="sng" algn="ctr">
+          <a:solidFill>
+            <a:schemeClr val="phClr"/>
+          </a:solidFill>
+          <a:prstDash val="solid"/>
+        </a:ln>
+        <a:ln w="15875" cap="flat" cmpd="sng" algn="ctr">
+          <a:solidFill>
+            <a:schemeClr val="phClr"/>
+          </a:solidFill>
+          <a:prstDash val="solid"/>
+        </a:ln>
+        <a:ln w="25400" cap="flat" cmpd="sng" algn="ctr">
+          <a:solidFill>
+            <a:schemeClr val="phClr"/>
+          </a:solidFill>
+          <a:prstDash val="solid"/>
+        </a:ln>
+      </a:lnStyleLst>
+      <a:effectStyleLst>
+        <a:effectStyle>
+          <a:effectLst/>
+        </a:effectStyle>
+        <a:effectStyle>
+          <a:effectLst>
+            <a:outerShdw blurRad="38100" dist="25400" dir="2700000" algn="br" rotWithShape="0">
+              <a:srgbClr val="000000">
+                <a:alpha val="60000"/>
+              </a:srgbClr>
+            </a:outerShdw>
+          </a:effectLst>
+        </a:effectStyle>
+        <a:effectStyle>
+          <a:effectLst>
+            <a:outerShdw blurRad="44450" dist="25400" dir="2700000" algn="br" rotWithShape="0">
+              <a:srgbClr val="000000">
+                <a:alpha val="60000"/>
+              </a:srgbClr>
+            </a:outerShdw>
+          </a:effectLst>
+          <a:scene3d>
+            <a:camera prst="orthographicFront">
+              <a:rot lat="0" lon="0" rev="0"/>
+            </a:camera>
+            <a:lightRig rig="threePt" dir="t">
+              <a:rot lat="0" lon="0" rev="19800000"/>
+            </a:lightRig>
+          </a:scene3d>
+          <a:sp3d prstMaterial="flat">
+            <a:bevelT w="25400" h="31750"/>
+          </a:sp3d>
+        </a:effectStyle>
+      </a:effectStyleLst>
+      <a:bgFillStyleLst>
+        <a:solidFill>
+          <a:schemeClr val="phClr"/>
+        </a:solidFill>
+        <a:solidFill>
+          <a:schemeClr val="phClr">
+            <a:tint val="90000"/>
+            <a:shade val="97000"/>
+            <a:satMod val="130000"/>
+          </a:schemeClr>
+        </a:solidFill>
+        <a:gradFill rotWithShape="1">
+          <a:gsLst>
+            <a:gs pos="0">
+              <a:schemeClr val="phClr">
+                <a:tint val="96000"/>
+                <a:shade val="99000"/>
+                <a:satMod val="140000"/>
+              </a:schemeClr>
+            </a:gs>
+            <a:gs pos="65000">
+              <a:schemeClr val="phClr">
+                <a:tint val="100000"/>
+                <a:shade val="80000"/>
+                <a:satMod val="130000"/>
+              </a:schemeClr>
+            </a:gs>
+            <a:gs pos="100000">
+              <a:schemeClr val="phClr">
+                <a:tint val="100000"/>
+                <a:shade val="48000"/>
+                <a:satMod val="120000"/>
+              </a:schemeClr>
+            </a:gs>
+          </a:gsLst>
+          <a:lin ang="16200000" scaled="0"/>
+        </a:gradFill>
+      </a:bgFillStyleLst>
+    </a:fmtScheme>
+  </a:themeElements>
+  <a:objectDefaults/>
+  <a:extraClrSchemeLst/>
+  <a:extLst>
+    <a:ext uri="{05A4C25C-085E-4340-85A3-A5531E510DB2}">
+      <thm15:themeFamily xmlns:thm15="http://schemas.microsoft.com/office/thememl/2012/main" name="Theme" id="{946D29B0-D195-5540-9EE3-9A41466C7762}" vid="{9A6F5C9E-20DF-EC45-A67C-A7DC115CB1F1}"/>
+    </a:ext>
+  </a:extLst>
+</a:theme>
+</file>
+
+<file path=ppt/theme/theme2.xml><?xml version="1.0" encoding="utf-8"?>
+<a:theme xmlns:a="http://schemas.openxmlformats.org/drawingml/2006/main" name="Office Theme">
+  <a:themeElements>
+    <a:clrScheme name="Office">
+      <a:dk1>
+        <a:sysClr val="windowText" lastClr="000000"/>
+      </a:dk1>
+      <a:lt1>
+        <a:sysClr val="window" lastClr="FFFFFF"/>
+      </a:lt1>
+      <a:dk2>
+        <a:srgbClr val="44546A"/>
+      </a:dk2>
+      <a:lt2>
+        <a:srgbClr val="E7E6E6"/>
+      </a:lt2>
+      <a:accent1>
+        <a:srgbClr val="5B9BD5"/>
+      </a:accent1>
+      <a:accent2>
+        <a:srgbClr val="ED7D31"/>
+      </a:accent2>
+      <a:accent3>
+        <a:srgbClr val="A5A5A5"/>
+      </a:accent3>
+      <a:accent4>
+        <a:srgbClr val="FFC000"/>
+      </a:accent4>
+      <a:accent5>
+        <a:srgbClr val="4472C4"/>
+      </a:accent5>
+      <a:accent6>
+        <a:srgbClr val="70AD47"/>
+      </a:accent6>
+      <a:hlink>
+        <a:srgbClr val="0563C1"/>
+      </a:hlink>
+      <a:folHlink>
+        <a:srgbClr val="954F72"/>
+      </a:folHlink>
+    </a:clrScheme>
+    <a:fontScheme name="Office">
+      <a:majorFont>
+        <a:latin typeface="Calibri Light" panose="020F0302020204030204"/>
+        <a:ea typeface=""/>
+        <a:cs typeface=""/>
+        <a:font script="Jpan" typeface="Yu Gothic Light"/>
+        <a:font script="Hang" typeface="맑은 고딕"/>
+        <a:font script="Hans" typeface="DengXian Light"/>
         <a:font script="Hant" typeface="新細明體"/>
         <a:font script="Arab" typeface="Times New Roman"/>
         <a:font script="Hebr" typeface="Times New Roman"/>
@@ -4680,9 +8879,44 @@
         <a:font script="Viet" typeface="Times New Roman"/>
         <a:font script="Uigh" typeface="Microsoft Uighur"/>
         <a:font script="Geor" typeface="Sylfaen"/>
+      </a:majorFont>
+      <a:minorFont>
+        <a:latin typeface="Calibri" panose="020F0502020204030204"/>
+        <a:ea typeface=""/>
+        <a:cs typeface=""/>
+        <a:font script="Jpan" typeface="Yu Gothic"/>
+        <a:font script="Hang" typeface="맑은 고딕"/>
+        <a:font script="Hans" typeface="DengXian"/>
+        <a:font script="Hant" typeface="新細明體"/>
+        <a:font script="Arab" typeface="Arial"/>
+        <a:font script="Hebr" typeface="Arial"/>
+        <a:font script="Thai" typeface="Cordia New"/>
+        <a:font script="Ethi" typeface="Nyala"/>
+        <a:font script="Beng" typeface="Vrinda"/>
+        <a:font script="Gujr" typeface="Shruti"/>
+        <a:font script="Khmr" typeface="DaunPenh"/>
+        <a:font script="Knda" typeface="Tunga"/>
+        <a:font script="Guru" typeface="Raavi"/>
+        <a:font script="Cans" typeface="Euphemia"/>
+        <a:font script="Cher" typeface="Plantagenet Cherokee"/>
+        <a:font script="Yiii" typeface="Microsoft Yi Baiti"/>
+        <a:font script="Tibt" typeface="Microsoft Himalaya"/>
+        <a:font script="Thaa" typeface="MV Boli"/>
+        <a:font script="Deva" typeface="Mangal"/>
+        <a:font script="Telu" typeface="Gautami"/>
+        <a:font script="Taml" typeface="Latha"/>
+        <a:font script="Syrc" typeface="Estrangelo Edessa"/>
+        <a:font script="Orya" typeface="Kalinga"/>
+        <a:font script="Mlym" typeface="Kartika"/>
+        <a:font script="Laoo" typeface="DokChampa"/>
+        <a:font script="Sinh" typeface="Iskoola Pota"/>
+        <a:font script="Mong" typeface="Mongolian Baiti"/>
+        <a:font script="Viet" typeface="Arial"/>
+        <a:font script="Uigh" typeface="Microsoft Uighur"/>
+        <a:font script="Geor" typeface="Sylfaen"/>
       </a:minorFont>
     </a:fontScheme>
-    <a:fmtScheme name="Metropolitan">
+    <a:fmtScheme name="Office">
       <a:fillStyleLst>
         <a:solidFill>
           <a:schemeClr val="phClr"/>
@@ -4691,73 +8925,76 @@
           <a:gsLst>
             <a:gs pos="0">
               <a:schemeClr val="phClr">
-                <a:tint val="70000"/>
-                <a:satMod val="100000"/>
                 <a:lumMod val="110000"/>
+                <a:satMod val="105000"/>
+                <a:tint val="67000"/>
               </a:schemeClr>
             </a:gs>
             <a:gs pos="50000">
               <a:schemeClr val="phClr">
-                <a:tint val="75000"/>
-                <a:satMod val="101000"/>
                 <a:lumMod val="105000"/>
+                <a:satMod val="103000"/>
+                <a:tint val="73000"/>
               </a:schemeClr>
             </a:gs>
             <a:gs pos="100000">
               <a:schemeClr val="phClr">
-                <a:tint val="82000"/>
-                <a:satMod val="104000"/>
                 <a:lumMod val="105000"/>
+                <a:satMod val="109000"/>
+                <a:tint val="81000"/>
               </a:schemeClr>
             </a:gs>
           </a:gsLst>
-          <a:lin ang="2700000" scaled="0"/>
+          <a:lin ang="5400000" scaled="0"/>
         </a:gradFill>
         <a:gradFill rotWithShape="1">
           <a:gsLst>
             <a:gs pos="0">
               <a:schemeClr val="phClr">
-                <a:tint val="97000"/>
-                <a:satMod val="100000"/>
+                <a:satMod val="103000"/>
                 <a:lumMod val="102000"/>
+                <a:tint val="94000"/>
               </a:schemeClr>
             </a:gs>
             <a:gs pos="50000">
               <a:schemeClr val="phClr">
+                <a:satMod val="110000"/>
+                <a:lumMod val="100000"/>
                 <a:shade val="100000"/>
-                <a:satMod val="100000"/>
-                <a:lumMod val="100000"/>
               </a:schemeClr>
             </a:gs>
             <a:gs pos="100000">
               <a:schemeClr val="phClr">
-                <a:shade val="80000"/>
-                <a:satMod val="100000"/>
                 <a:lumMod val="99000"/>
+                <a:satMod val="120000"/>
+                <a:shade val="78000"/>
               </a:schemeClr>
             </a:gs>
           </a:gsLst>
-          <a:lin ang="2700000" scaled="0"/>
+          <a:lin ang="5400000" scaled="0"/>
         </a:gradFill>
       </a:fillStyleLst>
       <a:lnStyleLst>
-        <a:ln w="9525" cap="flat" cmpd="sng" algn="ctr">
+        <a:ln w="6350" cap="flat" cmpd="sng" algn="ctr">
           <a:solidFill>
             <a:schemeClr val="phClr"/>
           </a:solidFill>
           <a:prstDash val="solid"/>
+          <a:miter lim="800000"/>
         </a:ln>
         <a:ln w="12700" cap="flat" cmpd="sng" algn="ctr">
           <a:solidFill>
             <a:schemeClr val="phClr"/>
           </a:solidFill>
           <a:prstDash val="solid"/>
+          <a:miter lim="800000"/>
         </a:ln>
         <a:ln w="19050" cap="flat" cmpd="sng" algn="ctr">
           <a:solidFill>
             <a:schemeClr val="phClr"/>
           </a:solidFill>
           <a:prstDash val="solid"/>
+          <a:miter lim="800000"/>
         </a:ln>
       </a:lnStyleLst>
       <a:effectStyleLst>
@@ -4787,12 +9024,33 @@
             <a:satMod val="170000"/>
           </a:schemeClr>
         </a:solidFill>
-        <a:solidFill>
-          <a:schemeClr val="phClr">
-            <a:shade val="95000"/>
-            <a:satMod val="170000"/>
-          </a:schemeClr>
-        </a:solidFill>
+        <a:gradFill rotWithShape="1">
+          <a:gsLst>
+            <a:gs pos="0">
+              <a:schemeClr val="phClr">
+                <a:tint val="93000"/>
+                <a:satMod val="150000"/>
+                <a:shade val="98000"/>
+                <a:lumMod val="102000"/>
+              </a:schemeClr>
+            </a:gs>
+            <a:gs pos="50000">
+              <a:schemeClr val="phClr">
+                <a:tint val="98000"/>
+                <a:satMod val="130000"/>
+                <a:shade val="90000"/>
+                <a:lumMod val="103000"/>
+              </a:schemeClr>
+            </a:gs>
+            <a:gs pos="100000">
+              <a:schemeClr val="phClr">
+                <a:shade val="63000"/>
+                <a:satMod val="120000"/>
+              </a:schemeClr>
+            </a:gs>
+          </a:gsLst>
+          <a:lin ang="5400000" scaled="0"/>
+        </a:gradFill>
       </a:bgFillStyleLst>
     </a:fmtScheme>
   </a:themeElements>
@@ -4800,7 +9058,7 @@
   <a:extraClrSchemeLst/>
   <a:extLst>
     <a:ext uri="{05A4C25C-085E-4340-85A3-A5531E510DB2}">
-      <thm15:themeFamily xmlns:thm15="http://schemas.microsoft.com/office/thememl/2012/main" name="Metropolitan" id="{4C5440D6-04D2-4954-96CF-F251137069B2}" vid="{79CFCA13-9412-4290-BB4B-85112F88857B}"/>
+      <thm15:themeFamily xmlns:thm15="http://schemas.microsoft.com/office/thememl/2012/main" name="Office Theme" id="{62F939B6-93AF-4DB8-9C6B-D6C7DFDC589F}" vid="{4A3C46E8-61CC-4603-A589-7422A47A8E4A}"/>
     </a:ext>
   </a:extLst>
 </a:theme>

--- a/presentation.pptx
+++ b/presentation.pptx
@@ -11,11 +11,11 @@
     <p:sldId id="256" r:id="rId2"/>
     <p:sldId id="267" r:id="rId3"/>
     <p:sldId id="270" r:id="rId4"/>
-    <p:sldId id="271" r:id="rId5"/>
+    <p:sldId id="272" r:id="rId5"/>
     <p:sldId id="258" r:id="rId6"/>
     <p:sldId id="259" r:id="rId7"/>
     <p:sldId id="269" r:id="rId8"/>
-    <p:sldId id="272" r:id="rId9"/>
+    <p:sldId id="271" r:id="rId9"/>
     <p:sldId id="261" r:id="rId10"/>
     <p:sldId id="263" r:id="rId11"/>
     <p:sldId id="265" r:id="rId12"/>
@@ -210,7 +210,7 @@
           <a:p>
             <a:fld id="{0A24DC99-4584-9243-8227-88E4411C14D9}" type="datetimeFigureOut">
               <a:rPr lang="en-US" smtClean="0"/>
-              <a:t>9/16/16</a:t>
+              <a:t>9/16/2016</a:t>
             </a:fld>
             <a:endParaRPr lang="en-US"/>
           </a:p>
@@ -274,38 +274,37 @@
           <a:p>
             <a:pPr lvl="0"/>
             <a:r>
-              <a:rPr lang="en-US" smtClean="0"/>
+              <a:rPr lang="en-US"/>
               <a:t>Click to edit Master text styles</a:t>
             </a:r>
           </a:p>
           <a:p>
             <a:pPr lvl="1"/>
             <a:r>
-              <a:rPr lang="en-US" smtClean="0"/>
+              <a:rPr lang="en-US"/>
               <a:t>Second level</a:t>
             </a:r>
           </a:p>
           <a:p>
             <a:pPr lvl="2"/>
             <a:r>
-              <a:rPr lang="en-US" smtClean="0"/>
+              <a:rPr lang="en-US"/>
               <a:t>Third level</a:t>
             </a:r>
           </a:p>
           <a:p>
             <a:pPr lvl="3"/>
             <a:r>
-              <a:rPr lang="en-US" smtClean="0"/>
+              <a:rPr lang="en-US"/>
               <a:t>Fourth level</a:t>
             </a:r>
           </a:p>
           <a:p>
             <a:pPr lvl="4"/>
             <a:r>
-              <a:rPr lang="en-US" smtClean="0"/>
+              <a:rPr lang="en-US"/>
               <a:t>Fifth level</a:t>
             </a:r>
-            <a:endParaRPr lang="en-US"/>
           </a:p>
         </p:txBody>
       </p:sp>
@@ -692,7 +691,7 @@
           </a:lstStyle>
           <a:p>
             <a:r>
-              <a:rPr lang="en-US" smtClean="0"/>
+              <a:rPr lang="en-US"/>
               <a:t>Click to edit Master title style</a:t>
             </a:r>
             <a:endParaRPr lang="en-US" dirty="0"/>
@@ -764,7 +763,7 @@
           </a:lstStyle>
           <a:p>
             <a:r>
-              <a:rPr lang="en-US" smtClean="0"/>
+              <a:rPr lang="en-US"/>
               <a:t>Click to edit Master subtitle style</a:t>
             </a:r>
             <a:endParaRPr lang="en-US" dirty="0"/>
@@ -788,7 +787,7 @@
           <a:p>
             <a:fld id="{C844D2C0-41C2-43BC-8019-694385F02E35}" type="datetimeFigureOut">
               <a:rPr lang="en-US" smtClean="0"/>
-              <a:t>9/16/16</a:t>
+              <a:t>9/16/2016</a:t>
             </a:fld>
             <a:endParaRPr lang="en-US"/>
           </a:p>
@@ -884,13 +883,6 @@
   <p:clrMapOvr>
     <a:masterClrMapping/>
   </p:clrMapOvr>
-  <p:timing>
-    <p:tnLst>
-      <p:par>
-        <p:cTn id="1" dur="indefinite" restart="never" nodeType="tmRoot"/>
-      </p:par>
-    </p:tnLst>
-  </p:timing>
 </p:sldLayout>
 </file>
 
@@ -927,7 +919,7 @@
           <a:lstStyle/>
           <a:p>
             <a:r>
-              <a:rPr lang="en-US" smtClean="0"/>
+              <a:rPr lang="en-US"/>
               <a:t>Click to edit Master title style</a:t>
             </a:r>
             <a:endParaRPr lang="en-US" dirty="0"/>
@@ -951,35 +943,35 @@
           <a:p>
             <a:pPr lvl="0"/>
             <a:r>
-              <a:rPr lang="en-US" smtClean="0"/>
+              <a:rPr lang="en-US"/>
               <a:t>Click to edit Master text styles</a:t>
             </a:r>
           </a:p>
           <a:p>
             <a:pPr lvl="1"/>
             <a:r>
-              <a:rPr lang="en-US" smtClean="0"/>
+              <a:rPr lang="en-US"/>
               <a:t>Second level</a:t>
             </a:r>
           </a:p>
           <a:p>
             <a:pPr lvl="2"/>
             <a:r>
-              <a:rPr lang="en-US" smtClean="0"/>
+              <a:rPr lang="en-US"/>
               <a:t>Third level</a:t>
             </a:r>
           </a:p>
           <a:p>
             <a:pPr lvl="3"/>
             <a:r>
-              <a:rPr lang="en-US" smtClean="0"/>
+              <a:rPr lang="en-US"/>
               <a:t>Fourth level</a:t>
             </a:r>
           </a:p>
           <a:p>
             <a:pPr lvl="4"/>
             <a:r>
-              <a:rPr lang="en-US" smtClean="0"/>
+              <a:rPr lang="en-US"/>
               <a:t>Fifth level</a:t>
             </a:r>
             <a:endParaRPr lang="en-US" dirty="0"/>
@@ -1003,7 +995,7 @@
           <a:p>
             <a:fld id="{C844D2C0-41C2-43BC-8019-694385F02E35}" type="datetimeFigureOut">
               <a:rPr lang="en-US" smtClean="0"/>
-              <a:t>9/16/16</a:t>
+              <a:t>9/16/2016</a:t>
             </a:fld>
             <a:endParaRPr lang="en-US"/>
           </a:p>
@@ -1178,7 +1170,7 @@
           <a:lstStyle/>
           <a:p>
             <a:r>
-              <a:rPr lang="en-US" smtClean="0"/>
+              <a:rPr lang="en-US"/>
               <a:t>Click to edit Master title style</a:t>
             </a:r>
             <a:endParaRPr lang="en-US" dirty="0"/>
@@ -1207,35 +1199,35 @@
           <a:p>
             <a:pPr lvl="0"/>
             <a:r>
-              <a:rPr lang="en-US" smtClean="0"/>
+              <a:rPr lang="en-US"/>
               <a:t>Click to edit Master text styles</a:t>
             </a:r>
           </a:p>
           <a:p>
             <a:pPr lvl="1"/>
             <a:r>
-              <a:rPr lang="en-US" smtClean="0"/>
+              <a:rPr lang="en-US"/>
               <a:t>Second level</a:t>
             </a:r>
           </a:p>
           <a:p>
             <a:pPr lvl="2"/>
             <a:r>
-              <a:rPr lang="en-US" smtClean="0"/>
+              <a:rPr lang="en-US"/>
               <a:t>Third level</a:t>
             </a:r>
           </a:p>
           <a:p>
             <a:pPr lvl="3"/>
             <a:r>
-              <a:rPr lang="en-US" smtClean="0"/>
+              <a:rPr lang="en-US"/>
               <a:t>Fourth level</a:t>
             </a:r>
           </a:p>
           <a:p>
             <a:pPr lvl="4"/>
             <a:r>
-              <a:rPr lang="en-US" smtClean="0"/>
+              <a:rPr lang="en-US"/>
               <a:t>Fifth level</a:t>
             </a:r>
             <a:endParaRPr lang="en-US" dirty="0"/>
@@ -1259,7 +1251,7 @@
           <a:p>
             <a:fld id="{C844D2C0-41C2-43BC-8019-694385F02E35}" type="datetimeFigureOut">
               <a:rPr lang="en-US" smtClean="0"/>
-              <a:t>9/16/16</a:t>
+              <a:t>9/16/2016</a:t>
             </a:fld>
             <a:endParaRPr lang="en-US"/>
           </a:p>
@@ -1353,7 +1345,7 @@
           <a:lstStyle/>
           <a:p>
             <a:r>
-              <a:rPr lang="en-US" smtClean="0"/>
+              <a:rPr lang="en-US"/>
               <a:t>Click to edit Master title style</a:t>
             </a:r>
             <a:endParaRPr lang="en-US" dirty="0"/>
@@ -1377,35 +1369,35 @@
           <a:p>
             <a:pPr lvl="0"/>
             <a:r>
-              <a:rPr lang="en-US" smtClean="0"/>
+              <a:rPr lang="en-US"/>
               <a:t>Click to edit Master text styles</a:t>
             </a:r>
           </a:p>
           <a:p>
             <a:pPr lvl="1"/>
             <a:r>
-              <a:rPr lang="en-US" smtClean="0"/>
+              <a:rPr lang="en-US"/>
               <a:t>Second level</a:t>
             </a:r>
           </a:p>
           <a:p>
             <a:pPr lvl="2"/>
             <a:r>
-              <a:rPr lang="en-US" smtClean="0"/>
+              <a:rPr lang="en-US"/>
               <a:t>Third level</a:t>
             </a:r>
           </a:p>
           <a:p>
             <a:pPr lvl="3"/>
             <a:r>
-              <a:rPr lang="en-US" smtClean="0"/>
+              <a:rPr lang="en-US"/>
               <a:t>Fourth level</a:t>
             </a:r>
           </a:p>
           <a:p>
             <a:pPr lvl="4"/>
             <a:r>
-              <a:rPr lang="en-US" smtClean="0"/>
+              <a:rPr lang="en-US"/>
               <a:t>Fifth level</a:t>
             </a:r>
             <a:endParaRPr lang="en-US" dirty="0"/>
@@ -1429,7 +1421,7 @@
           <a:p>
             <a:fld id="{C844D2C0-41C2-43BC-8019-694385F02E35}" type="datetimeFigureOut">
               <a:rPr lang="en-US" smtClean="0"/>
-              <a:t>9/16/16</a:t>
+              <a:t>9/16/2016</a:t>
             </a:fld>
             <a:endParaRPr lang="en-US"/>
           </a:p>
@@ -1487,13 +1479,6 @@
   <p:clrMapOvr>
     <a:masterClrMapping/>
   </p:clrMapOvr>
-  <p:timing>
-    <p:tnLst>
-      <p:par>
-        <p:cTn id="1" dur="indefinite" restart="never" nodeType="tmRoot"/>
-      </p:par>
-    </p:tnLst>
-  </p:timing>
 </p:sldLayout>
 </file>
 
@@ -1627,7 +1612,7 @@
           </a:lstStyle>
           <a:p>
             <a:r>
-              <a:rPr lang="en-US" smtClean="0"/>
+              <a:rPr lang="en-US"/>
               <a:t>Click to edit Master title style</a:t>
             </a:r>
             <a:endParaRPr lang="en-US" dirty="0"/>
@@ -1748,7 +1733,7 @@
           <a:p>
             <a:pPr lvl="0"/>
             <a:r>
-              <a:rPr lang="en-US" smtClean="0"/>
+              <a:rPr lang="en-US"/>
               <a:t>Click to edit Master text styles</a:t>
             </a:r>
           </a:p>
@@ -1771,7 +1756,7 @@
           <a:p>
             <a:fld id="{C844D2C0-41C2-43BC-8019-694385F02E35}" type="datetimeFigureOut">
               <a:rPr lang="en-US" smtClean="0"/>
-              <a:t>9/16/16</a:t>
+              <a:t>9/16/2016</a:t>
             </a:fld>
             <a:endParaRPr lang="en-US"/>
           </a:p>
@@ -1867,13 +1852,6 @@
   <p:clrMapOvr>
     <a:masterClrMapping/>
   </p:clrMapOvr>
-  <p:timing>
-    <p:tnLst>
-      <p:par>
-        <p:cTn id="1" dur="indefinite" restart="never" nodeType="tmRoot"/>
-      </p:par>
-    </p:tnLst>
-  </p:timing>
 </p:sldLayout>
 </file>
 
@@ -1915,7 +1893,7 @@
           <a:lstStyle/>
           <a:p>
             <a:r>
-              <a:rPr lang="en-US" smtClean="0"/>
+              <a:rPr lang="en-US"/>
               <a:t>Click to edit Master title style</a:t>
             </a:r>
             <a:endParaRPr lang="en-US" dirty="0"/>
@@ -1944,35 +1922,35 @@
           <a:p>
             <a:pPr lvl="0"/>
             <a:r>
-              <a:rPr lang="en-US" smtClean="0"/>
+              <a:rPr lang="en-US"/>
               <a:t>Click to edit Master text styles</a:t>
             </a:r>
           </a:p>
           <a:p>
             <a:pPr lvl="1"/>
             <a:r>
-              <a:rPr lang="en-US" smtClean="0"/>
+              <a:rPr lang="en-US"/>
               <a:t>Second level</a:t>
             </a:r>
           </a:p>
           <a:p>
             <a:pPr lvl="2"/>
             <a:r>
-              <a:rPr lang="en-US" smtClean="0"/>
+              <a:rPr lang="en-US"/>
               <a:t>Third level</a:t>
             </a:r>
           </a:p>
           <a:p>
             <a:pPr lvl="3"/>
             <a:r>
-              <a:rPr lang="en-US" smtClean="0"/>
+              <a:rPr lang="en-US"/>
               <a:t>Fourth level</a:t>
             </a:r>
           </a:p>
           <a:p>
             <a:pPr lvl="4"/>
             <a:r>
-              <a:rPr lang="en-US" smtClean="0"/>
+              <a:rPr lang="en-US"/>
               <a:t>Fifth level</a:t>
             </a:r>
             <a:endParaRPr lang="en-US" dirty="0"/>
@@ -2001,35 +1979,35 @@
           <a:p>
             <a:pPr lvl="0"/>
             <a:r>
-              <a:rPr lang="en-US" smtClean="0"/>
+              <a:rPr lang="en-US"/>
               <a:t>Click to edit Master text styles</a:t>
             </a:r>
           </a:p>
           <a:p>
             <a:pPr lvl="1"/>
             <a:r>
-              <a:rPr lang="en-US" smtClean="0"/>
+              <a:rPr lang="en-US"/>
               <a:t>Second level</a:t>
             </a:r>
           </a:p>
           <a:p>
             <a:pPr lvl="2"/>
             <a:r>
-              <a:rPr lang="en-US" smtClean="0"/>
+              <a:rPr lang="en-US"/>
               <a:t>Third level</a:t>
             </a:r>
           </a:p>
           <a:p>
             <a:pPr lvl="3"/>
             <a:r>
-              <a:rPr lang="en-US" smtClean="0"/>
+              <a:rPr lang="en-US"/>
               <a:t>Fourth level</a:t>
             </a:r>
           </a:p>
           <a:p>
             <a:pPr lvl="4"/>
             <a:r>
-              <a:rPr lang="en-US" smtClean="0"/>
+              <a:rPr lang="en-US"/>
               <a:t>Fifth level</a:t>
             </a:r>
             <a:endParaRPr lang="en-US" dirty="0"/>
@@ -2053,7 +2031,7 @@
           <a:p>
             <a:fld id="{C844D2C0-41C2-43BC-8019-694385F02E35}" type="datetimeFigureOut">
               <a:rPr lang="en-US" smtClean="0"/>
-              <a:t>9/16/16</a:t>
+              <a:t>9/16/2016</a:t>
             </a:fld>
             <a:endParaRPr lang="en-US"/>
           </a:p>
@@ -2152,7 +2130,7 @@
           <a:lstStyle/>
           <a:p>
             <a:r>
-              <a:rPr lang="en-US" smtClean="0"/>
+              <a:rPr lang="en-US"/>
               <a:t>Click to edit Master title style</a:t>
             </a:r>
             <a:endParaRPr lang="en-US" dirty="0"/>
@@ -2224,7 +2202,7 @@
           <a:p>
             <a:pPr lvl="0"/>
             <a:r>
-              <a:rPr lang="en-US" smtClean="0"/>
+              <a:rPr lang="en-US"/>
               <a:t>Click to edit Master text styles</a:t>
             </a:r>
           </a:p>
@@ -2252,35 +2230,35 @@
           <a:p>
             <a:pPr lvl="0"/>
             <a:r>
-              <a:rPr lang="en-US" smtClean="0"/>
+              <a:rPr lang="en-US"/>
               <a:t>Click to edit Master text styles</a:t>
             </a:r>
           </a:p>
           <a:p>
             <a:pPr lvl="1"/>
             <a:r>
-              <a:rPr lang="en-US" smtClean="0"/>
+              <a:rPr lang="en-US"/>
               <a:t>Second level</a:t>
             </a:r>
           </a:p>
           <a:p>
             <a:pPr lvl="2"/>
             <a:r>
-              <a:rPr lang="en-US" smtClean="0"/>
+              <a:rPr lang="en-US"/>
               <a:t>Third level</a:t>
             </a:r>
           </a:p>
           <a:p>
             <a:pPr lvl="3"/>
             <a:r>
-              <a:rPr lang="en-US" smtClean="0"/>
+              <a:rPr lang="en-US"/>
               <a:t>Fourth level</a:t>
             </a:r>
           </a:p>
           <a:p>
             <a:pPr lvl="4"/>
             <a:r>
-              <a:rPr lang="en-US" smtClean="0"/>
+              <a:rPr lang="en-US"/>
               <a:t>Fifth level</a:t>
             </a:r>
             <a:endParaRPr lang="en-US" dirty="0"/>
@@ -2352,7 +2330,7 @@
           <a:p>
             <a:pPr lvl="0"/>
             <a:r>
-              <a:rPr lang="en-US" smtClean="0"/>
+              <a:rPr lang="en-US"/>
               <a:t>Click to edit Master text styles</a:t>
             </a:r>
           </a:p>
@@ -2380,35 +2358,35 @@
           <a:p>
             <a:pPr lvl="0"/>
             <a:r>
-              <a:rPr lang="en-US" smtClean="0"/>
+              <a:rPr lang="en-US"/>
               <a:t>Click to edit Master text styles</a:t>
             </a:r>
           </a:p>
           <a:p>
             <a:pPr lvl="1"/>
             <a:r>
-              <a:rPr lang="en-US" smtClean="0"/>
+              <a:rPr lang="en-US"/>
               <a:t>Second level</a:t>
             </a:r>
           </a:p>
           <a:p>
             <a:pPr lvl="2"/>
             <a:r>
-              <a:rPr lang="en-US" smtClean="0"/>
+              <a:rPr lang="en-US"/>
               <a:t>Third level</a:t>
             </a:r>
           </a:p>
           <a:p>
             <a:pPr lvl="3"/>
             <a:r>
-              <a:rPr lang="en-US" smtClean="0"/>
+              <a:rPr lang="en-US"/>
               <a:t>Fourth level</a:t>
             </a:r>
           </a:p>
           <a:p>
             <a:pPr lvl="4"/>
             <a:r>
-              <a:rPr lang="en-US" smtClean="0"/>
+              <a:rPr lang="en-US"/>
               <a:t>Fifth level</a:t>
             </a:r>
             <a:endParaRPr lang="en-US" dirty="0"/>
@@ -2432,7 +2410,7 @@
           <a:p>
             <a:fld id="{C844D2C0-41C2-43BC-8019-694385F02E35}" type="datetimeFigureOut">
               <a:rPr lang="en-US" smtClean="0"/>
-              <a:t>9/16/16</a:t>
+              <a:t>9/16/2016</a:t>
             </a:fld>
             <a:endParaRPr lang="en-US"/>
           </a:p>
@@ -2526,7 +2504,7 @@
           <a:lstStyle/>
           <a:p>
             <a:r>
-              <a:rPr lang="en-US" smtClean="0"/>
+              <a:rPr lang="en-US"/>
               <a:t>Click to edit Master title style</a:t>
             </a:r>
             <a:endParaRPr lang="en-US" dirty="0"/>
@@ -2550,7 +2528,7 @@
           <a:p>
             <a:fld id="{C844D2C0-41C2-43BC-8019-694385F02E35}" type="datetimeFigureOut">
               <a:rPr lang="en-US" smtClean="0"/>
-              <a:t>9/16/16</a:t>
+              <a:t>9/16/2016</a:t>
             </a:fld>
             <a:endParaRPr lang="en-US"/>
           </a:p>
@@ -2721,7 +2699,7 @@
           <a:p>
             <a:fld id="{C844D2C0-41C2-43BC-8019-694385F02E35}" type="datetimeFigureOut">
               <a:rPr lang="en-US" smtClean="0"/>
-              <a:t>9/16/16</a:t>
+              <a:t>9/16/2016</a:t>
             </a:fld>
             <a:endParaRPr lang="en-US"/>
           </a:p>
@@ -2914,7 +2892,7 @@
           </a:lstStyle>
           <a:p>
             <a:r>
-              <a:rPr lang="en-US" smtClean="0"/>
+              <a:rPr lang="en-US"/>
               <a:t>Click to edit Master title style</a:t>
             </a:r>
             <a:endParaRPr lang="en-US" dirty="0"/>
@@ -2943,35 +2921,35 @@
           <a:p>
             <a:pPr lvl="0"/>
             <a:r>
-              <a:rPr lang="en-US" smtClean="0"/>
+              <a:rPr lang="en-US"/>
               <a:t>Click to edit Master text styles</a:t>
             </a:r>
           </a:p>
           <a:p>
             <a:pPr lvl="1"/>
             <a:r>
-              <a:rPr lang="en-US" smtClean="0"/>
+              <a:rPr lang="en-US"/>
               <a:t>Second level</a:t>
             </a:r>
           </a:p>
           <a:p>
             <a:pPr lvl="2"/>
             <a:r>
-              <a:rPr lang="en-US" smtClean="0"/>
+              <a:rPr lang="en-US"/>
               <a:t>Third level</a:t>
             </a:r>
           </a:p>
           <a:p>
             <a:pPr lvl="3"/>
             <a:r>
-              <a:rPr lang="en-US" smtClean="0"/>
+              <a:rPr lang="en-US"/>
               <a:t>Fourth level</a:t>
             </a:r>
           </a:p>
           <a:p>
             <a:pPr lvl="4"/>
             <a:r>
-              <a:rPr lang="en-US" smtClean="0"/>
+              <a:rPr lang="en-US"/>
               <a:t>Fifth level</a:t>
             </a:r>
             <a:endParaRPr lang="en-US" dirty="0"/>
@@ -3043,7 +3021,7 @@
           <a:p>
             <a:pPr lvl="0"/>
             <a:r>
-              <a:rPr lang="en-US" smtClean="0"/>
+              <a:rPr lang="en-US"/>
               <a:t>Click to edit Master text styles</a:t>
             </a:r>
           </a:p>
@@ -3075,7 +3053,7 @@
           <a:p>
             <a:fld id="{C844D2C0-41C2-43BC-8019-694385F02E35}" type="datetimeFigureOut">
               <a:rPr lang="en-US" smtClean="0"/>
-              <a:t>9/16/16</a:t>
+              <a:t>9/16/2016</a:t>
             </a:fld>
             <a:endParaRPr lang="en-US"/>
           </a:p>
@@ -3281,7 +3259,7 @@
           </a:lstStyle>
           <a:p>
             <a:r>
-              <a:rPr lang="en-US" smtClean="0"/>
+              <a:rPr lang="en-US"/>
               <a:t>Click to edit Master title style</a:t>
             </a:r>
             <a:endParaRPr lang="en-US" dirty="0"/>
@@ -3351,7 +3329,7 @@
           </a:lstStyle>
           <a:p>
             <a:r>
-              <a:rPr lang="en-US" smtClean="0"/>
+              <a:rPr lang="en-US"/>
               <a:t>Drag picture to placeholder or click icon to add</a:t>
             </a:r>
             <a:endParaRPr lang="en-US" dirty="0"/>
@@ -3429,7 +3407,7 @@
           <a:p>
             <a:pPr lvl="0"/>
             <a:r>
-              <a:rPr lang="en-US" smtClean="0"/>
+              <a:rPr lang="en-US"/>
               <a:t>Click to edit Master text styles</a:t>
             </a:r>
           </a:p>
@@ -3452,7 +3430,7 @@
           <a:p>
             <a:fld id="{C844D2C0-41C2-43BC-8019-694385F02E35}" type="datetimeFigureOut">
               <a:rPr lang="en-US" smtClean="0"/>
-              <a:t>9/16/16</a:t>
+              <a:t>9/16/2016</a:t>
             </a:fld>
             <a:endParaRPr lang="en-US"/>
           </a:p>
@@ -3640,7 +3618,7 @@
           <a:lstStyle/>
           <a:p>
             <a:r>
-              <a:rPr lang="en-US" smtClean="0"/>
+              <a:rPr lang="en-US"/>
               <a:t>Click to edit Master title style</a:t>
             </a:r>
             <a:endParaRPr lang="en-US" dirty="0"/>
@@ -3674,35 +3652,35 @@
           <a:p>
             <a:pPr lvl="0"/>
             <a:r>
-              <a:rPr lang="en-US" smtClean="0"/>
+              <a:rPr lang="en-US"/>
               <a:t>Click to edit Master text styles</a:t>
             </a:r>
           </a:p>
           <a:p>
             <a:pPr lvl="1"/>
             <a:r>
-              <a:rPr lang="en-US" smtClean="0"/>
+              <a:rPr lang="en-US"/>
               <a:t>Second level</a:t>
             </a:r>
           </a:p>
           <a:p>
             <a:pPr lvl="2"/>
             <a:r>
-              <a:rPr lang="en-US" smtClean="0"/>
+              <a:rPr lang="en-US"/>
               <a:t>Third level</a:t>
             </a:r>
           </a:p>
           <a:p>
             <a:pPr lvl="3"/>
             <a:r>
-              <a:rPr lang="en-US" smtClean="0"/>
+              <a:rPr lang="en-US"/>
               <a:t>Fourth level</a:t>
             </a:r>
           </a:p>
           <a:p>
             <a:pPr lvl="4"/>
             <a:r>
-              <a:rPr lang="en-US" smtClean="0"/>
+              <a:rPr lang="en-US"/>
               <a:t>Fifth level</a:t>
             </a:r>
             <a:endParaRPr lang="en-US" dirty="0"/>
@@ -3742,7 +3720,7 @@
           <a:p>
             <a:fld id="{C844D2C0-41C2-43BC-8019-694385F02E35}" type="datetimeFigureOut">
               <a:rPr lang="en-US" smtClean="0"/>
-              <a:t>9/16/16</a:t>
+              <a:t>9/16/2016</a:t>
             </a:fld>
             <a:endParaRPr lang="en-US"/>
           </a:p>
@@ -4258,36 +4236,20 @@
               </a:rPr>
               <a:t>Intermediate Language </a:t>
             </a:r>
-            <a:r>
-              <a:rPr lang="en-US" sz="6000" b="1" cap="small" dirty="0" smtClean="0">
-                <a:solidFill>
-                  <a:schemeClr val="accent2"/>
-                </a:solidFill>
-              </a:rPr>
-              <a:t/>
-            </a:r>
             <a:br>
-              <a:rPr lang="en-US" sz="6000" b="1" cap="small" dirty="0" smtClean="0">
-                <a:solidFill>
-                  <a:schemeClr val="accent2"/>
-                </a:solidFill>
-              </a:rPr>
-            </a:br>
-            <a:r>
-              <a:rPr lang="en-US" sz="6000" b="1" cap="small" dirty="0" smtClean="0">
-                <a:solidFill>
-                  <a:schemeClr val="accent2"/>
-                </a:solidFill>
-              </a:rPr>
-              <a:t>for </a:t>
-            </a:r>
-            <a:r>
               <a:rPr lang="en-US" sz="6000" b="1" cap="small" dirty="0">
                 <a:solidFill>
                   <a:schemeClr val="accent2"/>
                 </a:solidFill>
               </a:rPr>
-              <a:t>JavaScript</a:t>
+            </a:br>
+            <a:r>
+              <a:rPr lang="en-US" sz="6000" b="1" cap="small" dirty="0">
+                <a:solidFill>
+                  <a:schemeClr val="accent2"/>
+                </a:solidFill>
+              </a:rPr>
+              <a:t>for JavaScript</a:t>
             </a:r>
           </a:p>
         </p:txBody>
@@ -4324,13 +4286,6 @@
   <p:clrMapOvr>
     <a:masterClrMapping/>
   </p:clrMapOvr>
-  <p:timing>
-    <p:tnLst>
-      <p:par>
-        <p:cTn id="1" dur="indefinite" restart="never" nodeType="tmRoot"/>
-      </p:par>
-    </p:tnLst>
-  </p:timing>
 </p:sld>
 </file>
 
@@ -4367,7 +4322,11 @@
           <a:lstStyle/>
           <a:p>
             <a:r>
-              <a:rPr lang="en-US" dirty="0"/>
+              <a:rPr lang="en-US" b="1" u="sng" dirty="0">
+                <a:solidFill>
+                  <a:schemeClr val="accent2"/>
+                </a:solidFill>
+              </a:rPr>
               <a:t>Array Library</a:t>
             </a:r>
           </a:p>
@@ -4450,7 +4409,11 @@
           <a:lstStyle/>
           <a:p>
             <a:r>
-              <a:rPr lang="en-US" dirty="0"/>
+              <a:rPr lang="en-US" b="1" u="sng" dirty="0">
+                <a:solidFill>
+                  <a:schemeClr val="accent2"/>
+                </a:solidFill>
+              </a:rPr>
               <a:t>Testing</a:t>
             </a:r>
           </a:p>
@@ -4472,31 +4435,26 @@
           <a:lstStyle/>
           <a:p>
             <a:r>
-              <a:rPr lang="en-US" dirty="0" smtClean="0"/>
+              <a:rPr lang="en-US" dirty="0"/>
               <a:t>Unit testing – how was it done?</a:t>
             </a:r>
           </a:p>
           <a:p>
             <a:r>
-              <a:rPr lang="en-US" dirty="0" smtClean="0"/>
+              <a:rPr lang="en-US" dirty="0"/>
               <a:t>Testing infrastructure – table</a:t>
             </a:r>
-            <a:endParaRPr lang="en-US" dirty="0" smtClean="0"/>
-          </a:p>
-          <a:p>
-            <a:r>
-              <a:rPr lang="en-US" dirty="0" smtClean="0"/>
+          </a:p>
+          <a:p>
+            <a:r>
+              <a:rPr lang="en-US" dirty="0"/>
               <a:t>String stuff</a:t>
             </a:r>
           </a:p>
           <a:p>
             <a:r>
-              <a:rPr lang="en-US" dirty="0" smtClean="0"/>
-              <a:t>Process </a:t>
-            </a:r>
-            <a:r>
               <a:rPr lang="en-US" dirty="0"/>
-              <a:t>(unit test + test suite)</a:t>
+              <a:t>Process (unit test + test suite)</a:t>
             </a:r>
           </a:p>
           <a:p>
@@ -4553,7 +4511,11 @@
           <a:lstStyle/>
           <a:p>
             <a:r>
-              <a:rPr lang="en-US" dirty="0"/>
+              <a:rPr lang="en-US" b="1" u="sng" dirty="0">
+                <a:solidFill>
+                  <a:schemeClr val="accent2"/>
+                </a:solidFill>
+              </a:rPr>
               <a:t>Testing results for String</a:t>
             </a:r>
           </a:p>
@@ -4627,18 +4589,13 @@
           <a:lstStyle/>
           <a:p>
             <a:r>
-              <a:rPr lang="en-US" b="1" u="sng" dirty="0" smtClean="0">
+              <a:rPr lang="en-US" b="1" u="sng" dirty="0">
                 <a:solidFill>
                   <a:schemeClr val="accent2"/>
                 </a:solidFill>
               </a:rPr>
               <a:t>Conclusions and Evaluation</a:t>
             </a:r>
-            <a:endParaRPr lang="en-US" b="1" u="sng" dirty="0">
-              <a:solidFill>
-                <a:schemeClr val="accent2"/>
-              </a:solidFill>
-            </a:endParaRPr>
           </a:p>
         </p:txBody>
       </p:sp>
@@ -4658,43 +4615,43 @@
           <a:lstStyle/>
           <a:p>
             <a:r>
-              <a:rPr lang="en-US" dirty="0" smtClean="0"/>
+              <a:rPr lang="en-US" dirty="0"/>
               <a:t>Implementation – what was it based on (standard, </a:t>
             </a:r>
             <a:r>
-              <a:rPr lang="en-US" dirty="0" err="1" smtClean="0"/>
+              <a:rPr lang="en-US" dirty="0" err="1"/>
               <a:t>opsem</a:t>
             </a:r>
             <a:r>
-              <a:rPr lang="en-US" dirty="0" smtClean="0"/>
+              <a:rPr lang="en-US" dirty="0"/>
               <a:t>)</a:t>
             </a:r>
           </a:p>
           <a:p>
             <a:r>
-              <a:rPr lang="en-US" dirty="0" smtClean="0"/>
+              <a:rPr lang="en-US" dirty="0"/>
               <a:t>JSIL – programming not difficult, resembling assembly, but debugging</a:t>
             </a:r>
             <a:r>
-              <a:rPr lang="is-IS" dirty="0" smtClean="0"/>
+              <a:rPr lang="is-IS" dirty="0"/>
               <a:t>…</a:t>
             </a:r>
           </a:p>
           <a:p>
             <a:r>
-              <a:rPr lang="is-IS" dirty="0" smtClean="0"/>
+              <a:rPr lang="is-IS" dirty="0"/>
               <a:t>Unit testing – greatly helped bug detection, reduced Test262 debugging time  (shame we didn’t keep them)</a:t>
             </a:r>
           </a:p>
           <a:p>
             <a:r>
-              <a:rPr lang="is-IS" dirty="0" smtClean="0"/>
+              <a:rPr lang="is-IS" dirty="0"/>
               <a:t>Test262 experience – takes time, tests complex, unsuited for intial debugging</a:t>
             </a:r>
           </a:p>
           <a:p>
             <a:r>
-              <a:rPr lang="is-IS" dirty="0" smtClean="0"/>
+              <a:rPr lang="is-IS" dirty="0"/>
               <a:t>Infrastructure - interface good, filtering, etc.</a:t>
             </a:r>
           </a:p>
@@ -4749,7 +4706,11 @@
           <a:lstStyle/>
           <a:p>
             <a:r>
-              <a:rPr lang="en-US" dirty="0"/>
+              <a:rPr lang="en-US" b="1" dirty="0">
+                <a:solidFill>
+                  <a:schemeClr val="accent2"/>
+                </a:solidFill>
+              </a:rPr>
               <a:t>Future Work</a:t>
             </a:r>
           </a:p>
@@ -4874,18 +4835,13 @@
           <a:lstStyle/>
           <a:p>
             <a:r>
-              <a:rPr lang="en-US" b="1" u="sng" dirty="0" smtClean="0">
+              <a:rPr lang="en-US" b="1" u="sng" dirty="0">
                 <a:solidFill>
                   <a:schemeClr val="accent2"/>
                 </a:solidFill>
               </a:rPr>
               <a:t>Context</a:t>
             </a:r>
-            <a:endParaRPr lang="en-US" b="1" u="sng" dirty="0">
-              <a:solidFill>
-                <a:schemeClr val="accent2"/>
-              </a:solidFill>
-            </a:endParaRPr>
           </a:p>
         </p:txBody>
       </p:sp>
@@ -4911,10 +4867,9 @@
           <a:lstStyle/>
           <a:p>
             <a:r>
-              <a:rPr lang="en-US" dirty="0" smtClean="0"/>
+              <a:rPr lang="en-US" dirty="0"/>
               <a:t>DIAGRAM!</a:t>
             </a:r>
-            <a:endParaRPr lang="en-US" dirty="0"/>
           </a:p>
         </p:txBody>
       </p:sp>
@@ -4928,13 +4883,6 @@
   <p:clrMapOvr>
     <a:masterClrMapping/>
   </p:clrMapOvr>
-  <p:timing>
-    <p:tnLst>
-      <p:par>
-        <p:cTn id="1" dur="indefinite" restart="never" nodeType="tmRoot"/>
-      </p:par>
-    </p:tnLst>
-  </p:timing>
 </p:sld>
 </file>
 
@@ -4965,29 +4913,19 @@
             <p:ph type="title"/>
           </p:nvPr>
         </p:nvSpPr>
-        <p:spPr>
-          <a:xfrm>
-            <a:off x="890016" y="298799"/>
-            <a:ext cx="10058400" cy="1450757"/>
-          </a:xfrm>
-        </p:spPr>
+        <p:spPr/>
         <p:txBody>
           <a:bodyPr/>
           <a:lstStyle/>
           <a:p>
             <a:r>
-              <a:rPr lang="en-US" b="1" u="sng" dirty="0" smtClean="0">
+              <a:rPr lang="en-US" b="1" u="sng" dirty="0">
                 <a:solidFill>
                   <a:schemeClr val="accent2"/>
                 </a:solidFill>
               </a:rPr>
               <a:t>Contributions</a:t>
             </a:r>
-            <a:endParaRPr lang="en-US" b="1" u="sng" dirty="0">
-              <a:solidFill>
-                <a:schemeClr val="accent2"/>
-              </a:solidFill>
-            </a:endParaRPr>
           </a:p>
         </p:txBody>
       </p:sp>
@@ -4998,13 +4936,13 @@
             <a:spLocks noGrp="1"/>
           </p:cNvSpPr>
           <p:nvPr>
-            <p:ph idx="1"/>
+            <p:ph sz="half" idx="1"/>
           </p:nvPr>
         </p:nvSpPr>
         <p:spPr>
           <a:xfrm>
-            <a:off x="975360" y="1945387"/>
-            <a:ext cx="9400032" cy="4077461"/>
+            <a:off x="6666059" y="1911637"/>
+            <a:ext cx="4937760" cy="4023359"/>
           </a:xfrm>
         </p:spPr>
         <p:txBody>
@@ -5014,62 +4952,88 @@
           <a:lstStyle/>
           <a:p>
             <a:r>
-              <a:rPr lang="en-US" dirty="0" smtClean="0"/>
+              <a:rPr lang="en-US" dirty="0"/>
               <a:t>ES5 Strict extensions</a:t>
             </a:r>
           </a:p>
           <a:p>
             <a:r>
-              <a:rPr lang="en-US" dirty="0" smtClean="0"/>
+              <a:rPr lang="en-US" dirty="0"/>
               <a:t>Arguments object</a:t>
             </a:r>
           </a:p>
           <a:p>
             <a:r>
-              <a:rPr lang="en-US" dirty="0" smtClean="0"/>
+              <a:rPr lang="en-US" dirty="0"/>
               <a:t>Libraries:</a:t>
             </a:r>
           </a:p>
           <a:p>
             <a:r>
-              <a:rPr lang="en-US" dirty="0" smtClean="0"/>
+              <a:rPr lang="en-US" dirty="0"/>
               <a:t>Array entire</a:t>
             </a:r>
           </a:p>
           <a:p>
             <a:r>
-              <a:rPr lang="en-US" dirty="0" err="1" smtClean="0"/>
+              <a:rPr lang="en-US" dirty="0" err="1"/>
               <a:t>Obj.proto</a:t>
             </a:r>
             <a:r>
-              <a:rPr lang="en-US" dirty="0" smtClean="0"/>
+              <a:rPr lang="en-US" dirty="0"/>
               <a:t> entire</a:t>
             </a:r>
           </a:p>
           <a:p>
             <a:r>
-              <a:rPr lang="en-US" dirty="0" smtClean="0"/>
+              <a:rPr lang="en-US" dirty="0"/>
               <a:t>String partial</a:t>
             </a:r>
           </a:p>
           <a:p>
             <a:r>
-              <a:rPr lang="en-US" dirty="0" smtClean="0"/>
+              <a:rPr lang="en-US" dirty="0"/>
               <a:t>JSIL implementation</a:t>
             </a:r>
           </a:p>
           <a:p>
             <a:r>
-              <a:rPr lang="en-US" dirty="0" smtClean="0"/>
+              <a:rPr lang="en-US" dirty="0"/>
               <a:t>Unit tests</a:t>
             </a:r>
           </a:p>
           <a:p>
             <a:r>
-              <a:rPr lang="en-US" dirty="0" smtClean="0"/>
+              <a:rPr lang="en-US" dirty="0"/>
               <a:t>Formal tests (Test262) for the String bit</a:t>
             </a:r>
-            <a:endParaRPr lang="en-US" dirty="0"/>
+          </a:p>
+        </p:txBody>
+      </p:sp>
+      <p:sp>
+        <p:nvSpPr>
+          <p:cNvPr id="3" name="Content Placeholder 2"/>
+          <p:cNvSpPr>
+            <a:spLocks noGrp="1"/>
+          </p:cNvSpPr>
+          <p:nvPr>
+            <p:ph sz="half" idx="2"/>
+          </p:nvPr>
+        </p:nvSpPr>
+        <p:spPr>
+          <a:xfrm>
+            <a:off x="1097280" y="1911637"/>
+            <a:ext cx="4937760" cy="4023360"/>
+          </a:xfrm>
+        </p:spPr>
+        <p:txBody>
+          <a:bodyPr/>
+          <a:lstStyle/>
+          <a:p>
+            <a:r>
+              <a:rPr lang="en-US" dirty="0"/>
+              <a:t>DIAGRAM</a:t>
+            </a:r>
           </a:p>
         </p:txBody>
       </p:sp>
@@ -5083,13 +5047,6 @@
   <p:clrMapOvr>
     <a:masterClrMapping/>
   </p:clrMapOvr>
-  <p:timing>
-    <p:tnLst>
-      <p:par>
-        <p:cTn id="1" dur="indefinite" restart="never" nodeType="tmRoot"/>
-      </p:par>
-    </p:tnLst>
-  </p:timing>
 </p:sld>
 </file>
 
@@ -5126,31 +5083,93 @@
           <a:lstStyle/>
           <a:p>
             <a:r>
-              <a:rPr lang="en-US" dirty="0" err="1" smtClean="0"/>
+              <a:rPr lang="en-US" b="1" u="sng" dirty="0" err="1">
+                <a:solidFill>
+                  <a:schemeClr val="accent2"/>
+                </a:solidFill>
+              </a:rPr>
               <a:t>Object.prototype.isPrototypeOf</a:t>
             </a:r>
-            <a:endParaRPr lang="en-US" dirty="0"/>
-          </a:p>
-        </p:txBody>
-      </p:sp>
-      <p:sp>
-        <p:nvSpPr>
-          <p:cNvPr id="3" name="Content Placeholder 2"/>
+            <a:endParaRPr lang="en-US" b="1" u="sng" dirty="0">
+              <a:solidFill>
+                <a:schemeClr val="accent2"/>
+              </a:solidFill>
+            </a:endParaRPr>
+          </a:p>
+        </p:txBody>
+      </p:sp>
+      <p:sp>
+        <p:nvSpPr>
+          <p:cNvPr id="5" name="Content Placeholder 4"/>
           <p:cNvSpPr>
             <a:spLocks noGrp="1"/>
           </p:cNvSpPr>
           <p:nvPr>
-            <p:ph idx="1"/>
+            <p:ph sz="half" idx="2"/>
           </p:nvPr>
         </p:nvSpPr>
         <p:spPr/>
+        <p:txBody>
+          <a:bodyPr>
+            <a:normAutofit/>
+          </a:bodyPr>
+          <a:lstStyle/>
+          <a:p>
+            <a:endParaRPr lang="en-US" dirty="0"/>
+          </a:p>
+        </p:txBody>
+      </p:sp>
+      <p:sp>
+        <p:nvSpPr>
+          <p:cNvPr id="7" name="Content Placeholder 6"/>
+          <p:cNvSpPr>
+            <a:spLocks noGrp="1"/>
+          </p:cNvSpPr>
+          <p:nvPr>
+            <p:ph sz="half" idx="1"/>
+          </p:nvPr>
+        </p:nvSpPr>
+        <p:spPr>
+          <a:xfrm>
+            <a:off x="1097280" y="1845735"/>
+            <a:ext cx="4937760" cy="4023359"/>
+          </a:xfrm>
+        </p:spPr>
         <p:txBody>
           <a:bodyPr/>
           <a:lstStyle/>
           <a:p>
             <a:r>
-              <a:rPr lang="en-US" dirty="0" smtClean="0"/>
-              <a:t>In words!</a:t>
+              <a:rPr lang="en-US" dirty="0"/>
+              <a:t>Purpose: to determine whether an object is in the prototype chain of another object</a:t>
+            </a:r>
+          </a:p>
+          <a:p>
+            <a:r>
+              <a:rPr lang="en-US" dirty="0"/>
+              <a:t>Syntax: </a:t>
+            </a:r>
+            <a:r>
+              <a:rPr lang="en-US" sz="1600" dirty="0" err="1">
+                <a:latin typeface="Courier"/>
+              </a:rPr>
+              <a:t>prototypeObject.isPrototypeOf</a:t>
+            </a:r>
+            <a:r>
+              <a:rPr lang="en-US" sz="1600" dirty="0">
+                <a:latin typeface="Courier"/>
+              </a:rPr>
+              <a:t>(object)</a:t>
+            </a:r>
+          </a:p>
+          <a:p>
+            <a:r>
+              <a:rPr lang="en-US" dirty="0"/>
+              <a:t>Return value: a Boolean indicating the result of prototype chain </a:t>
+            </a:r>
+            <a:r>
+              <a:rPr lang="en-US" dirty="0" err="1"/>
+              <a:t>seach</a:t>
             </a:r>
             <a:endParaRPr lang="en-US" dirty="0"/>
           </a:p>
@@ -5159,20 +5178,13 @@
     </p:spTree>
     <p:extLst>
       <p:ext uri="{BB962C8B-B14F-4D97-AF65-F5344CB8AC3E}">
-        <p14:creationId xmlns:p14="http://schemas.microsoft.com/office/powerpoint/2010/main" val="1748528465"/>
+        <p14:creationId xmlns:p14="http://schemas.microsoft.com/office/powerpoint/2010/main" val="1921277994"/>
       </p:ext>
     </p:extLst>
   </p:cSld>
   <p:clrMapOvr>
     <a:masterClrMapping/>
   </p:clrMapOvr>
-  <p:timing>
-    <p:tnLst>
-      <p:par>
-        <p:cTn id="1" dur="indefinite" restart="never" nodeType="tmRoot"/>
-      </p:par>
-    </p:tnLst>
-  </p:timing>
 </p:sld>
 </file>
 
@@ -5209,7 +5221,11 @@
           <a:lstStyle/>
           <a:p>
             <a:r>
-              <a:rPr lang="en-US" dirty="0"/>
+              <a:rPr lang="en-US" b="1" u="sng" dirty="0">
+                <a:solidFill>
+                  <a:schemeClr val="accent2"/>
+                </a:solidFill>
+              </a:rPr>
               <a:t>JavaScript Objects</a:t>
             </a:r>
           </a:p>
@@ -5231,8 +5247,28 @@
           <a:lstStyle/>
           <a:p>
             <a:r>
-              <a:rPr lang="en-US" dirty="0"/>
-              <a:t>An example:</a:t>
+              <a:rPr lang="en-US" dirty="0" err="1">
+                <a:latin typeface="Courier"/>
+              </a:rPr>
+              <a:t>var</a:t>
+            </a:r>
+            <a:r>
+              <a:rPr lang="en-US" dirty="0">
+                <a:latin typeface="Courier"/>
+              </a:rPr>
+              <a:t> </a:t>
+            </a:r>
+            <a:r>
+              <a:rPr lang="en-US" dirty="0" err="1">
+                <a:latin typeface="Courier"/>
+              </a:rPr>
+              <a:t>alice</a:t>
+            </a:r>
+            <a:r>
+              <a:rPr lang="en-US" dirty="0">
+                <a:latin typeface="Courier"/>
+              </a:rPr>
+              <a:t> = {name: "Alice", age: 36};</a:t>
             </a:r>
           </a:p>
           <a:p>
@@ -5249,6 +5285,12 @@
             <a:pPr marL="0" indent="0">
               <a:buNone/>
             </a:pPr>
+            <a:endParaRPr lang="en-US" dirty="0"/>
+          </a:p>
+          <a:p>
+            <a:pPr marL="0" indent="0">
+              <a:buNone/>
+            </a:pPr>
             <a:r>
               <a:rPr lang="en-US" dirty="0"/>
               <a:t>Talk about properties/descriptors/attributes</a:t>
@@ -5261,7 +5303,7 @@
       </p:sp>
       <p:pic>
         <p:nvPicPr>
-          <p:cNvPr id="4" name="Picture 3"/>
+          <p:cNvPr id="5" name="Picture 4"/>
           <p:cNvPicPr>
             <a:picLocks noChangeAspect="1"/>
           </p:cNvPicPr>
@@ -5281,8 +5323,8 @@
         </p:blipFill>
         <p:spPr>
           <a:xfrm>
-            <a:off x="3069040" y="2011680"/>
-            <a:ext cx="3779848" cy="1844200"/>
+            <a:off x="1355461" y="2198611"/>
+            <a:ext cx="1737511" cy="1554615"/>
           </a:xfrm>
           <a:prstGeom prst="rect">
             <a:avLst/>
@@ -5299,13 +5341,6 @@
   <p:clrMapOvr>
     <a:masterClrMapping/>
   </p:clrMapOvr>
-  <p:timing>
-    <p:tnLst>
-      <p:par>
-        <p:cTn id="1" dur="indefinite" restart="never" nodeType="tmRoot"/>
-      </p:par>
-    </p:tnLst>
-  </p:timing>
 </p:sld>
 </file>
 
@@ -5412,7 +5447,7 @@
           <a:lstStyle/>
           <a:p>
             <a:r>
-              <a:rPr lang="en-US" sz="2000" b="1" dirty="0" smtClean="0">
+              <a:rPr lang="en-US" sz="2000" b="1" dirty="0">
                 <a:solidFill>
                   <a:schemeClr val="accent2"/>
                 </a:solidFill>
@@ -5420,21 +5455,21 @@
               <a:t>Object field lookup: </a:t>
             </a:r>
             <a:r>
-              <a:rPr lang="en-US" sz="2000" b="1" dirty="0" err="1" smtClean="0">
+              <a:rPr lang="en-US" sz="2000" b="1" dirty="0" err="1">
                 <a:solidFill>
                   <a:schemeClr val="accent2"/>
                 </a:solidFill>
               </a:rPr>
               <a:t>o.x</a:t>
             </a:r>
-            <a:endParaRPr lang="en-US" sz="2000" b="1" dirty="0" smtClean="0">
+            <a:endParaRPr lang="en-US" sz="2000" b="1" dirty="0">
               <a:solidFill>
                 <a:schemeClr val="accent2"/>
               </a:solidFill>
             </a:endParaRPr>
           </a:p>
           <a:p>
-            <a:endParaRPr lang="en-US" sz="400" dirty="0" smtClean="0"/>
+            <a:endParaRPr lang="en-US" sz="400" dirty="0"/>
           </a:p>
           <a:p>
             <a:pPr marL="715963" indent="-454025">
@@ -5442,11 +5477,11 @@
               <a:buAutoNum type="arabicPeriod"/>
             </a:pPr>
             <a:r>
-              <a:rPr lang="en-US" dirty="0" smtClean="0"/>
+              <a:rPr lang="en-US" dirty="0"/>
               <a:t>Look for property </a:t>
             </a:r>
             <a:r>
-              <a:rPr lang="en-US" dirty="0" smtClean="0">
+              <a:rPr lang="en-US" dirty="0">
                 <a:latin typeface="Courier" charset="0"/>
                 <a:ea typeface="Courier" charset="0"/>
                 <a:cs typeface="Courier" charset="0"/>
@@ -5454,11 +5489,11 @@
               <a:t>x</a:t>
             </a:r>
             <a:r>
-              <a:rPr lang="en-US" dirty="0" smtClean="0"/>
+              <a:rPr lang="en-US" dirty="0"/>
               <a:t> in the object </a:t>
             </a:r>
             <a:r>
-              <a:rPr lang="en-US" dirty="0" smtClean="0">
+              <a:rPr lang="en-US" dirty="0">
                 <a:latin typeface="Courier" charset="0"/>
                 <a:ea typeface="Courier" charset="0"/>
                 <a:cs typeface="Courier" charset="0"/>
@@ -5466,7 +5501,7 @@
               <a:t>o</a:t>
             </a:r>
             <a:r>
-              <a:rPr lang="en-US" dirty="0" smtClean="0"/>
+              <a:rPr lang="en-US" dirty="0"/>
               <a:t>. If found, return its value.</a:t>
             </a:r>
           </a:p>
@@ -5476,7 +5511,7 @@
               <a:buAutoNum type="arabicPeriod"/>
             </a:pPr>
             <a:r>
-              <a:rPr lang="en-US" dirty="0" smtClean="0"/>
+              <a:rPr lang="en-US" dirty="0"/>
               <a:t>Otherwise, look for property x in the prototype of object o.</a:t>
             </a:r>
           </a:p>
@@ -5487,24 +5522,20 @@
             </a:pPr>
             <a:r>
               <a:rPr lang="en-US" dirty="0"/>
-              <a:t>A</a:t>
-            </a:r>
-            <a:r>
-              <a:rPr lang="en-US" dirty="0" smtClean="0"/>
-              <a:t>nd so on, until the end of the prototype chain</a:t>
+              <a:t>And so on, until the end of the prototype chain</a:t>
             </a:r>
             <a:r>
               <a:rPr lang="is-IS" dirty="0"/>
               <a:t>.</a:t>
             </a:r>
-            <a:endParaRPr lang="en-US" dirty="0" smtClean="0"/>
+            <a:endParaRPr lang="en-US" dirty="0"/>
           </a:p>
           <a:p>
             <a:pPr marL="285750" indent="-285750">
               <a:buFont typeface="Arial" charset="0"/>
               <a:buChar char="•"/>
             </a:pPr>
-            <a:endParaRPr lang="en-US" sz="2000" dirty="0" smtClean="0"/>
+            <a:endParaRPr lang="en-US" sz="2000" dirty="0"/>
           </a:p>
         </p:txBody>
       </p:sp>
@@ -5600,29 +5631,21 @@
                 <a:ea typeface="Courier" charset="0"/>
                 <a:cs typeface="Courier" charset="0"/>
               </a:rPr>
-              <a:t> = </a:t>
-            </a:r>
-            <a:r>
-              <a:rPr lang="en-US" sz="1700" dirty="0" smtClean="0">
+              <a:t> = true</a:t>
+            </a:r>
+          </a:p>
+          <a:p>
+            <a:pPr lvl="1"/>
+            <a:r>
+              <a:rPr lang="en-US" sz="1700" dirty="0" err="1">
                 <a:latin typeface="Courier" charset="0"/>
                 <a:ea typeface="Courier" charset="0"/>
                 <a:cs typeface="Courier" charset="0"/>
               </a:rPr>
-              <a:t>true</a:t>
-            </a:r>
-          </a:p>
-          <a:p>
-            <a:pPr lvl="1"/>
-            <a:r>
-              <a:rPr lang="en-US" sz="1700" dirty="0" err="1" smtClean="0">
-                <a:latin typeface="Courier" charset="0"/>
-                <a:ea typeface="Courier" charset="0"/>
-                <a:cs typeface="Courier" charset="0"/>
-              </a:rPr>
               <a:t>alice.weight</a:t>
             </a:r>
             <a:r>
-              <a:rPr lang="en-US" sz="1700" dirty="0" smtClean="0">
+              <a:rPr lang="en-US" sz="1700" dirty="0">
                 <a:latin typeface="Courier" charset="0"/>
                 <a:ea typeface="Courier" charset="0"/>
                 <a:cs typeface="Courier" charset="0"/>
@@ -5641,44 +5664,40 @@
           <a:p>
             <a:pPr lvl="1"/>
             <a:r>
-              <a:rPr lang="en-US" sz="1700" dirty="0" smtClean="0">
+              <a:rPr lang="en-US" sz="1700" dirty="0">
                 <a:ea typeface="Courier" charset="0"/>
                 <a:cs typeface="Courier" charset="0"/>
               </a:rPr>
               <a:t>All objects share the methods of </a:t>
             </a:r>
             <a:r>
-              <a:rPr lang="en-US" sz="1700" dirty="0" err="1" smtClean="0">
+              <a:rPr lang="en-US" sz="1700" dirty="0" err="1">
                 <a:ea typeface="Courier" charset="0"/>
                 <a:cs typeface="Courier" charset="0"/>
               </a:rPr>
               <a:t>Object.prototype</a:t>
             </a:r>
             <a:r>
-              <a:rPr lang="en-US" sz="1700" dirty="0" smtClean="0">
+              <a:rPr lang="en-US" sz="1700" dirty="0">
                 <a:ea typeface="Courier" charset="0"/>
                 <a:cs typeface="Courier" charset="0"/>
               </a:rPr>
               <a:t> (</a:t>
             </a:r>
             <a:r>
-              <a:rPr lang="en-US" sz="1700" dirty="0" err="1" smtClean="0">
+              <a:rPr lang="en-US" sz="1700" dirty="0" err="1">
                 <a:ea typeface="Courier" charset="0"/>
                 <a:cs typeface="Courier" charset="0"/>
               </a:rPr>
               <a:t>valueOf</a:t>
             </a:r>
             <a:r>
-              <a:rPr lang="en-US" sz="1700" dirty="0" smtClean="0">
+              <a:rPr lang="en-US" sz="1700" dirty="0">
                 <a:ea typeface="Courier" charset="0"/>
                 <a:cs typeface="Courier" charset="0"/>
               </a:rPr>
               <a:t>)</a:t>
             </a:r>
-            <a:endParaRPr lang="en-US" sz="1700" dirty="0">
-              <a:ea typeface="Courier" charset="0"/>
-              <a:cs typeface="Courier" charset="0"/>
-            </a:endParaRPr>
           </a:p>
         </p:txBody>
       </p:sp>
@@ -5692,13 +5711,6 @@
   <p:clrMapOvr>
     <a:masterClrMapping/>
   </p:clrMapOvr>
-  <p:timing>
-    <p:tnLst>
-      <p:par>
-        <p:cTn id="1" dur="indefinite" restart="never" nodeType="tmRoot"/>
-      </p:par>
-    </p:tnLst>
-  </p:timing>
 </p:sld>
 </file>
 
@@ -5747,7 +5759,7 @@
               </a:spcAft>
             </a:pPr>
             <a:r>
-              <a:rPr lang="en-US" sz="2000" b="1" dirty="0" smtClean="0">
+              <a:rPr lang="en-US" sz="2000" b="1" dirty="0">
                 <a:solidFill>
                   <a:schemeClr val="accent2"/>
                 </a:solidFill>
@@ -5755,7 +5767,7 @@
               <a:t>✓</a:t>
             </a:r>
             <a:r>
-              <a:rPr lang="en-US" sz="2000" dirty="0" smtClean="0"/>
+              <a:rPr lang="en-US" sz="2000" dirty="0"/>
               <a:t> Extensible objects</a:t>
             </a:r>
           </a:p>
@@ -5774,7 +5786,7 @@
               <a:t>✓</a:t>
             </a:r>
             <a:r>
-              <a:rPr lang="en-US" sz="2000" dirty="0" smtClean="0"/>
+              <a:rPr lang="en-US" sz="2000" dirty="0"/>
               <a:t> Dynamic field access</a:t>
             </a:r>
           </a:p>
@@ -5793,7 +5805,7 @@
               <a:t>✓</a:t>
             </a:r>
             <a:r>
-              <a:rPr lang="en-US" sz="2000" dirty="0" smtClean="0"/>
+              <a:rPr lang="en-US" sz="2000" dirty="0"/>
               <a:t> Dynamic procedure calls</a:t>
             </a:r>
           </a:p>
@@ -5804,7 +5816,7 @@
               </a:spcAft>
             </a:pPr>
             <a:r>
-              <a:rPr lang="en-US" sz="2000" b="1" dirty="0" smtClean="0">
+              <a:rPr lang="en-US" sz="2000" b="1" dirty="0">
                 <a:solidFill>
                   <a:schemeClr val="accent2"/>
                 </a:solidFill>
@@ -5812,7 +5824,7 @@
               <a:t>✓</a:t>
             </a:r>
             <a:r>
-              <a:rPr lang="en-US" sz="2000" dirty="0" smtClean="0"/>
+              <a:rPr lang="en-US" sz="2000" dirty="0"/>
               <a:t> Top-level procedures</a:t>
             </a:r>
           </a:p>
@@ -5887,18 +5899,13 @@
           <a:p>
             <a:pPr algn="ctr"/>
             <a:r>
-              <a:rPr lang="en-US" sz="4100" b="1" u="sng" dirty="0" smtClean="0">
+              <a:rPr lang="en-US" sz="4100" b="1" u="sng" dirty="0">
                 <a:solidFill>
                   <a:schemeClr val="accent2"/>
                 </a:solidFill>
               </a:rPr>
               <a:t>JSIL: An Intermediate Language for JS Verification</a:t>
             </a:r>
-            <a:endParaRPr lang="en-US" sz="4100" b="1" u="sng" dirty="0">
-              <a:solidFill>
-                <a:schemeClr val="accent2"/>
-              </a:solidFill>
-            </a:endParaRPr>
           </a:p>
         </p:txBody>
       </p:sp>
@@ -5926,7 +5933,7 @@
           <a:p>
             <a:pPr algn="ctr"/>
             <a:r>
-              <a:rPr lang="en-US" sz="2000" b="1" dirty="0" smtClean="0">
+              <a:rPr lang="en-US" sz="2000" b="1" dirty="0">
                 <a:solidFill>
                   <a:schemeClr val="accent2"/>
                 </a:solidFill>
@@ -5934,7 +5941,7 @@
               <a:t>Basic commands (</a:t>
             </a:r>
             <a:r>
-              <a:rPr lang="en-US" b="1" dirty="0" err="1" smtClean="0">
+              <a:rPr lang="en-US" b="1" dirty="0" err="1">
                 <a:solidFill>
                   <a:schemeClr val="accent2"/>
                 </a:solidFill>
@@ -5945,7 +5952,7 @@
               <a:t>bc</a:t>
             </a:r>
             <a:r>
-              <a:rPr lang="en-US" sz="2000" b="1" dirty="0" smtClean="0">
+              <a:rPr lang="en-US" sz="2000" b="1" dirty="0">
                 <a:solidFill>
                   <a:schemeClr val="accent2"/>
                 </a:solidFill>
@@ -5955,40 +5962,7 @@
           </a:p>
           <a:p>
             <a:pPr algn="ctr"/>
-            <a:endParaRPr lang="en-US" sz="800" dirty="0" smtClean="0"/>
-          </a:p>
-          <a:p>
-            <a:pPr algn="ctr"/>
-            <a:r>
-              <a:rPr lang="en-US" sz="1600" dirty="0" smtClean="0">
-                <a:latin typeface="Courier" charset="0"/>
-                <a:ea typeface="Courier" charset="0"/>
-                <a:cs typeface="Courier" charset="0"/>
-              </a:rPr>
-              <a:t>skip</a:t>
-            </a:r>
-          </a:p>
-          <a:p>
-            <a:pPr algn="ctr"/>
-            <a:r>
-              <a:rPr lang="en-US" sz="1600" dirty="0" smtClean="0">
-                <a:latin typeface="Courier" charset="0"/>
-                <a:ea typeface="Courier" charset="0"/>
-                <a:cs typeface="Courier" charset="0"/>
-              </a:rPr>
-              <a:t>x := e</a:t>
-            </a:r>
-          </a:p>
-          <a:p>
-            <a:pPr algn="ctr"/>
-            <a:r>
-              <a:rPr lang="en-US" sz="1600" dirty="0" smtClean="0">
-                <a:latin typeface="Courier" charset="0"/>
-                <a:ea typeface="Courier" charset="0"/>
-                <a:cs typeface="Courier" charset="0"/>
-              </a:rPr>
-              <a:t>x := new()</a:t>
-            </a:r>
+            <a:endParaRPr lang="en-US" sz="800" dirty="0"/>
           </a:p>
           <a:p>
             <a:pPr algn="ctr"/>
@@ -5998,26 +5972,7 @@
                 <a:ea typeface="Courier" charset="0"/>
                 <a:cs typeface="Courier" charset="0"/>
               </a:rPr>
-              <a:t>x</a:t>
-            </a:r>
-            <a:r>
-              <a:rPr lang="en-US" sz="1600" dirty="0" smtClean="0">
-                <a:latin typeface="Courier" charset="0"/>
-                <a:ea typeface="Courier" charset="0"/>
-                <a:cs typeface="Courier" charset="0"/>
-              </a:rPr>
-              <a:t> := [e, e]</a:t>
-            </a:r>
-          </a:p>
-          <a:p>
-            <a:pPr algn="ctr"/>
-            <a:r>
-              <a:rPr lang="en-US" sz="1600" dirty="0" smtClean="0">
-                <a:latin typeface="Courier" charset="0"/>
-                <a:ea typeface="Courier" charset="0"/>
-                <a:cs typeface="Courier" charset="0"/>
-              </a:rPr>
-              <a:t>[e, e] := e</a:t>
+              <a:t>skip</a:t>
             </a:r>
           </a:p>
           <a:p>
@@ -6028,48 +5983,57 @@
                 <a:ea typeface="Courier" charset="0"/>
                 <a:cs typeface="Courier" charset="0"/>
               </a:rPr>
-              <a:t>d</a:t>
-            </a:r>
-            <a:r>
-              <a:rPr lang="en-US" sz="1600" dirty="0" smtClean="0">
+              <a:t>x := e</a:t>
+            </a:r>
+          </a:p>
+          <a:p>
+            <a:pPr algn="ctr"/>
+            <a:r>
+              <a:rPr lang="en-US" sz="1600" dirty="0">
                 <a:latin typeface="Courier" charset="0"/>
                 <a:ea typeface="Courier" charset="0"/>
                 <a:cs typeface="Courier" charset="0"/>
               </a:rPr>
-              <a:t>elete (e, e)</a:t>
+              <a:t>x := new()</a:t>
             </a:r>
           </a:p>
           <a:p>
             <a:pPr algn="ctr"/>
             <a:r>
-              <a:rPr lang="en-US" sz="1600" dirty="0" smtClean="0">
+              <a:rPr lang="en-US" sz="1600" dirty="0">
                 <a:latin typeface="Courier" charset="0"/>
                 <a:ea typeface="Courier" charset="0"/>
                 <a:cs typeface="Courier" charset="0"/>
               </a:rPr>
-              <a:t>x := </a:t>
-            </a:r>
-            <a:r>
-              <a:rPr lang="en-US" sz="1600" dirty="0" err="1" smtClean="0">
+              <a:t>x := [e, e]</a:t>
+            </a:r>
+          </a:p>
+          <a:p>
+            <a:pPr algn="ctr"/>
+            <a:r>
+              <a:rPr lang="en-US" sz="1600" dirty="0">
                 <a:latin typeface="Courier" charset="0"/>
                 <a:ea typeface="Courier" charset="0"/>
                 <a:cs typeface="Courier" charset="0"/>
               </a:rPr>
-              <a:t>hasField</a:t>
-            </a:r>
-            <a:r>
-              <a:rPr lang="en-US" sz="1600" dirty="0" smtClean="0">
+              <a:t>[e, e] := e</a:t>
+            </a:r>
+          </a:p>
+          <a:p>
+            <a:pPr algn="ctr"/>
+            <a:r>
+              <a:rPr lang="en-US" sz="1600" dirty="0">
                 <a:latin typeface="Courier" charset="0"/>
                 <a:ea typeface="Courier" charset="0"/>
                 <a:cs typeface="Courier" charset="0"/>
               </a:rPr>
-              <a:t>(e, e)</a:t>
+              <a:t>delete (e, e)</a:t>
             </a:r>
           </a:p>
           <a:p>
             <a:pPr algn="ctr"/>
             <a:r>
-              <a:rPr lang="en-US" sz="1600" dirty="0" smtClean="0">
+              <a:rPr lang="en-US" sz="1600" dirty="0">
                 <a:latin typeface="Courier" charset="0"/>
                 <a:ea typeface="Courier" charset="0"/>
                 <a:cs typeface="Courier" charset="0"/>
@@ -6077,15 +6041,42 @@
               <a:t>x := </a:t>
             </a:r>
             <a:r>
-              <a:rPr lang="en-US" sz="1600" dirty="0" err="1" smtClean="0">
+              <a:rPr lang="en-US" sz="1600" dirty="0" err="1">
                 <a:latin typeface="Courier" charset="0"/>
                 <a:ea typeface="Courier" charset="0"/>
                 <a:cs typeface="Courier" charset="0"/>
               </a:rPr>
+              <a:t>hasField</a:t>
+            </a:r>
+            <a:r>
+              <a:rPr lang="en-US" sz="1600" dirty="0">
+                <a:latin typeface="Courier" charset="0"/>
+                <a:ea typeface="Courier" charset="0"/>
+                <a:cs typeface="Courier" charset="0"/>
+              </a:rPr>
+              <a:t>(e, e)</a:t>
+            </a:r>
+          </a:p>
+          <a:p>
+            <a:pPr algn="ctr"/>
+            <a:r>
+              <a:rPr lang="en-US" sz="1600" dirty="0">
+                <a:latin typeface="Courier" charset="0"/>
+                <a:ea typeface="Courier" charset="0"/>
+                <a:cs typeface="Courier" charset="0"/>
+              </a:rPr>
+              <a:t>x := </a:t>
+            </a:r>
+            <a:r>
+              <a:rPr lang="en-US" sz="1600" dirty="0" err="1">
+                <a:latin typeface="Courier" charset="0"/>
+                <a:ea typeface="Courier" charset="0"/>
+                <a:cs typeface="Courier" charset="0"/>
+              </a:rPr>
               <a:t>getFields</a:t>
             </a:r>
             <a:r>
-              <a:rPr lang="en-US" sz="1600" dirty="0" smtClean="0">
+              <a:rPr lang="en-US" sz="1600" dirty="0">
                 <a:latin typeface="Courier" charset="0"/>
                 <a:ea typeface="Courier" charset="0"/>
                 <a:cs typeface="Courier" charset="0"/>
@@ -6119,7 +6110,7 @@
           <a:p>
             <a:pPr algn="ctr"/>
             <a:r>
-              <a:rPr lang="en-US" sz="2000" b="1" dirty="0" smtClean="0">
+              <a:rPr lang="en-US" sz="2000" b="1" dirty="0">
                 <a:solidFill>
                   <a:schemeClr val="accent2"/>
                 </a:solidFill>
@@ -6127,7 +6118,7 @@
               <a:t>Expressions (</a:t>
             </a:r>
             <a:r>
-              <a:rPr lang="en-US" b="1" dirty="0" smtClean="0">
+              <a:rPr lang="en-US" b="1" dirty="0">
                 <a:solidFill>
                   <a:schemeClr val="accent2"/>
                 </a:solidFill>
@@ -6138,7 +6129,7 @@
               <a:t>e</a:t>
             </a:r>
             <a:r>
-              <a:rPr lang="en-US" sz="2000" b="1" dirty="0" smtClean="0">
+              <a:rPr lang="en-US" sz="2000" b="1" dirty="0">
                 <a:solidFill>
                   <a:schemeClr val="accent2"/>
                 </a:solidFill>
@@ -6148,190 +6139,7 @@
           </a:p>
           <a:p>
             <a:pPr algn="ctr"/>
-            <a:endParaRPr lang="en-US" sz="800" dirty="0" smtClean="0"/>
-          </a:p>
-          <a:p>
-            <a:pPr algn="ctr"/>
-            <a:r>
-              <a:rPr lang="en-US" sz="1600" dirty="0" smtClean="0">
-                <a:latin typeface="Courier" charset="0"/>
-                <a:ea typeface="Courier" charset="0"/>
-                <a:cs typeface="Courier" charset="0"/>
-              </a:rPr>
-              <a:t>v</a:t>
-            </a:r>
-          </a:p>
-          <a:p>
-            <a:pPr algn="ctr"/>
-            <a:r>
-              <a:rPr lang="en-US" sz="1600" dirty="0" smtClean="0">
-                <a:latin typeface="Courier" charset="0"/>
-                <a:ea typeface="Courier" charset="0"/>
-                <a:cs typeface="Courier" charset="0"/>
-              </a:rPr>
-              <a:t>x</a:t>
-            </a:r>
-          </a:p>
-          <a:p>
-            <a:pPr algn="ctr"/>
-            <a:r>
-              <a:rPr lang="en-US" sz="1600" dirty="0" smtClean="0">
-                <a:latin typeface="Courier" charset="0"/>
-                <a:ea typeface="Courier" charset="0"/>
-                <a:cs typeface="Courier" charset="0"/>
-              </a:rPr>
-              <a:t>-</a:t>
-            </a:r>
-            <a:r>
-              <a:rPr lang="en-US" sz="1600" dirty="0" smtClean="0">
-                <a:ea typeface="Courier" charset="0"/>
-                <a:cs typeface="Courier" charset="0"/>
-              </a:rPr>
-              <a:t> </a:t>
-            </a:r>
-            <a:r>
-              <a:rPr lang="en-US" sz="1600" dirty="0" smtClean="0">
-                <a:latin typeface="Courier" charset="0"/>
-                <a:ea typeface="Courier" charset="0"/>
-                <a:cs typeface="Courier" charset="0"/>
-              </a:rPr>
-              <a:t>e, e</a:t>
-            </a:r>
-            <a:r>
-              <a:rPr lang="en-US" sz="1600" dirty="0" smtClean="0">
-                <a:ea typeface="Courier" charset="0"/>
-                <a:cs typeface="Courier" charset="0"/>
-              </a:rPr>
-              <a:t> </a:t>
-            </a:r>
-            <a:r>
-              <a:rPr lang="en-US" sz="1600" dirty="0" smtClean="0">
-                <a:latin typeface="Courier" charset="0"/>
-                <a:ea typeface="Courier" charset="0"/>
-                <a:cs typeface="Courier" charset="0"/>
-              </a:rPr>
-              <a:t>+</a:t>
-            </a:r>
-            <a:r>
-              <a:rPr lang="en-US" sz="1600" dirty="0" smtClean="0">
-                <a:ea typeface="Courier" charset="0"/>
-                <a:cs typeface="Courier" charset="0"/>
-              </a:rPr>
-              <a:t> </a:t>
-            </a:r>
-            <a:r>
-              <a:rPr lang="en-US" sz="1600" dirty="0" smtClean="0">
-                <a:latin typeface="Courier" charset="0"/>
-                <a:ea typeface="Courier" charset="0"/>
-                <a:cs typeface="Courier" charset="0"/>
-              </a:rPr>
-              <a:t>e</a:t>
-            </a:r>
-          </a:p>
-          <a:p>
-            <a:pPr algn="ctr"/>
-            <a:r>
-              <a:rPr lang="en-US" sz="1600" dirty="0" err="1" smtClean="0">
-                <a:latin typeface="Courier" charset="0"/>
-                <a:ea typeface="Courier" charset="0"/>
-                <a:cs typeface="Courier" charset="0"/>
-              </a:rPr>
-              <a:t>typeOf</a:t>
-            </a:r>
-            <a:r>
-              <a:rPr lang="en-US" sz="1600" dirty="0" smtClean="0">
-                <a:latin typeface="Courier" charset="0"/>
-                <a:ea typeface="Courier" charset="0"/>
-                <a:cs typeface="Courier" charset="0"/>
-              </a:rPr>
-              <a:t>(e)</a:t>
-            </a:r>
-          </a:p>
-          <a:p>
-            <a:pPr algn="ctr"/>
-            <a:r>
-              <a:rPr lang="en-US" sz="1600" dirty="0" err="1" smtClean="0">
-                <a:latin typeface="Courier" charset="0"/>
-                <a:ea typeface="Courier" charset="0"/>
-                <a:cs typeface="Courier" charset="0"/>
-              </a:rPr>
-              <a:t>e.</a:t>
-            </a:r>
-            <a:r>
-              <a:rPr lang="en-US" sz="1600" baseline="-25000" dirty="0" err="1" smtClean="0">
-                <a:latin typeface="Courier" charset="0"/>
-                <a:ea typeface="Courier" charset="0"/>
-                <a:cs typeface="Courier" charset="0"/>
-              </a:rPr>
-              <a:t>v</a:t>
-            </a:r>
-            <a:r>
-              <a:rPr lang="en-US" sz="1600" dirty="0" err="1" smtClean="0">
-                <a:latin typeface="Courier" charset="0"/>
-                <a:ea typeface="Courier" charset="0"/>
-                <a:cs typeface="Courier" charset="0"/>
-              </a:rPr>
-              <a:t>e</a:t>
-            </a:r>
-            <a:r>
-              <a:rPr lang="en-US" sz="1600" dirty="0" smtClean="0">
-                <a:latin typeface="Courier" charset="0"/>
-                <a:ea typeface="Courier" charset="0"/>
-                <a:cs typeface="Courier" charset="0"/>
-              </a:rPr>
-              <a:t>, </a:t>
-            </a:r>
-            <a:r>
-              <a:rPr lang="en-US" sz="1600" dirty="0" err="1" smtClean="0">
-                <a:latin typeface="Courier" charset="0"/>
-                <a:ea typeface="Courier" charset="0"/>
-                <a:cs typeface="Courier" charset="0"/>
-              </a:rPr>
-              <a:t>e.</a:t>
-            </a:r>
-            <a:r>
-              <a:rPr lang="en-US" sz="1600" baseline="-25000" dirty="0" err="1" smtClean="0">
-                <a:latin typeface="Courier" charset="0"/>
-                <a:ea typeface="Courier" charset="0"/>
-                <a:cs typeface="Courier" charset="0"/>
-              </a:rPr>
-              <a:t>o</a:t>
-            </a:r>
-            <a:r>
-              <a:rPr lang="en-US" sz="1600" dirty="0" err="1" smtClean="0">
-                <a:latin typeface="Courier" charset="0"/>
-                <a:ea typeface="Courier" charset="0"/>
-                <a:cs typeface="Courier" charset="0"/>
-              </a:rPr>
-              <a:t>e</a:t>
-            </a:r>
-            <a:endParaRPr lang="en-US" sz="1600" dirty="0" smtClean="0">
-              <a:latin typeface="Courier" charset="0"/>
-              <a:ea typeface="Courier" charset="0"/>
-              <a:cs typeface="Courier" charset="0"/>
-            </a:endParaRPr>
-          </a:p>
-          <a:p>
-            <a:pPr algn="ctr"/>
-            <a:r>
-              <a:rPr lang="en-US" sz="1600" dirty="0" smtClean="0">
-                <a:latin typeface="Courier" charset="0"/>
-                <a:ea typeface="Courier" charset="0"/>
-                <a:cs typeface="Courier" charset="0"/>
-              </a:rPr>
-              <a:t>base(e)</a:t>
-            </a:r>
-          </a:p>
-          <a:p>
-            <a:pPr algn="ctr"/>
-            <a:r>
-              <a:rPr lang="en-US" sz="1600" dirty="0" smtClean="0">
-                <a:latin typeface="Courier" charset="0"/>
-                <a:ea typeface="Courier" charset="0"/>
-                <a:cs typeface="Courier" charset="0"/>
-              </a:rPr>
-              <a:t>field(e)</a:t>
-            </a:r>
+            <a:endParaRPr lang="en-US" sz="800" dirty="0"/>
           </a:p>
           <a:p>
             <a:pPr algn="ctr"/>
@@ -6341,21 +6149,191 @@
                 <a:ea typeface="Courier" charset="0"/>
                 <a:cs typeface="Courier" charset="0"/>
               </a:rPr>
-              <a:t>n</a:t>
-            </a:r>
-            <a:r>
-              <a:rPr lang="en-US" sz="1600" dirty="0" smtClean="0">
+              <a:t>v</a:t>
+            </a:r>
+          </a:p>
+          <a:p>
+            <a:pPr algn="ctr"/>
+            <a:r>
+              <a:rPr lang="en-US" sz="1600" dirty="0">
                 <a:latin typeface="Courier" charset="0"/>
                 <a:ea typeface="Courier" charset="0"/>
                 <a:cs typeface="Courier" charset="0"/>
               </a:rPr>
-              <a:t>th (e, e)</a:t>
+              <a:t>x</a:t>
+            </a:r>
+          </a:p>
+          <a:p>
+            <a:pPr algn="ctr"/>
+            <a:r>
+              <a:rPr lang="en-US" sz="1600" dirty="0">
+                <a:latin typeface="Courier" charset="0"/>
+                <a:ea typeface="Courier" charset="0"/>
+                <a:cs typeface="Courier" charset="0"/>
+              </a:rPr>
+              <a:t>-</a:t>
+            </a:r>
+            <a:r>
+              <a:rPr lang="en-US" sz="1600" dirty="0">
+                <a:ea typeface="Courier" charset="0"/>
+                <a:cs typeface="Courier" charset="0"/>
+              </a:rPr>
+              <a:t> </a:t>
+            </a:r>
+            <a:r>
+              <a:rPr lang="en-US" sz="1600" dirty="0">
+                <a:latin typeface="Courier" charset="0"/>
+                <a:ea typeface="Courier" charset="0"/>
+                <a:cs typeface="Courier" charset="0"/>
+              </a:rPr>
+              <a:t>e, e</a:t>
+            </a:r>
+            <a:r>
+              <a:rPr lang="en-US" sz="1600" dirty="0">
+                <a:ea typeface="Courier" charset="0"/>
+                <a:cs typeface="Courier" charset="0"/>
+              </a:rPr>
+              <a:t> </a:t>
+            </a:r>
+            <a:r>
+              <a:rPr lang="en-US" sz="1600" dirty="0">
+                <a:latin typeface="Courier" charset="0"/>
+                <a:ea typeface="Courier" charset="0"/>
+                <a:cs typeface="Courier" charset="0"/>
+              </a:rPr>
+              <a:t>+</a:t>
+            </a:r>
+            <a:r>
+              <a:rPr lang="en-US" sz="1600" dirty="0">
+                <a:ea typeface="Courier" charset="0"/>
+                <a:cs typeface="Courier" charset="0"/>
+              </a:rPr>
+              <a:t> </a:t>
+            </a:r>
+            <a:r>
+              <a:rPr lang="en-US" sz="1600" dirty="0">
+                <a:latin typeface="Courier" charset="0"/>
+                <a:ea typeface="Courier" charset="0"/>
+                <a:cs typeface="Courier" charset="0"/>
+              </a:rPr>
+              <a:t>e</a:t>
+            </a:r>
+          </a:p>
+          <a:p>
+            <a:pPr algn="ctr"/>
+            <a:r>
+              <a:rPr lang="en-US" sz="1600" dirty="0" err="1">
+                <a:latin typeface="Courier" charset="0"/>
+                <a:ea typeface="Courier" charset="0"/>
+                <a:cs typeface="Courier" charset="0"/>
+              </a:rPr>
+              <a:t>typeOf</a:t>
+            </a:r>
+            <a:r>
+              <a:rPr lang="en-US" sz="1600" dirty="0">
+                <a:latin typeface="Courier" charset="0"/>
+                <a:ea typeface="Courier" charset="0"/>
+                <a:cs typeface="Courier" charset="0"/>
+              </a:rPr>
+              <a:t>(e)</a:t>
+            </a:r>
+          </a:p>
+          <a:p>
+            <a:pPr algn="ctr"/>
+            <a:r>
+              <a:rPr lang="en-US" sz="1600" dirty="0" err="1">
+                <a:latin typeface="Courier" charset="0"/>
+                <a:ea typeface="Courier" charset="0"/>
+                <a:cs typeface="Courier" charset="0"/>
+              </a:rPr>
+              <a:t>e.</a:t>
+            </a:r>
+            <a:r>
+              <a:rPr lang="en-US" sz="1600" baseline="-25000" dirty="0" err="1">
+                <a:latin typeface="Courier" charset="0"/>
+                <a:ea typeface="Courier" charset="0"/>
+                <a:cs typeface="Courier" charset="0"/>
+              </a:rPr>
+              <a:t>v</a:t>
+            </a:r>
+            <a:r>
+              <a:rPr lang="en-US" sz="1600" dirty="0" err="1">
+                <a:latin typeface="Courier" charset="0"/>
+                <a:ea typeface="Courier" charset="0"/>
+                <a:cs typeface="Courier" charset="0"/>
+              </a:rPr>
+              <a:t>e</a:t>
+            </a:r>
+            <a:r>
+              <a:rPr lang="en-US" sz="1600" dirty="0">
+                <a:latin typeface="Courier" charset="0"/>
+                <a:ea typeface="Courier" charset="0"/>
+                <a:cs typeface="Courier" charset="0"/>
+              </a:rPr>
+              <a:t>, </a:t>
+            </a:r>
+            <a:r>
+              <a:rPr lang="en-US" sz="1600" dirty="0" err="1">
+                <a:latin typeface="Courier" charset="0"/>
+                <a:ea typeface="Courier" charset="0"/>
+                <a:cs typeface="Courier" charset="0"/>
+              </a:rPr>
+              <a:t>e.</a:t>
+            </a:r>
+            <a:r>
+              <a:rPr lang="en-US" sz="1600" baseline="-25000" dirty="0" err="1">
+                <a:latin typeface="Courier" charset="0"/>
+                <a:ea typeface="Courier" charset="0"/>
+                <a:cs typeface="Courier" charset="0"/>
+              </a:rPr>
+              <a:t>o</a:t>
+            </a:r>
+            <a:r>
+              <a:rPr lang="en-US" sz="1600" dirty="0" err="1">
+                <a:latin typeface="Courier" charset="0"/>
+                <a:ea typeface="Courier" charset="0"/>
+                <a:cs typeface="Courier" charset="0"/>
+              </a:rPr>
+              <a:t>e</a:t>
             </a:r>
             <a:endParaRPr lang="en-US" sz="1600" dirty="0">
               <a:latin typeface="Courier" charset="0"/>
               <a:ea typeface="Courier" charset="0"/>
               <a:cs typeface="Courier" charset="0"/>
             </a:endParaRPr>
+          </a:p>
+          <a:p>
+            <a:pPr algn="ctr"/>
+            <a:r>
+              <a:rPr lang="en-US" sz="1600" dirty="0">
+                <a:latin typeface="Courier" charset="0"/>
+                <a:ea typeface="Courier" charset="0"/>
+                <a:cs typeface="Courier" charset="0"/>
+              </a:rPr>
+              <a:t>base(e)</a:t>
+            </a:r>
+          </a:p>
+          <a:p>
+            <a:pPr algn="ctr"/>
+            <a:r>
+              <a:rPr lang="en-US" sz="1600" dirty="0">
+                <a:latin typeface="Courier" charset="0"/>
+                <a:ea typeface="Courier" charset="0"/>
+                <a:cs typeface="Courier" charset="0"/>
+              </a:rPr>
+              <a:t>field(e)</a:t>
+            </a:r>
+          </a:p>
+          <a:p>
+            <a:pPr algn="ctr"/>
+            <a:r>
+              <a:rPr lang="en-US" sz="1600" dirty="0">
+                <a:latin typeface="Courier" charset="0"/>
+                <a:ea typeface="Courier" charset="0"/>
+                <a:cs typeface="Courier" charset="0"/>
+              </a:rPr>
+              <a:t>nth (e, e)</a:t>
+            </a:r>
           </a:p>
         </p:txBody>
       </p:sp>
@@ -6397,7 +6375,7 @@
             <a:p>
               <a:pPr algn="ctr"/>
               <a:r>
-                <a:rPr lang="en-US" sz="2000" b="1" dirty="0" smtClean="0">
+                <a:rPr lang="en-US" sz="2000" b="1" dirty="0">
                   <a:solidFill>
                     <a:schemeClr val="accent2"/>
                   </a:solidFill>
@@ -6405,7 +6383,7 @@
                 <a:t>Commands (</a:t>
               </a:r>
               <a:r>
-                <a:rPr lang="en-US" b="1" dirty="0" smtClean="0">
+                <a:rPr lang="en-US" b="1" dirty="0">
                   <a:solidFill>
                     <a:schemeClr val="accent2"/>
                   </a:solidFill>
@@ -6416,7 +6394,7 @@
                 <a:t>c</a:t>
               </a:r>
               <a:r>
-                <a:rPr lang="en-US" sz="2000" b="1" dirty="0" smtClean="0">
+                <a:rPr lang="en-US" sz="2000" b="1" dirty="0">
                   <a:solidFill>
                     <a:schemeClr val="accent2"/>
                   </a:solidFill>
@@ -6435,14 +6413,14 @@
             <a:p>
               <a:pPr algn="ctr"/>
               <a:r>
-                <a:rPr lang="en-US" sz="1600" dirty="0" err="1" smtClean="0">
+                <a:rPr lang="en-US" sz="1600" dirty="0" err="1">
                   <a:latin typeface="Courier" charset="0"/>
                   <a:ea typeface="Courier" charset="0"/>
                   <a:cs typeface="Courier" charset="0"/>
                 </a:rPr>
                 <a:t>bc</a:t>
               </a:r>
-              <a:endParaRPr lang="en-US" sz="1600" dirty="0" smtClean="0">
+              <a:endParaRPr lang="en-US" sz="1600" dirty="0">
                 <a:latin typeface="Courier" charset="0"/>
                 <a:ea typeface="Courier" charset="0"/>
                 <a:cs typeface="Courier" charset="0"/>
@@ -6451,7 +6429,7 @@
             <a:p>
               <a:pPr algn="ctr"/>
               <a:r>
-                <a:rPr lang="en-US" sz="1600" dirty="0" err="1" smtClean="0">
+                <a:rPr lang="en-US" sz="1600" dirty="0" err="1">
                   <a:latin typeface="Courier" charset="0"/>
                   <a:ea typeface="Courier" charset="0"/>
                   <a:cs typeface="Courier" charset="0"/>
@@ -6459,7 +6437,7 @@
                 <a:t>goto</a:t>
               </a:r>
               <a:r>
-                <a:rPr lang="en-US" sz="1600" dirty="0" smtClean="0">
+                <a:rPr lang="en-US" sz="1600" dirty="0">
                   <a:latin typeface="Courier" charset="0"/>
                   <a:ea typeface="Courier" charset="0"/>
                   <a:cs typeface="Courier" charset="0"/>
@@ -6467,14 +6445,14 @@
                 <a:t> </a:t>
               </a:r>
               <a:r>
-                <a:rPr lang="en-US" sz="1600" dirty="0" err="1" smtClean="0">
+                <a:rPr lang="en-US" sz="1600" dirty="0" err="1">
                   <a:latin typeface="Courier" charset="0"/>
                   <a:ea typeface="Courier" charset="0"/>
                   <a:cs typeface="Courier" charset="0"/>
                 </a:rPr>
                 <a:t>i</a:t>
               </a:r>
-              <a:endParaRPr lang="en-US" sz="1600" dirty="0" smtClean="0">
+              <a:endParaRPr lang="en-US" sz="1600" dirty="0">
                 <a:latin typeface="Courier" charset="0"/>
                 <a:ea typeface="Courier" charset="0"/>
                 <a:cs typeface="Courier" charset="0"/>
@@ -6483,7 +6461,7 @@
             <a:p>
               <a:pPr algn="ctr"/>
               <a:r>
-                <a:rPr lang="en-US" sz="1600" dirty="0" err="1" smtClean="0">
+                <a:rPr lang="en-US" sz="1600" dirty="0" err="1">
                   <a:latin typeface="Courier" charset="0"/>
                   <a:ea typeface="Courier" charset="0"/>
                   <a:cs typeface="Courier" charset="0"/>
@@ -6491,7 +6469,7 @@
                 <a:t>goto</a:t>
               </a:r>
               <a:r>
-                <a:rPr lang="en-US" sz="1600" dirty="0" smtClean="0">
+                <a:rPr lang="en-US" sz="1600" dirty="0">
                   <a:latin typeface="Courier" charset="0"/>
                   <a:ea typeface="Courier" charset="0"/>
                   <a:cs typeface="Courier" charset="0"/>
@@ -6499,7 +6477,7 @@
                 <a:t> [e] </a:t>
               </a:r>
               <a:r>
-                <a:rPr lang="en-US" sz="1600" dirty="0" err="1" smtClean="0">
+                <a:rPr lang="en-US" sz="1600" dirty="0" err="1">
                   <a:latin typeface="Courier" charset="0"/>
                   <a:ea typeface="Courier" charset="0"/>
                   <a:cs typeface="Courier" charset="0"/>
@@ -6507,7 +6485,7 @@
                 <a:t>i</a:t>
               </a:r>
               <a:r>
-                <a:rPr lang="en-US" sz="1600" dirty="0" smtClean="0">
+                <a:rPr lang="en-US" sz="1600" dirty="0">
                   <a:latin typeface="Courier" charset="0"/>
                   <a:ea typeface="Courier" charset="0"/>
                   <a:cs typeface="Courier" charset="0"/>
@@ -6518,7 +6496,7 @@
             <a:p>
               <a:pPr algn="ctr"/>
               <a:r>
-                <a:rPr lang="en-US" sz="1600" dirty="0" smtClean="0">
+                <a:rPr lang="en-US" sz="1600" dirty="0">
                   <a:latin typeface="Courier" charset="0"/>
                   <a:ea typeface="Courier" charset="0"/>
                   <a:cs typeface="Courier" charset="0"/>
@@ -6526,7 +6504,7 @@
                 <a:t>x := e (e, </a:t>
               </a:r>
               <a:r>
-                <a:rPr lang="is-IS" sz="1600" dirty="0" smtClean="0">
+                <a:rPr lang="is-IS" sz="1600" dirty="0">
                   <a:latin typeface="Courier" charset="0"/>
                   <a:ea typeface="Courier" charset="0"/>
                   <a:cs typeface="Courier" charset="0"/>
@@ -6537,7 +6515,7 @@
             <a:p>
               <a:pPr algn="ctr"/>
               <a:r>
-                <a:rPr lang="en-US" sz="1600" dirty="0" smtClean="0">
+                <a:rPr lang="en-US" sz="1600" dirty="0">
                   <a:latin typeface="Courier" charset="0"/>
                   <a:ea typeface="Courier" charset="0"/>
                   <a:cs typeface="Courier" charset="0"/>
@@ -6545,14 +6523,14 @@
                 <a:t>x = PHI (x, </a:t>
               </a:r>
               <a:r>
-                <a:rPr lang="is-IS" sz="1600" dirty="0" smtClean="0">
+                <a:rPr lang="is-IS" sz="1600" dirty="0">
                   <a:latin typeface="Courier" charset="0"/>
                   <a:ea typeface="Courier" charset="0"/>
                   <a:cs typeface="Courier" charset="0"/>
                 </a:rPr>
                 <a:t>…, x)</a:t>
               </a:r>
-              <a:endParaRPr lang="en-US" sz="1600" dirty="0" smtClean="0">
+              <a:endParaRPr lang="en-US" sz="1600" dirty="0">
                 <a:latin typeface="Courier" charset="0"/>
                 <a:ea typeface="Courier" charset="0"/>
                 <a:cs typeface="Courier" charset="0"/>
@@ -6584,7 +6562,7 @@
             <a:p>
               <a:pPr algn="ctr"/>
               <a:r>
-                <a:rPr lang="en-US" sz="2000" b="1" dirty="0" smtClean="0">
+                <a:rPr lang="en-US" sz="2000" b="1" dirty="0">
                   <a:solidFill>
                     <a:schemeClr val="accent2"/>
                   </a:solidFill>
@@ -6592,7 +6570,7 @@
                 <a:t>Procedures (</a:t>
               </a:r>
               <a:r>
-                <a:rPr lang="en-US" b="1" dirty="0" smtClean="0">
+                <a:rPr lang="en-US" b="1" dirty="0">
                   <a:solidFill>
                     <a:schemeClr val="accent2"/>
                   </a:solidFill>
@@ -6603,7 +6581,7 @@
                 <a:t>proc</a:t>
               </a:r>
               <a:r>
-                <a:rPr lang="en-US" sz="2000" b="1" dirty="0" smtClean="0">
+                <a:rPr lang="en-US" sz="2000" b="1" dirty="0">
                   <a:solidFill>
                     <a:schemeClr val="accent2"/>
                   </a:solidFill>
@@ -6627,23 +6605,7 @@
                   <a:ea typeface="Courier" charset="0"/>
                   <a:cs typeface="Courier" charset="0"/>
                 </a:rPr>
-                <a:t>p</a:t>
-              </a:r>
-              <a:r>
-                <a:rPr lang="en-US" sz="1600" dirty="0" smtClean="0">
-                  <a:latin typeface="Courier" charset="0"/>
-                  <a:ea typeface="Courier" charset="0"/>
-                  <a:cs typeface="Courier" charset="0"/>
-                </a:rPr>
-                <a:t>roc m(x, </a:t>
-              </a:r>
-              <a:r>
-                <a:rPr lang="is-IS" sz="1600" dirty="0" smtClean="0">
-                  <a:latin typeface="Courier" charset="0"/>
-                  <a:ea typeface="Courier" charset="0"/>
-                  <a:cs typeface="Courier" charset="0"/>
-                </a:rPr>
-                <a:t>…, x) {c, </a:t>
+                <a:t>proc m(x, </a:t>
               </a:r>
               <a:r>
                 <a:rPr lang="is-IS" sz="1600" dirty="0">
@@ -6651,17 +6613,9 @@
                   <a:ea typeface="Courier" charset="0"/>
                   <a:cs typeface="Courier" charset="0"/>
                 </a:rPr>
-                <a:t>…</a:t>
+                <a:t>…, x) {c, …, c}</a:t>
               </a:r>
-              <a:r>
-                <a:rPr lang="is-IS" sz="1600" dirty="0" smtClean="0">
-                  <a:latin typeface="Courier" charset="0"/>
-                  <a:ea typeface="Courier" charset="0"/>
-                  <a:cs typeface="Courier" charset="0"/>
-                </a:rPr>
-                <a:t>, c}</a:t>
-              </a:r>
-              <a:endParaRPr lang="en-US" sz="1600" dirty="0" smtClean="0">
+              <a:endParaRPr lang="en-US" sz="1600" dirty="0">
                 <a:latin typeface="Courier" charset="0"/>
                 <a:ea typeface="Courier" charset="0"/>
                 <a:cs typeface="Courier" charset="0"/>
@@ -7239,21 +7193,17 @@
             </a:pPr>
             <a:r>
               <a:rPr lang="en-US" dirty="0"/>
-              <a:t>V</a:t>
-            </a:r>
-            <a:r>
-              <a:rPr lang="en-US" dirty="0" smtClean="0"/>
-              <a:t>erification tools, esp. separation logic ones, compile to </a:t>
-            </a:r>
-            <a:r>
-              <a:rPr lang="en-US" dirty="0" err="1" smtClean="0"/>
+              <a:t>Verification tools, esp. separation logic ones, compile to </a:t>
+            </a:r>
+            <a:r>
+              <a:rPr lang="en-US" dirty="0" err="1"/>
               <a:t>goto</a:t>
             </a:r>
             <a:r>
-              <a:rPr lang="en-US" dirty="0" smtClean="0"/>
+              <a:rPr lang="en-US" dirty="0"/>
               <a:t> languages</a:t>
             </a:r>
-            <a:endParaRPr lang="en-US" sz="800" dirty="0" smtClean="0"/>
+            <a:endParaRPr lang="en-US" sz="800" dirty="0"/>
           </a:p>
           <a:p>
             <a:pPr>
@@ -7308,13 +7258,8 @@
             </a:r>
             <a:r>
               <a:rPr lang="en-US" dirty="0"/>
-              <a:t> </a:t>
-            </a:r>
-            <a:r>
-              <a:rPr lang="en-US" dirty="0" smtClean="0"/>
-              <a:t>language</a:t>
-            </a:r>
-            <a:endParaRPr lang="en-US" dirty="0"/>
+              <a:t> language</a:t>
+            </a:r>
           </a:p>
         </p:txBody>
       </p:sp>
@@ -8348,10 +8293,18 @@
           <a:lstStyle/>
           <a:p>
             <a:r>
-              <a:rPr lang="en-US" dirty="0" err="1" smtClean="0"/>
+              <a:rPr lang="en-US" b="1" u="sng" dirty="0" err="1">
+                <a:solidFill>
+                  <a:schemeClr val="accent2"/>
+                </a:solidFill>
+              </a:rPr>
               <a:t>Object.prototype.isPrototypeOf</a:t>
             </a:r>
-            <a:endParaRPr lang="en-US" dirty="0"/>
+            <a:endParaRPr lang="en-US" b="1" u="sng" dirty="0">
+              <a:solidFill>
+                <a:schemeClr val="accent2"/>
+              </a:solidFill>
+            </a:endParaRPr>
           </a:p>
         </p:txBody>
       </p:sp>
@@ -8362,44 +8315,1223 @@
             <a:spLocks noGrp="1"/>
           </p:cNvSpPr>
           <p:nvPr>
-            <p:ph idx="1"/>
+            <p:ph sz="half" idx="1"/>
           </p:nvPr>
         </p:nvSpPr>
-        <p:spPr/>
+        <p:spPr>
+          <a:xfrm>
+            <a:off x="619486" y="2167017"/>
+            <a:ext cx="4937760" cy="4023359"/>
+          </a:xfrm>
+        </p:spPr>
         <p:txBody>
           <a:bodyPr/>
           <a:lstStyle/>
           <a:p>
+            <a:pPr marL="457200" indent="-457200">
+              <a:buFont typeface="+mj-lt"/>
+              <a:buAutoNum type="arabicPeriod"/>
+            </a:pPr>
             <a:r>
               <a:rPr lang="en-US" dirty="0"/>
-              <a:t>Example (</a:t>
+              <a:t>If V is not an object, return </a:t>
+            </a:r>
+            <a:r>
+              <a:rPr lang="en-US" b="1" dirty="0"/>
+              <a:t>false</a:t>
+            </a:r>
+            <a:r>
+              <a:rPr lang="en-US" dirty="0"/>
+              <a:t>.</a:t>
+            </a:r>
+          </a:p>
+          <a:p>
+            <a:pPr marL="457200" indent="-457200">
+              <a:buFont typeface="+mj-lt"/>
+              <a:buAutoNum type="arabicPeriod"/>
+            </a:pPr>
+            <a:r>
+              <a:rPr lang="en-US" dirty="0"/>
+              <a:t>Let O be the result of calling </a:t>
             </a:r>
             <a:r>
               <a:rPr lang="en-US" dirty="0" err="1"/>
-              <a:t>isPrototypeOf</a:t>
+              <a:t>ToObject</a:t>
             </a:r>
             <a:r>
               <a:rPr lang="en-US" dirty="0"/>
-              <a:t>): standard, PBS, </a:t>
-            </a:r>
-            <a:r>
-              <a:rPr lang="en-US" dirty="0" smtClean="0"/>
-              <a:t>JSIL</a:t>
-            </a:r>
-          </a:p>
-          <a:p>
-            <a:r>
-              <a:rPr lang="en-US" dirty="0" smtClean="0"/>
-              <a:t>Use examples</a:t>
-            </a:r>
-            <a:endParaRPr lang="en-US" dirty="0"/>
+              <a:t> passing the </a:t>
+            </a:r>
+            <a:r>
+              <a:rPr lang="en-US" b="1" dirty="0"/>
+              <a:t>this </a:t>
+            </a:r>
+            <a:r>
+              <a:rPr lang="en-US" dirty="0"/>
+              <a:t>value as the argument.</a:t>
+            </a:r>
+          </a:p>
+          <a:p>
+            <a:pPr marL="457200" indent="-457200">
+              <a:buFont typeface="+mj-lt"/>
+              <a:buAutoNum type="arabicPeriod"/>
+            </a:pPr>
+            <a:r>
+              <a:rPr lang="en-US" dirty="0"/>
+              <a:t>Repeat</a:t>
+            </a:r>
+          </a:p>
+          <a:p>
+            <a:pPr marL="749793" lvl="1" indent="-457200">
+              <a:buFont typeface="+mj-lt"/>
+              <a:buAutoNum type="arabicPeriod"/>
+            </a:pPr>
+            <a:r>
+              <a:rPr lang="en-US" dirty="0"/>
+              <a:t>Let V be the value of the [[Prototype]] internal property of V .</a:t>
+            </a:r>
+          </a:p>
+          <a:p>
+            <a:pPr marL="749793" lvl="1" indent="-457200">
+              <a:buFont typeface="+mj-lt"/>
+              <a:buAutoNum type="arabicPeriod"/>
+            </a:pPr>
+            <a:r>
+              <a:rPr lang="en-US" dirty="0"/>
+              <a:t>if V is </a:t>
+            </a:r>
+            <a:r>
+              <a:rPr lang="en-US" b="1" dirty="0"/>
+              <a:t>null</a:t>
+            </a:r>
+            <a:r>
+              <a:rPr lang="en-US" dirty="0"/>
+              <a:t>, return </a:t>
+            </a:r>
+            <a:r>
+              <a:rPr lang="en-US" b="1" dirty="0"/>
+              <a:t>false</a:t>
+            </a:r>
+          </a:p>
+          <a:p>
+            <a:pPr marL="749793" lvl="1" indent="-457200">
+              <a:buFont typeface="+mj-lt"/>
+              <a:buAutoNum type="arabicPeriod"/>
+            </a:pPr>
+            <a:r>
+              <a:rPr lang="en-US" dirty="0"/>
+              <a:t>If O and V refer to the same object, return </a:t>
+            </a:r>
+            <a:r>
+              <a:rPr lang="en-US" b="1" dirty="0"/>
+              <a:t>true</a:t>
+            </a:r>
+            <a:r>
+              <a:rPr lang="en-US" dirty="0"/>
+              <a:t>.</a:t>
+            </a:r>
+          </a:p>
+        </p:txBody>
+      </p:sp>
+      <p:pic>
+        <p:nvPicPr>
+          <p:cNvPr id="5" name="Content Placeholder 4"/>
+          <p:cNvPicPr>
+            <a:picLocks noGrp="1" noChangeAspect="1"/>
+          </p:cNvPicPr>
+          <p:nvPr>
+            <p:ph sz="half" idx="2"/>
+          </p:nvPr>
+        </p:nvPicPr>
+        <p:blipFill>
+          <a:blip r:embed="rId2">
+            <a:extLst>
+              <a:ext uri="{28A0092B-C50C-407E-A947-70E740481C1C}">
+                <a14:useLocalDpi xmlns:a14="http://schemas.microsoft.com/office/drawing/2010/main" val="0"/>
+              </a:ext>
+            </a:extLst>
+          </a:blip>
+          <a:stretch>
+            <a:fillRect/>
+          </a:stretch>
+        </p:blipFill>
+        <p:spPr>
+          <a:xfrm>
+            <a:off x="5557246" y="2167017"/>
+            <a:ext cx="6003659" cy="2892063"/>
+          </a:xfrm>
+        </p:spPr>
+      </p:pic>
+      <p:sp>
+        <p:nvSpPr>
+          <p:cNvPr id="6" name="Content Placeholder 3"/>
+          <p:cNvSpPr txBox="1">
+            <a:spLocks/>
+          </p:cNvSpPr>
+          <p:nvPr/>
+        </p:nvSpPr>
+        <p:spPr>
+          <a:xfrm>
+            <a:off x="6763265" y="1766304"/>
+            <a:ext cx="5038262" cy="4390301"/>
+          </a:xfrm>
+          <a:prstGeom prst="rect">
+            <a:avLst/>
+          </a:prstGeom>
+        </p:spPr>
+        <p:txBody>
+          <a:bodyPr vert="horz" lIns="0" tIns="45720" rIns="0" bIns="45720" rtlCol="0">
+            <a:noAutofit/>
+          </a:bodyPr>
+          <a:lstStyle>
+            <a:lvl1pPr marL="91436" indent="-91436" algn="l" defTabSz="914354" rtl="0" eaLnBrk="1" latinLnBrk="0" hangingPunct="1">
+              <a:lnSpc>
+                <a:spcPct val="90000"/>
+              </a:lnSpc>
+              <a:spcBef>
+                <a:spcPts val="1200"/>
+              </a:spcBef>
+              <a:spcAft>
+                <a:spcPts val="200"/>
+              </a:spcAft>
+              <a:buClr>
+                <a:schemeClr val="accent1"/>
+              </a:buClr>
+              <a:buSzPct val="100000"/>
+              <a:buFont typeface="Calibri" panose="020F0502020204030204" pitchFamily="34" charset="0"/>
+              <a:buChar char=" "/>
+              <a:defRPr sz="2000" kern="1200">
+                <a:solidFill>
+                  <a:schemeClr val="tx1">
+                    <a:lumMod val="75000"/>
+                    <a:lumOff val="25000"/>
+                  </a:schemeClr>
+                </a:solidFill>
+                <a:latin typeface="+mn-lt"/>
+                <a:ea typeface="+mn-ea"/>
+                <a:cs typeface="+mn-cs"/>
+              </a:defRPr>
+            </a:lvl1pPr>
+            <a:lvl2pPr marL="384029" indent="-182870" algn="l" defTabSz="914354" rtl="0" eaLnBrk="1" latinLnBrk="0" hangingPunct="1">
+              <a:lnSpc>
+                <a:spcPct val="90000"/>
+              </a:lnSpc>
+              <a:spcBef>
+                <a:spcPts val="200"/>
+              </a:spcBef>
+              <a:spcAft>
+                <a:spcPts val="400"/>
+              </a:spcAft>
+              <a:buClr>
+                <a:schemeClr val="accent1"/>
+              </a:buClr>
+              <a:buFont typeface="Calibri" pitchFamily="34" charset="0"/>
+              <a:buChar char="◦"/>
+              <a:defRPr sz="1800" kern="1200">
+                <a:solidFill>
+                  <a:schemeClr val="tx1">
+                    <a:lumMod val="75000"/>
+                    <a:lumOff val="25000"/>
+                  </a:schemeClr>
+                </a:solidFill>
+                <a:latin typeface="+mn-lt"/>
+                <a:ea typeface="+mn-ea"/>
+                <a:cs typeface="+mn-cs"/>
+              </a:defRPr>
+            </a:lvl2pPr>
+            <a:lvl3pPr marL="566900" indent="-182870" algn="l" defTabSz="914354" rtl="0" eaLnBrk="1" latinLnBrk="0" hangingPunct="1">
+              <a:lnSpc>
+                <a:spcPct val="90000"/>
+              </a:lnSpc>
+              <a:spcBef>
+                <a:spcPts val="200"/>
+              </a:spcBef>
+              <a:spcAft>
+                <a:spcPts val="400"/>
+              </a:spcAft>
+              <a:buClr>
+                <a:schemeClr val="accent1"/>
+              </a:buClr>
+              <a:buFont typeface="Calibri" pitchFamily="34" charset="0"/>
+              <a:buChar char="◦"/>
+              <a:defRPr sz="1400" kern="1200">
+                <a:solidFill>
+                  <a:schemeClr val="tx1">
+                    <a:lumMod val="75000"/>
+                    <a:lumOff val="25000"/>
+                  </a:schemeClr>
+                </a:solidFill>
+                <a:latin typeface="+mn-lt"/>
+                <a:ea typeface="+mn-ea"/>
+                <a:cs typeface="+mn-cs"/>
+              </a:defRPr>
+            </a:lvl3pPr>
+            <a:lvl4pPr marL="749771" indent="-182870" algn="l" defTabSz="914354" rtl="0" eaLnBrk="1" latinLnBrk="0" hangingPunct="1">
+              <a:lnSpc>
+                <a:spcPct val="90000"/>
+              </a:lnSpc>
+              <a:spcBef>
+                <a:spcPts val="200"/>
+              </a:spcBef>
+              <a:spcAft>
+                <a:spcPts val="400"/>
+              </a:spcAft>
+              <a:buClr>
+                <a:schemeClr val="accent1"/>
+              </a:buClr>
+              <a:buFont typeface="Calibri" pitchFamily="34" charset="0"/>
+              <a:buChar char="◦"/>
+              <a:defRPr sz="1400" kern="1200">
+                <a:solidFill>
+                  <a:schemeClr val="tx1">
+                    <a:lumMod val="75000"/>
+                    <a:lumOff val="25000"/>
+                  </a:schemeClr>
+                </a:solidFill>
+                <a:latin typeface="+mn-lt"/>
+                <a:ea typeface="+mn-ea"/>
+                <a:cs typeface="+mn-cs"/>
+              </a:defRPr>
+            </a:lvl4pPr>
+            <a:lvl5pPr marL="932642" indent="-182870" algn="l" defTabSz="914354" rtl="0" eaLnBrk="1" latinLnBrk="0" hangingPunct="1">
+              <a:lnSpc>
+                <a:spcPct val="90000"/>
+              </a:lnSpc>
+              <a:spcBef>
+                <a:spcPts val="200"/>
+              </a:spcBef>
+              <a:spcAft>
+                <a:spcPts val="400"/>
+              </a:spcAft>
+              <a:buClr>
+                <a:schemeClr val="accent1"/>
+              </a:buClr>
+              <a:buFont typeface="Calibri" pitchFamily="34" charset="0"/>
+              <a:buChar char="◦"/>
+              <a:defRPr sz="1400" kern="1200">
+                <a:solidFill>
+                  <a:schemeClr val="tx1">
+                    <a:lumMod val="75000"/>
+                    <a:lumOff val="25000"/>
+                  </a:schemeClr>
+                </a:solidFill>
+                <a:latin typeface="+mn-lt"/>
+                <a:ea typeface="+mn-ea"/>
+                <a:cs typeface="+mn-cs"/>
+              </a:defRPr>
+            </a:lvl5pPr>
+            <a:lvl6pPr marL="1099946" indent="-228589" algn="l" defTabSz="914354" rtl="0" eaLnBrk="1" latinLnBrk="0" hangingPunct="1">
+              <a:lnSpc>
+                <a:spcPct val="90000"/>
+              </a:lnSpc>
+              <a:spcBef>
+                <a:spcPts val="200"/>
+              </a:spcBef>
+              <a:spcAft>
+                <a:spcPts val="400"/>
+              </a:spcAft>
+              <a:buClr>
+                <a:schemeClr val="accent1"/>
+              </a:buClr>
+              <a:buFont typeface="Calibri" pitchFamily="34" charset="0"/>
+              <a:buChar char="◦"/>
+              <a:defRPr sz="1400" kern="1200">
+                <a:solidFill>
+                  <a:schemeClr val="tx1">
+                    <a:lumMod val="75000"/>
+                    <a:lumOff val="25000"/>
+                  </a:schemeClr>
+                </a:solidFill>
+                <a:latin typeface="+mn-lt"/>
+                <a:ea typeface="+mn-ea"/>
+                <a:cs typeface="+mn-cs"/>
+              </a:defRPr>
+            </a:lvl6pPr>
+            <a:lvl7pPr marL="1299936" indent="-228589" algn="l" defTabSz="914354" rtl="0" eaLnBrk="1" latinLnBrk="0" hangingPunct="1">
+              <a:lnSpc>
+                <a:spcPct val="90000"/>
+              </a:lnSpc>
+              <a:spcBef>
+                <a:spcPts val="200"/>
+              </a:spcBef>
+              <a:spcAft>
+                <a:spcPts val="400"/>
+              </a:spcAft>
+              <a:buClr>
+                <a:schemeClr val="accent1"/>
+              </a:buClr>
+              <a:buFont typeface="Calibri" pitchFamily="34" charset="0"/>
+              <a:buChar char="◦"/>
+              <a:defRPr sz="1400" kern="1200">
+                <a:solidFill>
+                  <a:schemeClr val="tx1">
+                    <a:lumMod val="75000"/>
+                    <a:lumOff val="25000"/>
+                  </a:schemeClr>
+                </a:solidFill>
+                <a:latin typeface="+mn-lt"/>
+                <a:ea typeface="+mn-ea"/>
+                <a:cs typeface="+mn-cs"/>
+              </a:defRPr>
+            </a:lvl7pPr>
+            <a:lvl8pPr marL="1499925" indent="-228589" algn="l" defTabSz="914354" rtl="0" eaLnBrk="1" latinLnBrk="0" hangingPunct="1">
+              <a:lnSpc>
+                <a:spcPct val="90000"/>
+              </a:lnSpc>
+              <a:spcBef>
+                <a:spcPts val="200"/>
+              </a:spcBef>
+              <a:spcAft>
+                <a:spcPts val="400"/>
+              </a:spcAft>
+              <a:buClr>
+                <a:schemeClr val="accent1"/>
+              </a:buClr>
+              <a:buFont typeface="Calibri" pitchFamily="34" charset="0"/>
+              <a:buChar char="◦"/>
+              <a:defRPr sz="1400" kern="1200">
+                <a:solidFill>
+                  <a:schemeClr val="tx1">
+                    <a:lumMod val="75000"/>
+                    <a:lumOff val="25000"/>
+                  </a:schemeClr>
+                </a:solidFill>
+                <a:latin typeface="+mn-lt"/>
+                <a:ea typeface="+mn-ea"/>
+                <a:cs typeface="+mn-cs"/>
+              </a:defRPr>
+            </a:lvl8pPr>
+            <a:lvl9pPr marL="1699916" indent="-228589" algn="l" defTabSz="914354" rtl="0" eaLnBrk="1" latinLnBrk="0" hangingPunct="1">
+              <a:lnSpc>
+                <a:spcPct val="90000"/>
+              </a:lnSpc>
+              <a:spcBef>
+                <a:spcPts val="200"/>
+              </a:spcBef>
+              <a:spcAft>
+                <a:spcPts val="400"/>
+              </a:spcAft>
+              <a:buClr>
+                <a:schemeClr val="accent1"/>
+              </a:buClr>
+              <a:buFont typeface="Calibri" pitchFamily="34" charset="0"/>
+              <a:buChar char="◦"/>
+              <a:defRPr sz="1400" kern="1200">
+                <a:solidFill>
+                  <a:schemeClr val="tx1">
+                    <a:lumMod val="75000"/>
+                    <a:lumOff val="25000"/>
+                  </a:schemeClr>
+                </a:solidFill>
+                <a:latin typeface="+mn-lt"/>
+                <a:ea typeface="+mn-ea"/>
+                <a:cs typeface="+mn-cs"/>
+              </a:defRPr>
+            </a:lvl9pPr>
+          </a:lstStyle>
+          <a:p>
+            <a:pPr>
+              <a:lnSpc>
+                <a:spcPct val="120000"/>
+              </a:lnSpc>
+              <a:spcBef>
+                <a:spcPts val="0"/>
+              </a:spcBef>
+              <a:spcAft>
+                <a:spcPts val="0"/>
+              </a:spcAft>
+            </a:pPr>
+            <a:r>
+              <a:rPr lang="en-US" sz="1000" b="1" dirty="0">
+                <a:latin typeface="Courier"/>
+              </a:rPr>
+              <a:t>proc </a:t>
+            </a:r>
+            <a:r>
+              <a:rPr lang="en-US" sz="1000" b="1" dirty="0" err="1">
+                <a:latin typeface="Courier"/>
+              </a:rPr>
+              <a:t>OP_isPrototypeOf</a:t>
+            </a:r>
+            <a:r>
+              <a:rPr lang="en-US" sz="1000" b="1" dirty="0">
+                <a:latin typeface="Courier"/>
+              </a:rPr>
+              <a:t>(</a:t>
+            </a:r>
+            <a:r>
+              <a:rPr lang="en-US" sz="1000" b="1" dirty="0" err="1">
+                <a:latin typeface="Courier"/>
+              </a:rPr>
+              <a:t>xsc</a:t>
+            </a:r>
+            <a:r>
+              <a:rPr lang="en-US" sz="1000" b="1" dirty="0">
+                <a:latin typeface="Courier"/>
+              </a:rPr>
+              <a:t>, </a:t>
+            </a:r>
+            <a:r>
+              <a:rPr lang="en-US" sz="1000" b="1" dirty="0" err="1">
+                <a:latin typeface="Courier"/>
+              </a:rPr>
+              <a:t>vthis</a:t>
+            </a:r>
+            <a:r>
+              <a:rPr lang="en-US" sz="1000" b="1" dirty="0">
+                <a:latin typeface="Courier"/>
+              </a:rPr>
+              <a:t>, v) {</a:t>
+            </a:r>
+          </a:p>
+          <a:p>
+            <a:pPr>
+              <a:lnSpc>
+                <a:spcPct val="120000"/>
+              </a:lnSpc>
+              <a:spcBef>
+                <a:spcPts val="0"/>
+              </a:spcBef>
+              <a:spcAft>
+                <a:spcPts val="0"/>
+              </a:spcAft>
+            </a:pPr>
+            <a:r>
+              <a:rPr lang="en-US" sz="1000" b="1" dirty="0">
+                <a:latin typeface="Courier"/>
+              </a:rPr>
+              <a:t>           </a:t>
+            </a:r>
+            <a:r>
+              <a:rPr lang="en-US" sz="1000" b="1" dirty="0" err="1">
+                <a:latin typeface="Courier"/>
+              </a:rPr>
+              <a:t>goto</a:t>
+            </a:r>
+            <a:r>
+              <a:rPr lang="en-US" sz="1000" b="1" dirty="0">
+                <a:latin typeface="Courier"/>
+              </a:rPr>
+              <a:t> [</a:t>
+            </a:r>
+            <a:r>
+              <a:rPr lang="en-US" sz="1000" b="1" dirty="0" err="1">
+                <a:latin typeface="Courier"/>
+              </a:rPr>
+              <a:t>typeOf</a:t>
+            </a:r>
+            <a:r>
+              <a:rPr lang="en-US" sz="1000" b="1" dirty="0">
+                <a:latin typeface="Courier"/>
+              </a:rPr>
+              <a:t>(v) = $$</a:t>
+            </a:r>
+            <a:r>
+              <a:rPr lang="en-US" sz="1000" b="1" dirty="0" err="1">
+                <a:latin typeface="Courier"/>
+              </a:rPr>
+              <a:t>object_type</a:t>
+            </a:r>
+            <a:r>
+              <a:rPr lang="en-US" sz="1000" b="1" dirty="0">
+                <a:latin typeface="Courier"/>
+              </a:rPr>
+              <a:t>] </a:t>
+            </a:r>
+            <a:r>
+              <a:rPr lang="en-US" sz="1000" b="1" dirty="0" err="1">
+                <a:latin typeface="Courier"/>
+              </a:rPr>
+              <a:t>obj</a:t>
+            </a:r>
+            <a:r>
+              <a:rPr lang="en-US" sz="1000" b="1" dirty="0">
+                <a:latin typeface="Courier"/>
+              </a:rPr>
+              <a:t> fret;</a:t>
+            </a:r>
+          </a:p>
+          <a:p>
+            <a:pPr>
+              <a:lnSpc>
+                <a:spcPct val="120000"/>
+              </a:lnSpc>
+              <a:spcBef>
+                <a:spcPts val="0"/>
+              </a:spcBef>
+              <a:spcAft>
+                <a:spcPts val="0"/>
+              </a:spcAft>
+            </a:pPr>
+            <a:r>
+              <a:rPr lang="en-US" sz="1000" b="1" dirty="0">
+                <a:latin typeface="Courier"/>
+              </a:rPr>
+              <a:t>			</a:t>
+            </a:r>
+          </a:p>
+          <a:p>
+            <a:pPr>
+              <a:lnSpc>
+                <a:spcPct val="120000"/>
+              </a:lnSpc>
+              <a:spcBef>
+                <a:spcPts val="0"/>
+              </a:spcBef>
+              <a:spcAft>
+                <a:spcPts val="0"/>
+              </a:spcAft>
+            </a:pPr>
+            <a:r>
+              <a:rPr lang="en-US" sz="1000" b="1" dirty="0">
+                <a:latin typeface="Courier"/>
+              </a:rPr>
+              <a:t>    </a:t>
+            </a:r>
+            <a:r>
+              <a:rPr lang="en-US" sz="1000" b="1" dirty="0" err="1">
+                <a:latin typeface="Courier"/>
+              </a:rPr>
+              <a:t>obj</a:t>
+            </a:r>
+            <a:r>
+              <a:rPr lang="en-US" sz="1000" b="1" dirty="0">
+                <a:latin typeface="Courier"/>
+              </a:rPr>
+              <a:t>:	</a:t>
+            </a:r>
+            <a:r>
+              <a:rPr lang="en-US" sz="1000" b="1" dirty="0" err="1">
+                <a:latin typeface="Courier"/>
+              </a:rPr>
+              <a:t>xret</a:t>
+            </a:r>
+            <a:r>
+              <a:rPr lang="en-US" sz="1000" b="1" dirty="0">
+                <a:latin typeface="Courier"/>
+              </a:rPr>
+              <a:t> := "</a:t>
+            </a:r>
+            <a:r>
+              <a:rPr lang="en-US" sz="1000" b="1" dirty="0" err="1">
+                <a:latin typeface="Courier"/>
+              </a:rPr>
+              <a:t>i</a:t>
+            </a:r>
+            <a:r>
+              <a:rPr lang="en-US" sz="1000" b="1" dirty="0">
+                <a:latin typeface="Courier"/>
+              </a:rPr>
+              <a:t>__</a:t>
+            </a:r>
+            <a:r>
+              <a:rPr lang="en-US" sz="1000" b="1" dirty="0" err="1">
+                <a:latin typeface="Courier"/>
+              </a:rPr>
+              <a:t>toObject</a:t>
+            </a:r>
+            <a:r>
+              <a:rPr lang="en-US" sz="1000" b="1" dirty="0">
+                <a:latin typeface="Courier"/>
+              </a:rPr>
+              <a:t>" (</a:t>
+            </a:r>
+            <a:r>
+              <a:rPr lang="en-US" sz="1000" b="1" dirty="0" err="1">
+                <a:latin typeface="Courier"/>
+              </a:rPr>
+              <a:t>vthis</a:t>
+            </a:r>
+            <a:r>
+              <a:rPr lang="en-US" sz="1000" b="1" dirty="0">
+                <a:latin typeface="Courier"/>
+              </a:rPr>
+              <a:t>) with </a:t>
+            </a:r>
+            <a:r>
+              <a:rPr lang="en-US" sz="1000" b="1" dirty="0" err="1">
+                <a:latin typeface="Courier"/>
+              </a:rPr>
+              <a:t>elab</a:t>
+            </a:r>
+            <a:r>
+              <a:rPr lang="en-US" sz="1000" b="1" dirty="0">
+                <a:latin typeface="Courier"/>
+              </a:rPr>
+              <a:t>;</a:t>
+            </a:r>
+          </a:p>
+          <a:p>
+            <a:pPr>
+              <a:lnSpc>
+                <a:spcPct val="120000"/>
+              </a:lnSpc>
+              <a:spcBef>
+                <a:spcPts val="0"/>
+              </a:spcBef>
+              <a:spcAft>
+                <a:spcPts val="0"/>
+              </a:spcAft>
+            </a:pPr>
+            <a:r>
+              <a:rPr lang="en-US" sz="1000" b="1" dirty="0">
+                <a:latin typeface="Courier"/>
+              </a:rPr>
+              <a:t>	</a:t>
+            </a:r>
+          </a:p>
+          <a:p>
+            <a:pPr>
+              <a:lnSpc>
+                <a:spcPct val="120000"/>
+              </a:lnSpc>
+              <a:spcBef>
+                <a:spcPts val="0"/>
+              </a:spcBef>
+              <a:spcAft>
+                <a:spcPts val="0"/>
+              </a:spcAft>
+            </a:pPr>
+            <a:r>
+              <a:rPr lang="en-US" sz="1000" b="1" dirty="0">
+                <a:latin typeface="Courier"/>
+              </a:rPr>
+              <a:t>    rep:	v := [v, "@proto"];</a:t>
+            </a:r>
+          </a:p>
+          <a:p>
+            <a:pPr>
+              <a:lnSpc>
+                <a:spcPct val="120000"/>
+              </a:lnSpc>
+              <a:spcBef>
+                <a:spcPts val="0"/>
+              </a:spcBef>
+              <a:spcAft>
+                <a:spcPts val="0"/>
+              </a:spcAft>
+            </a:pPr>
+            <a:r>
+              <a:rPr lang="en-US" sz="1000" b="1" dirty="0">
+                <a:latin typeface="Courier"/>
+              </a:rPr>
+              <a:t>	</a:t>
+            </a:r>
+            <a:r>
+              <a:rPr lang="en-US" sz="1000" b="1" dirty="0" err="1">
+                <a:latin typeface="Courier"/>
+              </a:rPr>
+              <a:t>goto</a:t>
+            </a:r>
+            <a:r>
+              <a:rPr lang="en-US" sz="1000" b="1" dirty="0">
+                <a:latin typeface="Courier"/>
+              </a:rPr>
+              <a:t> [v = $$null] fret </a:t>
+            </a:r>
+            <a:r>
+              <a:rPr lang="en-US" sz="1000" b="1" dirty="0" err="1">
+                <a:latin typeface="Courier"/>
+              </a:rPr>
+              <a:t>nnull</a:t>
+            </a:r>
+            <a:r>
+              <a:rPr lang="en-US" sz="1000" b="1" dirty="0">
+                <a:latin typeface="Courier"/>
+              </a:rPr>
+              <a:t>;</a:t>
+            </a:r>
+          </a:p>
+          <a:p>
+            <a:pPr>
+              <a:lnSpc>
+                <a:spcPct val="120000"/>
+              </a:lnSpc>
+              <a:spcBef>
+                <a:spcPts val="0"/>
+              </a:spcBef>
+              <a:spcAft>
+                <a:spcPts val="0"/>
+              </a:spcAft>
+            </a:pPr>
+            <a:r>
+              <a:rPr lang="en-US" sz="1000" b="1" dirty="0">
+                <a:latin typeface="Courier"/>
+              </a:rPr>
+              <a:t>		</a:t>
+            </a:r>
+          </a:p>
+          <a:p>
+            <a:pPr>
+              <a:lnSpc>
+                <a:spcPct val="120000"/>
+              </a:lnSpc>
+              <a:spcBef>
+                <a:spcPts val="0"/>
+              </a:spcBef>
+              <a:spcAft>
+                <a:spcPts val="0"/>
+              </a:spcAft>
+            </a:pPr>
+            <a:r>
+              <a:rPr lang="en-US" sz="1000" b="1" dirty="0">
+                <a:latin typeface="Courier"/>
+              </a:rPr>
+              <a:t>	</a:t>
+            </a:r>
+            <a:r>
+              <a:rPr lang="en-US" sz="1000" b="1" dirty="0" err="1">
+                <a:latin typeface="Courier"/>
+              </a:rPr>
+              <a:t>nnull</a:t>
+            </a:r>
+            <a:r>
+              <a:rPr lang="en-US" sz="1000" b="1" dirty="0">
+                <a:latin typeface="Courier"/>
+              </a:rPr>
+              <a:t>:      </a:t>
+            </a:r>
+            <a:r>
+              <a:rPr lang="en-US" sz="1000" b="1" dirty="0" err="1">
+                <a:latin typeface="Courier"/>
+              </a:rPr>
+              <a:t>goto</a:t>
+            </a:r>
+            <a:r>
+              <a:rPr lang="en-US" sz="1000" b="1" dirty="0">
+                <a:latin typeface="Courier"/>
+              </a:rPr>
+              <a:t> [v = </a:t>
+            </a:r>
+            <a:r>
+              <a:rPr lang="en-US" sz="1000" b="1" dirty="0" err="1">
+                <a:latin typeface="Courier"/>
+              </a:rPr>
+              <a:t>xret</a:t>
+            </a:r>
+            <a:r>
+              <a:rPr lang="en-US" sz="1000" b="1" dirty="0">
+                <a:latin typeface="Courier"/>
+              </a:rPr>
+              <a:t>] </a:t>
+            </a:r>
+            <a:r>
+              <a:rPr lang="en-US" sz="1000" b="1" dirty="0" err="1">
+                <a:latin typeface="Courier"/>
+              </a:rPr>
+              <a:t>tret</a:t>
+            </a:r>
+            <a:r>
+              <a:rPr lang="en-US" sz="1000" b="1" dirty="0">
+                <a:latin typeface="Courier"/>
+              </a:rPr>
+              <a:t> rep;</a:t>
+            </a:r>
+          </a:p>
+          <a:p>
+            <a:pPr>
+              <a:lnSpc>
+                <a:spcPct val="120000"/>
+              </a:lnSpc>
+              <a:spcBef>
+                <a:spcPts val="0"/>
+              </a:spcBef>
+              <a:spcAft>
+                <a:spcPts val="0"/>
+              </a:spcAft>
+            </a:pPr>
+            <a:r>
+              <a:rPr lang="en-US" sz="1000" b="1" dirty="0">
+                <a:latin typeface="Courier"/>
+              </a:rPr>
+              <a:t>	</a:t>
+            </a:r>
+          </a:p>
+          <a:p>
+            <a:pPr>
+              <a:lnSpc>
+                <a:spcPct val="120000"/>
+              </a:lnSpc>
+              <a:spcBef>
+                <a:spcPts val="0"/>
+              </a:spcBef>
+              <a:spcAft>
+                <a:spcPts val="0"/>
+              </a:spcAft>
+            </a:pPr>
+            <a:r>
+              <a:rPr lang="en-US" sz="1000" b="1" dirty="0">
+                <a:latin typeface="Courier"/>
+              </a:rPr>
+              <a:t>	</a:t>
+            </a:r>
+            <a:r>
+              <a:rPr lang="en-US" sz="1000" b="1" dirty="0" err="1">
+                <a:latin typeface="Courier"/>
+              </a:rPr>
+              <a:t>tret</a:t>
+            </a:r>
+            <a:r>
+              <a:rPr lang="en-US" sz="1000" b="1" dirty="0">
+                <a:latin typeface="Courier"/>
+              </a:rPr>
+              <a:t>: 	</a:t>
+            </a:r>
+            <a:r>
+              <a:rPr lang="en-US" sz="1000" b="1" dirty="0" err="1">
+                <a:latin typeface="Courier"/>
+              </a:rPr>
+              <a:t>xret</a:t>
+            </a:r>
+            <a:r>
+              <a:rPr lang="en-US" sz="1000" b="1" dirty="0">
+                <a:latin typeface="Courier"/>
+              </a:rPr>
+              <a:t> := $$t;</a:t>
+            </a:r>
+          </a:p>
+          <a:p>
+            <a:pPr>
+              <a:lnSpc>
+                <a:spcPct val="120000"/>
+              </a:lnSpc>
+              <a:spcBef>
+                <a:spcPts val="0"/>
+              </a:spcBef>
+              <a:spcAft>
+                <a:spcPts val="0"/>
+              </a:spcAft>
+            </a:pPr>
+            <a:r>
+              <a:rPr lang="en-US" sz="1000" b="1" dirty="0">
+                <a:latin typeface="Courier"/>
+              </a:rPr>
+              <a:t>		</a:t>
+            </a:r>
+            <a:r>
+              <a:rPr lang="en-US" sz="1000" b="1" dirty="0" err="1">
+                <a:latin typeface="Courier"/>
+              </a:rPr>
+              <a:t>goto</a:t>
+            </a:r>
+            <a:r>
+              <a:rPr lang="en-US" sz="1000" b="1" dirty="0">
+                <a:latin typeface="Courier"/>
+              </a:rPr>
+              <a:t> </a:t>
+            </a:r>
+            <a:r>
+              <a:rPr lang="en-US" sz="1000" b="1" dirty="0" err="1">
+                <a:latin typeface="Courier"/>
+              </a:rPr>
+              <a:t>rlab</a:t>
+            </a:r>
+            <a:r>
+              <a:rPr lang="en-US" sz="1000" b="1" dirty="0">
+                <a:latin typeface="Courier"/>
+              </a:rPr>
+              <a:t>;</a:t>
+            </a:r>
+          </a:p>
+          <a:p>
+            <a:pPr>
+              <a:lnSpc>
+                <a:spcPct val="120000"/>
+              </a:lnSpc>
+              <a:spcBef>
+                <a:spcPts val="0"/>
+              </a:spcBef>
+              <a:spcAft>
+                <a:spcPts val="0"/>
+              </a:spcAft>
+            </a:pPr>
+            <a:r>
+              <a:rPr lang="en-US" sz="1000" b="1" dirty="0">
+                <a:latin typeface="Courier"/>
+              </a:rPr>
+              <a:t>	</a:t>
+            </a:r>
+          </a:p>
+          <a:p>
+            <a:pPr>
+              <a:lnSpc>
+                <a:spcPct val="120000"/>
+              </a:lnSpc>
+              <a:spcBef>
+                <a:spcPts val="0"/>
+              </a:spcBef>
+              <a:spcAft>
+                <a:spcPts val="0"/>
+              </a:spcAft>
+            </a:pPr>
+            <a:r>
+              <a:rPr lang="en-US" sz="1000" b="1" dirty="0">
+                <a:latin typeface="Courier"/>
+              </a:rPr>
+              <a:t>	fret: 	</a:t>
+            </a:r>
+            <a:r>
+              <a:rPr lang="en-US" sz="1000" b="1" dirty="0" err="1">
+                <a:latin typeface="Courier"/>
+              </a:rPr>
+              <a:t>xret</a:t>
+            </a:r>
+            <a:r>
+              <a:rPr lang="en-US" sz="1000" b="1" dirty="0">
+                <a:latin typeface="Courier"/>
+              </a:rPr>
+              <a:t> := $$f;</a:t>
+            </a:r>
+          </a:p>
+          <a:p>
+            <a:pPr>
+              <a:lnSpc>
+                <a:spcPct val="120000"/>
+              </a:lnSpc>
+              <a:spcBef>
+                <a:spcPts val="0"/>
+              </a:spcBef>
+              <a:spcAft>
+                <a:spcPts val="0"/>
+              </a:spcAft>
+            </a:pPr>
+            <a:r>
+              <a:rPr lang="en-US" sz="1000" b="1" dirty="0">
+                <a:latin typeface="Courier"/>
+              </a:rPr>
+              <a:t>	</a:t>
+            </a:r>
+          </a:p>
+          <a:p>
+            <a:pPr>
+              <a:lnSpc>
+                <a:spcPct val="120000"/>
+              </a:lnSpc>
+              <a:spcBef>
+                <a:spcPts val="0"/>
+              </a:spcBef>
+              <a:spcAft>
+                <a:spcPts val="0"/>
+              </a:spcAft>
+            </a:pPr>
+            <a:r>
+              <a:rPr lang="en-US" sz="1000" b="1" dirty="0">
+                <a:latin typeface="Courier"/>
+              </a:rPr>
+              <a:t>	</a:t>
+            </a:r>
+            <a:r>
+              <a:rPr lang="en-US" sz="1000" b="1" dirty="0" err="1">
+                <a:latin typeface="Courier"/>
+              </a:rPr>
+              <a:t>rlab</a:t>
+            </a:r>
+            <a:r>
+              <a:rPr lang="en-US" sz="1000" b="1" dirty="0">
+                <a:latin typeface="Courier"/>
+              </a:rPr>
+              <a:t>:	skip;</a:t>
+            </a:r>
+          </a:p>
+          <a:p>
+            <a:pPr>
+              <a:lnSpc>
+                <a:spcPct val="120000"/>
+              </a:lnSpc>
+              <a:spcBef>
+                <a:spcPts val="0"/>
+              </a:spcBef>
+              <a:spcAft>
+                <a:spcPts val="0"/>
+              </a:spcAft>
+            </a:pPr>
+            <a:r>
+              <a:rPr lang="en-US" sz="1000" b="1" dirty="0">
+                <a:latin typeface="Courier"/>
+              </a:rPr>
+              <a:t>	</a:t>
+            </a:r>
+            <a:r>
+              <a:rPr lang="en-US" sz="1000" b="1" dirty="0" err="1">
+                <a:latin typeface="Courier"/>
+              </a:rPr>
+              <a:t>elab</a:t>
+            </a:r>
+            <a:r>
+              <a:rPr lang="en-US" sz="1000" b="1" dirty="0">
+                <a:latin typeface="Courier"/>
+              </a:rPr>
+              <a:t>:	skip</a:t>
+            </a:r>
+          </a:p>
+          <a:p>
+            <a:pPr>
+              <a:lnSpc>
+                <a:spcPct val="120000"/>
+              </a:lnSpc>
+              <a:spcBef>
+                <a:spcPts val="0"/>
+              </a:spcBef>
+              <a:spcAft>
+                <a:spcPts val="0"/>
+              </a:spcAft>
+            </a:pPr>
+            <a:r>
+              <a:rPr lang="en-US" sz="1000" b="1" dirty="0">
+                <a:latin typeface="Courier"/>
+              </a:rPr>
+              <a:t>}</a:t>
+            </a:r>
+          </a:p>
+          <a:p>
+            <a:pPr>
+              <a:lnSpc>
+                <a:spcPct val="120000"/>
+              </a:lnSpc>
+              <a:spcBef>
+                <a:spcPts val="0"/>
+              </a:spcBef>
+              <a:spcAft>
+                <a:spcPts val="0"/>
+              </a:spcAft>
+            </a:pPr>
+            <a:r>
+              <a:rPr lang="en-US" sz="1000" b="1" dirty="0">
+                <a:latin typeface="Courier"/>
+              </a:rPr>
+              <a:t>with</a:t>
+            </a:r>
+          </a:p>
+          <a:p>
+            <a:pPr>
+              <a:lnSpc>
+                <a:spcPct val="120000"/>
+              </a:lnSpc>
+              <a:spcBef>
+                <a:spcPts val="0"/>
+              </a:spcBef>
+              <a:spcAft>
+                <a:spcPts val="0"/>
+              </a:spcAft>
+            </a:pPr>
+            <a:r>
+              <a:rPr lang="en-US" sz="1000" b="1" dirty="0">
+                <a:latin typeface="Courier"/>
+              </a:rPr>
+              <a:t>{</a:t>
+            </a:r>
+          </a:p>
+          <a:p>
+            <a:pPr>
+              <a:lnSpc>
+                <a:spcPct val="120000"/>
+              </a:lnSpc>
+              <a:spcBef>
+                <a:spcPts val="0"/>
+              </a:spcBef>
+              <a:spcAft>
+                <a:spcPts val="0"/>
+              </a:spcAft>
+            </a:pPr>
+            <a:r>
+              <a:rPr lang="en-US" sz="1000" b="1" dirty="0">
+                <a:latin typeface="Courier"/>
+              </a:rPr>
+              <a:t>	ret:	</a:t>
+            </a:r>
+            <a:r>
+              <a:rPr lang="en-US" sz="1000" b="1" dirty="0" err="1">
+                <a:latin typeface="Courier"/>
+              </a:rPr>
+              <a:t>xret</a:t>
+            </a:r>
+            <a:r>
+              <a:rPr lang="en-US" sz="1000" b="1" dirty="0">
+                <a:latin typeface="Courier"/>
+              </a:rPr>
+              <a:t>, </a:t>
+            </a:r>
+            <a:r>
+              <a:rPr lang="en-US" sz="1000" b="1" dirty="0" err="1">
+                <a:latin typeface="Courier"/>
+              </a:rPr>
+              <a:t>rlab</a:t>
+            </a:r>
+            <a:r>
+              <a:rPr lang="en-US" sz="1000" b="1" dirty="0">
+                <a:latin typeface="Courier"/>
+              </a:rPr>
+              <a:t>;</a:t>
+            </a:r>
+          </a:p>
+          <a:p>
+            <a:pPr>
+              <a:lnSpc>
+                <a:spcPct val="120000"/>
+              </a:lnSpc>
+              <a:spcBef>
+                <a:spcPts val="0"/>
+              </a:spcBef>
+              <a:spcAft>
+                <a:spcPts val="0"/>
+              </a:spcAft>
+            </a:pPr>
+            <a:r>
+              <a:rPr lang="en-US" sz="1000" b="1" dirty="0">
+                <a:latin typeface="Courier"/>
+              </a:rPr>
+              <a:t>	err:	</a:t>
+            </a:r>
+            <a:r>
+              <a:rPr lang="en-US" sz="1000" b="1" dirty="0" err="1">
+                <a:latin typeface="Courier"/>
+              </a:rPr>
+              <a:t>xret</a:t>
+            </a:r>
+            <a:r>
+              <a:rPr lang="en-US" sz="1000" b="1" dirty="0">
+                <a:latin typeface="Courier"/>
+              </a:rPr>
+              <a:t>, </a:t>
+            </a:r>
+            <a:r>
+              <a:rPr lang="en-US" sz="1000" b="1" dirty="0" err="1">
+                <a:latin typeface="Courier"/>
+              </a:rPr>
+              <a:t>elab</a:t>
+            </a:r>
+            <a:r>
+              <a:rPr lang="en-US" sz="1000" b="1" dirty="0">
+                <a:latin typeface="Courier"/>
+              </a:rPr>
+              <a:t>;</a:t>
+            </a:r>
+          </a:p>
+          <a:p>
+            <a:pPr>
+              <a:lnSpc>
+                <a:spcPct val="120000"/>
+              </a:lnSpc>
+              <a:spcBef>
+                <a:spcPts val="0"/>
+              </a:spcBef>
+              <a:spcAft>
+                <a:spcPts val="0"/>
+              </a:spcAft>
+            </a:pPr>
+            <a:r>
+              <a:rPr lang="en-US" sz="1000" b="1" dirty="0">
+                <a:latin typeface="Courier"/>
+              </a:rPr>
+              <a:t>};</a:t>
+            </a:r>
           </a:p>
         </p:txBody>
       </p:sp>
     </p:spTree>
     <p:extLst>
       <p:ext uri="{BB962C8B-B14F-4D97-AF65-F5344CB8AC3E}">
-        <p14:creationId xmlns:p14="http://schemas.microsoft.com/office/powerpoint/2010/main" val="1921277994"/>
+        <p14:creationId xmlns:p14="http://schemas.microsoft.com/office/powerpoint/2010/main" val="1748528465"/>
       </p:ext>
     </p:extLst>
   </p:cSld>
@@ -8409,9 +9541,170 @@
   <p:timing>
     <p:tnLst>
       <p:par>
-        <p:cTn id="1" dur="indefinite" restart="never" nodeType="tmRoot"/>
+        <p:cTn id="1" dur="indefinite" restart="never" nodeType="tmRoot">
+          <p:childTnLst>
+            <p:seq concurrent="1" nextAc="seek">
+              <p:cTn id="2" dur="indefinite" nodeType="mainSeq">
+                <p:childTnLst>
+                  <p:par>
+                    <p:cTn id="3" fill="hold">
+                      <p:stCondLst>
+                        <p:cond delay="indefinite"/>
+                      </p:stCondLst>
+                      <p:childTnLst>
+                        <p:par>
+                          <p:cTn id="4" fill="hold">
+                            <p:stCondLst>
+                              <p:cond delay="0"/>
+                            </p:stCondLst>
+                            <p:childTnLst>
+                              <p:par>
+                                <p:cTn id="5" presetID="1" presetClass="entr" presetSubtype="0" fill="hold" nodeType="clickEffect">
+                                  <p:stCondLst>
+                                    <p:cond delay="0"/>
+                                  </p:stCondLst>
+                                  <p:childTnLst>
+                                    <p:set>
+                                      <p:cBhvr>
+                                        <p:cTn id="6" dur="1" fill="hold">
+                                          <p:stCondLst>
+                                            <p:cond delay="0"/>
+                                          </p:stCondLst>
+                                        </p:cTn>
+                                        <p:tgtEl>
+                                          <p:spTgt spid="5"/>
+                                        </p:tgtEl>
+                                        <p:attrNameLst>
+                                          <p:attrName>style.visibility</p:attrName>
+                                        </p:attrNameLst>
+                                      </p:cBhvr>
+                                      <p:to>
+                                        <p:strVal val="visible"/>
+                                      </p:to>
+                                    </p:set>
+                                  </p:childTnLst>
+                                </p:cTn>
+                              </p:par>
+                            </p:childTnLst>
+                          </p:cTn>
+                        </p:par>
+                      </p:childTnLst>
+                    </p:cTn>
+                  </p:par>
+                  <p:par>
+                    <p:cTn id="7" fill="hold">
+                      <p:stCondLst>
+                        <p:cond delay="indefinite"/>
+                      </p:stCondLst>
+                      <p:childTnLst>
+                        <p:par>
+                          <p:cTn id="8" fill="hold">
+                            <p:stCondLst>
+                              <p:cond delay="0"/>
+                            </p:stCondLst>
+                            <p:childTnLst>
+                              <p:par>
+                                <p:cTn id="9" presetID="1" presetClass="exit" presetSubtype="0" fill="hold" nodeType="clickEffect">
+                                  <p:stCondLst>
+                                    <p:cond delay="0"/>
+                                  </p:stCondLst>
+                                  <p:childTnLst>
+                                    <p:set>
+                                      <p:cBhvr>
+                                        <p:cTn id="10" dur="1" fill="hold">
+                                          <p:stCondLst>
+                                            <p:cond delay="0"/>
+                                          </p:stCondLst>
+                                        </p:cTn>
+                                        <p:tgtEl>
+                                          <p:spTgt spid="5"/>
+                                        </p:tgtEl>
+                                        <p:attrNameLst>
+                                          <p:attrName>style.visibility</p:attrName>
+                                        </p:attrNameLst>
+                                      </p:cBhvr>
+                                      <p:to>
+                                        <p:strVal val="hidden"/>
+                                      </p:to>
+                                    </p:set>
+                                  </p:childTnLst>
+                                </p:cTn>
+                              </p:par>
+                            </p:childTnLst>
+                          </p:cTn>
+                        </p:par>
+                      </p:childTnLst>
+                    </p:cTn>
+                  </p:par>
+                  <p:par>
+                    <p:cTn id="11" fill="hold">
+                      <p:stCondLst>
+                        <p:cond delay="indefinite"/>
+                      </p:stCondLst>
+                      <p:childTnLst>
+                        <p:par>
+                          <p:cTn id="12" fill="hold">
+                            <p:stCondLst>
+                              <p:cond delay="0"/>
+                            </p:stCondLst>
+                            <p:childTnLst>
+                              <p:par>
+                                <p:cTn id="13" presetID="1" presetClass="entr" presetSubtype="0" fill="hold" grpId="0" nodeType="clickEffect">
+                                  <p:stCondLst>
+                                    <p:cond delay="0"/>
+                                  </p:stCondLst>
+                                  <p:childTnLst>
+                                    <p:set>
+                                      <p:cBhvr>
+                                        <p:cTn id="14" dur="1" fill="hold">
+                                          <p:stCondLst>
+                                            <p:cond delay="0"/>
+                                          </p:stCondLst>
+                                        </p:cTn>
+                                        <p:tgtEl>
+                                          <p:spTgt spid="6"/>
+                                        </p:tgtEl>
+                                        <p:attrNameLst>
+                                          <p:attrName>style.visibility</p:attrName>
+                                        </p:attrNameLst>
+                                      </p:cBhvr>
+                                      <p:to>
+                                        <p:strVal val="visible"/>
+                                      </p:to>
+                                    </p:set>
+                                  </p:childTnLst>
+                                </p:cTn>
+                              </p:par>
+                            </p:childTnLst>
+                          </p:cTn>
+                        </p:par>
+                      </p:childTnLst>
+                    </p:cTn>
+                  </p:par>
+                </p:childTnLst>
+              </p:cTn>
+              <p:prevCondLst>
+                <p:cond evt="onPrev" delay="0">
+                  <p:tgtEl>
+                    <p:sldTgt/>
+                  </p:tgtEl>
+                </p:cond>
+              </p:prevCondLst>
+              <p:nextCondLst>
+                <p:cond evt="onNext" delay="0">
+                  <p:tgtEl>
+                    <p:sldTgt/>
+                  </p:tgtEl>
+                </p:cond>
+              </p:nextCondLst>
+            </p:seq>
+          </p:childTnLst>
+        </p:cTn>
       </p:par>
     </p:tnLst>
+    <p:bldLst>
+      <p:bldP spid="6" grpId="0"/>
+    </p:bldLst>
   </p:timing>
 </p:sld>
 </file>
@@ -8449,18 +9742,13 @@
           <a:lstStyle/>
           <a:p>
             <a:r>
-              <a:rPr lang="en-US" b="1" u="sng" dirty="0" smtClean="0">
+              <a:rPr lang="en-US" b="1" u="sng" dirty="0">
                 <a:solidFill>
                   <a:schemeClr val="accent2"/>
                 </a:solidFill>
               </a:rPr>
               <a:t>Coverage</a:t>
             </a:r>
-            <a:endParaRPr lang="en-US" b="1" u="sng" dirty="0">
-              <a:solidFill>
-                <a:schemeClr val="accent2"/>
-              </a:solidFill>
-            </a:endParaRPr>
           </a:p>
         </p:txBody>
       </p:sp>
@@ -8471,7 +9759,7 @@
             <a:spLocks noGrp="1"/>
           </p:cNvSpPr>
           <p:nvPr>
-            <p:ph idx="1"/>
+            <p:ph sz="half" idx="1"/>
           </p:nvPr>
         </p:nvSpPr>
         <p:spPr/>
@@ -8480,23 +9768,42 @@
           <a:lstStyle/>
           <a:p>
             <a:r>
-              <a:rPr lang="en-US" dirty="0" smtClean="0"/>
+              <a:rPr lang="en-US" dirty="0"/>
               <a:t>What has been done</a:t>
             </a:r>
           </a:p>
           <a:p>
             <a:r>
-              <a:rPr lang="en-US" dirty="0" smtClean="0"/>
+              <a:rPr lang="en-US" dirty="0"/>
               <a:t>How? Standard, bit of </a:t>
             </a:r>
             <a:r>
-              <a:rPr lang="en-US" dirty="0" err="1" smtClean="0"/>
+              <a:rPr lang="en-US" dirty="0" err="1"/>
               <a:t>opsem</a:t>
             </a:r>
-            <a:endParaRPr lang="en-US" dirty="0" smtClean="0"/>
-          </a:p>
-          <a:p>
-            <a:endParaRPr lang="en-US" dirty="0" smtClean="0"/>
+            <a:endParaRPr lang="en-US" dirty="0"/>
+          </a:p>
+          <a:p>
+            <a:endParaRPr lang="en-US" dirty="0"/>
+          </a:p>
+        </p:txBody>
+      </p:sp>
+      <p:sp>
+        <p:nvSpPr>
+          <p:cNvPr id="4" name="Content Placeholder 3"/>
+          <p:cNvSpPr>
+            <a:spLocks noGrp="1"/>
+          </p:cNvSpPr>
+          <p:nvPr>
+            <p:ph sz="half" idx="2"/>
+          </p:nvPr>
+        </p:nvSpPr>
+        <p:spPr/>
+        <p:txBody>
+          <a:bodyPr/>
+          <a:lstStyle/>
+          <a:p>
+            <a:endParaRPr lang="en-US"/>
           </a:p>
         </p:txBody>
       </p:sp>
@@ -8510,13 +9817,6 @@
   <p:clrMapOvr>
     <a:masterClrMapping/>
   </p:clrMapOvr>
-  <p:timing>
-    <p:tnLst>
-      <p:par>
-        <p:cTn id="1" dur="indefinite" restart="never" nodeType="tmRoot"/>
-      </p:par>
-    </p:tnLst>
-  </p:timing>
 </p:sld>
 </file>
 

--- a/presentation.pptx
+++ b/presentation.pptx
@@ -210,7 +210,7 @@
           <a:p>
             <a:fld id="{0A24DC99-4584-9243-8227-88E4411C14D9}" type="datetimeFigureOut">
               <a:rPr lang="en-US" smtClean="0"/>
-              <a:t>9/16/2016</a:t>
+              <a:t>9/17/16</a:t>
             </a:fld>
             <a:endParaRPr lang="en-US"/>
           </a:p>
@@ -521,7 +521,48 @@
           <a:bodyPr/>
           <a:lstStyle/>
           <a:p>
-            <a:endParaRPr lang="en-US" dirty="0"/>
+            <a:r>
+              <a:rPr lang="en-US" dirty="0" smtClean="0"/>
+              <a:t>JSCert – mech.</a:t>
+            </a:r>
+            <a:r>
+              <a:rPr lang="en-US" baseline="0" dirty="0" smtClean="0"/>
+              <a:t> spec. of JavaScript, the ES5 Standard, previous work on which this is based. We aim at ES5 Strict – mode of JavaScript with better </a:t>
+            </a:r>
+            <a:r>
+              <a:rPr lang="en-US" baseline="0" dirty="0" err="1" smtClean="0"/>
+              <a:t>behavioural</a:t>
+            </a:r>
+            <a:r>
+              <a:rPr lang="en-US" baseline="0" dirty="0" smtClean="0"/>
+              <a:t> properties. JavaScript too complicated for direct analysis –&gt; we developed JSIL, simple intermediate </a:t>
+            </a:r>
+            <a:r>
+              <a:rPr lang="en-US" baseline="0" dirty="0" err="1" smtClean="0"/>
+              <a:t>goto</a:t>
+            </a:r>
+            <a:r>
+              <a:rPr lang="en-US" baseline="0" dirty="0" smtClean="0"/>
+              <a:t> language. JS-2-JSIL: compiler from ES5 Strict to JSIL. We establish trust in the correctness of JS-2-JSIL in two ways: hand-proof of correctness for a fragment (the tick) and extensively testing against the official Test262 Test suite (the running man). The intent is for JSIL to be used as a front end for a number of verification tools, such as CBMC (done by Daiva), Rosette (in progress with IBM), and JaVerT (our tool, currently in development.</a:t>
+            </a:r>
+          </a:p>
+          <a:p>
+            <a:endParaRPr lang="en-US" baseline="0" dirty="0" smtClean="0"/>
+          </a:p>
+          <a:p>
+            <a:r>
+              <a:rPr lang="en-US" baseline="0" dirty="0" smtClean="0"/>
+              <a:t>CLICK</a:t>
+            </a:r>
+          </a:p>
+          <a:p>
+            <a:endParaRPr lang="en-US" baseline="0" dirty="0" smtClean="0"/>
+          </a:p>
+          <a:p>
+            <a:r>
+              <a:rPr lang="en-US" baseline="0" dirty="0" smtClean="0"/>
+              <a:t>This thesis lives in this part of the project and mainly deals with extending the JS-2-JSIL compiler with support for some of the built-in libraries and the testing of this extension.</a:t>
+            </a:r>
           </a:p>
         </p:txBody>
       </p:sp>
@@ -542,6 +583,328 @@
           <a:p>
             <a:fld id="{4FB32A5C-E1FB-6E41-BCF9-8DA85C57BC63}" type="slidenum">
               <a:rPr lang="en-US" smtClean="0"/>
+              <a:t>2</a:t>
+            </a:fld>
+            <a:endParaRPr lang="en-US"/>
+          </a:p>
+        </p:txBody>
+      </p:sp>
+    </p:spTree>
+    <p:extLst>
+      <p:ext uri="{BB962C8B-B14F-4D97-AF65-F5344CB8AC3E}">
+        <p14:creationId xmlns:p14="http://schemas.microsoft.com/office/powerpoint/2010/main" val="54884757"/>
+      </p:ext>
+    </p:extLst>
+  </p:cSld>
+  <p:clrMapOvr>
+    <a:masterClrMapping/>
+  </p:clrMapOvr>
+</p:notes>
+</file>
+
+<file path=ppt/notesSlides/notesSlide2.xml><?xml version="1.0" encoding="utf-8"?>
+<p:notes xmlns:a="http://schemas.openxmlformats.org/drawingml/2006/main" xmlns:r="http://schemas.openxmlformats.org/officeDocument/2006/relationships" xmlns:p="http://schemas.openxmlformats.org/presentationml/2006/main">
+  <p:cSld>
+    <p:spTree>
+      <p:nvGrpSpPr>
+        <p:cNvPr id="1" name=""/>
+        <p:cNvGrpSpPr/>
+        <p:nvPr/>
+      </p:nvGrpSpPr>
+      <p:grpSpPr>
+        <a:xfrm>
+          <a:off x="0" y="0"/>
+          <a:ext cx="0" cy="0"/>
+          <a:chOff x="0" y="0"/>
+          <a:chExt cx="0" cy="0"/>
+        </a:xfrm>
+      </p:grpSpPr>
+      <p:sp>
+        <p:nvSpPr>
+          <p:cNvPr id="2" name="Slide Image Placeholder 1"/>
+          <p:cNvSpPr>
+            <a:spLocks noGrp="1" noRot="1" noChangeAspect="1"/>
+          </p:cNvSpPr>
+          <p:nvPr>
+            <p:ph type="sldImg"/>
+          </p:nvPr>
+        </p:nvSpPr>
+        <p:spPr/>
+      </p:sp>
+      <p:sp>
+        <p:nvSpPr>
+          <p:cNvPr id="3" name="Notes Placeholder 2"/>
+          <p:cNvSpPr>
+            <a:spLocks noGrp="1"/>
+          </p:cNvSpPr>
+          <p:nvPr>
+            <p:ph type="body" idx="1"/>
+          </p:nvPr>
+        </p:nvSpPr>
+        <p:spPr/>
+        <p:txBody>
+          <a:bodyPr/>
+          <a:lstStyle/>
+          <a:p>
+            <a:r>
+              <a:rPr lang="en-US" dirty="0" smtClean="0"/>
+              <a:t>As a running example for part of this presentation, we will take the </a:t>
+            </a:r>
+            <a:r>
+              <a:rPr lang="en-US" dirty="0" err="1" smtClean="0"/>
+              <a:t>Object.prototype.isPrototypeOf</a:t>
+            </a:r>
+            <a:r>
+              <a:rPr lang="en-US" dirty="0" smtClean="0"/>
+              <a:t> function.</a:t>
+            </a:r>
+            <a:r>
+              <a:rPr lang="en-US" baseline="0" dirty="0" smtClean="0"/>
+              <a:t> On the right is the English standard description of this function, through which we will go in detail later. Then explain from the left</a:t>
+            </a:r>
+            <a:endParaRPr lang="en-US" dirty="0"/>
+          </a:p>
+        </p:txBody>
+      </p:sp>
+      <p:sp>
+        <p:nvSpPr>
+          <p:cNvPr id="4" name="Slide Number Placeholder 3"/>
+          <p:cNvSpPr>
+            <a:spLocks noGrp="1"/>
+          </p:cNvSpPr>
+          <p:nvPr>
+            <p:ph type="sldNum" sz="quarter" idx="10"/>
+          </p:nvPr>
+        </p:nvSpPr>
+        <p:spPr/>
+        <p:txBody>
+          <a:bodyPr/>
+          <a:lstStyle/>
+          <a:p>
+            <a:fld id="{4FB32A5C-E1FB-6E41-BCF9-8DA85C57BC63}" type="slidenum">
+              <a:rPr lang="en-US" smtClean="0"/>
+              <a:t>4</a:t>
+            </a:fld>
+            <a:endParaRPr lang="en-US"/>
+          </a:p>
+        </p:txBody>
+      </p:sp>
+    </p:spTree>
+    <p:extLst>
+      <p:ext uri="{BB962C8B-B14F-4D97-AF65-F5344CB8AC3E}">
+        <p14:creationId xmlns:p14="http://schemas.microsoft.com/office/powerpoint/2010/main" val="1660277220"/>
+      </p:ext>
+    </p:extLst>
+  </p:cSld>
+  <p:clrMapOvr>
+    <a:masterClrMapping/>
+  </p:clrMapOvr>
+</p:notes>
+</file>
+
+<file path=ppt/notesSlides/notesSlide3.xml><?xml version="1.0" encoding="utf-8"?>
+<p:notes xmlns:a="http://schemas.openxmlformats.org/drawingml/2006/main" xmlns:r="http://schemas.openxmlformats.org/officeDocument/2006/relationships" xmlns:p="http://schemas.openxmlformats.org/presentationml/2006/main">
+  <p:cSld>
+    <p:spTree>
+      <p:nvGrpSpPr>
+        <p:cNvPr id="1" name=""/>
+        <p:cNvGrpSpPr/>
+        <p:nvPr/>
+      </p:nvGrpSpPr>
+      <p:grpSpPr>
+        <a:xfrm>
+          <a:off x="0" y="0"/>
+          <a:ext cx="0" cy="0"/>
+          <a:chOff x="0" y="0"/>
+          <a:chExt cx="0" cy="0"/>
+        </a:xfrm>
+      </p:grpSpPr>
+      <p:sp>
+        <p:nvSpPr>
+          <p:cNvPr id="2" name="Slide Image Placeholder 1"/>
+          <p:cNvSpPr>
+            <a:spLocks noGrp="1" noRot="1" noChangeAspect="1"/>
+          </p:cNvSpPr>
+          <p:nvPr>
+            <p:ph type="sldImg"/>
+          </p:nvPr>
+        </p:nvSpPr>
+        <p:spPr/>
+      </p:sp>
+      <p:sp>
+        <p:nvSpPr>
+          <p:cNvPr id="3" name="Notes Placeholder 2"/>
+          <p:cNvSpPr>
+            <a:spLocks noGrp="1"/>
+          </p:cNvSpPr>
+          <p:nvPr>
+            <p:ph type="body" idx="1"/>
+          </p:nvPr>
+        </p:nvSpPr>
+        <p:spPr/>
+        <p:txBody>
+          <a:bodyPr/>
+          <a:lstStyle/>
+          <a:p>
+            <a:r>
+              <a:rPr lang="en-US" dirty="0" smtClean="0"/>
+              <a:t>Our</a:t>
+            </a:r>
+            <a:r>
+              <a:rPr lang="en-US" baseline="0" dirty="0" smtClean="0"/>
+              <a:t> intuition from </a:t>
+            </a:r>
+            <a:r>
+              <a:rPr lang="en-US" dirty="0" smtClean="0"/>
+              <a:t>C++</a:t>
+            </a:r>
+            <a:r>
+              <a:rPr lang="en-US" baseline="0" dirty="0" smtClean="0"/>
+              <a:t> and </a:t>
+            </a:r>
+            <a:r>
+              <a:rPr lang="en-US" baseline="0" dirty="0" err="1" smtClean="0"/>
+              <a:t>Java</a:t>
+            </a:r>
+            <a:r>
+              <a:rPr lang="en-US" dirty="0" err="1" smtClean="0"/>
+              <a:t>Objects</a:t>
+            </a:r>
+            <a:r>
+              <a:rPr lang="en-US" dirty="0" smtClean="0"/>
+              <a:t> tells us to view objects as collections of properties. Alice and the first table. Note</a:t>
+            </a:r>
+            <a:r>
+              <a:rPr lang="en-US" baseline="0" dirty="0" smtClean="0"/>
+              <a:t> that JavaScript objects are extensible – yada yada</a:t>
+            </a:r>
+            <a:r>
+              <a:rPr lang="is-IS" baseline="0" dirty="0" smtClean="0"/>
+              <a:t>… </a:t>
+            </a:r>
+          </a:p>
+          <a:p>
+            <a:endParaRPr lang="is-IS" baseline="0" dirty="0" smtClean="0"/>
+          </a:p>
+          <a:p>
+            <a:r>
+              <a:rPr lang="is-IS" baseline="0" dirty="0" smtClean="0"/>
+              <a:t>However, it’s not all that simple – there are two types of properties – Alice and the second table; introduce and describe those in the table.</a:t>
+            </a:r>
+          </a:p>
+          <a:p>
+            <a:endParaRPr lang="is-IS" baseline="0" dirty="0" smtClean="0"/>
+          </a:p>
+          <a:p>
+            <a:r>
+              <a:rPr lang="is-IS" baseline="0" dirty="0" smtClean="0"/>
+              <a:t>In fact, it is much more complicated than that. Attributes and the third table, examples of attributes – value, writable, enumerable, configurable – perhaps don’t mention getters and setters at all, but say that there are more.</a:t>
+            </a:r>
+            <a:endParaRPr lang="en-US" dirty="0"/>
+          </a:p>
+        </p:txBody>
+      </p:sp>
+      <p:sp>
+        <p:nvSpPr>
+          <p:cNvPr id="4" name="Slide Number Placeholder 3"/>
+          <p:cNvSpPr>
+            <a:spLocks noGrp="1"/>
+          </p:cNvSpPr>
+          <p:nvPr>
+            <p:ph type="sldNum" sz="quarter" idx="10"/>
+          </p:nvPr>
+        </p:nvSpPr>
+        <p:spPr/>
+        <p:txBody>
+          <a:bodyPr/>
+          <a:lstStyle/>
+          <a:p>
+            <a:fld id="{4FB32A5C-E1FB-6E41-BCF9-8DA85C57BC63}" type="slidenum">
+              <a:rPr lang="en-US" smtClean="0"/>
+              <a:t>5</a:t>
+            </a:fld>
+            <a:endParaRPr lang="en-US"/>
+          </a:p>
+        </p:txBody>
+      </p:sp>
+    </p:spTree>
+    <p:extLst>
+      <p:ext uri="{BB962C8B-B14F-4D97-AF65-F5344CB8AC3E}">
+        <p14:creationId xmlns:p14="http://schemas.microsoft.com/office/powerpoint/2010/main" val="315377436"/>
+      </p:ext>
+    </p:extLst>
+  </p:cSld>
+  <p:clrMapOvr>
+    <a:masterClrMapping/>
+  </p:clrMapOvr>
+</p:notes>
+</file>
+
+<file path=ppt/notesSlides/notesSlide4.xml><?xml version="1.0" encoding="utf-8"?>
+<p:notes xmlns:a="http://schemas.openxmlformats.org/drawingml/2006/main" xmlns:r="http://schemas.openxmlformats.org/officeDocument/2006/relationships" xmlns:p="http://schemas.openxmlformats.org/presentationml/2006/main">
+  <p:cSld>
+    <p:spTree>
+      <p:nvGrpSpPr>
+        <p:cNvPr id="1" name=""/>
+        <p:cNvGrpSpPr/>
+        <p:nvPr/>
+      </p:nvGrpSpPr>
+      <p:grpSpPr>
+        <a:xfrm>
+          <a:off x="0" y="0"/>
+          <a:ext cx="0" cy="0"/>
+          <a:chOff x="0" y="0"/>
+          <a:chExt cx="0" cy="0"/>
+        </a:xfrm>
+      </p:grpSpPr>
+      <p:sp>
+        <p:nvSpPr>
+          <p:cNvPr id="2" name="Slide Image Placeholder 1"/>
+          <p:cNvSpPr>
+            <a:spLocks noGrp="1" noRot="1" noChangeAspect="1"/>
+          </p:cNvSpPr>
+          <p:nvPr>
+            <p:ph type="sldImg"/>
+          </p:nvPr>
+        </p:nvSpPr>
+        <p:spPr/>
+      </p:sp>
+      <p:sp>
+        <p:nvSpPr>
+          <p:cNvPr id="3" name="Notes Placeholder 2"/>
+          <p:cNvSpPr>
+            <a:spLocks noGrp="1"/>
+          </p:cNvSpPr>
+          <p:nvPr>
+            <p:ph type="body" idx="1"/>
+          </p:nvPr>
+        </p:nvSpPr>
+        <p:spPr/>
+        <p:txBody>
+          <a:bodyPr/>
+          <a:lstStyle/>
+          <a:p>
+            <a:endParaRPr lang="en-US" dirty="0"/>
+          </a:p>
+        </p:txBody>
+      </p:sp>
+      <p:sp>
+        <p:nvSpPr>
+          <p:cNvPr id="4" name="Slide Number Placeholder 3"/>
+          <p:cNvSpPr>
+            <a:spLocks noGrp="1"/>
+          </p:cNvSpPr>
+          <p:nvPr>
+            <p:ph type="sldNum" sz="quarter" idx="10"/>
+          </p:nvPr>
+        </p:nvSpPr>
+        <p:spPr/>
+        <p:txBody>
+          <a:bodyPr/>
+          <a:lstStyle/>
+          <a:p>
+            <a:fld id="{4FB32A5C-E1FB-6E41-BCF9-8DA85C57BC63}" type="slidenum">
+              <a:rPr lang="en-US" smtClean="0"/>
               <a:t>7</a:t>
             </a:fld>
             <a:endParaRPr lang="en-US"/>
@@ -552,6 +915,98 @@
     <p:extLst>
       <p:ext uri="{BB962C8B-B14F-4D97-AF65-F5344CB8AC3E}">
         <p14:creationId xmlns:p14="http://schemas.microsoft.com/office/powerpoint/2010/main" val="959949749"/>
+      </p:ext>
+    </p:extLst>
+  </p:cSld>
+  <p:clrMapOvr>
+    <a:masterClrMapping/>
+  </p:clrMapOvr>
+</p:notes>
+</file>
+
+<file path=ppt/notesSlides/notesSlide5.xml><?xml version="1.0" encoding="utf-8"?>
+<p:notes xmlns:a="http://schemas.openxmlformats.org/drawingml/2006/main" xmlns:r="http://schemas.openxmlformats.org/officeDocument/2006/relationships" xmlns:p="http://schemas.openxmlformats.org/presentationml/2006/main">
+  <p:cSld>
+    <p:spTree>
+      <p:nvGrpSpPr>
+        <p:cNvPr id="1" name=""/>
+        <p:cNvGrpSpPr/>
+        <p:nvPr/>
+      </p:nvGrpSpPr>
+      <p:grpSpPr>
+        <a:xfrm>
+          <a:off x="0" y="0"/>
+          <a:ext cx="0" cy="0"/>
+          <a:chOff x="0" y="0"/>
+          <a:chExt cx="0" cy="0"/>
+        </a:xfrm>
+      </p:grpSpPr>
+      <p:sp>
+        <p:nvSpPr>
+          <p:cNvPr id="2" name="Slide Image Placeholder 1"/>
+          <p:cNvSpPr>
+            <a:spLocks noGrp="1" noRot="1" noChangeAspect="1"/>
+          </p:cNvSpPr>
+          <p:nvPr>
+            <p:ph type="sldImg"/>
+          </p:nvPr>
+        </p:nvSpPr>
+        <p:spPr/>
+      </p:sp>
+      <p:sp>
+        <p:nvSpPr>
+          <p:cNvPr id="3" name="Notes Placeholder 2"/>
+          <p:cNvSpPr>
+            <a:spLocks noGrp="1"/>
+          </p:cNvSpPr>
+          <p:nvPr>
+            <p:ph type="body" idx="1"/>
+          </p:nvPr>
+        </p:nvSpPr>
+        <p:spPr/>
+        <p:txBody>
+          <a:bodyPr/>
+          <a:lstStyle/>
+          <a:p>
+            <a:r>
+              <a:rPr lang="en-US" dirty="0" smtClean="0"/>
+              <a:t>Core of</a:t>
+            </a:r>
+            <a:r>
+              <a:rPr lang="en-US" baseline="0" dirty="0" smtClean="0"/>
+              <a:t> the project. Implementation following the standard. Mention quicksort. JSIL code illegible, but there to illustrate its size.</a:t>
+            </a:r>
+            <a:endParaRPr lang="en-US" dirty="0"/>
+          </a:p>
+        </p:txBody>
+      </p:sp>
+      <p:sp>
+        <p:nvSpPr>
+          <p:cNvPr id="4" name="Slide Number Placeholder 3"/>
+          <p:cNvSpPr>
+            <a:spLocks noGrp="1"/>
+          </p:cNvSpPr>
+          <p:nvPr>
+            <p:ph type="sldNum" sz="quarter" idx="10"/>
+          </p:nvPr>
+        </p:nvSpPr>
+        <p:spPr/>
+        <p:txBody>
+          <a:bodyPr/>
+          <a:lstStyle/>
+          <a:p>
+            <a:fld id="{4FB32A5C-E1FB-6E41-BCF9-8DA85C57BC63}" type="slidenum">
+              <a:rPr lang="en-US" smtClean="0"/>
+              <a:t>10</a:t>
+            </a:fld>
+            <a:endParaRPr lang="en-US"/>
+          </a:p>
+        </p:txBody>
+      </p:sp>
+    </p:spTree>
+    <p:extLst>
+      <p:ext uri="{BB962C8B-B14F-4D97-AF65-F5344CB8AC3E}">
+        <p14:creationId xmlns:p14="http://schemas.microsoft.com/office/powerpoint/2010/main" val="64741466"/>
       </p:ext>
     </p:extLst>
   </p:cSld>
@@ -787,7 +1242,7 @@
           <a:p>
             <a:fld id="{C844D2C0-41C2-43BC-8019-694385F02E35}" type="datetimeFigureOut">
               <a:rPr lang="en-US" smtClean="0"/>
-              <a:t>9/16/2016</a:t>
+              <a:t>9/17/16</a:t>
             </a:fld>
             <a:endParaRPr lang="en-US"/>
           </a:p>
@@ -995,7 +1450,7 @@
           <a:p>
             <a:fld id="{C844D2C0-41C2-43BC-8019-694385F02E35}" type="datetimeFigureOut">
               <a:rPr lang="en-US" smtClean="0"/>
-              <a:t>9/16/2016</a:t>
+              <a:t>9/17/16</a:t>
             </a:fld>
             <a:endParaRPr lang="en-US"/>
           </a:p>
@@ -1251,7 +1706,7 @@
           <a:p>
             <a:fld id="{C844D2C0-41C2-43BC-8019-694385F02E35}" type="datetimeFigureOut">
               <a:rPr lang="en-US" smtClean="0"/>
-              <a:t>9/16/2016</a:t>
+              <a:t>9/17/16</a:t>
             </a:fld>
             <a:endParaRPr lang="en-US"/>
           </a:p>
@@ -1421,7 +1876,7 @@
           <a:p>
             <a:fld id="{C844D2C0-41C2-43BC-8019-694385F02E35}" type="datetimeFigureOut">
               <a:rPr lang="en-US" smtClean="0"/>
-              <a:t>9/16/2016</a:t>
+              <a:t>9/17/16</a:t>
             </a:fld>
             <a:endParaRPr lang="en-US"/>
           </a:p>
@@ -1756,7 +2211,7 @@
           <a:p>
             <a:fld id="{C844D2C0-41C2-43BC-8019-694385F02E35}" type="datetimeFigureOut">
               <a:rPr lang="en-US" smtClean="0"/>
-              <a:t>9/16/2016</a:t>
+              <a:t>9/17/16</a:t>
             </a:fld>
             <a:endParaRPr lang="en-US"/>
           </a:p>
@@ -2031,7 +2486,7 @@
           <a:p>
             <a:fld id="{C844D2C0-41C2-43BC-8019-694385F02E35}" type="datetimeFigureOut">
               <a:rPr lang="en-US" smtClean="0"/>
-              <a:t>9/16/2016</a:t>
+              <a:t>9/17/16</a:t>
             </a:fld>
             <a:endParaRPr lang="en-US"/>
           </a:p>
@@ -2410,7 +2865,7 @@
           <a:p>
             <a:fld id="{C844D2C0-41C2-43BC-8019-694385F02E35}" type="datetimeFigureOut">
               <a:rPr lang="en-US" smtClean="0"/>
-              <a:t>9/16/2016</a:t>
+              <a:t>9/17/16</a:t>
             </a:fld>
             <a:endParaRPr lang="en-US"/>
           </a:p>
@@ -2528,7 +2983,7 @@
           <a:p>
             <a:fld id="{C844D2C0-41C2-43BC-8019-694385F02E35}" type="datetimeFigureOut">
               <a:rPr lang="en-US" smtClean="0"/>
-              <a:t>9/16/2016</a:t>
+              <a:t>9/17/16</a:t>
             </a:fld>
             <a:endParaRPr lang="en-US"/>
           </a:p>
@@ -2699,7 +3154,7 @@
           <a:p>
             <a:fld id="{C844D2C0-41C2-43BC-8019-694385F02E35}" type="datetimeFigureOut">
               <a:rPr lang="en-US" smtClean="0"/>
-              <a:t>9/16/2016</a:t>
+              <a:t>9/17/16</a:t>
             </a:fld>
             <a:endParaRPr lang="en-US"/>
           </a:p>
@@ -3053,7 +3508,7 @@
           <a:p>
             <a:fld id="{C844D2C0-41C2-43BC-8019-694385F02E35}" type="datetimeFigureOut">
               <a:rPr lang="en-US" smtClean="0"/>
-              <a:t>9/16/2016</a:t>
+              <a:t>9/17/16</a:t>
             </a:fld>
             <a:endParaRPr lang="en-US"/>
           </a:p>
@@ -3430,7 +3885,7 @@
           <a:p>
             <a:fld id="{C844D2C0-41C2-43BC-8019-694385F02E35}" type="datetimeFigureOut">
               <a:rPr lang="en-US" smtClean="0"/>
-              <a:t>9/16/2016</a:t>
+              <a:t>9/17/16</a:t>
             </a:fld>
             <a:endParaRPr lang="en-US"/>
           </a:p>
@@ -3720,7 +4175,7 @@
           <a:p>
             <a:fld id="{C844D2C0-41C2-43BC-8019-694385F02E35}" type="datetimeFigureOut">
               <a:rPr lang="en-US" smtClean="0"/>
-              <a:t>9/16/2016</a:t>
+              <a:t>9/17/16</a:t>
             </a:fld>
             <a:endParaRPr lang="en-US"/>
           </a:p>
@@ -4286,6 +4741,25 @@
   <p:clrMapOvr>
     <a:masterClrMapping/>
   </p:clrMapOvr>
+  <mc:AlternateContent xmlns:mc="http://schemas.openxmlformats.org/markup-compatibility/2006" xmlns:p14="http://schemas.microsoft.com/office/powerpoint/2010/main">
+    <mc:Choice Requires="p14">
+      <p:transition spd="med" p14:dur="700">
+        <p:fade/>
+      </p:transition>
+    </mc:Choice>
+    <mc:Fallback xmlns="">
+      <p:transition spd="med">
+        <p:fade/>
+      </p:transition>
+    </mc:Fallback>
+  </mc:AlternateContent>
+  <p:timing>
+    <p:tnLst>
+      <p:par>
+        <p:cTn id="1" dur="indefinite" restart="never" nodeType="tmRoot"/>
+      </p:par>
+    </p:tnLst>
+  </p:timing>
 </p:sld>
 </file>
 
@@ -4306,6 +4780,36 @@
           <a:chExt cx="0" cy="0"/>
         </a:xfrm>
       </p:grpSpPr>
+      <p:pic>
+        <p:nvPicPr>
+          <p:cNvPr id="8" name="Picture 7"/>
+          <p:cNvPicPr>
+            <a:picLocks noChangeAspect="1"/>
+          </p:cNvPicPr>
+          <p:nvPr/>
+        </p:nvPicPr>
+        <p:blipFill>
+          <a:blip r:embed="rId3">
+            <a:extLst>
+              <a:ext uri="{28A0092B-C50C-407E-A947-70E740481C1C}">
+                <a14:useLocalDpi xmlns:a14="http://schemas.microsoft.com/office/drawing/2010/main" val="0"/>
+              </a:ext>
+            </a:extLst>
+          </a:blip>
+          <a:stretch>
+            <a:fillRect/>
+          </a:stretch>
+        </p:blipFill>
+        <p:spPr>
+          <a:xfrm>
+            <a:off x="754744" y="1820777"/>
+            <a:ext cx="7771330" cy="4320000"/>
+          </a:xfrm>
+          <a:prstGeom prst="rect">
+            <a:avLst/>
+          </a:prstGeom>
+        </p:spPr>
+      </p:pic>
       <p:sp>
         <p:nvSpPr>
           <p:cNvPr id="2" name="Title 1"/>
@@ -4316,18 +4820,31 @@
             <p:ph type="title"/>
           </p:nvPr>
         </p:nvSpPr>
-        <p:spPr/>
+        <p:spPr>
+          <a:xfrm>
+            <a:off x="754746" y="469486"/>
+            <a:ext cx="10058400" cy="781797"/>
+          </a:xfrm>
+        </p:spPr>
         <p:txBody>
           <a:bodyPr/>
           <a:lstStyle/>
           <a:p>
+            <a:r>
+              <a:rPr lang="en-US" b="1" u="sng" dirty="0" smtClean="0">
+                <a:solidFill>
+                  <a:schemeClr val="accent2"/>
+                </a:solidFill>
+              </a:rPr>
+              <a:t>The Array </a:t>
+            </a:r>
             <a:r>
               <a:rPr lang="en-US" b="1" u="sng" dirty="0">
                 <a:solidFill>
                   <a:schemeClr val="accent2"/>
                 </a:solidFill>
               </a:rPr>
-              <a:t>Array Library</a:t>
+              <a:t>Library</a:t>
             </a:r>
           </a:p>
         </p:txBody>
@@ -4342,24 +4859,477 @@
             <p:ph idx="1"/>
           </p:nvPr>
         </p:nvSpPr>
-        <p:spPr/>
+        <p:spPr>
+          <a:xfrm>
+            <a:off x="754746" y="1745195"/>
+            <a:ext cx="7753987" cy="4083023"/>
+          </a:xfrm>
+        </p:spPr>
         <p:txBody>
-          <a:bodyPr/>
+          <a:bodyPr>
+            <a:normAutofit/>
+          </a:bodyPr>
           <a:lstStyle/>
           <a:p>
             <a:r>
-              <a:rPr lang="en-US" dirty="0"/>
-              <a:t>Unit tests before pushing to repo</a:t>
-            </a:r>
-          </a:p>
-          <a:p>
-            <a:endParaRPr lang="en-US" dirty="0"/>
-          </a:p>
-          <a:p>
-            <a:r>
-              <a:rPr lang="en-US" dirty="0"/>
-              <a:t>Example (filter): standard, PBS, JSIL</a:t>
-            </a:r>
+              <a:rPr lang="en-US" sz="2400" dirty="0" smtClean="0"/>
+              <a:t>A comprehensive library of functions for manipulating JavaScript Array Objects:</a:t>
+            </a:r>
+          </a:p>
+          <a:p>
+            <a:pPr marL="533400" indent="-266700">
+              <a:buFont typeface="Arial" charset="0"/>
+              <a:buChar char="•"/>
+            </a:pPr>
+            <a:r>
+              <a:rPr lang="en-US" sz="2400" dirty="0" err="1" smtClean="0"/>
+              <a:t>toString</a:t>
+            </a:r>
+            <a:r>
+              <a:rPr lang="en-US" sz="2400" dirty="0" smtClean="0"/>
+              <a:t>, </a:t>
+            </a:r>
+            <a:r>
+              <a:rPr lang="en-US" sz="2400" dirty="0" err="1" smtClean="0"/>
+              <a:t>toLocaleString</a:t>
+            </a:r>
+            <a:r>
+              <a:rPr lang="en-US" sz="2400" dirty="0" smtClean="0"/>
+              <a:t>, </a:t>
+            </a:r>
+            <a:r>
+              <a:rPr lang="en-US" sz="2400" dirty="0" err="1" smtClean="0"/>
+              <a:t>concat</a:t>
+            </a:r>
+            <a:r>
+              <a:rPr lang="en-US" sz="2400" dirty="0" smtClean="0"/>
+              <a:t>, join, push, pop, reverse, shift, slice, sort, splice, </a:t>
+            </a:r>
+            <a:r>
+              <a:rPr lang="en-US" sz="2400" dirty="0" err="1" smtClean="0"/>
+              <a:t>unshift</a:t>
+            </a:r>
+            <a:r>
+              <a:rPr lang="en-US" sz="2400" dirty="0" smtClean="0"/>
+              <a:t>, </a:t>
+            </a:r>
+            <a:r>
+              <a:rPr lang="en-US" sz="2400" dirty="0" err="1" smtClean="0"/>
+              <a:t>indexOf</a:t>
+            </a:r>
+            <a:r>
+              <a:rPr lang="en-US" sz="2400" dirty="0" smtClean="0"/>
+              <a:t>, </a:t>
+            </a:r>
+            <a:r>
+              <a:rPr lang="en-US" sz="2400" dirty="0" err="1" smtClean="0"/>
+              <a:t>lastIndexOf</a:t>
+            </a:r>
+            <a:r>
+              <a:rPr lang="en-US" sz="2400" dirty="0" smtClean="0"/>
+              <a:t>, every, some, </a:t>
+            </a:r>
+            <a:r>
+              <a:rPr lang="en-US" sz="2400" dirty="0" err="1" smtClean="0"/>
+              <a:t>forEach</a:t>
+            </a:r>
+            <a:r>
+              <a:rPr lang="en-US" sz="2400" dirty="0" smtClean="0"/>
+              <a:t>, filter, map, reduce, </a:t>
+            </a:r>
+            <a:r>
+              <a:rPr lang="en-US" sz="2400" dirty="0" err="1" smtClean="0"/>
+              <a:t>reduceRight</a:t>
+            </a:r>
+            <a:endParaRPr lang="en-US" sz="2400" dirty="0"/>
+          </a:p>
+          <a:p>
+            <a:pPr marL="533400" indent="-266700">
+              <a:buFont typeface="Arial" charset="0"/>
+              <a:buChar char="•"/>
+            </a:pPr>
+            <a:r>
+              <a:rPr lang="en-US" sz="2400" dirty="0" smtClean="0"/>
+              <a:t>20 pages of standard, around 1,500 lines of JSIL code</a:t>
+            </a:r>
+          </a:p>
+          <a:p>
+            <a:pPr marL="533400" indent="-266700">
+              <a:buFont typeface="Arial" charset="0"/>
+              <a:buChar char="•"/>
+            </a:pPr>
+            <a:r>
+              <a:rPr lang="en-US" sz="2400" dirty="0" smtClean="0"/>
+              <a:t>Specified operationally, some freedom left to programmer</a:t>
+            </a:r>
+          </a:p>
+          <a:p>
+            <a:pPr marL="533400" indent="-266700">
+              <a:buFont typeface="Arial" charset="0"/>
+              <a:buChar char="•"/>
+            </a:pPr>
+            <a:r>
+              <a:rPr lang="en-US" sz="2400" dirty="0" smtClean="0"/>
+              <a:t>Affecting around 1,800 tests </a:t>
+            </a:r>
+            <a:endParaRPr lang="en-US" sz="2400" dirty="0"/>
+          </a:p>
+          <a:p>
+            <a:pPr marL="533400" indent="-266700">
+              <a:buFont typeface="Arial" charset="0"/>
+              <a:buChar char="•"/>
+            </a:pPr>
+            <a:r>
+              <a:rPr lang="en-US" sz="2400" dirty="0" smtClean="0"/>
+              <a:t>Substantial unit testing performed </a:t>
+            </a:r>
+            <a:r>
+              <a:rPr lang="en-US" sz="2400" dirty="0"/>
+              <a:t>before pushing to </a:t>
+            </a:r>
+            <a:r>
+              <a:rPr lang="en-US" sz="2400" dirty="0" smtClean="0"/>
+              <a:t>repo</a:t>
+            </a:r>
+            <a:endParaRPr lang="en-US" sz="2400" dirty="0"/>
+          </a:p>
+        </p:txBody>
+      </p:sp>
+      <p:pic>
+        <p:nvPicPr>
+          <p:cNvPr id="6" name="Picture 5"/>
+          <p:cNvPicPr>
+            <a:picLocks noChangeAspect="1"/>
+          </p:cNvPicPr>
+          <p:nvPr/>
+        </p:nvPicPr>
+        <p:blipFill>
+          <a:blip r:embed="rId4">
+            <a:extLst>
+              <a:ext uri="{28A0092B-C50C-407E-A947-70E740481C1C}">
+                <a14:useLocalDpi xmlns:a14="http://schemas.microsoft.com/office/drawing/2010/main" val="0"/>
+              </a:ext>
+            </a:extLst>
+          </a:blip>
+          <a:stretch>
+            <a:fillRect/>
+          </a:stretch>
+        </p:blipFill>
+        <p:spPr>
+          <a:xfrm>
+            <a:off x="9073147" y="380777"/>
+            <a:ext cx="2514328" cy="5760000"/>
+          </a:xfrm>
+          <a:prstGeom prst="rect">
+            <a:avLst/>
+          </a:prstGeom>
+        </p:spPr>
+      </p:pic>
+      <p:sp>
+        <p:nvSpPr>
+          <p:cNvPr id="7" name="Content Placeholder 2"/>
+          <p:cNvSpPr txBox="1">
+            <a:spLocks/>
+          </p:cNvSpPr>
+          <p:nvPr/>
+        </p:nvSpPr>
+        <p:spPr>
+          <a:xfrm>
+            <a:off x="754745" y="1348956"/>
+            <a:ext cx="7753987" cy="508720"/>
+          </a:xfrm>
+          <a:prstGeom prst="rect">
+            <a:avLst/>
+          </a:prstGeom>
+        </p:spPr>
+        <p:txBody>
+          <a:bodyPr vert="horz" lIns="0" tIns="45720" rIns="0" bIns="45720" rtlCol="0">
+            <a:normAutofit/>
+          </a:bodyPr>
+          <a:lstStyle>
+            <a:lvl1pPr marL="91436" indent="-91436" algn="l" defTabSz="914354" rtl="0" eaLnBrk="1" latinLnBrk="0" hangingPunct="1">
+              <a:lnSpc>
+                <a:spcPct val="90000"/>
+              </a:lnSpc>
+              <a:spcBef>
+                <a:spcPts val="1200"/>
+              </a:spcBef>
+              <a:spcAft>
+                <a:spcPts val="200"/>
+              </a:spcAft>
+              <a:buClr>
+                <a:schemeClr val="accent1"/>
+              </a:buClr>
+              <a:buSzPct val="100000"/>
+              <a:buFont typeface="Calibri" panose="020F0502020204030204" pitchFamily="34" charset="0"/>
+              <a:buChar char=" "/>
+              <a:defRPr sz="2000" kern="1200">
+                <a:solidFill>
+                  <a:schemeClr val="tx1">
+                    <a:lumMod val="75000"/>
+                    <a:lumOff val="25000"/>
+                  </a:schemeClr>
+                </a:solidFill>
+                <a:latin typeface="+mn-lt"/>
+                <a:ea typeface="+mn-ea"/>
+                <a:cs typeface="+mn-cs"/>
+              </a:defRPr>
+            </a:lvl1pPr>
+            <a:lvl2pPr marL="384029" indent="-182870" algn="l" defTabSz="914354" rtl="0" eaLnBrk="1" latinLnBrk="0" hangingPunct="1">
+              <a:lnSpc>
+                <a:spcPct val="90000"/>
+              </a:lnSpc>
+              <a:spcBef>
+                <a:spcPts val="200"/>
+              </a:spcBef>
+              <a:spcAft>
+                <a:spcPts val="400"/>
+              </a:spcAft>
+              <a:buClr>
+                <a:schemeClr val="accent1"/>
+              </a:buClr>
+              <a:buFont typeface="Calibri" pitchFamily="34" charset="0"/>
+              <a:buChar char="◦"/>
+              <a:defRPr sz="1800" kern="1200">
+                <a:solidFill>
+                  <a:schemeClr val="tx1">
+                    <a:lumMod val="75000"/>
+                    <a:lumOff val="25000"/>
+                  </a:schemeClr>
+                </a:solidFill>
+                <a:latin typeface="+mn-lt"/>
+                <a:ea typeface="+mn-ea"/>
+                <a:cs typeface="+mn-cs"/>
+              </a:defRPr>
+            </a:lvl2pPr>
+            <a:lvl3pPr marL="566900" indent="-182870" algn="l" defTabSz="914354" rtl="0" eaLnBrk="1" latinLnBrk="0" hangingPunct="1">
+              <a:lnSpc>
+                <a:spcPct val="90000"/>
+              </a:lnSpc>
+              <a:spcBef>
+                <a:spcPts val="200"/>
+              </a:spcBef>
+              <a:spcAft>
+                <a:spcPts val="400"/>
+              </a:spcAft>
+              <a:buClr>
+                <a:schemeClr val="accent1"/>
+              </a:buClr>
+              <a:buFont typeface="Calibri" pitchFamily="34" charset="0"/>
+              <a:buChar char="◦"/>
+              <a:defRPr sz="1400" kern="1200">
+                <a:solidFill>
+                  <a:schemeClr val="tx1">
+                    <a:lumMod val="75000"/>
+                    <a:lumOff val="25000"/>
+                  </a:schemeClr>
+                </a:solidFill>
+                <a:latin typeface="+mn-lt"/>
+                <a:ea typeface="+mn-ea"/>
+                <a:cs typeface="+mn-cs"/>
+              </a:defRPr>
+            </a:lvl3pPr>
+            <a:lvl4pPr marL="749771" indent="-182870" algn="l" defTabSz="914354" rtl="0" eaLnBrk="1" latinLnBrk="0" hangingPunct="1">
+              <a:lnSpc>
+                <a:spcPct val="90000"/>
+              </a:lnSpc>
+              <a:spcBef>
+                <a:spcPts val="200"/>
+              </a:spcBef>
+              <a:spcAft>
+                <a:spcPts val="400"/>
+              </a:spcAft>
+              <a:buClr>
+                <a:schemeClr val="accent1"/>
+              </a:buClr>
+              <a:buFont typeface="Calibri" pitchFamily="34" charset="0"/>
+              <a:buChar char="◦"/>
+              <a:defRPr sz="1400" kern="1200">
+                <a:solidFill>
+                  <a:schemeClr val="tx1">
+                    <a:lumMod val="75000"/>
+                    <a:lumOff val="25000"/>
+                  </a:schemeClr>
+                </a:solidFill>
+                <a:latin typeface="+mn-lt"/>
+                <a:ea typeface="+mn-ea"/>
+                <a:cs typeface="+mn-cs"/>
+              </a:defRPr>
+            </a:lvl4pPr>
+            <a:lvl5pPr marL="932642" indent="-182870" algn="l" defTabSz="914354" rtl="0" eaLnBrk="1" latinLnBrk="0" hangingPunct="1">
+              <a:lnSpc>
+                <a:spcPct val="90000"/>
+              </a:lnSpc>
+              <a:spcBef>
+                <a:spcPts val="200"/>
+              </a:spcBef>
+              <a:spcAft>
+                <a:spcPts val="400"/>
+              </a:spcAft>
+              <a:buClr>
+                <a:schemeClr val="accent1"/>
+              </a:buClr>
+              <a:buFont typeface="Calibri" pitchFamily="34" charset="0"/>
+              <a:buChar char="◦"/>
+              <a:defRPr sz="1400" kern="1200">
+                <a:solidFill>
+                  <a:schemeClr val="tx1">
+                    <a:lumMod val="75000"/>
+                    <a:lumOff val="25000"/>
+                  </a:schemeClr>
+                </a:solidFill>
+                <a:latin typeface="+mn-lt"/>
+                <a:ea typeface="+mn-ea"/>
+                <a:cs typeface="+mn-cs"/>
+              </a:defRPr>
+            </a:lvl5pPr>
+            <a:lvl6pPr marL="1099946" indent="-228589" algn="l" defTabSz="914354" rtl="0" eaLnBrk="1" latinLnBrk="0" hangingPunct="1">
+              <a:lnSpc>
+                <a:spcPct val="90000"/>
+              </a:lnSpc>
+              <a:spcBef>
+                <a:spcPts val="200"/>
+              </a:spcBef>
+              <a:spcAft>
+                <a:spcPts val="400"/>
+              </a:spcAft>
+              <a:buClr>
+                <a:schemeClr val="accent1"/>
+              </a:buClr>
+              <a:buFont typeface="Calibri" pitchFamily="34" charset="0"/>
+              <a:buChar char="◦"/>
+              <a:defRPr sz="1400" kern="1200">
+                <a:solidFill>
+                  <a:schemeClr val="tx1">
+                    <a:lumMod val="75000"/>
+                    <a:lumOff val="25000"/>
+                  </a:schemeClr>
+                </a:solidFill>
+                <a:latin typeface="+mn-lt"/>
+                <a:ea typeface="+mn-ea"/>
+                <a:cs typeface="+mn-cs"/>
+              </a:defRPr>
+            </a:lvl6pPr>
+            <a:lvl7pPr marL="1299936" indent="-228589" algn="l" defTabSz="914354" rtl="0" eaLnBrk="1" latinLnBrk="0" hangingPunct="1">
+              <a:lnSpc>
+                <a:spcPct val="90000"/>
+              </a:lnSpc>
+              <a:spcBef>
+                <a:spcPts val="200"/>
+              </a:spcBef>
+              <a:spcAft>
+                <a:spcPts val="400"/>
+              </a:spcAft>
+              <a:buClr>
+                <a:schemeClr val="accent1"/>
+              </a:buClr>
+              <a:buFont typeface="Calibri" pitchFamily="34" charset="0"/>
+              <a:buChar char="◦"/>
+              <a:defRPr sz="1400" kern="1200">
+                <a:solidFill>
+                  <a:schemeClr val="tx1">
+                    <a:lumMod val="75000"/>
+                    <a:lumOff val="25000"/>
+                  </a:schemeClr>
+                </a:solidFill>
+                <a:latin typeface="+mn-lt"/>
+                <a:ea typeface="+mn-ea"/>
+                <a:cs typeface="+mn-cs"/>
+              </a:defRPr>
+            </a:lvl7pPr>
+            <a:lvl8pPr marL="1499925" indent="-228589" algn="l" defTabSz="914354" rtl="0" eaLnBrk="1" latinLnBrk="0" hangingPunct="1">
+              <a:lnSpc>
+                <a:spcPct val="90000"/>
+              </a:lnSpc>
+              <a:spcBef>
+                <a:spcPts val="200"/>
+              </a:spcBef>
+              <a:spcAft>
+                <a:spcPts val="400"/>
+              </a:spcAft>
+              <a:buClr>
+                <a:schemeClr val="accent1"/>
+              </a:buClr>
+              <a:buFont typeface="Calibri" pitchFamily="34" charset="0"/>
+              <a:buChar char="◦"/>
+              <a:defRPr sz="1400" kern="1200">
+                <a:solidFill>
+                  <a:schemeClr val="tx1">
+                    <a:lumMod val="75000"/>
+                    <a:lumOff val="25000"/>
+                  </a:schemeClr>
+                </a:solidFill>
+                <a:latin typeface="+mn-lt"/>
+                <a:ea typeface="+mn-ea"/>
+                <a:cs typeface="+mn-cs"/>
+              </a:defRPr>
+            </a:lvl8pPr>
+            <a:lvl9pPr marL="1699916" indent="-228589" algn="l" defTabSz="914354" rtl="0" eaLnBrk="1" latinLnBrk="0" hangingPunct="1">
+              <a:lnSpc>
+                <a:spcPct val="90000"/>
+              </a:lnSpc>
+              <a:spcBef>
+                <a:spcPts val="200"/>
+              </a:spcBef>
+              <a:spcAft>
+                <a:spcPts val="400"/>
+              </a:spcAft>
+              <a:buClr>
+                <a:schemeClr val="accent1"/>
+              </a:buClr>
+              <a:buFont typeface="Calibri" pitchFamily="34" charset="0"/>
+              <a:buChar char="◦"/>
+              <a:defRPr sz="1400" kern="1200">
+                <a:solidFill>
+                  <a:schemeClr val="tx1">
+                    <a:lumMod val="75000"/>
+                    <a:lumOff val="25000"/>
+                  </a:schemeClr>
+                </a:solidFill>
+                <a:latin typeface="+mn-lt"/>
+                <a:ea typeface="+mn-ea"/>
+                <a:cs typeface="+mn-cs"/>
+              </a:defRPr>
+            </a:lvl9pPr>
+          </a:lstStyle>
+          <a:p>
+            <a:r>
+              <a:rPr lang="en-US" sz="2400" b="1" dirty="0" smtClean="0">
+                <a:solidFill>
+                  <a:schemeClr val="accent2"/>
+                </a:solidFill>
+              </a:rPr>
+              <a:t>Example</a:t>
+            </a:r>
+            <a:r>
+              <a:rPr lang="en-US" sz="2400" dirty="0" smtClean="0"/>
+              <a:t>: </a:t>
+            </a:r>
+            <a:r>
+              <a:rPr lang="en-US" sz="2400" dirty="0" err="1" smtClean="0"/>
+              <a:t>Array.prototype.filter</a:t>
+            </a:r>
+            <a:r>
+              <a:rPr lang="en-US" sz="2400" dirty="0" smtClean="0"/>
+              <a:t>(</a:t>
+            </a:r>
+            <a:r>
+              <a:rPr lang="en-US" sz="2400" dirty="0" err="1" smtClean="0"/>
+              <a:t>filterFunction</a:t>
+            </a:r>
+            <a:r>
+              <a:rPr lang="en-US" sz="2400" dirty="0" smtClean="0"/>
+              <a:t>, [</a:t>
+            </a:r>
+            <a:r>
+              <a:rPr lang="en-US" sz="2400" dirty="0" err="1" smtClean="0"/>
+              <a:t>thisArg</a:t>
+            </a:r>
+            <a:r>
+              <a:rPr lang="en-US" sz="2400" dirty="0" smtClean="0"/>
+              <a:t>])</a:t>
+            </a:r>
+            <a:endParaRPr lang="en-US" sz="2400" dirty="0"/>
           </a:p>
         </p:txBody>
       </p:sp>
@@ -4373,6 +5343,433 @@
   <p:clrMapOvr>
     <a:masterClrMapping/>
   </p:clrMapOvr>
+  <mc:AlternateContent xmlns:mc="http://schemas.openxmlformats.org/markup-compatibility/2006" xmlns:p14="http://schemas.microsoft.com/office/powerpoint/2010/main">
+    <mc:Choice Requires="p14">
+      <p:transition spd="med" p14:dur="700">
+        <p:fade/>
+      </p:transition>
+    </mc:Choice>
+    <mc:Fallback xmlns="">
+      <p:transition spd="med">
+        <p:fade/>
+      </p:transition>
+    </mc:Fallback>
+  </mc:AlternateContent>
+  <p:timing>
+    <p:tnLst>
+      <p:par>
+        <p:cTn id="1" dur="indefinite" restart="never" nodeType="tmRoot">
+          <p:childTnLst>
+            <p:seq concurrent="1" nextAc="seek">
+              <p:cTn id="2" dur="indefinite" nodeType="mainSeq">
+                <p:childTnLst>
+                  <p:par>
+                    <p:cTn id="3" fill="hold">
+                      <p:stCondLst>
+                        <p:cond delay="indefinite"/>
+                      </p:stCondLst>
+                      <p:childTnLst>
+                        <p:par>
+                          <p:cTn id="4" fill="hold">
+                            <p:stCondLst>
+                              <p:cond delay="0"/>
+                            </p:stCondLst>
+                            <p:childTnLst>
+                              <p:par>
+                                <p:cTn id="5" presetID="10" presetClass="entr" presetSubtype="0" fill="hold" grpId="0" nodeType="clickEffect">
+                                  <p:stCondLst>
+                                    <p:cond delay="0"/>
+                                  </p:stCondLst>
+                                  <p:childTnLst>
+                                    <p:set>
+                                      <p:cBhvr>
+                                        <p:cTn id="6" dur="1" fill="hold">
+                                          <p:stCondLst>
+                                            <p:cond delay="0"/>
+                                          </p:stCondLst>
+                                        </p:cTn>
+                                        <p:tgtEl>
+                                          <p:spTgt spid="7"/>
+                                        </p:tgtEl>
+                                        <p:attrNameLst>
+                                          <p:attrName>style.visibility</p:attrName>
+                                        </p:attrNameLst>
+                                      </p:cBhvr>
+                                      <p:to>
+                                        <p:strVal val="visible"/>
+                                      </p:to>
+                                    </p:set>
+                                    <p:animEffect transition="in" filter="fade">
+                                      <p:cBhvr>
+                                        <p:cTn id="7" dur="1000"/>
+                                        <p:tgtEl>
+                                          <p:spTgt spid="7"/>
+                                        </p:tgtEl>
+                                      </p:cBhvr>
+                                    </p:animEffect>
+                                  </p:childTnLst>
+                                </p:cTn>
+                              </p:par>
+                              <p:par>
+                                <p:cTn id="8" presetID="10" presetClass="entr" presetSubtype="0" fill="hold" nodeType="withEffect">
+                                  <p:stCondLst>
+                                    <p:cond delay="0"/>
+                                  </p:stCondLst>
+                                  <p:childTnLst>
+                                    <p:set>
+                                      <p:cBhvr>
+                                        <p:cTn id="9" dur="1" fill="hold">
+                                          <p:stCondLst>
+                                            <p:cond delay="0"/>
+                                          </p:stCondLst>
+                                        </p:cTn>
+                                        <p:tgtEl>
+                                          <p:spTgt spid="8"/>
+                                        </p:tgtEl>
+                                        <p:attrNameLst>
+                                          <p:attrName>style.visibility</p:attrName>
+                                        </p:attrNameLst>
+                                      </p:cBhvr>
+                                      <p:to>
+                                        <p:strVal val="visible"/>
+                                      </p:to>
+                                    </p:set>
+                                    <p:animEffect transition="in" filter="fade">
+                                      <p:cBhvr>
+                                        <p:cTn id="10" dur="1000"/>
+                                        <p:tgtEl>
+                                          <p:spTgt spid="8"/>
+                                        </p:tgtEl>
+                                      </p:cBhvr>
+                                    </p:animEffect>
+                                  </p:childTnLst>
+                                </p:cTn>
+                              </p:par>
+                              <p:par>
+                                <p:cTn id="11" presetID="10" presetClass="entr" presetSubtype="0" fill="hold" nodeType="withEffect">
+                                  <p:stCondLst>
+                                    <p:cond delay="0"/>
+                                  </p:stCondLst>
+                                  <p:childTnLst>
+                                    <p:set>
+                                      <p:cBhvr>
+                                        <p:cTn id="12" dur="1" fill="hold">
+                                          <p:stCondLst>
+                                            <p:cond delay="0"/>
+                                          </p:stCondLst>
+                                        </p:cTn>
+                                        <p:tgtEl>
+                                          <p:spTgt spid="6"/>
+                                        </p:tgtEl>
+                                        <p:attrNameLst>
+                                          <p:attrName>style.visibility</p:attrName>
+                                        </p:attrNameLst>
+                                      </p:cBhvr>
+                                      <p:to>
+                                        <p:strVal val="visible"/>
+                                      </p:to>
+                                    </p:set>
+                                    <p:animEffect transition="in" filter="fade">
+                                      <p:cBhvr>
+                                        <p:cTn id="13" dur="1000"/>
+                                        <p:tgtEl>
+                                          <p:spTgt spid="6"/>
+                                        </p:tgtEl>
+                                      </p:cBhvr>
+                                    </p:animEffect>
+                                  </p:childTnLst>
+                                </p:cTn>
+                              </p:par>
+                              <p:par>
+                                <p:cTn id="14" presetID="10" presetClass="exit" presetSubtype="0" fill="hold" grpId="0" nodeType="withEffect">
+                                  <p:stCondLst>
+                                    <p:cond delay="0"/>
+                                  </p:stCondLst>
+                                  <p:childTnLst>
+                                    <p:animEffect transition="out" filter="fade">
+                                      <p:cBhvr>
+                                        <p:cTn id="15" dur="1000"/>
+                                        <p:tgtEl>
+                                          <p:spTgt spid="3">
+                                            <p:txEl>
+                                              <p:pRg st="0" end="0"/>
+                                            </p:txEl>
+                                          </p:spTgt>
+                                        </p:tgtEl>
+                                      </p:cBhvr>
+                                    </p:animEffect>
+                                    <p:set>
+                                      <p:cBhvr>
+                                        <p:cTn id="16" dur="1" fill="hold">
+                                          <p:stCondLst>
+                                            <p:cond delay="999"/>
+                                          </p:stCondLst>
+                                        </p:cTn>
+                                        <p:tgtEl>
+                                          <p:spTgt spid="3">
+                                            <p:txEl>
+                                              <p:pRg st="0" end="0"/>
+                                            </p:txEl>
+                                          </p:spTgt>
+                                        </p:tgtEl>
+                                        <p:attrNameLst>
+                                          <p:attrName>style.visibility</p:attrName>
+                                        </p:attrNameLst>
+                                      </p:cBhvr>
+                                      <p:to>
+                                        <p:strVal val="hidden"/>
+                                      </p:to>
+                                    </p:set>
+                                  </p:childTnLst>
+                                </p:cTn>
+                              </p:par>
+                              <p:par>
+                                <p:cTn id="17" presetID="10" presetClass="exit" presetSubtype="0" fill="hold" grpId="0" nodeType="withEffect">
+                                  <p:stCondLst>
+                                    <p:cond delay="0"/>
+                                  </p:stCondLst>
+                                  <p:childTnLst>
+                                    <p:animEffect transition="out" filter="fade">
+                                      <p:cBhvr>
+                                        <p:cTn id="18" dur="1000"/>
+                                        <p:tgtEl>
+                                          <p:spTgt spid="3">
+                                            <p:txEl>
+                                              <p:pRg st="1" end="1"/>
+                                            </p:txEl>
+                                          </p:spTgt>
+                                        </p:tgtEl>
+                                      </p:cBhvr>
+                                    </p:animEffect>
+                                    <p:set>
+                                      <p:cBhvr>
+                                        <p:cTn id="19" dur="1" fill="hold">
+                                          <p:stCondLst>
+                                            <p:cond delay="999"/>
+                                          </p:stCondLst>
+                                        </p:cTn>
+                                        <p:tgtEl>
+                                          <p:spTgt spid="3">
+                                            <p:txEl>
+                                              <p:pRg st="1" end="1"/>
+                                            </p:txEl>
+                                          </p:spTgt>
+                                        </p:tgtEl>
+                                        <p:attrNameLst>
+                                          <p:attrName>style.visibility</p:attrName>
+                                        </p:attrNameLst>
+                                      </p:cBhvr>
+                                      <p:to>
+                                        <p:strVal val="hidden"/>
+                                      </p:to>
+                                    </p:set>
+                                  </p:childTnLst>
+                                </p:cTn>
+                              </p:par>
+                              <p:par>
+                                <p:cTn id="20" presetID="10" presetClass="exit" presetSubtype="0" fill="hold" grpId="0" nodeType="withEffect">
+                                  <p:stCondLst>
+                                    <p:cond delay="0"/>
+                                  </p:stCondLst>
+                                  <p:childTnLst>
+                                    <p:animEffect transition="out" filter="fade">
+                                      <p:cBhvr>
+                                        <p:cTn id="21" dur="1000"/>
+                                        <p:tgtEl>
+                                          <p:spTgt spid="3">
+                                            <p:txEl>
+                                              <p:pRg st="2" end="2"/>
+                                            </p:txEl>
+                                          </p:spTgt>
+                                        </p:tgtEl>
+                                      </p:cBhvr>
+                                    </p:animEffect>
+                                    <p:set>
+                                      <p:cBhvr>
+                                        <p:cTn id="22" dur="1" fill="hold">
+                                          <p:stCondLst>
+                                            <p:cond delay="999"/>
+                                          </p:stCondLst>
+                                        </p:cTn>
+                                        <p:tgtEl>
+                                          <p:spTgt spid="3">
+                                            <p:txEl>
+                                              <p:pRg st="2" end="2"/>
+                                            </p:txEl>
+                                          </p:spTgt>
+                                        </p:tgtEl>
+                                        <p:attrNameLst>
+                                          <p:attrName>style.visibility</p:attrName>
+                                        </p:attrNameLst>
+                                      </p:cBhvr>
+                                      <p:to>
+                                        <p:strVal val="hidden"/>
+                                      </p:to>
+                                    </p:set>
+                                  </p:childTnLst>
+                                </p:cTn>
+                              </p:par>
+                              <p:par>
+                                <p:cTn id="23" presetID="10" presetClass="exit" presetSubtype="0" fill="hold" grpId="0" nodeType="withEffect">
+                                  <p:stCondLst>
+                                    <p:cond delay="0"/>
+                                  </p:stCondLst>
+                                  <p:childTnLst>
+                                    <p:animEffect transition="out" filter="fade">
+                                      <p:cBhvr>
+                                        <p:cTn id="24" dur="1000"/>
+                                        <p:tgtEl>
+                                          <p:spTgt spid="3">
+                                            <p:txEl>
+                                              <p:pRg st="3" end="3"/>
+                                            </p:txEl>
+                                          </p:spTgt>
+                                        </p:tgtEl>
+                                      </p:cBhvr>
+                                    </p:animEffect>
+                                    <p:set>
+                                      <p:cBhvr>
+                                        <p:cTn id="25" dur="1" fill="hold">
+                                          <p:stCondLst>
+                                            <p:cond delay="999"/>
+                                          </p:stCondLst>
+                                        </p:cTn>
+                                        <p:tgtEl>
+                                          <p:spTgt spid="3">
+                                            <p:txEl>
+                                              <p:pRg st="3" end="3"/>
+                                            </p:txEl>
+                                          </p:spTgt>
+                                        </p:tgtEl>
+                                        <p:attrNameLst>
+                                          <p:attrName>style.visibility</p:attrName>
+                                        </p:attrNameLst>
+                                      </p:cBhvr>
+                                      <p:to>
+                                        <p:strVal val="hidden"/>
+                                      </p:to>
+                                    </p:set>
+                                  </p:childTnLst>
+                                </p:cTn>
+                              </p:par>
+                              <p:par>
+                                <p:cTn id="26" presetID="10" presetClass="exit" presetSubtype="0" fill="hold" grpId="0" nodeType="withEffect">
+                                  <p:stCondLst>
+                                    <p:cond delay="0"/>
+                                  </p:stCondLst>
+                                  <p:childTnLst>
+                                    <p:animEffect transition="out" filter="fade">
+                                      <p:cBhvr>
+                                        <p:cTn id="27" dur="1000"/>
+                                        <p:tgtEl>
+                                          <p:spTgt spid="3">
+                                            <p:txEl>
+                                              <p:pRg st="4" end="4"/>
+                                            </p:txEl>
+                                          </p:spTgt>
+                                        </p:tgtEl>
+                                      </p:cBhvr>
+                                    </p:animEffect>
+                                    <p:set>
+                                      <p:cBhvr>
+                                        <p:cTn id="28" dur="1" fill="hold">
+                                          <p:stCondLst>
+                                            <p:cond delay="999"/>
+                                          </p:stCondLst>
+                                        </p:cTn>
+                                        <p:tgtEl>
+                                          <p:spTgt spid="3">
+                                            <p:txEl>
+                                              <p:pRg st="4" end="4"/>
+                                            </p:txEl>
+                                          </p:spTgt>
+                                        </p:tgtEl>
+                                        <p:attrNameLst>
+                                          <p:attrName>style.visibility</p:attrName>
+                                        </p:attrNameLst>
+                                      </p:cBhvr>
+                                      <p:to>
+                                        <p:strVal val="hidden"/>
+                                      </p:to>
+                                    </p:set>
+                                  </p:childTnLst>
+                                </p:cTn>
+                              </p:par>
+                              <p:par>
+                                <p:cTn id="29" presetID="10" presetClass="exit" presetSubtype="0" fill="hold" grpId="0" nodeType="withEffect">
+                                  <p:stCondLst>
+                                    <p:cond delay="0"/>
+                                  </p:stCondLst>
+                                  <p:childTnLst>
+                                    <p:animEffect transition="out" filter="fade">
+                                      <p:cBhvr>
+                                        <p:cTn id="30" dur="1000"/>
+                                        <p:tgtEl>
+                                          <p:spTgt spid="3">
+                                            <p:txEl>
+                                              <p:pRg st="5" end="5"/>
+                                            </p:txEl>
+                                          </p:spTgt>
+                                        </p:tgtEl>
+                                      </p:cBhvr>
+                                    </p:animEffect>
+                                    <p:set>
+                                      <p:cBhvr>
+                                        <p:cTn id="31" dur="1" fill="hold">
+                                          <p:stCondLst>
+                                            <p:cond delay="999"/>
+                                          </p:stCondLst>
+                                        </p:cTn>
+                                        <p:tgtEl>
+                                          <p:spTgt spid="3">
+                                            <p:txEl>
+                                              <p:pRg st="5" end="5"/>
+                                            </p:txEl>
+                                          </p:spTgt>
+                                        </p:tgtEl>
+                                        <p:attrNameLst>
+                                          <p:attrName>style.visibility</p:attrName>
+                                        </p:attrNameLst>
+                                      </p:cBhvr>
+                                      <p:to>
+                                        <p:strVal val="hidden"/>
+                                      </p:to>
+                                    </p:set>
+                                  </p:childTnLst>
+                                </p:cTn>
+                              </p:par>
+                            </p:childTnLst>
+                          </p:cTn>
+                        </p:par>
+                      </p:childTnLst>
+                    </p:cTn>
+                  </p:par>
+                </p:childTnLst>
+              </p:cTn>
+              <p:prevCondLst>
+                <p:cond evt="onPrev" delay="0">
+                  <p:tgtEl>
+                    <p:sldTgt/>
+                  </p:tgtEl>
+                </p:cond>
+              </p:prevCondLst>
+              <p:nextCondLst>
+                <p:cond evt="onNext" delay="0">
+                  <p:tgtEl>
+                    <p:sldTgt/>
+                  </p:tgtEl>
+                </p:cond>
+              </p:nextCondLst>
+            </p:seq>
+          </p:childTnLst>
+        </p:cTn>
+      </p:par>
+    </p:tnLst>
+    <p:bldLst>
+      <p:bldP spid="3" grpId="0" build="p"/>
+      <p:bldP spid="7" grpId="0"/>
+    </p:bldLst>
+  </p:timing>
 </p:sld>
 </file>
 
@@ -4475,6 +5872,25 @@
   <p:clrMapOvr>
     <a:masterClrMapping/>
   </p:clrMapOvr>
+  <mc:AlternateContent xmlns:mc="http://schemas.openxmlformats.org/markup-compatibility/2006" xmlns:p14="http://schemas.microsoft.com/office/powerpoint/2010/main">
+    <mc:Choice Requires="p14">
+      <p:transition spd="med" p14:dur="700">
+        <p:fade/>
+      </p:transition>
+    </mc:Choice>
+    <mc:Fallback xmlns="">
+      <p:transition spd="med">
+        <p:fade/>
+      </p:transition>
+    </mc:Fallback>
+  </mc:AlternateContent>
+  <p:timing>
+    <p:tnLst>
+      <p:par>
+        <p:cTn id="1" dur="indefinite" restart="never" nodeType="tmRoot"/>
+      </p:par>
+    </p:tnLst>
+  </p:timing>
 </p:sld>
 </file>
 
@@ -4553,6 +5969,25 @@
   <p:clrMapOvr>
     <a:masterClrMapping/>
   </p:clrMapOvr>
+  <mc:AlternateContent xmlns:mc="http://schemas.openxmlformats.org/markup-compatibility/2006" xmlns:p14="http://schemas.microsoft.com/office/powerpoint/2010/main">
+    <mc:Choice Requires="p14">
+      <p:transition spd="med" p14:dur="700">
+        <p:fade/>
+      </p:transition>
+    </mc:Choice>
+    <mc:Fallback xmlns="">
+      <p:transition spd="med">
+        <p:fade/>
+      </p:transition>
+    </mc:Fallback>
+  </mc:AlternateContent>
+  <p:timing>
+    <p:tnLst>
+      <p:par>
+        <p:cTn id="1" dur="indefinite" restart="never" nodeType="tmRoot"/>
+      </p:par>
+    </p:tnLst>
+  </p:timing>
 </p:sld>
 </file>
 
@@ -4646,13 +6081,27 @@
           <a:p>
             <a:r>
               <a:rPr lang="is-IS" dirty="0"/>
-              <a:t>Test262 experience – takes time, tests complex, unsuited for intial debugging</a:t>
-            </a:r>
-          </a:p>
-          <a:p>
+              <a:t>Test262 experience – takes time, tests complex, unsuited for </a:t>
+            </a:r>
+            <a:r>
+              <a:rPr lang="is-IS" dirty="0" smtClean="0"/>
+              <a:t>initial debugging</a:t>
+            </a:r>
+          </a:p>
+          <a:p>
+            <a:r>
+              <a:rPr lang="is-IS" dirty="0" smtClean="0"/>
+              <a:t>Experience with string in particular – how was the infrastructure? </a:t>
+            </a:r>
+          </a:p>
+          <a:p>
+            <a:r>
+              <a:rPr lang="is-IS" dirty="0" smtClean="0"/>
+              <a:t>Infrastructure </a:t>
+            </a:r>
             <a:r>
               <a:rPr lang="is-IS" dirty="0"/>
-              <a:t>Infrastructure - interface good, filtering, etc.</a:t>
+              <a:t>- interface good, filtering, etc.</a:t>
             </a:r>
           </a:p>
           <a:p>
@@ -4670,6 +6119,25 @@
   <p:clrMapOvr>
     <a:masterClrMapping/>
   </p:clrMapOvr>
+  <mc:AlternateContent xmlns:mc="http://schemas.openxmlformats.org/markup-compatibility/2006" xmlns:p14="http://schemas.microsoft.com/office/powerpoint/2010/main">
+    <mc:Choice Requires="p14">
+      <p:transition spd="med" p14:dur="700">
+        <p:fade/>
+      </p:transition>
+    </mc:Choice>
+    <mc:Fallback xmlns="">
+      <p:transition spd="med">
+        <p:fade/>
+      </p:transition>
+    </mc:Fallback>
+  </mc:AlternateContent>
+  <p:timing>
+    <p:tnLst>
+      <p:par>
+        <p:cTn id="1" dur="indefinite" restart="never" nodeType="tmRoot"/>
+      </p:par>
+    </p:tnLst>
+  </p:timing>
 </p:sld>
 </file>
 
@@ -4799,6 +6267,25 @@
   <p:clrMapOvr>
     <a:masterClrMapping/>
   </p:clrMapOvr>
+  <mc:AlternateContent xmlns:mc="http://schemas.openxmlformats.org/markup-compatibility/2006" xmlns:p14="http://schemas.microsoft.com/office/powerpoint/2010/main">
+    <mc:Choice Requires="p14">
+      <p:transition spd="med" p14:dur="700">
+        <p:fade/>
+      </p:transition>
+    </mc:Choice>
+    <mc:Fallback xmlns="">
+      <p:transition spd="med">
+        <p:fade/>
+      </p:transition>
+    </mc:Fallback>
+  </mc:AlternateContent>
+  <p:timing>
+    <p:tnLst>
+      <p:par>
+        <p:cTn id="1" dur="indefinite" restart="never" nodeType="tmRoot"/>
+      </p:par>
+    </p:tnLst>
+  </p:timing>
 </p:sld>
 </file>
 
@@ -4819,6 +6306,100 @@
           <a:chExt cx="0" cy="0"/>
         </a:xfrm>
       </p:grpSpPr>
+      <p:pic>
+        <p:nvPicPr>
+          <p:cNvPr id="3" name="Picture 2"/>
+          <p:cNvPicPr>
+            <a:picLocks noChangeAspect="1"/>
+          </p:cNvPicPr>
+          <p:nvPr/>
+        </p:nvPicPr>
+        <p:blipFill>
+          <a:blip r:embed="rId3">
+            <a:extLst>
+              <a:ext uri="{28A0092B-C50C-407E-A947-70E740481C1C}">
+                <a14:useLocalDpi xmlns:a14="http://schemas.microsoft.com/office/drawing/2010/main" val="0"/>
+              </a:ext>
+            </a:extLst>
+          </a:blip>
+          <a:stretch>
+            <a:fillRect/>
+          </a:stretch>
+        </p:blipFill>
+        <p:spPr>
+          <a:xfrm>
+            <a:off x="2353128" y="1011329"/>
+            <a:ext cx="7553182" cy="5220000"/>
+          </a:xfrm>
+          <a:prstGeom prst="rect">
+            <a:avLst/>
+          </a:prstGeom>
+        </p:spPr>
+      </p:pic>
+      <p:sp>
+        <p:nvSpPr>
+          <p:cNvPr id="5" name="Rounded Rectangle 4"/>
+          <p:cNvSpPr/>
+          <p:nvPr/>
+        </p:nvSpPr>
+        <p:spPr>
+          <a:xfrm>
+            <a:off x="4071486" y="2208275"/>
+            <a:ext cx="3388093" cy="842838"/>
+          </a:xfrm>
+          <a:prstGeom prst="roundRect">
+            <a:avLst/>
+          </a:prstGeom>
+          <a:solidFill>
+            <a:schemeClr val="accent1">
+              <a:alpha val="27000"/>
+            </a:schemeClr>
+          </a:solidFill>
+        </p:spPr>
+        <p:style>
+          <a:lnRef idx="2">
+            <a:schemeClr val="accent1">
+              <a:shade val="50000"/>
+            </a:schemeClr>
+          </a:lnRef>
+          <a:fillRef idx="1">
+            <a:schemeClr val="accent1"/>
+          </a:fillRef>
+          <a:effectRef idx="0">
+            <a:schemeClr val="accent1"/>
+          </a:effectRef>
+          <a:fontRef idx="minor">
+            <a:schemeClr val="lt1"/>
+          </a:fontRef>
+        </p:style>
+        <p:txBody>
+          <a:bodyPr rtlCol="0" anchor="ctr"/>
+          <a:lstStyle/>
+          <a:p>
+            <a:r>
+              <a:rPr lang="en-US" sz="2000" b="1" smtClean="0">
+                <a:solidFill>
+                  <a:schemeClr val="tx1"/>
+                </a:solidFill>
+              </a:rPr>
+              <a:t>    </a:t>
+            </a:r>
+            <a:r>
+              <a:rPr lang="en-US" sz="2000" smtClean="0">
+                <a:solidFill>
+                  <a:schemeClr val="tx1"/>
+                </a:solidFill>
+              </a:rPr>
+              <a:t>JS-2-JSIL</a:t>
+            </a:r>
+            <a:endParaRPr lang="en-US" sz="2000" dirty="0">
+              <a:solidFill>
+                <a:schemeClr val="tx1"/>
+              </a:solidFill>
+            </a:endParaRPr>
+          </a:p>
+        </p:txBody>
+      </p:sp>
       <p:sp>
         <p:nvSpPr>
           <p:cNvPr id="2" name="Title 1"/>
@@ -4829,50 +6410,140 @@
             <p:ph type="title"/>
           </p:nvPr>
         </p:nvSpPr>
-        <p:spPr/>
+        <p:spPr>
+          <a:xfrm>
+            <a:off x="2303907" y="162941"/>
+            <a:ext cx="7651623" cy="771372"/>
+          </a:xfrm>
+        </p:spPr>
         <p:txBody>
-          <a:bodyPr/>
+          <a:bodyPr>
+            <a:normAutofit/>
+          </a:bodyPr>
           <a:lstStyle/>
           <a:p>
-            <a:r>
-              <a:rPr lang="en-US" b="1" u="sng" dirty="0">
+            <a:pPr algn="ctr"/>
+            <a:r>
+              <a:rPr lang="en-US" b="1" u="sng" dirty="0" smtClean="0">
                 <a:solidFill>
                   <a:schemeClr val="accent2"/>
                 </a:solidFill>
               </a:rPr>
-              <a:t>Context</a:t>
-            </a:r>
+              <a:t>Context of the thesis</a:t>
+            </a:r>
+            <a:endParaRPr lang="en-US" b="1" u="sng" dirty="0">
+              <a:solidFill>
+                <a:schemeClr val="accent2"/>
+              </a:solidFill>
+            </a:endParaRPr>
           </a:p>
         </p:txBody>
       </p:sp>
-      <p:sp>
-        <p:nvSpPr>
-          <p:cNvPr id="4" name="Rectangle 3"/>
-          <p:cNvSpPr/>
+      <p:grpSp>
+        <p:nvGrpSpPr>
+          <p:cNvPr id="19" name="Group 18"/>
+          <p:cNvGrpSpPr/>
           <p:nvPr/>
-        </p:nvSpPr>
-        <p:spPr>
+        </p:nvGrpSpPr>
+        <p:grpSpPr>
           <a:xfrm>
-            <a:off x="768927" y="1854863"/>
-            <a:ext cx="6096000" cy="369332"/>
+            <a:off x="2353128" y="1042202"/>
+            <a:ext cx="7483891" cy="3174984"/>
+            <a:chOff x="2353128" y="1042202"/>
+            <a:chExt cx="7483891" cy="3174984"/>
           </a:xfrm>
-          <a:prstGeom prst="rect">
-            <a:avLst/>
-          </a:prstGeom>
-        </p:spPr>
-        <p:txBody>
-          <a:bodyPr>
-            <a:spAutoFit/>
-          </a:bodyPr>
-          <a:lstStyle/>
-          <a:p>
-            <a:r>
-              <a:rPr lang="en-US" dirty="0"/>
-              <a:t>DIAGRAM!</a:t>
-            </a:r>
-          </a:p>
-        </p:txBody>
-      </p:sp>
+        </p:grpSpPr>
+        <p:sp>
+          <p:nvSpPr>
+            <p:cNvPr id="17" name="Rounded Rectangle 16"/>
+            <p:cNvSpPr/>
+            <p:nvPr/>
+          </p:nvSpPr>
+          <p:spPr>
+            <a:xfrm>
+              <a:off x="2353128" y="1042202"/>
+              <a:ext cx="5395209" cy="3174984"/>
+            </a:xfrm>
+            <a:prstGeom prst="roundRect">
+              <a:avLst/>
+            </a:prstGeom>
+            <a:solidFill>
+              <a:srgbClr val="0070C0">
+                <a:alpha val="10000"/>
+              </a:srgbClr>
+            </a:solidFill>
+          </p:spPr>
+          <p:style>
+            <a:lnRef idx="2">
+              <a:schemeClr val="accent1">
+                <a:shade val="50000"/>
+              </a:schemeClr>
+            </a:lnRef>
+            <a:fillRef idx="1">
+              <a:schemeClr val="accent1"/>
+            </a:fillRef>
+            <a:effectRef idx="0">
+              <a:schemeClr val="accent1"/>
+            </a:effectRef>
+            <a:fontRef idx="minor">
+              <a:schemeClr val="lt1"/>
+            </a:fontRef>
+          </p:style>
+          <p:txBody>
+            <a:bodyPr rtlCol="0" anchor="ctr"/>
+            <a:lstStyle/>
+            <a:p>
+              <a:pPr algn="ctr"/>
+              <a:endParaRPr lang="en-US"/>
+            </a:p>
+          </p:txBody>
+        </p:sp>
+        <p:sp>
+          <p:nvSpPr>
+            <p:cNvPr id="18" name="Rounded Rectangle 17"/>
+            <p:cNvSpPr/>
+            <p:nvPr/>
+          </p:nvSpPr>
+          <p:spPr>
+            <a:xfrm>
+              <a:off x="7748336" y="1597795"/>
+              <a:ext cx="2088683" cy="693018"/>
+            </a:xfrm>
+            <a:prstGeom prst="roundRect">
+              <a:avLst/>
+            </a:prstGeom>
+            <a:solidFill>
+              <a:srgbClr val="0070C0">
+                <a:alpha val="10000"/>
+              </a:srgbClr>
+            </a:solidFill>
+          </p:spPr>
+          <p:style>
+            <a:lnRef idx="2">
+              <a:schemeClr val="accent1">
+                <a:shade val="50000"/>
+              </a:schemeClr>
+            </a:lnRef>
+            <a:fillRef idx="1">
+              <a:schemeClr val="accent1"/>
+            </a:fillRef>
+            <a:effectRef idx="0">
+              <a:schemeClr val="accent1"/>
+            </a:effectRef>
+            <a:fontRef idx="minor">
+              <a:schemeClr val="lt1"/>
+            </a:fontRef>
+          </p:style>
+          <p:txBody>
+            <a:bodyPr rtlCol="0" anchor="ctr"/>
+            <a:lstStyle/>
+            <a:p>
+              <a:pPr algn="ctr"/>
+              <a:endParaRPr lang="en-US"/>
+            </a:p>
+          </p:txBody>
+        </p:sp>
+      </p:grpSp>
     </p:spTree>
     <p:extLst>
       <p:ext uri="{BB962C8B-B14F-4D97-AF65-F5344CB8AC3E}">
@@ -4883,6 +6554,101 @@
   <p:clrMapOvr>
     <a:masterClrMapping/>
   </p:clrMapOvr>
+  <mc:AlternateContent xmlns:mc="http://schemas.openxmlformats.org/markup-compatibility/2006" xmlns:p14="http://schemas.microsoft.com/office/powerpoint/2010/main">
+    <mc:Choice Requires="p14">
+      <p:transition spd="med" p14:dur="700">
+        <p:fade/>
+      </p:transition>
+    </mc:Choice>
+    <mc:Fallback xmlns="">
+      <p:transition spd="med">
+        <p:fade/>
+      </p:transition>
+    </mc:Fallback>
+  </mc:AlternateContent>
+  <p:timing>
+    <p:tnLst>
+      <p:par>
+        <p:cTn id="1" dur="indefinite" restart="never" nodeType="tmRoot">
+          <p:childTnLst>
+            <p:seq concurrent="1" nextAc="seek">
+              <p:cTn id="2" dur="indefinite" nodeType="mainSeq">
+                <p:childTnLst>
+                  <p:par>
+                    <p:cTn id="3" fill="hold">
+                      <p:stCondLst>
+                        <p:cond delay="indefinite"/>
+                      </p:stCondLst>
+                      <p:childTnLst>
+                        <p:par>
+                          <p:cTn id="4" fill="hold">
+                            <p:stCondLst>
+                              <p:cond delay="0"/>
+                            </p:stCondLst>
+                            <p:childTnLst>
+                              <p:par>
+                                <p:cTn id="5" presetID="10" presetClass="entr" presetSubtype="0" fill="hold" nodeType="clickEffect">
+                                  <p:stCondLst>
+                                    <p:cond delay="0"/>
+                                  </p:stCondLst>
+                                  <p:childTnLst>
+                                    <p:set>
+                                      <p:cBhvr>
+                                        <p:cTn id="6" dur="1" fill="hold">
+                                          <p:stCondLst>
+                                            <p:cond delay="0"/>
+                                          </p:stCondLst>
+                                        </p:cTn>
+                                        <p:tgtEl>
+                                          <p:spTgt spid="19"/>
+                                        </p:tgtEl>
+                                        <p:attrNameLst>
+                                          <p:attrName>style.visibility</p:attrName>
+                                        </p:attrNameLst>
+                                      </p:cBhvr>
+                                      <p:to>
+                                        <p:strVal val="visible"/>
+                                      </p:to>
+                                    </p:set>
+                                    <p:animEffect transition="in" filter="fade">
+                                      <p:cBhvr>
+                                        <p:cTn id="7" dur="2000"/>
+                                        <p:tgtEl>
+                                          <p:spTgt spid="19"/>
+                                        </p:tgtEl>
+                                      </p:cBhvr>
+                                    </p:animEffect>
+                                  </p:childTnLst>
+                                </p:cTn>
+                              </p:par>
+                            </p:childTnLst>
+                          </p:cTn>
+                        </p:par>
+                      </p:childTnLst>
+                    </p:cTn>
+                  </p:par>
+                </p:childTnLst>
+              </p:cTn>
+              <p:prevCondLst>
+                <p:cond evt="onPrev" delay="0">
+                  <p:tgtEl>
+                    <p:sldTgt/>
+                  </p:tgtEl>
+                </p:cond>
+              </p:prevCondLst>
+              <p:nextCondLst>
+                <p:cond evt="onNext" delay="0">
+                  <p:tgtEl>
+                    <p:sldTgt/>
+                  </p:tgtEl>
+                </p:cond>
+              </p:nextCondLst>
+            </p:seq>
+          </p:childTnLst>
+        </p:cTn>
+      </p:par>
+    </p:tnLst>
+  </p:timing>
 </p:sld>
 </file>
 
@@ -4903,6 +6669,115 @@
           <a:chExt cx="0" cy="0"/>
         </a:xfrm>
       </p:grpSpPr>
+      <p:grpSp>
+        <p:nvGrpSpPr>
+          <p:cNvPr id="8" name="Group 7"/>
+          <p:cNvGrpSpPr/>
+          <p:nvPr/>
+        </p:nvGrpSpPr>
+        <p:grpSpPr>
+          <a:xfrm>
+            <a:off x="5908843" y="2016378"/>
+            <a:ext cx="5649123" cy="3600000"/>
+            <a:chOff x="5783715" y="1944302"/>
+            <a:chExt cx="5649123" cy="3600000"/>
+          </a:xfrm>
+        </p:grpSpPr>
+        <p:pic>
+          <p:nvPicPr>
+            <p:cNvPr id="6" name="Picture 5"/>
+            <p:cNvPicPr>
+              <a:picLocks noChangeAspect="1"/>
+            </p:cNvPicPr>
+            <p:nvPr/>
+          </p:nvPicPr>
+          <p:blipFill>
+            <a:blip r:embed="rId2">
+              <a:extLst>
+                <a:ext uri="{28A0092B-C50C-407E-A947-70E740481C1C}">
+                  <a14:useLocalDpi xmlns:a14="http://schemas.microsoft.com/office/drawing/2010/main" val="0"/>
+                </a:ext>
+              </a:extLst>
+            </a:blip>
+            <a:stretch>
+              <a:fillRect/>
+            </a:stretch>
+          </p:blipFill>
+          <p:spPr>
+            <a:xfrm>
+              <a:off x="5783715" y="1944302"/>
+              <a:ext cx="5649123" cy="3600000"/>
+            </a:xfrm>
+            <a:prstGeom prst="rect">
+              <a:avLst/>
+            </a:prstGeom>
+          </p:spPr>
+        </p:pic>
+        <p:sp>
+          <p:nvSpPr>
+            <p:cNvPr id="7" name="Rounded Rectangle 6"/>
+            <p:cNvSpPr/>
+            <p:nvPr/>
+          </p:nvSpPr>
+          <p:spPr>
+            <a:xfrm>
+              <a:off x="7988969" y="3322883"/>
+              <a:ext cx="3443869" cy="842838"/>
+            </a:xfrm>
+            <a:prstGeom prst="roundRect">
+              <a:avLst/>
+            </a:prstGeom>
+            <a:solidFill>
+              <a:schemeClr val="accent1">
+                <a:alpha val="27000"/>
+              </a:schemeClr>
+            </a:solidFill>
+          </p:spPr>
+          <p:style>
+            <a:lnRef idx="2">
+              <a:schemeClr val="accent1">
+                <a:shade val="50000"/>
+              </a:schemeClr>
+            </a:lnRef>
+            <a:fillRef idx="1">
+              <a:schemeClr val="accent1"/>
+            </a:fillRef>
+            <a:effectRef idx="0">
+              <a:schemeClr val="accent1"/>
+            </a:effectRef>
+            <a:fontRef idx="minor">
+              <a:schemeClr val="lt1"/>
+            </a:fontRef>
+          </p:style>
+          <p:txBody>
+            <a:bodyPr rtlCol="0" anchor="ctr"/>
+            <a:lstStyle/>
+            <a:p>
+              <a:r>
+                <a:rPr lang="en-US" sz="2000" b="1" smtClean="0">
+                  <a:solidFill>
+                    <a:schemeClr val="tx1"/>
+                  </a:solidFill>
+                </a:rPr>
+                <a:t>    </a:t>
+              </a:r>
+              <a:r>
+                <a:rPr lang="en-US" sz="2000" smtClean="0">
+                  <a:solidFill>
+                    <a:schemeClr val="tx1"/>
+                  </a:solidFill>
+                </a:rPr>
+                <a:t>JS-2-JSIL</a:t>
+              </a:r>
+              <a:endParaRPr lang="en-US" sz="2000" dirty="0">
+                <a:solidFill>
+                  <a:schemeClr val="tx1"/>
+                </a:solidFill>
+              </a:endParaRPr>
+            </a:p>
+          </p:txBody>
+        </p:sp>
+      </p:grpSp>
       <p:sp>
         <p:nvSpPr>
           <p:cNvPr id="2" name="Title 1"/>
@@ -4913,19 +6788,30 @@
             <p:ph type="title"/>
           </p:nvPr>
         </p:nvSpPr>
-        <p:spPr/>
+        <p:spPr>
+          <a:xfrm>
+            <a:off x="1020277" y="601628"/>
+            <a:ext cx="10058400" cy="736337"/>
+          </a:xfrm>
+        </p:spPr>
         <p:txBody>
           <a:bodyPr/>
           <a:lstStyle/>
           <a:p>
-            <a:r>
-              <a:rPr lang="en-US" b="1" u="sng" dirty="0">
+            <a:pPr algn="ctr"/>
+            <a:r>
+              <a:rPr lang="en-US" b="1" u="sng" dirty="0" smtClean="0">
                 <a:solidFill>
                   <a:schemeClr val="accent2"/>
                 </a:solidFill>
               </a:rPr>
               <a:t>Contributions</a:t>
             </a:r>
+            <a:endParaRPr lang="en-US" b="1" u="sng" dirty="0">
+              <a:solidFill>
+                <a:schemeClr val="accent2"/>
+              </a:solidFill>
+            </a:endParaRPr>
           </a:p>
         </p:txBody>
       </p:sp>
@@ -4941,8 +6827,8 @@
         </p:nvSpPr>
         <p:spPr>
           <a:xfrm>
-            <a:off x="6666059" y="1911637"/>
-            <a:ext cx="4937760" cy="4023359"/>
+            <a:off x="679144" y="1809548"/>
+            <a:ext cx="6876687" cy="4013660"/>
           </a:xfrm>
         </p:spPr>
         <p:txBody>
@@ -4952,88 +6838,154 @@
           <a:lstStyle/>
           <a:p>
             <a:r>
+              <a:rPr lang="en-US" sz="2400" b="1" u="sng" dirty="0" smtClean="0">
+                <a:solidFill>
+                  <a:schemeClr val="accent2"/>
+                </a:solidFill>
+              </a:rPr>
+              <a:t>Extending coverage of JS-2-JSIL</a:t>
+            </a:r>
+          </a:p>
+          <a:p>
+            <a:pPr>
+              <a:spcAft>
+                <a:spcPts val="800"/>
+              </a:spcAft>
+            </a:pPr>
+            <a:r>
+              <a:rPr lang="en-US" b="1" dirty="0" smtClean="0">
+                <a:solidFill>
+                  <a:schemeClr val="accent2"/>
+                </a:solidFill>
+              </a:rPr>
+              <a:t>Language</a:t>
+            </a:r>
+            <a:r>
+              <a:rPr lang="en-US" dirty="0" smtClean="0">
+                <a:solidFill>
+                  <a:schemeClr val="accent2"/>
+                </a:solidFill>
+              </a:rPr>
+              <a:t>:</a:t>
+            </a:r>
+          </a:p>
+          <a:p>
+            <a:pPr lvl="1">
+              <a:buFont typeface="Arial" charset="0"/>
+              <a:buChar char="•"/>
+            </a:pPr>
+            <a:r>
+              <a:rPr lang="en-US" dirty="0" smtClean="0"/>
+              <a:t>Arguments object</a:t>
+            </a:r>
+          </a:p>
+          <a:p>
+            <a:pPr lvl="0">
+              <a:spcAft>
+                <a:spcPts val="800"/>
+              </a:spcAft>
+              <a:buClr>
+                <a:srgbClr val="1CADE4"/>
+              </a:buClr>
+            </a:pPr>
+            <a:r>
+              <a:rPr lang="en-US" b="1" dirty="0" smtClean="0">
+                <a:solidFill>
+                  <a:schemeClr val="accent2"/>
+                </a:solidFill>
+              </a:rPr>
+              <a:t>Built-in libraries</a:t>
+            </a:r>
+            <a:r>
+              <a:rPr lang="en-US" dirty="0" smtClean="0">
+                <a:solidFill>
+                  <a:schemeClr val="accent2"/>
+                </a:solidFill>
+              </a:rPr>
+              <a:t>:</a:t>
+            </a:r>
+            <a:endParaRPr lang="en-US" dirty="0">
+              <a:solidFill>
+                <a:schemeClr val="accent2"/>
+              </a:solidFill>
+            </a:endParaRPr>
+          </a:p>
+          <a:p>
+            <a:pPr lvl="1">
+              <a:buFont typeface="Arial" charset="0"/>
+              <a:buChar char="•"/>
+            </a:pPr>
+            <a:r>
+              <a:rPr lang="en-US" dirty="0" err="1" smtClean="0"/>
+              <a:t>Object.prototype</a:t>
+            </a:r>
+            <a:endParaRPr lang="en-US" dirty="0"/>
+          </a:p>
+          <a:p>
+            <a:pPr lvl="1">
+              <a:buFont typeface="Arial" charset="0"/>
+              <a:buChar char="•"/>
+            </a:pPr>
+            <a:r>
+              <a:rPr lang="en-US" dirty="0" smtClean="0"/>
+              <a:t>Array </a:t>
+            </a:r>
+          </a:p>
+          <a:p>
+            <a:pPr lvl="1">
+              <a:buFont typeface="Arial" charset="0"/>
+              <a:buChar char="•"/>
+            </a:pPr>
+            <a:r>
+              <a:rPr lang="en-US" dirty="0" smtClean="0"/>
+              <a:t>String (partial)</a:t>
+            </a:r>
+          </a:p>
+          <a:p>
+            <a:pPr>
+              <a:spcAft>
+                <a:spcPts val="800"/>
+              </a:spcAft>
+            </a:pPr>
+            <a:r>
+              <a:rPr lang="en-US" sz="2400" b="1" u="sng" dirty="0" smtClean="0">
+                <a:solidFill>
+                  <a:schemeClr val="accent2"/>
+                </a:solidFill>
+              </a:rPr>
+              <a:t>Testing JSIL implementations</a:t>
+            </a:r>
+            <a:endParaRPr lang="en-US" sz="900" b="1" u="sng" dirty="0" smtClean="0">
+              <a:solidFill>
+                <a:schemeClr val="accent2"/>
+              </a:solidFill>
+            </a:endParaRPr>
+          </a:p>
+          <a:p>
+            <a:pPr lvl="1">
+              <a:buFont typeface="Arial" charset="0"/>
+              <a:buChar char="•"/>
+            </a:pPr>
+            <a:r>
+              <a:rPr lang="en-US" dirty="0" smtClean="0"/>
+              <a:t>Comprehensive unit tests prior to deployment</a:t>
+            </a:r>
+            <a:endParaRPr lang="en-US" dirty="0"/>
+          </a:p>
+          <a:p>
+            <a:pPr lvl="1">
+              <a:buFont typeface="Arial" charset="0"/>
+              <a:buChar char="•"/>
+            </a:pPr>
+            <a:r>
               <a:rPr lang="en-US" dirty="0"/>
-              <a:t>ES5 Strict extensions</a:t>
-            </a:r>
-          </a:p>
-          <a:p>
-            <a:r>
-              <a:rPr lang="en-US" dirty="0"/>
-              <a:t>Arguments object</a:t>
-            </a:r>
-          </a:p>
-          <a:p>
-            <a:r>
-              <a:rPr lang="en-US" dirty="0"/>
-              <a:t>Libraries:</a:t>
-            </a:r>
-          </a:p>
-          <a:p>
-            <a:r>
-              <a:rPr lang="en-US" dirty="0"/>
-              <a:t>Array entire</a:t>
-            </a:r>
-          </a:p>
-          <a:p>
-            <a:r>
-              <a:rPr lang="en-US" dirty="0" err="1"/>
-              <a:t>Obj.proto</a:t>
-            </a:r>
-            <a:r>
-              <a:rPr lang="en-US" dirty="0"/>
-              <a:t> entire</a:t>
-            </a:r>
-          </a:p>
-          <a:p>
-            <a:r>
-              <a:rPr lang="en-US" dirty="0"/>
-              <a:t>String partial</a:t>
-            </a:r>
-          </a:p>
-          <a:p>
-            <a:r>
-              <a:rPr lang="en-US" dirty="0"/>
-              <a:t>JSIL implementation</a:t>
-            </a:r>
-          </a:p>
-          <a:p>
-            <a:r>
-              <a:rPr lang="en-US" dirty="0"/>
-              <a:t>Unit tests</a:t>
-            </a:r>
-          </a:p>
-          <a:p>
-            <a:r>
-              <a:rPr lang="en-US" dirty="0"/>
-              <a:t>Formal tests (Test262) for the String bit</a:t>
-            </a:r>
-          </a:p>
-        </p:txBody>
-      </p:sp>
-      <p:sp>
-        <p:nvSpPr>
-          <p:cNvPr id="3" name="Content Placeholder 2"/>
-          <p:cNvSpPr>
-            <a:spLocks noGrp="1"/>
-          </p:cNvSpPr>
-          <p:nvPr>
-            <p:ph sz="half" idx="2"/>
-          </p:nvPr>
-        </p:nvSpPr>
-        <p:spPr>
-          <a:xfrm>
-            <a:off x="1097280" y="1911637"/>
-            <a:ext cx="4937760" cy="4023360"/>
-          </a:xfrm>
-        </p:spPr>
-        <p:txBody>
-          <a:bodyPr/>
-          <a:lstStyle/>
-          <a:p>
-            <a:r>
-              <a:rPr lang="en-US" dirty="0"/>
-              <a:t>DIAGRAM</a:t>
-            </a:r>
+              <a:t>Formal tests </a:t>
+            </a:r>
+            <a:r>
+              <a:rPr lang="en-US" dirty="0" smtClean="0"/>
+              <a:t>after deployment using the official Test262 Test Suite</a:t>
+            </a:r>
+            <a:endParaRPr lang="en-US" dirty="0"/>
           </a:p>
         </p:txBody>
       </p:sp>
@@ -5047,6 +6999,25 @@
   <p:clrMapOvr>
     <a:masterClrMapping/>
   </p:clrMapOvr>
+  <mc:AlternateContent xmlns:mc="http://schemas.openxmlformats.org/markup-compatibility/2006" xmlns:p14="http://schemas.microsoft.com/office/powerpoint/2010/main">
+    <mc:Choice Requires="p14">
+      <p:transition spd="med" p14:dur="700">
+        <p:fade/>
+      </p:transition>
+    </mc:Choice>
+    <mc:Fallback xmlns="">
+      <p:transition spd="med">
+        <p:fade/>
+      </p:transition>
+    </mc:Fallback>
+  </mc:AlternateContent>
+  <p:timing>
+    <p:tnLst>
+      <p:par>
+        <p:cTn id="1" dur="indefinite" restart="never" nodeType="tmRoot"/>
+      </p:par>
+    </p:tnLst>
+  </p:timing>
 </p:sld>
 </file>
 
@@ -5077,11 +7048,17 @@
             <p:ph type="title"/>
           </p:nvPr>
         </p:nvSpPr>
-        <p:spPr/>
+        <p:spPr>
+          <a:xfrm>
+            <a:off x="1078030" y="0"/>
+            <a:ext cx="10058400" cy="1450757"/>
+          </a:xfrm>
+        </p:spPr>
         <p:txBody>
           <a:bodyPr/>
           <a:lstStyle/>
           <a:p>
+            <a:pPr algn="ctr"/>
             <a:r>
               <a:rPr lang="en-US" b="1" u="sng" dirty="0" err="1">
                 <a:solidFill>
@@ -5095,27 +7072,6 @@
                 <a:schemeClr val="accent2"/>
               </a:solidFill>
             </a:endParaRPr>
-          </a:p>
-        </p:txBody>
-      </p:sp>
-      <p:sp>
-        <p:nvSpPr>
-          <p:cNvPr id="5" name="Content Placeholder 4"/>
-          <p:cNvSpPr>
-            <a:spLocks noGrp="1"/>
-          </p:cNvSpPr>
-          <p:nvPr>
-            <p:ph sz="half" idx="2"/>
-          </p:nvPr>
-        </p:nvSpPr>
-        <p:spPr/>
-        <p:txBody>
-          <a:bodyPr>
-            <a:normAutofit/>
-          </a:bodyPr>
-          <a:lstStyle/>
-          <a:p>
-            <a:endParaRPr lang="en-US" dirty="0"/>
           </a:p>
         </p:txBody>
       </p:sp>
@@ -5131,47 +7087,319 @@
         </p:nvSpPr>
         <p:spPr>
           <a:xfrm>
-            <a:off x="1097280" y="1845735"/>
-            <a:ext cx="4937760" cy="4023359"/>
+            <a:off x="481263" y="1916765"/>
+            <a:ext cx="5553777" cy="3881297"/>
           </a:xfrm>
         </p:spPr>
         <p:txBody>
-          <a:bodyPr/>
+          <a:bodyPr>
+            <a:normAutofit/>
+          </a:bodyPr>
           <a:lstStyle/>
           <a:p>
             <a:r>
+              <a:rPr lang="en-US" b="1" dirty="0" smtClean="0">
+                <a:solidFill>
+                  <a:schemeClr val="accent2"/>
+                </a:solidFill>
+              </a:rPr>
+              <a:t>Purpose: </a:t>
+            </a:r>
+          </a:p>
+          <a:p>
+            <a:pPr marL="447675" indent="-85725"/>
+            <a:r>
               <a:rPr lang="en-US" dirty="0"/>
-              <a:t>Purpose: to determine whether an object is in the prototype chain of another object</a:t>
-            </a:r>
-          </a:p>
-          <a:p>
+              <a:t>T</a:t>
+            </a:r>
+            <a:r>
+              <a:rPr lang="en-US" dirty="0" smtClean="0"/>
+              <a:t>o determine whether or not one object is in the prototype chain of another object.</a:t>
+            </a:r>
+          </a:p>
+          <a:p>
+            <a:r>
+              <a:rPr lang="en-US" b="1" dirty="0" smtClean="0">
+                <a:solidFill>
+                  <a:schemeClr val="accent2"/>
+                </a:solidFill>
+              </a:rPr>
+              <a:t>Syntax:</a:t>
+            </a:r>
+          </a:p>
+          <a:p>
+            <a:pPr marL="447675" indent="-85725">
+              <a:spcBef>
+                <a:spcPts val="800"/>
+              </a:spcBef>
+            </a:pPr>
+            <a:r>
+              <a:rPr lang="en-US" sz="1600" dirty="0" err="1" smtClean="0">
+                <a:latin typeface="Courier"/>
+              </a:rPr>
+              <a:t>O.isPrototypeOf</a:t>
+            </a:r>
+            <a:r>
+              <a:rPr lang="en-US" sz="1600" dirty="0" smtClean="0">
+                <a:latin typeface="Courier"/>
+              </a:rPr>
+              <a:t>(V)</a:t>
+            </a:r>
+          </a:p>
+          <a:p>
+            <a:pPr marL="447675" indent="-85725">
+              <a:spcBef>
+                <a:spcPts val="800"/>
+              </a:spcBef>
+            </a:pPr>
+            <a:r>
+              <a:rPr lang="en-US" sz="1600" dirty="0" err="1" smtClean="0">
+                <a:latin typeface="Courier"/>
+              </a:rPr>
+              <a:t>Object.prototype.isPrototypeOf</a:t>
+            </a:r>
+            <a:r>
+              <a:rPr lang="en-US" sz="1600" dirty="0" smtClean="0">
+                <a:latin typeface="Courier"/>
+              </a:rPr>
+              <a:t>(O, V)</a:t>
+            </a:r>
+            <a:endParaRPr lang="en-US" sz="800" b="1" dirty="0" smtClean="0">
+              <a:solidFill>
+                <a:schemeClr val="accent2"/>
+              </a:solidFill>
+            </a:endParaRPr>
+          </a:p>
+          <a:p>
+            <a:r>
+              <a:rPr lang="en-US" b="1" dirty="0" smtClean="0">
+                <a:solidFill>
+                  <a:schemeClr val="accent2"/>
+                </a:solidFill>
+              </a:rPr>
+              <a:t>Return </a:t>
+            </a:r>
+            <a:r>
+              <a:rPr lang="en-US" b="1" dirty="0">
+                <a:solidFill>
+                  <a:schemeClr val="accent2"/>
+                </a:solidFill>
+              </a:rPr>
+              <a:t>value: </a:t>
+            </a:r>
+            <a:endParaRPr lang="en-US" b="1" dirty="0" smtClean="0">
+              <a:solidFill>
+                <a:schemeClr val="accent2"/>
+              </a:solidFill>
+            </a:endParaRPr>
+          </a:p>
+          <a:p>
+            <a:pPr marL="533400" indent="-257175">
+              <a:lnSpc>
+                <a:spcPct val="100000"/>
+              </a:lnSpc>
+              <a:spcBef>
+                <a:spcPts val="800"/>
+              </a:spcBef>
+              <a:buFont typeface="Arial" charset="0"/>
+              <a:buChar char="•"/>
+            </a:pPr>
+            <a:r>
+              <a:rPr lang="en-US" b="1" dirty="0" smtClean="0"/>
+              <a:t>true</a:t>
+            </a:r>
+            <a:r>
+              <a:rPr lang="en-US" dirty="0" smtClean="0"/>
+              <a:t>, if the object O is in the prototype chain of the object V;</a:t>
+            </a:r>
+          </a:p>
+          <a:p>
+            <a:pPr marL="533400" indent="-257175">
+              <a:spcBef>
+                <a:spcPts val="800"/>
+              </a:spcBef>
+              <a:buFont typeface="Arial" charset="0"/>
+              <a:buChar char="•"/>
+            </a:pPr>
+            <a:r>
+              <a:rPr lang="en-US" b="1" dirty="0"/>
+              <a:t>f</a:t>
+            </a:r>
+            <a:r>
+              <a:rPr lang="en-US" b="1" dirty="0" smtClean="0"/>
+              <a:t>alse</a:t>
+            </a:r>
+            <a:r>
+              <a:rPr lang="en-US" dirty="0" smtClean="0"/>
+              <a:t>, otherwise.</a:t>
+            </a:r>
+            <a:endParaRPr lang="en-US" dirty="0"/>
+          </a:p>
+        </p:txBody>
+      </p:sp>
+      <p:sp>
+        <p:nvSpPr>
+          <p:cNvPr id="6" name="Content Placeholder 2"/>
+          <p:cNvSpPr>
+            <a:spLocks noGrp="1"/>
+          </p:cNvSpPr>
+          <p:nvPr>
+            <p:ph sz="half" idx="1"/>
+          </p:nvPr>
+        </p:nvSpPr>
+        <p:spPr>
+          <a:xfrm>
+            <a:off x="6246796" y="2203693"/>
+            <a:ext cx="5553777" cy="3307440"/>
+          </a:xfrm>
+        </p:spPr>
+        <p:txBody>
+          <a:bodyPr>
+            <a:normAutofit/>
+          </a:bodyPr>
+          <a:lstStyle/>
+          <a:p>
+            <a:pPr marL="0" indent="0" algn="ctr">
+              <a:buNone/>
+            </a:pPr>
+            <a:r>
+              <a:rPr lang="en-US" b="1" dirty="0" smtClean="0">
+                <a:solidFill>
+                  <a:schemeClr val="accent2"/>
+                </a:solidFill>
+              </a:rPr>
+              <a:t>ES5 Standard: </a:t>
+            </a:r>
+            <a:r>
+              <a:rPr lang="en-US" b="1" dirty="0" err="1" smtClean="0">
+                <a:solidFill>
+                  <a:schemeClr val="accent2"/>
+                </a:solidFill>
+              </a:rPr>
+              <a:t>Object.prototype.isPrototypeOf</a:t>
+            </a:r>
+            <a:r>
+              <a:rPr lang="en-US" b="1" dirty="0" smtClean="0">
+                <a:solidFill>
+                  <a:schemeClr val="accent2"/>
+                </a:solidFill>
+              </a:rPr>
+              <a:t>(O, V)</a:t>
+            </a:r>
+          </a:p>
+          <a:p>
+            <a:pPr marL="457200" indent="-457200">
+              <a:buFont typeface="+mj-lt"/>
+              <a:buAutoNum type="arabicPeriod"/>
+            </a:pPr>
+            <a:r>
+              <a:rPr lang="en-US" dirty="0" smtClean="0"/>
+              <a:t>If </a:t>
+            </a:r>
             <a:r>
               <a:rPr lang="en-US" dirty="0"/>
-              <a:t>Syntax: </a:t>
-            </a:r>
-            <a:r>
-              <a:rPr lang="en-US" sz="1600" dirty="0" err="1">
-                <a:latin typeface="Courier"/>
-              </a:rPr>
-              <a:t>prototypeObject.isPrototypeOf</a:t>
-            </a:r>
-            <a:r>
-              <a:rPr lang="en-US" sz="1600" dirty="0">
-                <a:latin typeface="Courier"/>
-              </a:rPr>
-              <a:t>(object)</a:t>
-            </a:r>
-          </a:p>
-          <a:p>
+              <a:t>V is not an object, return </a:t>
+            </a:r>
+            <a:r>
+              <a:rPr lang="en-US" b="1" dirty="0"/>
+              <a:t>false</a:t>
+            </a:r>
             <a:r>
               <a:rPr lang="en-US" dirty="0"/>
-              <a:t>Return value: a Boolean indicating the result of prototype chain </a:t>
+              <a:t>.</a:t>
+            </a:r>
+          </a:p>
+          <a:p>
+            <a:pPr marL="457200" indent="-457200">
+              <a:buFont typeface="+mj-lt"/>
+              <a:buAutoNum type="arabicPeriod"/>
+            </a:pPr>
+            <a:r>
+              <a:rPr lang="en-US" dirty="0"/>
+              <a:t>Let O be the result of calling </a:t>
             </a:r>
             <a:r>
               <a:rPr lang="en-US" dirty="0" err="1"/>
-              <a:t>seach</a:t>
+              <a:t>ToObject</a:t>
+            </a:r>
+            <a:r>
+              <a:rPr lang="en-US" dirty="0"/>
+              <a:t> passing the </a:t>
+            </a:r>
+            <a:r>
+              <a:rPr lang="en-US" b="1" dirty="0"/>
+              <a:t>this </a:t>
+            </a:r>
+            <a:r>
+              <a:rPr lang="en-US" dirty="0"/>
+              <a:t>value as the argument.</a:t>
+            </a:r>
+          </a:p>
+          <a:p>
+            <a:pPr marL="457200" indent="-457200">
+              <a:buFont typeface="+mj-lt"/>
+              <a:buAutoNum type="arabicPeriod"/>
+            </a:pPr>
+            <a:r>
+              <a:rPr lang="en-US" dirty="0"/>
+              <a:t>Repeat</a:t>
+            </a:r>
+          </a:p>
+          <a:p>
+            <a:pPr marL="763588" lvl="1" indent="-268288">
+              <a:buFont typeface="+mj-lt"/>
+              <a:buAutoNum type="alphaLcPeriod"/>
+            </a:pPr>
+            <a:r>
+              <a:rPr lang="en-US" dirty="0"/>
+              <a:t>Let V be the value of the [[Prototype]] internal property of </a:t>
+            </a:r>
+            <a:r>
+              <a:rPr lang="en-US" dirty="0" smtClean="0"/>
+              <a:t>V.</a:t>
             </a:r>
             <a:endParaRPr lang="en-US" dirty="0"/>
+          </a:p>
+          <a:p>
+            <a:pPr marL="763588" lvl="1" indent="-268288">
+              <a:buFont typeface="+mj-lt"/>
+              <a:buAutoNum type="alphaLcPeriod"/>
+            </a:pPr>
+            <a:r>
+              <a:rPr lang="en-US" dirty="0"/>
+              <a:t>if V is </a:t>
+            </a:r>
+            <a:r>
+              <a:rPr lang="en-US" b="1" dirty="0"/>
+              <a:t>null</a:t>
+            </a:r>
+            <a:r>
+              <a:rPr lang="en-US" dirty="0"/>
+              <a:t>, return </a:t>
+            </a:r>
+            <a:r>
+              <a:rPr lang="en-US" b="1" dirty="0" smtClean="0"/>
+              <a:t>false.</a:t>
+            </a:r>
+            <a:endParaRPr lang="en-US" b="1" dirty="0"/>
+          </a:p>
+          <a:p>
+            <a:pPr marL="763588" lvl="1" indent="-268288">
+              <a:buFont typeface="+mj-lt"/>
+              <a:buAutoNum type="alphaLcPeriod"/>
+            </a:pPr>
+            <a:r>
+              <a:rPr lang="en-US" dirty="0"/>
+              <a:t>If O and V refer to the same object, return </a:t>
+            </a:r>
+            <a:r>
+              <a:rPr lang="en-US" b="1" dirty="0"/>
+              <a:t>true</a:t>
+            </a:r>
+            <a:r>
+              <a:rPr lang="en-US" dirty="0"/>
+              <a:t>.</a:t>
+            </a:r>
           </a:p>
         </p:txBody>
       </p:sp>
@@ -5185,6 +7413,25 @@
   <p:clrMapOvr>
     <a:masterClrMapping/>
   </p:clrMapOvr>
+  <mc:AlternateContent xmlns:mc="http://schemas.openxmlformats.org/markup-compatibility/2006" xmlns:p14="http://schemas.microsoft.com/office/powerpoint/2010/main">
+    <mc:Choice Requires="p14">
+      <p:transition spd="med" p14:dur="700">
+        <p:fade/>
+      </p:transition>
+    </mc:Choice>
+    <mc:Fallback xmlns="">
+      <p:transition spd="med">
+        <p:fade/>
+      </p:transition>
+    </mc:Fallback>
+  </mc:AlternateContent>
+  <p:timing>
+    <p:tnLst>
+      <p:par>
+        <p:cTn id="1" dur="indefinite" restart="never" nodeType="tmRoot"/>
+      </p:par>
+    </p:tnLst>
+  </p:timing>
 </p:sld>
 </file>
 
@@ -5205,6 +7452,541 @@
           <a:chExt cx="0" cy="0"/>
         </a:xfrm>
       </p:grpSpPr>
+      <p:graphicFrame>
+        <p:nvGraphicFramePr>
+          <p:cNvPr id="11" name="Table 10"/>
+          <p:cNvGraphicFramePr>
+            <a:graphicFrameLocks noGrp="1"/>
+          </p:cNvGraphicFramePr>
+          <p:nvPr>
+            <p:extLst>
+              <p:ext uri="{D42A27DB-BD31-4B8C-83A1-F6EECF244321}">
+                <p14:modId xmlns:p14="http://schemas.microsoft.com/office/powerpoint/2010/main" val="672061879"/>
+              </p:ext>
+            </p:extLst>
+          </p:nvPr>
+        </p:nvGraphicFramePr>
+        <p:xfrm>
+          <a:off x="5852160" y="2113471"/>
+          <a:ext cx="5920342" cy="2595880"/>
+        </p:xfrm>
+        <a:graphic>
+          <a:graphicData uri="http://schemas.openxmlformats.org/drawingml/2006/table">
+            <a:tbl>
+              <a:tblPr firstRow="1" bandRow="1">
+                <a:tableStyleId>{9DCAF9ED-07DC-4A11-8D7F-57B35C25682E}</a:tableStyleId>
+              </a:tblPr>
+              <a:tblGrid>
+                <a:gridCol w="2253171"/>
+                <a:gridCol w="3667171"/>
+              </a:tblGrid>
+              <a:tr h="370840">
+                <a:tc gridSpan="2">
+                  <a:txBody>
+                    <a:bodyPr/>
+                    <a:lstStyle/>
+                    <a:p>
+                      <a:pPr algn="ctr"/>
+                      <a:r>
+                        <a:rPr lang="en-US" dirty="0" err="1" smtClean="0"/>
+                        <a:t>alice</a:t>
+                      </a:r>
+                      <a:endParaRPr lang="en-US" dirty="0">
+                        <a:solidFill>
+                          <a:schemeClr val="tx1"/>
+                        </a:solidFill>
+                      </a:endParaRPr>
+                    </a:p>
+                  </a:txBody>
+                  <a:tcPr/>
+                </a:tc>
+                <a:tc hMerge="1">
+                  <a:txBody>
+                    <a:bodyPr/>
+                    <a:lstStyle/>
+                    <a:p>
+                      <a:pPr algn="ctr"/>
+                      <a:endParaRPr lang="en-US" dirty="0">
+                        <a:solidFill>
+                          <a:schemeClr val="tx1"/>
+                        </a:solidFill>
+                      </a:endParaRPr>
+                    </a:p>
+                  </a:txBody>
+                  <a:tcPr/>
+                </a:tc>
+              </a:tr>
+              <a:tr h="370840">
+                <a:tc>
+                  <a:txBody>
+                    <a:bodyPr/>
+                    <a:lstStyle/>
+                    <a:p>
+                      <a:pPr algn="ctr"/>
+                      <a:r>
+                        <a:rPr lang="en-US" dirty="0" smtClean="0"/>
+                        <a:t>name</a:t>
+                      </a:r>
+                      <a:endParaRPr lang="en-US" dirty="0"/>
+                    </a:p>
+                  </a:txBody>
+                  <a:tcPr/>
+                </a:tc>
+                <a:tc>
+                  <a:txBody>
+                    <a:bodyPr/>
+                    <a:lstStyle/>
+                    <a:p>
+                      <a:pPr algn="ctr"/>
+                      <a:r>
+                        <a:rPr lang="en-US" dirty="0" smtClean="0"/>
+                        <a:t>[V: “Alice”, W: true, E: true,</a:t>
+                      </a:r>
+                      <a:r>
+                        <a:rPr lang="en-US" baseline="0" dirty="0" smtClean="0"/>
+                        <a:t> C: true]</a:t>
+                      </a:r>
+                      <a:endParaRPr lang="en-US" dirty="0"/>
+                    </a:p>
+                  </a:txBody>
+                  <a:tcPr/>
+                </a:tc>
+              </a:tr>
+              <a:tr h="370840">
+                <a:tc>
+                  <a:txBody>
+                    <a:bodyPr/>
+                    <a:lstStyle/>
+                    <a:p>
+                      <a:pPr algn="ctr"/>
+                      <a:r>
+                        <a:rPr lang="en-US" dirty="0" smtClean="0"/>
+                        <a:t>age</a:t>
+                      </a:r>
+                      <a:endParaRPr lang="en-US" dirty="0"/>
+                    </a:p>
+                  </a:txBody>
+                  <a:tcPr/>
+                </a:tc>
+                <a:tc>
+                  <a:txBody>
+                    <a:bodyPr/>
+                    <a:lstStyle/>
+                    <a:p>
+                      <a:pPr algn="ctr"/>
+                      <a:r>
+                        <a:rPr lang="en-US" dirty="0" smtClean="0"/>
+                        <a:t>[V: 36, W: true, E: true,</a:t>
+                      </a:r>
+                      <a:r>
+                        <a:rPr lang="en-US" baseline="0" dirty="0" smtClean="0"/>
+                        <a:t> C: true]</a:t>
+                      </a:r>
+                      <a:endParaRPr lang="en-US" dirty="0"/>
+                    </a:p>
+                  </a:txBody>
+                  <a:tcPr/>
+                </a:tc>
+              </a:tr>
+              <a:tr h="370840">
+                <a:tc>
+                  <a:txBody>
+                    <a:bodyPr/>
+                    <a:lstStyle/>
+                    <a:p>
+                      <a:pPr algn="ctr"/>
+                      <a:r>
+                        <a:rPr lang="en-US" dirty="0" smtClean="0"/>
+                        <a:t>@prototype</a:t>
+                      </a:r>
+                      <a:endParaRPr lang="en-US" dirty="0"/>
+                    </a:p>
+                  </a:txBody>
+                  <a:tcPr/>
+                </a:tc>
+                <a:tc>
+                  <a:txBody>
+                    <a:bodyPr/>
+                    <a:lstStyle/>
+                    <a:p>
+                      <a:pPr algn="ctr"/>
+                      <a:r>
+                        <a:rPr lang="is-IS" dirty="0" smtClean="0"/>
+                        <a:t>…</a:t>
+                      </a:r>
+                      <a:endParaRPr lang="en-US" dirty="0" smtClean="0"/>
+                    </a:p>
+                  </a:txBody>
+                  <a:tcPr/>
+                </a:tc>
+              </a:tr>
+              <a:tr h="370840">
+                <a:tc>
+                  <a:txBody>
+                    <a:bodyPr/>
+                    <a:lstStyle/>
+                    <a:p>
+                      <a:pPr algn="ctr"/>
+                      <a:r>
+                        <a:rPr lang="en-US" dirty="0" smtClean="0"/>
+                        <a:t>@</a:t>
+                      </a:r>
+                      <a:r>
+                        <a:rPr lang="en-US" dirty="0" err="1" smtClean="0"/>
+                        <a:t>getOwnProperty</a:t>
+                      </a:r>
+                      <a:endParaRPr lang="en-US" dirty="0"/>
+                    </a:p>
+                  </a:txBody>
+                  <a:tcPr/>
+                </a:tc>
+                <a:tc>
+                  <a:txBody>
+                    <a:bodyPr/>
+                    <a:lstStyle/>
+                    <a:p>
+                      <a:pPr algn="ctr"/>
+                      <a:r>
+                        <a:rPr lang="is-IS" dirty="0" smtClean="0"/>
+                        <a:t>…</a:t>
+                      </a:r>
+                      <a:endParaRPr lang="en-US" dirty="0" smtClean="0"/>
+                    </a:p>
+                  </a:txBody>
+                  <a:tcPr/>
+                </a:tc>
+              </a:tr>
+              <a:tr h="370840">
+                <a:tc>
+                  <a:txBody>
+                    <a:bodyPr/>
+                    <a:lstStyle/>
+                    <a:p>
+                      <a:pPr algn="ctr"/>
+                      <a:r>
+                        <a:rPr lang="is-IS" dirty="0" smtClean="0"/>
+                        <a:t>@defineOwnProperty</a:t>
+                      </a:r>
+                      <a:endParaRPr lang="en-US" dirty="0"/>
+                    </a:p>
+                  </a:txBody>
+                  <a:tcPr/>
+                </a:tc>
+                <a:tc>
+                  <a:txBody>
+                    <a:bodyPr/>
+                    <a:lstStyle/>
+                    <a:p>
+                      <a:pPr algn="ctr"/>
+                      <a:r>
+                        <a:rPr lang="is-IS" dirty="0" smtClean="0"/>
+                        <a:t>…</a:t>
+                      </a:r>
+                      <a:endParaRPr lang="en-US" dirty="0" smtClean="0"/>
+                    </a:p>
+                  </a:txBody>
+                  <a:tcPr/>
+                </a:tc>
+              </a:tr>
+              <a:tr h="370840">
+                <a:tc>
+                  <a:txBody>
+                    <a:bodyPr/>
+                    <a:lstStyle/>
+                    <a:p>
+                      <a:pPr algn="ctr"/>
+                      <a:r>
+                        <a:rPr lang="is-IS" dirty="0" smtClean="0"/>
+                        <a:t>…</a:t>
+                      </a:r>
+                      <a:endParaRPr lang="en-US" dirty="0"/>
+                    </a:p>
+                  </a:txBody>
+                  <a:tcPr/>
+                </a:tc>
+                <a:tc>
+                  <a:txBody>
+                    <a:bodyPr/>
+                    <a:lstStyle/>
+                    <a:p>
+                      <a:pPr algn="ctr"/>
+                      <a:r>
+                        <a:rPr lang="is-IS" dirty="0" smtClean="0"/>
+                        <a:t>…</a:t>
+                      </a:r>
+                      <a:endParaRPr lang="en-US" dirty="0" smtClean="0"/>
+                    </a:p>
+                  </a:txBody>
+                  <a:tcPr/>
+                </a:tc>
+              </a:tr>
+            </a:tbl>
+          </a:graphicData>
+        </a:graphic>
+      </p:graphicFrame>
+      <p:graphicFrame>
+        <p:nvGraphicFramePr>
+          <p:cNvPr id="10" name="Table 9"/>
+          <p:cNvGraphicFramePr>
+            <a:graphicFrameLocks noGrp="1"/>
+          </p:cNvGraphicFramePr>
+          <p:nvPr>
+            <p:extLst>
+              <p:ext uri="{D42A27DB-BD31-4B8C-83A1-F6EECF244321}">
+                <p14:modId xmlns:p14="http://schemas.microsoft.com/office/powerpoint/2010/main" val="1588915960"/>
+              </p:ext>
+            </p:extLst>
+          </p:nvPr>
+        </p:nvGraphicFramePr>
+        <p:xfrm>
+          <a:off x="6516704" y="2113471"/>
+          <a:ext cx="4591254" cy="2595880"/>
+        </p:xfrm>
+        <a:graphic>
+          <a:graphicData uri="http://schemas.openxmlformats.org/drawingml/2006/table">
+            <a:tbl>
+              <a:tblPr firstRow="1" bandRow="1">
+                <a:tableStyleId>{9DCAF9ED-07DC-4A11-8D7F-57B35C25682E}</a:tableStyleId>
+              </a:tblPr>
+              <a:tblGrid>
+                <a:gridCol w="2295627"/>
+                <a:gridCol w="2295627"/>
+              </a:tblGrid>
+              <a:tr h="370840">
+                <a:tc gridSpan="2">
+                  <a:txBody>
+                    <a:bodyPr/>
+                    <a:lstStyle/>
+                    <a:p>
+                      <a:pPr algn="ctr"/>
+                      <a:r>
+                        <a:rPr lang="en-US" dirty="0" err="1" smtClean="0"/>
+                        <a:t>alice</a:t>
+                      </a:r>
+                      <a:endParaRPr lang="en-US" dirty="0">
+                        <a:solidFill>
+                          <a:schemeClr val="tx1"/>
+                        </a:solidFill>
+                      </a:endParaRPr>
+                    </a:p>
+                  </a:txBody>
+                  <a:tcPr/>
+                </a:tc>
+                <a:tc hMerge="1">
+                  <a:txBody>
+                    <a:bodyPr/>
+                    <a:lstStyle/>
+                    <a:p>
+                      <a:pPr algn="ctr"/>
+                      <a:endParaRPr lang="en-US" dirty="0">
+                        <a:solidFill>
+                          <a:schemeClr val="tx1"/>
+                        </a:solidFill>
+                      </a:endParaRPr>
+                    </a:p>
+                  </a:txBody>
+                  <a:tcPr/>
+                </a:tc>
+              </a:tr>
+              <a:tr h="370840">
+                <a:tc>
+                  <a:txBody>
+                    <a:bodyPr/>
+                    <a:lstStyle/>
+                    <a:p>
+                      <a:pPr algn="ctr"/>
+                      <a:r>
+                        <a:rPr lang="en-US" dirty="0" smtClean="0"/>
+                        <a:t>name</a:t>
+                      </a:r>
+                      <a:endParaRPr lang="en-US" dirty="0"/>
+                    </a:p>
+                  </a:txBody>
+                  <a:tcPr/>
+                </a:tc>
+                <a:tc>
+                  <a:txBody>
+                    <a:bodyPr/>
+                    <a:lstStyle/>
+                    <a:p>
+                      <a:pPr algn="ctr"/>
+                      <a:r>
+                        <a:rPr lang="en-US" dirty="0" smtClean="0"/>
+                        <a:t>“Alice”</a:t>
+                      </a:r>
+                      <a:endParaRPr lang="en-US" dirty="0"/>
+                    </a:p>
+                  </a:txBody>
+                  <a:tcPr/>
+                </a:tc>
+              </a:tr>
+              <a:tr h="370840">
+                <a:tc>
+                  <a:txBody>
+                    <a:bodyPr/>
+                    <a:lstStyle/>
+                    <a:p>
+                      <a:pPr algn="ctr"/>
+                      <a:r>
+                        <a:rPr lang="en-US" dirty="0" smtClean="0"/>
+                        <a:t>age</a:t>
+                      </a:r>
+                      <a:endParaRPr lang="en-US" dirty="0"/>
+                    </a:p>
+                  </a:txBody>
+                  <a:tcPr/>
+                </a:tc>
+                <a:tc>
+                  <a:txBody>
+                    <a:bodyPr/>
+                    <a:lstStyle/>
+                    <a:p>
+                      <a:pPr algn="ctr"/>
+                      <a:r>
+                        <a:rPr lang="en-US" dirty="0" smtClean="0"/>
+                        <a:t>36</a:t>
+                      </a:r>
+                    </a:p>
+                  </a:txBody>
+                  <a:tcPr/>
+                </a:tc>
+              </a:tr>
+              <a:tr h="370840">
+                <a:tc>
+                  <a:txBody>
+                    <a:bodyPr/>
+                    <a:lstStyle/>
+                    <a:p>
+                      <a:pPr algn="ctr"/>
+                      <a:r>
+                        <a:rPr lang="en-US" dirty="0" smtClean="0"/>
+                        <a:t>@prototype</a:t>
+                      </a:r>
+                      <a:endParaRPr lang="en-US" dirty="0"/>
+                    </a:p>
+                  </a:txBody>
+                  <a:tcPr/>
+                </a:tc>
+                <a:tc>
+                  <a:txBody>
+                    <a:bodyPr/>
+                    <a:lstStyle/>
+                    <a:p>
+                      <a:pPr algn="ctr"/>
+                      <a:r>
+                        <a:rPr lang="is-IS" dirty="0" smtClean="0"/>
+                        <a:t>…</a:t>
+                      </a:r>
+                      <a:endParaRPr lang="en-US" dirty="0" smtClean="0"/>
+                    </a:p>
+                  </a:txBody>
+                  <a:tcPr/>
+                </a:tc>
+              </a:tr>
+              <a:tr h="370840">
+                <a:tc>
+                  <a:txBody>
+                    <a:bodyPr/>
+                    <a:lstStyle/>
+                    <a:p>
+                      <a:pPr algn="ctr"/>
+                      <a:r>
+                        <a:rPr lang="en-US" dirty="0" smtClean="0"/>
+                        <a:t>@</a:t>
+                      </a:r>
+                      <a:r>
+                        <a:rPr lang="en-US" dirty="0" err="1" smtClean="0"/>
+                        <a:t>getOwnProperty</a:t>
+                      </a:r>
+                      <a:endParaRPr lang="en-US" dirty="0"/>
+                    </a:p>
+                  </a:txBody>
+                  <a:tcPr/>
+                </a:tc>
+                <a:tc>
+                  <a:txBody>
+                    <a:bodyPr/>
+                    <a:lstStyle/>
+                    <a:p>
+                      <a:pPr algn="ctr"/>
+                      <a:r>
+                        <a:rPr lang="is-IS" dirty="0" smtClean="0"/>
+                        <a:t>…</a:t>
+                      </a:r>
+                      <a:endParaRPr lang="en-US" dirty="0" smtClean="0"/>
+                    </a:p>
+                  </a:txBody>
+                  <a:tcPr/>
+                </a:tc>
+              </a:tr>
+              <a:tr h="370840">
+                <a:tc>
+                  <a:txBody>
+                    <a:bodyPr/>
+                    <a:lstStyle/>
+                    <a:p>
+                      <a:pPr algn="ctr"/>
+                      <a:r>
+                        <a:rPr lang="is-IS" dirty="0" smtClean="0"/>
+                        <a:t>@defineOwnProperty</a:t>
+                      </a:r>
+                      <a:endParaRPr lang="en-US" dirty="0"/>
+                    </a:p>
+                  </a:txBody>
+                  <a:tcPr/>
+                </a:tc>
+                <a:tc>
+                  <a:txBody>
+                    <a:bodyPr/>
+                    <a:lstStyle/>
+                    <a:p>
+                      <a:pPr algn="ctr"/>
+                      <a:r>
+                        <a:rPr lang="is-IS" dirty="0" smtClean="0"/>
+                        <a:t>…</a:t>
+                      </a:r>
+                      <a:endParaRPr lang="en-US" dirty="0" smtClean="0"/>
+                    </a:p>
+                  </a:txBody>
+                  <a:tcPr/>
+                </a:tc>
+              </a:tr>
+              <a:tr h="370840">
+                <a:tc>
+                  <a:txBody>
+                    <a:bodyPr/>
+                    <a:lstStyle/>
+                    <a:p>
+                      <a:pPr algn="ctr"/>
+                      <a:r>
+                        <a:rPr lang="is-IS" dirty="0" smtClean="0"/>
+                        <a:t>…</a:t>
+                      </a:r>
+                      <a:endParaRPr lang="en-US" dirty="0"/>
+                    </a:p>
+                  </a:txBody>
+                  <a:tcPr/>
+                </a:tc>
+                <a:tc>
+                  <a:txBody>
+                    <a:bodyPr/>
+                    <a:lstStyle/>
+                    <a:p>
+                      <a:pPr algn="ctr"/>
+                      <a:r>
+                        <a:rPr lang="is-IS" dirty="0" smtClean="0"/>
+                        <a:t>…</a:t>
+                      </a:r>
+                      <a:endParaRPr lang="en-US" dirty="0" smtClean="0"/>
+                    </a:p>
+                  </a:txBody>
+                  <a:tcPr/>
+                </a:tc>
+              </a:tr>
+            </a:tbl>
+          </a:graphicData>
+        </a:graphic>
+      </p:graphicFrame>
       <p:sp>
         <p:nvSpPr>
           <p:cNvPr id="2" name="Title 1"/>
@@ -5215,11 +7997,17 @@
             <p:ph type="title"/>
           </p:nvPr>
         </p:nvSpPr>
-        <p:spPr/>
+        <p:spPr>
+          <a:xfrm>
+            <a:off x="1097280" y="440612"/>
+            <a:ext cx="10058400" cy="752921"/>
+          </a:xfrm>
+        </p:spPr>
         <p:txBody>
           <a:bodyPr/>
           <a:lstStyle/>
           <a:p>
+            <a:pPr algn="ctr"/>
             <a:r>
               <a:rPr lang="en-US" b="1" u="sng" dirty="0">
                 <a:solidFill>
@@ -5241,96 +8029,534 @@
             <p:ph idx="1"/>
           </p:nvPr>
         </p:nvSpPr>
-        <p:spPr/>
-        <p:txBody>
-          <a:bodyPr/>
-          <a:lstStyle/>
-          <a:p>
-            <a:r>
-              <a:rPr lang="en-US" dirty="0" err="1">
-                <a:latin typeface="Courier"/>
-              </a:rPr>
-              <a:t>var</a:t>
-            </a:r>
-            <a:r>
-              <a:rPr lang="en-US" dirty="0">
-                <a:latin typeface="Courier"/>
-              </a:rPr>
-              <a:t> </a:t>
-            </a:r>
-            <a:r>
-              <a:rPr lang="en-US" dirty="0" err="1">
-                <a:latin typeface="Courier"/>
-              </a:rPr>
-              <a:t>alice</a:t>
-            </a:r>
-            <a:r>
-              <a:rPr lang="en-US" dirty="0">
-                <a:latin typeface="Courier"/>
-              </a:rPr>
-              <a:t> = {name: "Alice", age: 36};</a:t>
-            </a:r>
-          </a:p>
-          <a:p>
-            <a:pPr lvl="1"/>
-            <a:endParaRPr lang="en-US" dirty="0"/>
-          </a:p>
-          <a:p>
-            <a:endParaRPr lang="en-US" dirty="0"/>
-          </a:p>
-          <a:p>
-            <a:endParaRPr lang="en-US" dirty="0"/>
-          </a:p>
-          <a:p>
-            <a:pPr marL="0" indent="0">
-              <a:buNone/>
-            </a:pPr>
-            <a:endParaRPr lang="en-US" dirty="0"/>
-          </a:p>
-          <a:p>
-            <a:pPr marL="0" indent="0">
-              <a:buNone/>
-            </a:pPr>
-            <a:r>
-              <a:rPr lang="en-US" dirty="0"/>
-              <a:t>Talk about properties/descriptors/attributes</a:t>
-            </a:r>
-          </a:p>
-          <a:p>
-            <a:endParaRPr lang="en-US" dirty="0"/>
-          </a:p>
-        </p:txBody>
-      </p:sp>
-      <p:pic>
-        <p:nvPicPr>
-          <p:cNvPr id="5" name="Picture 4"/>
-          <p:cNvPicPr>
-            <a:picLocks noChangeAspect="1"/>
-          </p:cNvPicPr>
-          <p:nvPr/>
-        </p:nvPicPr>
-        <p:blipFill>
-          <a:blip r:embed="rId2">
-            <a:extLst>
-              <a:ext uri="{28A0092B-C50C-407E-A947-70E740481C1C}">
-                <a14:useLocalDpi xmlns:a14="http://schemas.microsoft.com/office/drawing/2010/main" val="0"/>
-              </a:ext>
-            </a:extLst>
-          </a:blip>
-          <a:stretch>
-            <a:fillRect/>
-          </a:stretch>
-        </p:blipFill>
         <p:spPr>
           <a:xfrm>
-            <a:off x="1355461" y="2198611"/>
-            <a:ext cx="1737511" cy="1554615"/>
+            <a:off x="6418046" y="1563103"/>
+            <a:ext cx="4788570" cy="385668"/>
+          </a:xfrm>
+        </p:spPr>
+        <p:txBody>
+          <a:bodyPr>
+            <a:normAutofit/>
+          </a:bodyPr>
+          <a:lstStyle/>
+          <a:p>
+            <a:pPr algn="ctr"/>
+            <a:r>
+              <a:rPr lang="en-US" sz="1600" dirty="0" err="1">
+                <a:latin typeface="Courier"/>
+              </a:rPr>
+              <a:t>var</a:t>
+            </a:r>
+            <a:r>
+              <a:rPr lang="en-US" sz="1600" dirty="0">
+                <a:latin typeface="Courier"/>
+              </a:rPr>
+              <a:t> </a:t>
+            </a:r>
+            <a:r>
+              <a:rPr lang="en-US" sz="1600" dirty="0" err="1">
+                <a:latin typeface="Courier"/>
+              </a:rPr>
+              <a:t>alice</a:t>
+            </a:r>
+            <a:r>
+              <a:rPr lang="en-US" sz="1600" dirty="0">
+                <a:latin typeface="Courier"/>
+              </a:rPr>
+              <a:t> = {name: "Alice", age: 36</a:t>
+            </a:r>
+            <a:r>
+              <a:rPr lang="en-US" sz="1600" dirty="0" smtClean="0">
+                <a:latin typeface="Courier"/>
+              </a:rPr>
+              <a:t>};</a:t>
+            </a:r>
+          </a:p>
+        </p:txBody>
+      </p:sp>
+      <p:sp>
+        <p:nvSpPr>
+          <p:cNvPr id="4" name="TextBox 3"/>
+          <p:cNvSpPr txBox="1"/>
+          <p:nvPr/>
+        </p:nvSpPr>
+        <p:spPr>
+          <a:xfrm>
+            <a:off x="654518" y="1412006"/>
+            <a:ext cx="5197642" cy="1046440"/>
           </a:xfrm>
           <a:prstGeom prst="rect">
             <a:avLst/>
           </a:prstGeom>
+          <a:noFill/>
         </p:spPr>
-      </p:pic>
+        <p:txBody>
+          <a:bodyPr wrap="square" rtlCol="0">
+            <a:spAutoFit/>
+          </a:bodyPr>
+          <a:lstStyle/>
+          <a:p>
+            <a:r>
+              <a:rPr lang="en-US" sz="2200" b="1" dirty="0" smtClean="0">
+                <a:solidFill>
+                  <a:schemeClr val="accent2"/>
+                </a:solidFill>
+              </a:rPr>
+              <a:t>Objects</a:t>
+            </a:r>
+            <a:r>
+              <a:rPr lang="en-US" sz="2000" dirty="0" smtClean="0">
+                <a:solidFill>
+                  <a:schemeClr val="accent2"/>
+                </a:solidFill>
+              </a:rPr>
+              <a:t>:</a:t>
+            </a:r>
+            <a:r>
+              <a:rPr lang="en-US" sz="2000" dirty="0" smtClean="0"/>
+              <a:t> collections of </a:t>
+            </a:r>
+            <a:r>
+              <a:rPr lang="en-US" sz="2000" b="1" dirty="0" smtClean="0"/>
+              <a:t>properties</a:t>
+            </a:r>
+          </a:p>
+          <a:p>
+            <a:pPr marL="581025" indent="-333375">
+              <a:buFont typeface="Arial" charset="0"/>
+              <a:buChar char="•"/>
+            </a:pPr>
+            <a:r>
+              <a:rPr lang="en-US" sz="2000" b="1" dirty="0" smtClean="0">
+                <a:solidFill>
+                  <a:schemeClr val="accent2"/>
+                </a:solidFill>
+              </a:rPr>
+              <a:t>Extensible</a:t>
+            </a:r>
+            <a:r>
+              <a:rPr lang="en-US" sz="2000" dirty="0" smtClean="0">
+                <a:solidFill>
+                  <a:schemeClr val="accent2"/>
+                </a:solidFill>
+              </a:rPr>
+              <a:t>:</a:t>
+            </a:r>
+            <a:r>
+              <a:rPr lang="en-US" sz="2000" dirty="0" smtClean="0"/>
+              <a:t> properties can be added or deleted after object creation</a:t>
+            </a:r>
+          </a:p>
+        </p:txBody>
+      </p:sp>
+      <p:graphicFrame>
+        <p:nvGraphicFramePr>
+          <p:cNvPr id="8" name="Table 7"/>
+          <p:cNvGraphicFramePr>
+            <a:graphicFrameLocks noGrp="1"/>
+          </p:cNvGraphicFramePr>
+          <p:nvPr>
+            <p:extLst>
+              <p:ext uri="{D42A27DB-BD31-4B8C-83A1-F6EECF244321}">
+                <p14:modId xmlns:p14="http://schemas.microsoft.com/office/powerpoint/2010/main" val="951389275"/>
+              </p:ext>
+            </p:extLst>
+          </p:nvPr>
+        </p:nvGraphicFramePr>
+        <p:xfrm>
+          <a:off x="7740316" y="2113471"/>
+          <a:ext cx="2144030" cy="1112520"/>
+        </p:xfrm>
+        <a:graphic>
+          <a:graphicData uri="http://schemas.openxmlformats.org/drawingml/2006/table">
+            <a:tbl>
+              <a:tblPr firstRow="1" bandRow="1">
+                <a:tableStyleId>{9DCAF9ED-07DC-4A11-8D7F-57B35C25682E}</a:tableStyleId>
+              </a:tblPr>
+              <a:tblGrid>
+                <a:gridCol w="1072015"/>
+                <a:gridCol w="1072015"/>
+              </a:tblGrid>
+              <a:tr h="370840">
+                <a:tc gridSpan="2">
+                  <a:txBody>
+                    <a:bodyPr/>
+                    <a:lstStyle/>
+                    <a:p>
+                      <a:pPr algn="ctr"/>
+                      <a:r>
+                        <a:rPr lang="en-US" dirty="0" err="1" smtClean="0"/>
+                        <a:t>alice</a:t>
+                      </a:r>
+                      <a:endParaRPr lang="en-US" dirty="0">
+                        <a:solidFill>
+                          <a:schemeClr val="tx1"/>
+                        </a:solidFill>
+                      </a:endParaRPr>
+                    </a:p>
+                  </a:txBody>
+                  <a:tcPr/>
+                </a:tc>
+                <a:tc hMerge="1">
+                  <a:txBody>
+                    <a:bodyPr/>
+                    <a:lstStyle/>
+                    <a:p>
+                      <a:pPr algn="ctr"/>
+                      <a:endParaRPr lang="en-US" dirty="0">
+                        <a:solidFill>
+                          <a:schemeClr val="tx1"/>
+                        </a:solidFill>
+                      </a:endParaRPr>
+                    </a:p>
+                  </a:txBody>
+                  <a:tcPr/>
+                </a:tc>
+              </a:tr>
+              <a:tr h="370840">
+                <a:tc>
+                  <a:txBody>
+                    <a:bodyPr/>
+                    <a:lstStyle/>
+                    <a:p>
+                      <a:pPr algn="ctr"/>
+                      <a:r>
+                        <a:rPr lang="en-US" dirty="0" smtClean="0"/>
+                        <a:t>name</a:t>
+                      </a:r>
+                      <a:endParaRPr lang="en-US" dirty="0"/>
+                    </a:p>
+                  </a:txBody>
+                  <a:tcPr/>
+                </a:tc>
+                <a:tc>
+                  <a:txBody>
+                    <a:bodyPr/>
+                    <a:lstStyle/>
+                    <a:p>
+                      <a:pPr algn="ctr"/>
+                      <a:r>
+                        <a:rPr lang="en-US" dirty="0" smtClean="0"/>
+                        <a:t>“Alice”</a:t>
+                      </a:r>
+                      <a:endParaRPr lang="en-US" dirty="0"/>
+                    </a:p>
+                  </a:txBody>
+                  <a:tcPr/>
+                </a:tc>
+              </a:tr>
+              <a:tr h="370840">
+                <a:tc>
+                  <a:txBody>
+                    <a:bodyPr/>
+                    <a:lstStyle/>
+                    <a:p>
+                      <a:pPr algn="ctr"/>
+                      <a:r>
+                        <a:rPr lang="en-US" dirty="0" smtClean="0"/>
+                        <a:t>age</a:t>
+                      </a:r>
+                      <a:endParaRPr lang="en-US" dirty="0"/>
+                    </a:p>
+                  </a:txBody>
+                  <a:tcPr/>
+                </a:tc>
+                <a:tc>
+                  <a:txBody>
+                    <a:bodyPr/>
+                    <a:lstStyle/>
+                    <a:p>
+                      <a:pPr algn="ctr"/>
+                      <a:r>
+                        <a:rPr lang="en-US" dirty="0" smtClean="0"/>
+                        <a:t>36</a:t>
+                      </a:r>
+                      <a:endParaRPr lang="en-US" dirty="0"/>
+                    </a:p>
+                  </a:txBody>
+                  <a:tcPr/>
+                </a:tc>
+              </a:tr>
+            </a:tbl>
+          </a:graphicData>
+        </a:graphic>
+      </p:graphicFrame>
+      <p:sp>
+        <p:nvSpPr>
+          <p:cNvPr id="9" name="TextBox 8"/>
+          <p:cNvSpPr txBox="1"/>
+          <p:nvPr/>
+        </p:nvSpPr>
+        <p:spPr>
+          <a:xfrm>
+            <a:off x="654518" y="2529631"/>
+            <a:ext cx="5197642" cy="1354217"/>
+          </a:xfrm>
+          <a:prstGeom prst="rect">
+            <a:avLst/>
+          </a:prstGeom>
+          <a:noFill/>
+        </p:spPr>
+        <p:txBody>
+          <a:bodyPr wrap="square" rtlCol="0">
+            <a:spAutoFit/>
+          </a:bodyPr>
+          <a:lstStyle/>
+          <a:p>
+            <a:r>
+              <a:rPr lang="en-US" sz="2200" b="1" dirty="0" smtClean="0">
+                <a:solidFill>
+                  <a:schemeClr val="accent2"/>
+                </a:solidFill>
+              </a:rPr>
+              <a:t>Not so simple: </a:t>
+            </a:r>
+            <a:r>
+              <a:rPr lang="en-US" sz="2000" dirty="0" smtClean="0"/>
+              <a:t>two types of properties</a:t>
+            </a:r>
+          </a:p>
+          <a:p>
+            <a:pPr marL="533400" lvl="1" indent="-342900">
+              <a:buFont typeface="Arial" charset="0"/>
+              <a:buChar char="•"/>
+            </a:pPr>
+            <a:r>
+              <a:rPr lang="en-US" sz="2000" b="1" dirty="0" smtClean="0">
+                <a:solidFill>
+                  <a:schemeClr val="accent2"/>
+                </a:solidFill>
+              </a:rPr>
+              <a:t>Named properties: </a:t>
+            </a:r>
+            <a:r>
+              <a:rPr lang="en-US" sz="2000" dirty="0" smtClean="0"/>
+              <a:t>the usual</a:t>
+            </a:r>
+          </a:p>
+          <a:p>
+            <a:pPr marL="533400" lvl="1" indent="-342900">
+              <a:buFont typeface="Arial" charset="0"/>
+              <a:buChar char="•"/>
+            </a:pPr>
+            <a:r>
+              <a:rPr lang="en-US" sz="2000" b="1" dirty="0" smtClean="0">
+                <a:solidFill>
+                  <a:schemeClr val="accent2"/>
+                </a:solidFill>
+              </a:rPr>
+              <a:t>Internal properties: </a:t>
+            </a:r>
+            <a:r>
+              <a:rPr lang="en-US" sz="2000" dirty="0" smtClean="0"/>
+              <a:t>not available to the programmer, only used internally</a:t>
+            </a:r>
+            <a:endParaRPr lang="en-US" sz="2000" dirty="0">
+              <a:solidFill>
+                <a:schemeClr val="accent2"/>
+              </a:solidFill>
+            </a:endParaRPr>
+          </a:p>
+        </p:txBody>
+      </p:sp>
+      <p:sp>
+        <p:nvSpPr>
+          <p:cNvPr id="12" name="TextBox 11"/>
+          <p:cNvSpPr txBox="1"/>
+          <p:nvPr/>
+        </p:nvSpPr>
+        <p:spPr>
+          <a:xfrm>
+            <a:off x="654518" y="4122678"/>
+            <a:ext cx="10626290" cy="2108269"/>
+          </a:xfrm>
+          <a:prstGeom prst="rect">
+            <a:avLst/>
+          </a:prstGeom>
+          <a:noFill/>
+        </p:spPr>
+        <p:txBody>
+          <a:bodyPr wrap="square" rtlCol="0">
+            <a:spAutoFit/>
+          </a:bodyPr>
+          <a:lstStyle/>
+          <a:p>
+            <a:r>
+              <a:rPr lang="en-US" sz="2200" b="1" dirty="0" smtClean="0">
+                <a:solidFill>
+                  <a:schemeClr val="accent2"/>
+                </a:solidFill>
+              </a:rPr>
+              <a:t>More complicated: </a:t>
+            </a:r>
+            <a:r>
+              <a:rPr lang="en-US" sz="2000" b="1" dirty="0" smtClean="0"/>
+              <a:t>descriptors</a:t>
+            </a:r>
+            <a:r>
+              <a:rPr lang="en-US" sz="2000" dirty="0" smtClean="0"/>
+              <a:t>, not values</a:t>
+            </a:r>
+          </a:p>
+          <a:p>
+            <a:endParaRPr lang="en-US" sz="800" dirty="0" smtClean="0"/>
+          </a:p>
+          <a:p>
+            <a:r>
+              <a:rPr lang="en-US" sz="2000" dirty="0" smtClean="0"/>
+              <a:t>Descriptors are collections of </a:t>
+            </a:r>
+            <a:r>
+              <a:rPr lang="en-US" sz="2000" b="1" dirty="0" smtClean="0"/>
+              <a:t>attributes</a:t>
+            </a:r>
+          </a:p>
+          <a:p>
+            <a:pPr marL="533400" lvl="1" indent="-342900">
+              <a:buFont typeface="Arial" charset="0"/>
+              <a:buChar char="•"/>
+            </a:pPr>
+            <a:r>
+              <a:rPr lang="en-US" sz="2000" b="1" dirty="0" smtClean="0">
+                <a:solidFill>
+                  <a:schemeClr val="accent2"/>
+                </a:solidFill>
+              </a:rPr>
+              <a:t>Value: </a:t>
+            </a:r>
+            <a:r>
+              <a:rPr lang="en-US" sz="2000" dirty="0"/>
+              <a:t>T</a:t>
+            </a:r>
+            <a:r>
+              <a:rPr lang="en-US" sz="2000" dirty="0" smtClean="0"/>
+              <a:t>he actua</a:t>
+            </a:r>
+            <a:r>
+              <a:rPr lang="en-US" sz="2000" dirty="0"/>
+              <a:t>l</a:t>
+            </a:r>
+            <a:r>
+              <a:rPr lang="en-US" sz="2000" dirty="0" smtClean="0"/>
+              <a:t> value of the property (number, string, </a:t>
+            </a:r>
+            <a:r>
+              <a:rPr lang="en-US" sz="2000" dirty="0" err="1" smtClean="0"/>
+              <a:t>boolean</a:t>
+            </a:r>
+            <a:r>
+              <a:rPr lang="en-US" sz="2000" dirty="0" smtClean="0"/>
+              <a:t>, etc.)</a:t>
+            </a:r>
+          </a:p>
+          <a:p>
+            <a:pPr marL="533400" lvl="1" indent="-342900">
+              <a:buFont typeface="Arial" charset="0"/>
+              <a:buChar char="•"/>
+            </a:pPr>
+            <a:r>
+              <a:rPr lang="en-US" sz="2000" b="1" dirty="0" smtClean="0">
+                <a:solidFill>
+                  <a:schemeClr val="accent2"/>
+                </a:solidFill>
+              </a:rPr>
+              <a:t>Writable</a:t>
+            </a:r>
+            <a:r>
+              <a:rPr lang="en-US" sz="2000" dirty="0" smtClean="0">
+                <a:solidFill>
+                  <a:schemeClr val="accent2"/>
+                </a:solidFill>
+              </a:rPr>
+              <a:t>: </a:t>
+            </a:r>
+            <a:r>
+              <a:rPr lang="en-US" sz="2000" dirty="0"/>
+              <a:t>C</a:t>
+            </a:r>
+            <a:r>
+              <a:rPr lang="en-US" sz="2000" dirty="0" smtClean="0"/>
+              <a:t>an the value be changed?</a:t>
+            </a:r>
+            <a:endParaRPr lang="en-US" sz="2000" dirty="0" smtClean="0">
+              <a:solidFill>
+                <a:schemeClr val="accent2"/>
+              </a:solidFill>
+            </a:endParaRPr>
+          </a:p>
+          <a:p>
+            <a:pPr marL="533400" lvl="1" indent="-342900">
+              <a:buFont typeface="Arial" charset="0"/>
+              <a:buChar char="•"/>
+            </a:pPr>
+            <a:r>
+              <a:rPr lang="en-US" sz="2000" b="1" dirty="0" smtClean="0">
+                <a:solidFill>
+                  <a:schemeClr val="accent2"/>
+                </a:solidFill>
+              </a:rPr>
+              <a:t>Enumerable</a:t>
+            </a:r>
+            <a:r>
+              <a:rPr lang="en-US" sz="2000" dirty="0" smtClean="0">
+                <a:solidFill>
+                  <a:schemeClr val="accent2"/>
+                </a:solidFill>
+              </a:rPr>
+              <a:t>: </a:t>
+            </a:r>
+            <a:r>
+              <a:rPr lang="en-US" sz="2000" dirty="0"/>
+              <a:t>W</a:t>
+            </a:r>
+            <a:r>
+              <a:rPr lang="en-US" sz="2000" dirty="0" smtClean="0"/>
+              <a:t>ill the property be enumerated in a for-in enumeration?</a:t>
+            </a:r>
+            <a:endParaRPr lang="en-US" sz="2000" dirty="0" smtClean="0">
+              <a:solidFill>
+                <a:schemeClr val="accent2"/>
+              </a:solidFill>
+            </a:endParaRPr>
+          </a:p>
+          <a:p>
+            <a:pPr marL="533400" lvl="1" indent="-342900">
+              <a:buFont typeface="Arial" charset="0"/>
+              <a:buChar char="•"/>
+            </a:pPr>
+            <a:r>
+              <a:rPr lang="en-US" sz="2000" b="1" dirty="0" smtClean="0">
+                <a:solidFill>
+                  <a:schemeClr val="accent2"/>
+                </a:solidFill>
+              </a:rPr>
+              <a:t>Configurable</a:t>
+            </a:r>
+            <a:r>
+              <a:rPr lang="en-US" sz="2000" dirty="0" smtClean="0">
+                <a:solidFill>
+                  <a:schemeClr val="accent2"/>
+                </a:solidFill>
+              </a:rPr>
+              <a:t>: </a:t>
+            </a:r>
+            <a:r>
+              <a:rPr lang="en-US" sz="2000" dirty="0"/>
+              <a:t>C</a:t>
+            </a:r>
+            <a:r>
+              <a:rPr lang="en-US" sz="2000" dirty="0" smtClean="0"/>
+              <a:t>an the property be deleted? Can we change the values of W, E, and C?</a:t>
+            </a:r>
+            <a:endParaRPr lang="en-US" sz="2000" dirty="0">
+              <a:solidFill>
+                <a:schemeClr val="accent2"/>
+              </a:solidFill>
+            </a:endParaRPr>
+          </a:p>
+        </p:txBody>
+      </p:sp>
     </p:spTree>
     <p:extLst>
       <p:ext uri="{BB962C8B-B14F-4D97-AF65-F5344CB8AC3E}">
@@ -5341,6 +8567,298 @@
   <p:clrMapOvr>
     <a:masterClrMapping/>
   </p:clrMapOvr>
+  <mc:AlternateContent xmlns:mc="http://schemas.openxmlformats.org/markup-compatibility/2006" xmlns:p14="http://schemas.microsoft.com/office/powerpoint/2010/main">
+    <mc:Choice Requires="p14">
+      <p:transition spd="med" p14:dur="700">
+        <p:fade/>
+      </p:transition>
+    </mc:Choice>
+    <mc:Fallback xmlns="">
+      <p:transition spd="med">
+        <p:fade/>
+      </p:transition>
+    </mc:Fallback>
+  </mc:AlternateContent>
+  <p:timing>
+    <p:tnLst>
+      <p:par>
+        <p:cTn id="1" dur="indefinite" restart="never" nodeType="tmRoot">
+          <p:childTnLst>
+            <p:seq concurrent="1" nextAc="seek">
+              <p:cTn id="2" dur="indefinite" nodeType="mainSeq">
+                <p:childTnLst>
+                  <p:par>
+                    <p:cTn id="3" fill="hold">
+                      <p:stCondLst>
+                        <p:cond delay="indefinite"/>
+                      </p:stCondLst>
+                      <p:childTnLst>
+                        <p:par>
+                          <p:cTn id="4" fill="hold">
+                            <p:stCondLst>
+                              <p:cond delay="0"/>
+                            </p:stCondLst>
+                            <p:childTnLst>
+                              <p:par>
+                                <p:cTn id="5" presetID="10" presetClass="entr" presetSubtype="0" fill="hold" grpId="0" nodeType="clickEffect">
+                                  <p:stCondLst>
+                                    <p:cond delay="0"/>
+                                  </p:stCondLst>
+                                  <p:childTnLst>
+                                    <p:set>
+                                      <p:cBhvr>
+                                        <p:cTn id="6" dur="1" fill="hold">
+                                          <p:stCondLst>
+                                            <p:cond delay="0"/>
+                                          </p:stCondLst>
+                                        </p:cTn>
+                                        <p:tgtEl>
+                                          <p:spTgt spid="9"/>
+                                        </p:tgtEl>
+                                        <p:attrNameLst>
+                                          <p:attrName>style.visibility</p:attrName>
+                                        </p:attrNameLst>
+                                      </p:cBhvr>
+                                      <p:to>
+                                        <p:strVal val="visible"/>
+                                      </p:to>
+                                    </p:set>
+                                    <p:animEffect transition="in" filter="fade">
+                                      <p:cBhvr>
+                                        <p:cTn id="7" dur="1000"/>
+                                        <p:tgtEl>
+                                          <p:spTgt spid="9"/>
+                                        </p:tgtEl>
+                                      </p:cBhvr>
+                                    </p:animEffect>
+                                  </p:childTnLst>
+                                </p:cTn>
+                              </p:par>
+                              <p:par>
+                                <p:cTn id="8" presetID="10" presetClass="entr" presetSubtype="0" fill="hold" nodeType="withEffect">
+                                  <p:stCondLst>
+                                    <p:cond delay="0"/>
+                                  </p:stCondLst>
+                                  <p:childTnLst>
+                                    <p:set>
+                                      <p:cBhvr>
+                                        <p:cTn id="9" dur="1" fill="hold">
+                                          <p:stCondLst>
+                                            <p:cond delay="0"/>
+                                          </p:stCondLst>
+                                        </p:cTn>
+                                        <p:tgtEl>
+                                          <p:spTgt spid="10"/>
+                                        </p:tgtEl>
+                                        <p:attrNameLst>
+                                          <p:attrName>style.visibility</p:attrName>
+                                        </p:attrNameLst>
+                                      </p:cBhvr>
+                                      <p:to>
+                                        <p:strVal val="visible"/>
+                                      </p:to>
+                                    </p:set>
+                                    <p:animEffect transition="in" filter="fade">
+                                      <p:cBhvr>
+                                        <p:cTn id="10" dur="1000"/>
+                                        <p:tgtEl>
+                                          <p:spTgt spid="10"/>
+                                        </p:tgtEl>
+                                      </p:cBhvr>
+                                    </p:animEffect>
+                                  </p:childTnLst>
+                                </p:cTn>
+                              </p:par>
+                              <p:par>
+                                <p:cTn id="11" presetID="10" presetClass="exit" presetSubtype="0" fill="hold" nodeType="withEffect">
+                                  <p:stCondLst>
+                                    <p:cond delay="0"/>
+                                  </p:stCondLst>
+                                  <p:childTnLst>
+                                    <p:animEffect transition="out" filter="fade">
+                                      <p:cBhvr>
+                                        <p:cTn id="12" dur="1000"/>
+                                        <p:tgtEl>
+                                          <p:spTgt spid="8"/>
+                                        </p:tgtEl>
+                                      </p:cBhvr>
+                                    </p:animEffect>
+                                    <p:set>
+                                      <p:cBhvr>
+                                        <p:cTn id="13" dur="1" fill="hold">
+                                          <p:stCondLst>
+                                            <p:cond delay="999"/>
+                                          </p:stCondLst>
+                                        </p:cTn>
+                                        <p:tgtEl>
+                                          <p:spTgt spid="8"/>
+                                        </p:tgtEl>
+                                        <p:attrNameLst>
+                                          <p:attrName>style.visibility</p:attrName>
+                                        </p:attrNameLst>
+                                      </p:cBhvr>
+                                      <p:to>
+                                        <p:strVal val="hidden"/>
+                                      </p:to>
+                                    </p:set>
+                                  </p:childTnLst>
+                                </p:cTn>
+                              </p:par>
+                            </p:childTnLst>
+                          </p:cTn>
+                        </p:par>
+                      </p:childTnLst>
+                    </p:cTn>
+                  </p:par>
+                  <p:par>
+                    <p:cTn id="14" fill="hold">
+                      <p:stCondLst>
+                        <p:cond delay="indefinite"/>
+                      </p:stCondLst>
+                      <p:childTnLst>
+                        <p:par>
+                          <p:cTn id="15" fill="hold">
+                            <p:stCondLst>
+                              <p:cond delay="0"/>
+                            </p:stCondLst>
+                            <p:childTnLst>
+                              <p:par>
+                                <p:cTn id="16" presetID="10" presetClass="entr" presetSubtype="0" fill="hold" grpId="0" nodeType="clickEffect">
+                                  <p:stCondLst>
+                                    <p:cond delay="0"/>
+                                  </p:stCondLst>
+                                  <p:childTnLst>
+                                    <p:set>
+                                      <p:cBhvr>
+                                        <p:cTn id="17" dur="1" fill="hold">
+                                          <p:stCondLst>
+                                            <p:cond delay="0"/>
+                                          </p:stCondLst>
+                                        </p:cTn>
+                                        <p:tgtEl>
+                                          <p:spTgt spid="12"/>
+                                        </p:tgtEl>
+                                        <p:attrNameLst>
+                                          <p:attrName>style.visibility</p:attrName>
+                                        </p:attrNameLst>
+                                      </p:cBhvr>
+                                      <p:to>
+                                        <p:strVal val="visible"/>
+                                      </p:to>
+                                    </p:set>
+                                    <p:animEffect transition="in" filter="fade">
+                                      <p:cBhvr>
+                                        <p:cTn id="18" dur="1000"/>
+                                        <p:tgtEl>
+                                          <p:spTgt spid="12"/>
+                                        </p:tgtEl>
+                                      </p:cBhvr>
+                                    </p:animEffect>
+                                  </p:childTnLst>
+                                </p:cTn>
+                              </p:par>
+                              <p:par>
+                                <p:cTn id="19" presetID="10" presetClass="entr" presetSubtype="0" fill="hold" nodeType="withEffect">
+                                  <p:stCondLst>
+                                    <p:cond delay="0"/>
+                                  </p:stCondLst>
+                                  <p:childTnLst>
+                                    <p:set>
+                                      <p:cBhvr>
+                                        <p:cTn id="20" dur="1" fill="hold">
+                                          <p:stCondLst>
+                                            <p:cond delay="0"/>
+                                          </p:stCondLst>
+                                        </p:cTn>
+                                        <p:tgtEl>
+                                          <p:spTgt spid="11"/>
+                                        </p:tgtEl>
+                                        <p:attrNameLst>
+                                          <p:attrName>style.visibility</p:attrName>
+                                        </p:attrNameLst>
+                                      </p:cBhvr>
+                                      <p:to>
+                                        <p:strVal val="visible"/>
+                                      </p:to>
+                                    </p:set>
+                                    <p:animEffect transition="in" filter="fade">
+                                      <p:cBhvr>
+                                        <p:cTn id="21" dur="1000"/>
+                                        <p:tgtEl>
+                                          <p:spTgt spid="11"/>
+                                        </p:tgtEl>
+                                      </p:cBhvr>
+                                    </p:animEffect>
+                                  </p:childTnLst>
+                                </p:cTn>
+                              </p:par>
+                              <p:par>
+                                <p:cTn id="22" presetID="10" presetClass="exit" presetSubtype="0" fill="hold" nodeType="withEffect">
+                                  <p:stCondLst>
+                                    <p:cond delay="0"/>
+                                  </p:stCondLst>
+                                  <p:childTnLst>
+                                    <p:animEffect transition="out" filter="fade">
+                                      <p:cBhvr>
+                                        <p:cTn id="23" dur="1000"/>
+                                        <p:tgtEl>
+                                          <p:spTgt spid="10"/>
+                                        </p:tgtEl>
+                                      </p:cBhvr>
+                                    </p:animEffect>
+                                    <p:set>
+                                      <p:cBhvr>
+                                        <p:cTn id="24" dur="1" fill="hold">
+                                          <p:stCondLst>
+                                            <p:cond delay="999"/>
+                                          </p:stCondLst>
+                                        </p:cTn>
+                                        <p:tgtEl>
+                                          <p:spTgt spid="10"/>
+                                        </p:tgtEl>
+                                        <p:attrNameLst>
+                                          <p:attrName>style.visibility</p:attrName>
+                                        </p:attrNameLst>
+                                      </p:cBhvr>
+                                      <p:to>
+                                        <p:strVal val="hidden"/>
+                                      </p:to>
+                                    </p:set>
+                                  </p:childTnLst>
+                                </p:cTn>
+                              </p:par>
+                            </p:childTnLst>
+                          </p:cTn>
+                        </p:par>
+                      </p:childTnLst>
+                    </p:cTn>
+                  </p:par>
+                </p:childTnLst>
+              </p:cTn>
+              <p:prevCondLst>
+                <p:cond evt="onPrev" delay="0">
+                  <p:tgtEl>
+                    <p:sldTgt/>
+                  </p:tgtEl>
+                </p:cond>
+              </p:prevCondLst>
+              <p:nextCondLst>
+                <p:cond evt="onNext" delay="0">
+                  <p:tgtEl>
+                    <p:sldTgt/>
+                  </p:tgtEl>
+                </p:cond>
+              </p:nextCondLst>
+            </p:seq>
+          </p:childTnLst>
+        </p:cTn>
+      </p:par>
+    </p:tnLst>
+    <p:bldLst>
+      <p:bldP spid="9" grpId="0"/>
+      <p:bldP spid="12" grpId="0"/>
+    </p:bldLst>
+  </p:timing>
 </p:sld>
 </file>
 
@@ -5512,7 +9030,15 @@
             </a:pPr>
             <a:r>
               <a:rPr lang="en-US" dirty="0"/>
-              <a:t>Otherwise, look for property x in the prototype of object o.</a:t>
+              <a:t>Otherwise, look for property x in the prototype of </a:t>
+            </a:r>
+            <a:r>
+              <a:rPr lang="en-US" dirty="0" smtClean="0"/>
+              <a:t>the object </a:t>
+            </a:r>
+            <a:r>
+              <a:rPr lang="en-US" dirty="0"/>
+              <a:t>o.</a:t>
             </a:r>
           </a:p>
           <a:p>
@@ -5711,6 +9237,25 @@
   <p:clrMapOvr>
     <a:masterClrMapping/>
   </p:clrMapOvr>
+  <mc:AlternateContent xmlns:mc="http://schemas.openxmlformats.org/markup-compatibility/2006" xmlns:p14="http://schemas.microsoft.com/office/powerpoint/2010/main">
+    <mc:Choice Requires="p14">
+      <p:transition spd="med" p14:dur="700">
+        <p:fade/>
+      </p:transition>
+    </mc:Choice>
+    <mc:Fallback xmlns="">
+      <p:transition spd="med">
+        <p:fade/>
+      </p:transition>
+    </mc:Fallback>
+  </mc:AlternateContent>
+  <p:timing>
+    <p:tnLst>
+      <p:par>
+        <p:cTn id="1" dur="indefinite" restart="never" nodeType="tmRoot"/>
+      </p:par>
+    </p:tnLst>
+  </p:timing>
 </p:sld>
 </file>
 
@@ -8277,165 +11822,9 @@
           <a:chExt cx="0" cy="0"/>
         </a:xfrm>
       </p:grpSpPr>
-      <p:sp>
-        <p:nvSpPr>
-          <p:cNvPr id="2" name="Title 1"/>
-          <p:cNvSpPr>
-            <a:spLocks noGrp="1"/>
-          </p:cNvSpPr>
-          <p:nvPr>
-            <p:ph type="title"/>
-          </p:nvPr>
-        </p:nvSpPr>
-        <p:spPr/>
-        <p:txBody>
-          <a:bodyPr/>
-          <a:lstStyle/>
-          <a:p>
-            <a:r>
-              <a:rPr lang="en-US" b="1" u="sng" dirty="0" err="1">
-                <a:solidFill>
-                  <a:schemeClr val="accent2"/>
-                </a:solidFill>
-              </a:rPr>
-              <a:t>Object.prototype.isPrototypeOf</a:t>
-            </a:r>
-            <a:endParaRPr lang="en-US" b="1" u="sng" dirty="0">
-              <a:solidFill>
-                <a:schemeClr val="accent2"/>
-              </a:solidFill>
-            </a:endParaRPr>
-          </a:p>
-        </p:txBody>
-      </p:sp>
-      <p:sp>
-        <p:nvSpPr>
-          <p:cNvPr id="3" name="Content Placeholder 2"/>
-          <p:cNvSpPr>
-            <a:spLocks noGrp="1"/>
-          </p:cNvSpPr>
-          <p:nvPr>
-            <p:ph sz="half" idx="1"/>
-          </p:nvPr>
-        </p:nvSpPr>
-        <p:spPr>
-          <a:xfrm>
-            <a:off x="619486" y="2167017"/>
-            <a:ext cx="4937760" cy="4023359"/>
-          </a:xfrm>
-        </p:spPr>
-        <p:txBody>
-          <a:bodyPr/>
-          <a:lstStyle/>
-          <a:p>
-            <a:pPr marL="457200" indent="-457200">
-              <a:buFont typeface="+mj-lt"/>
-              <a:buAutoNum type="arabicPeriod"/>
-            </a:pPr>
-            <a:r>
-              <a:rPr lang="en-US" dirty="0"/>
-              <a:t>If V is not an object, return </a:t>
-            </a:r>
-            <a:r>
-              <a:rPr lang="en-US" b="1" dirty="0"/>
-              <a:t>false</a:t>
-            </a:r>
-            <a:r>
-              <a:rPr lang="en-US" dirty="0"/>
-              <a:t>.</a:t>
-            </a:r>
-          </a:p>
-          <a:p>
-            <a:pPr marL="457200" indent="-457200">
-              <a:buFont typeface="+mj-lt"/>
-              <a:buAutoNum type="arabicPeriod"/>
-            </a:pPr>
-            <a:r>
-              <a:rPr lang="en-US" dirty="0"/>
-              <a:t>Let O be the result of calling </a:t>
-            </a:r>
-            <a:r>
-              <a:rPr lang="en-US" dirty="0" err="1"/>
-              <a:t>ToObject</a:t>
-            </a:r>
-            <a:r>
-              <a:rPr lang="en-US" dirty="0"/>
-              <a:t> passing the </a:t>
-            </a:r>
-            <a:r>
-              <a:rPr lang="en-US" b="1" dirty="0"/>
-              <a:t>this </a:t>
-            </a:r>
-            <a:r>
-              <a:rPr lang="en-US" dirty="0"/>
-              <a:t>value as the argument.</a:t>
-            </a:r>
-          </a:p>
-          <a:p>
-            <a:pPr marL="457200" indent="-457200">
-              <a:buFont typeface="+mj-lt"/>
-              <a:buAutoNum type="arabicPeriod"/>
-            </a:pPr>
-            <a:r>
-              <a:rPr lang="en-US" dirty="0"/>
-              <a:t>Repeat</a:t>
-            </a:r>
-          </a:p>
-          <a:p>
-            <a:pPr marL="749793" lvl="1" indent="-457200">
-              <a:buFont typeface="+mj-lt"/>
-              <a:buAutoNum type="arabicPeriod"/>
-            </a:pPr>
-            <a:r>
-              <a:rPr lang="en-US" dirty="0"/>
-              <a:t>Let V be the value of the [[Prototype]] internal property of V .</a:t>
-            </a:r>
-          </a:p>
-          <a:p>
-            <a:pPr marL="749793" lvl="1" indent="-457200">
-              <a:buFont typeface="+mj-lt"/>
-              <a:buAutoNum type="arabicPeriod"/>
-            </a:pPr>
-            <a:r>
-              <a:rPr lang="en-US" dirty="0"/>
-              <a:t>if V is </a:t>
-            </a:r>
-            <a:r>
-              <a:rPr lang="en-US" b="1" dirty="0"/>
-              <a:t>null</a:t>
-            </a:r>
-            <a:r>
-              <a:rPr lang="en-US" dirty="0"/>
-              <a:t>, return </a:t>
-            </a:r>
-            <a:r>
-              <a:rPr lang="en-US" b="1" dirty="0"/>
-              <a:t>false</a:t>
-            </a:r>
-          </a:p>
-          <a:p>
-            <a:pPr marL="749793" lvl="1" indent="-457200">
-              <a:buFont typeface="+mj-lt"/>
-              <a:buAutoNum type="arabicPeriod"/>
-            </a:pPr>
-            <a:r>
-              <a:rPr lang="en-US" dirty="0"/>
-              <a:t>If O and V refer to the same object, return </a:t>
-            </a:r>
-            <a:r>
-              <a:rPr lang="en-US" b="1" dirty="0"/>
-              <a:t>true</a:t>
-            </a:r>
-            <a:r>
-              <a:rPr lang="en-US" dirty="0"/>
-              <a:t>.</a:t>
-            </a:r>
-          </a:p>
-        </p:txBody>
-      </p:sp>
       <p:pic>
         <p:nvPicPr>
-          <p:cNvPr id="5" name="Content Placeholder 4"/>
+          <p:cNvPr id="7" name="Content Placeholder 6"/>
           <p:cNvPicPr>
             <a:picLocks noGrp="1" noChangeAspect="1"/>
           </p:cNvPicPr>
@@ -8457,27 +11846,66 @@
         </p:blipFill>
         <p:spPr>
           <a:xfrm>
-            <a:off x="5557246" y="2167017"/>
-            <a:ext cx="6003659" cy="2892063"/>
+            <a:off x="5732673" y="2700517"/>
+            <a:ext cx="6068854" cy="2700000"/>
+          </a:xfrm>
+          <a:effectLst/>
+        </p:spPr>
+      </p:pic>
+      <p:sp>
+        <p:nvSpPr>
+          <p:cNvPr id="2" name="Title 1"/>
+          <p:cNvSpPr>
+            <a:spLocks noGrp="1"/>
+          </p:cNvSpPr>
+          <p:nvPr>
+            <p:ph type="title"/>
+          </p:nvPr>
+        </p:nvSpPr>
+        <p:spPr>
+          <a:xfrm>
+            <a:off x="1095791" y="488197"/>
+            <a:ext cx="10058400" cy="849174"/>
           </a:xfrm>
         </p:spPr>
-      </p:pic>
+        <p:txBody>
+          <a:bodyPr/>
+          <a:lstStyle/>
+          <a:p>
+            <a:pPr algn="ctr"/>
+            <a:r>
+              <a:rPr lang="en-US" b="1" u="sng" dirty="0" err="1">
+                <a:solidFill>
+                  <a:schemeClr val="accent2"/>
+                </a:solidFill>
+              </a:rPr>
+              <a:t>Object.prototype.isPrototypeOf</a:t>
+            </a:r>
+            <a:endParaRPr lang="en-US" b="1" u="sng" dirty="0">
+              <a:solidFill>
+                <a:schemeClr val="accent2"/>
+              </a:solidFill>
+            </a:endParaRPr>
+          </a:p>
+        </p:txBody>
+      </p:sp>
       <p:sp>
         <p:nvSpPr>
           <p:cNvPr id="6" name="Content Placeholder 3"/>
           <p:cNvSpPr txBox="1">
-            <a:spLocks/>
+            <a:spLocks noChangeAspect="1"/>
           </p:cNvSpPr>
           <p:nvPr/>
         </p:nvSpPr>
         <p:spPr>
           <a:xfrm>
-            <a:off x="6763265" y="1766304"/>
-            <a:ext cx="5038262" cy="4390301"/>
+            <a:off x="6600010" y="1416614"/>
+            <a:ext cx="4334179" cy="4390301"/>
           </a:xfrm>
           <a:prstGeom prst="rect">
             <a:avLst/>
           </a:prstGeom>
+          <a:effectLst/>
         </p:spPr>
         <p:txBody>
           <a:bodyPr vert="horz" lIns="0" tIns="45720" rIns="0" bIns="45720" rtlCol="0">
@@ -8730,6 +12158,35 @@
             </a:lvl9pPr>
           </a:lstStyle>
           <a:p>
+            <a:pPr marL="0" lvl="0" indent="0" algn="ctr" defTabSz="457200">
+              <a:lnSpc>
+                <a:spcPct val="100000"/>
+              </a:lnSpc>
+              <a:spcBef>
+                <a:spcPts val="0"/>
+              </a:spcBef>
+              <a:spcAft>
+                <a:spcPts val="0"/>
+              </a:spcAft>
+              <a:buClrTx/>
+              <a:buSzTx/>
+              <a:buNone/>
+            </a:pPr>
+            <a:r>
+              <a:rPr lang="en-US" sz="1800" b="1" u="sng" dirty="0" smtClean="0">
+                <a:solidFill>
+                  <a:srgbClr val="2683C6"/>
+                </a:solidFill>
+              </a:rPr>
+              <a:t>JSIL Implementation</a:t>
+            </a:r>
+            <a:endParaRPr lang="en-US" sz="1800" b="1" u="sng" dirty="0">
+              <a:solidFill>
+                <a:srgbClr val="2683C6"/>
+              </a:solidFill>
+            </a:endParaRPr>
+          </a:p>
+          <a:p>
             <a:pPr>
               <a:lnSpc>
                 <a:spcPct val="120000"/>
@@ -8741,48 +12198,9 @@
                 <a:spcPts val="0"/>
               </a:spcAft>
             </a:pPr>
-            <a:r>
-              <a:rPr lang="en-US" sz="1000" b="1" dirty="0">
-                <a:latin typeface="Courier"/>
-              </a:rPr>
-              <a:t>proc </a:t>
-            </a:r>
-            <a:r>
-              <a:rPr lang="en-US" sz="1000" b="1" dirty="0" err="1">
-                <a:latin typeface="Courier"/>
-              </a:rPr>
-              <a:t>OP_isPrototypeOf</a:t>
-            </a:r>
-            <a:r>
-              <a:rPr lang="en-US" sz="1000" b="1" dirty="0">
-                <a:latin typeface="Courier"/>
-              </a:rPr>
-              <a:t>(</a:t>
-            </a:r>
-            <a:r>
-              <a:rPr lang="en-US" sz="1000" b="1" dirty="0" err="1">
-                <a:latin typeface="Courier"/>
-              </a:rPr>
-              <a:t>xsc</a:t>
-            </a:r>
-            <a:r>
-              <a:rPr lang="en-US" sz="1000" b="1" dirty="0">
-                <a:latin typeface="Courier"/>
-              </a:rPr>
-              <a:t>, </a:t>
-            </a:r>
-            <a:r>
-              <a:rPr lang="en-US" sz="1000" b="1" dirty="0" err="1">
-                <a:latin typeface="Courier"/>
-              </a:rPr>
-              <a:t>vthis</a:t>
-            </a:r>
-            <a:r>
-              <a:rPr lang="en-US" sz="1000" b="1" dirty="0">
-                <a:latin typeface="Courier"/>
-              </a:rPr>
-              <a:t>, v) {</a:t>
-            </a:r>
+            <a:endParaRPr lang="en-US" sz="1000" b="1" dirty="0" smtClean="0">
+              <a:latin typeface="Courier"/>
+            </a:endParaRPr>
           </a:p>
           <a:p>
             <a:pPr>
@@ -8797,58 +12215,46 @@
               </a:spcAft>
             </a:pPr>
             <a:r>
+              <a:rPr lang="en-US" sz="1000" b="1" dirty="0" smtClean="0">
+                <a:latin typeface="Courier"/>
+              </a:rPr>
+              <a:t>proc </a:t>
+            </a:r>
+            <a:r>
+              <a:rPr lang="en-US" sz="1000" b="1" dirty="0" err="1">
+                <a:latin typeface="Courier"/>
+              </a:rPr>
+              <a:t>OP_isPrototypeOf</a:t>
+            </a:r>
+            <a:r>
               <a:rPr lang="en-US" sz="1000" b="1" dirty="0">
                 <a:latin typeface="Courier"/>
               </a:rPr>
-              <a:t>           </a:t>
+              <a:t>(</a:t>
             </a:r>
             <a:r>
               <a:rPr lang="en-US" sz="1000" b="1" dirty="0" err="1">
                 <a:latin typeface="Courier"/>
               </a:rPr>
-              <a:t>goto</a:t>
+              <a:t>xsc</a:t>
             </a:r>
             <a:r>
               <a:rPr lang="en-US" sz="1000" b="1" dirty="0">
                 <a:latin typeface="Courier"/>
               </a:rPr>
-              <a:t> [</a:t>
+              <a:t>, </a:t>
             </a:r>
             <a:r>
               <a:rPr lang="en-US" sz="1000" b="1" dirty="0" err="1">
                 <a:latin typeface="Courier"/>
               </a:rPr>
-              <a:t>typeOf</a:t>
+              <a:t>vthis</a:t>
             </a:r>
             <a:r>
               <a:rPr lang="en-US" sz="1000" b="1" dirty="0">
                 <a:latin typeface="Courier"/>
               </a:rPr>
-              <a:t>(v) = $$</a:t>
-            </a:r>
-            <a:r>
-              <a:rPr lang="en-US" sz="1000" b="1" dirty="0" err="1">
-                <a:latin typeface="Courier"/>
-              </a:rPr>
-              <a:t>object_type</a:t>
-            </a:r>
-            <a:r>
-              <a:rPr lang="en-US" sz="1000" b="1" dirty="0">
-                <a:latin typeface="Courier"/>
-              </a:rPr>
-              <a:t>] </a:t>
-            </a:r>
-            <a:r>
-              <a:rPr lang="en-US" sz="1000" b="1" dirty="0" err="1">
-                <a:latin typeface="Courier"/>
-              </a:rPr>
-              <a:t>obj</a:t>
-            </a:r>
-            <a:r>
-              <a:rPr lang="en-US" sz="1000" b="1" dirty="0">
-                <a:latin typeface="Courier"/>
-              </a:rPr>
-              <a:t> fret;</a:t>
+              <a:t>, v) {</a:t>
             </a:r>
           </a:p>
           <a:p>
@@ -8867,7 +12273,55 @@
               <a:rPr lang="en-US" sz="1000" b="1" dirty="0">
                 <a:latin typeface="Courier"/>
               </a:rPr>
-              <a:t>			</a:t>
+              <a:t>           </a:t>
+            </a:r>
+            <a:r>
+              <a:rPr lang="en-US" sz="1000" b="1" dirty="0" err="1">
+                <a:latin typeface="Courier"/>
+              </a:rPr>
+              <a:t>goto</a:t>
+            </a:r>
+            <a:r>
+              <a:rPr lang="en-US" sz="1000" b="1" dirty="0">
+                <a:latin typeface="Courier"/>
+              </a:rPr>
+              <a:t> [</a:t>
+            </a:r>
+            <a:r>
+              <a:rPr lang="en-US" sz="1000" b="1" dirty="0" err="1">
+                <a:latin typeface="Courier"/>
+              </a:rPr>
+              <a:t>typeOf</a:t>
+            </a:r>
+            <a:r>
+              <a:rPr lang="en-US" sz="1000" b="1" dirty="0">
+                <a:latin typeface="Courier"/>
+              </a:rPr>
+              <a:t>(v) = $$</a:t>
+            </a:r>
+            <a:r>
+              <a:rPr lang="en-US" sz="1000" b="1" dirty="0" err="1">
+                <a:latin typeface="Courier"/>
+              </a:rPr>
+              <a:t>object_type</a:t>
+            </a:r>
+            <a:r>
+              <a:rPr lang="en-US" sz="1000" b="1" dirty="0">
+                <a:latin typeface="Courier"/>
+              </a:rPr>
+              <a:t>] </a:t>
+            </a:r>
+            <a:r>
+              <a:rPr lang="en-US" sz="1000" b="1" dirty="0" err="1">
+                <a:latin typeface="Courier"/>
+              </a:rPr>
+              <a:t>obj</a:t>
+            </a:r>
+            <a:r>
+              <a:rPr lang="en-US" sz="1000" b="1" dirty="0">
+                <a:latin typeface="Courier"/>
+              </a:rPr>
+              <a:t> fret;</a:t>
             </a:r>
           </a:p>
           <a:p>
@@ -8886,79 +12340,7 @@
               <a:rPr lang="en-US" sz="1000" b="1" dirty="0">
                 <a:latin typeface="Courier"/>
               </a:rPr>
-              <a:t>    </a:t>
-            </a:r>
-            <a:r>
-              <a:rPr lang="en-US" sz="1000" b="1" dirty="0" err="1">
-                <a:latin typeface="Courier"/>
-              </a:rPr>
-              <a:t>obj</a:t>
-            </a:r>
-            <a:r>
-              <a:rPr lang="en-US" sz="1000" b="1" dirty="0">
-                <a:latin typeface="Courier"/>
-              </a:rPr>
-              <a:t>:	</a:t>
-            </a:r>
-            <a:r>
-              <a:rPr lang="en-US" sz="1000" b="1" dirty="0" err="1">
-                <a:latin typeface="Courier"/>
-              </a:rPr>
-              <a:t>xret</a:t>
-            </a:r>
-            <a:r>
-              <a:rPr lang="en-US" sz="1000" b="1" dirty="0">
-                <a:latin typeface="Courier"/>
-              </a:rPr>
-              <a:t> := "</a:t>
-            </a:r>
-            <a:r>
-              <a:rPr lang="en-US" sz="1000" b="1" dirty="0" err="1">
-                <a:latin typeface="Courier"/>
-              </a:rPr>
-              <a:t>i</a:t>
-            </a:r>
-            <a:r>
-              <a:rPr lang="en-US" sz="1000" b="1" dirty="0">
-                <a:latin typeface="Courier"/>
-              </a:rPr>
-              <a:t>__</a:t>
-            </a:r>
-            <a:r>
-              <a:rPr lang="en-US" sz="1000" b="1" dirty="0" err="1">
-                <a:latin typeface="Courier"/>
-              </a:rPr>
-              <a:t>toObject</a:t>
-            </a:r>
-            <a:r>
-              <a:rPr lang="en-US" sz="1000" b="1" dirty="0">
-                <a:latin typeface="Courier"/>
-              </a:rPr>
-              <a:t>" (</a:t>
-            </a:r>
-            <a:r>
-              <a:rPr lang="en-US" sz="1000" b="1" dirty="0" err="1">
-                <a:latin typeface="Courier"/>
-              </a:rPr>
-              <a:t>vthis</a:t>
-            </a:r>
-            <a:r>
-              <a:rPr lang="en-US" sz="1000" b="1" dirty="0">
-                <a:latin typeface="Courier"/>
-              </a:rPr>
-              <a:t>) with </a:t>
-            </a:r>
-            <a:r>
-              <a:rPr lang="en-US" sz="1000" b="1" dirty="0" err="1">
-                <a:latin typeface="Courier"/>
-              </a:rPr>
-              <a:t>elab</a:t>
-            </a:r>
-            <a:r>
-              <a:rPr lang="en-US" sz="1000" b="1" dirty="0">
-                <a:latin typeface="Courier"/>
-              </a:rPr>
-              <a:t>;</a:t>
+              <a:t>			</a:t>
             </a:r>
           </a:p>
           <a:p>
@@ -8977,7 +12359,79 @@
               <a:rPr lang="en-US" sz="1000" b="1" dirty="0">
                 <a:latin typeface="Courier"/>
               </a:rPr>
-              <a:t>	</a:t>
+              <a:t>    </a:t>
+            </a:r>
+            <a:r>
+              <a:rPr lang="en-US" sz="1000" b="1" dirty="0" err="1">
+                <a:latin typeface="Courier"/>
+              </a:rPr>
+              <a:t>obj</a:t>
+            </a:r>
+            <a:r>
+              <a:rPr lang="en-US" sz="1000" b="1" dirty="0">
+                <a:latin typeface="Courier"/>
+              </a:rPr>
+              <a:t>:	</a:t>
+            </a:r>
+            <a:r>
+              <a:rPr lang="en-US" sz="1000" b="1" dirty="0" err="1">
+                <a:latin typeface="Courier"/>
+              </a:rPr>
+              <a:t>xret</a:t>
+            </a:r>
+            <a:r>
+              <a:rPr lang="en-US" sz="1000" b="1" dirty="0">
+                <a:latin typeface="Courier"/>
+              </a:rPr>
+              <a:t> := "</a:t>
+            </a:r>
+            <a:r>
+              <a:rPr lang="en-US" sz="1000" b="1" dirty="0" err="1">
+                <a:latin typeface="Courier"/>
+              </a:rPr>
+              <a:t>i</a:t>
+            </a:r>
+            <a:r>
+              <a:rPr lang="en-US" sz="1000" b="1" dirty="0">
+                <a:latin typeface="Courier"/>
+              </a:rPr>
+              <a:t>__</a:t>
+            </a:r>
+            <a:r>
+              <a:rPr lang="en-US" sz="1000" b="1" dirty="0" err="1">
+                <a:latin typeface="Courier"/>
+              </a:rPr>
+              <a:t>toObject</a:t>
+            </a:r>
+            <a:r>
+              <a:rPr lang="en-US" sz="1000" b="1" dirty="0">
+                <a:latin typeface="Courier"/>
+              </a:rPr>
+              <a:t>" (</a:t>
+            </a:r>
+            <a:r>
+              <a:rPr lang="en-US" sz="1000" b="1" dirty="0" err="1">
+                <a:latin typeface="Courier"/>
+              </a:rPr>
+              <a:t>vthis</a:t>
+            </a:r>
+            <a:r>
+              <a:rPr lang="en-US" sz="1000" b="1" dirty="0">
+                <a:latin typeface="Courier"/>
+              </a:rPr>
+              <a:t>) with </a:t>
+            </a:r>
+            <a:r>
+              <a:rPr lang="en-US" sz="1000" b="1" dirty="0" err="1">
+                <a:latin typeface="Courier"/>
+              </a:rPr>
+              <a:t>elab</a:t>
+            </a:r>
+            <a:r>
+              <a:rPr lang="en-US" sz="1000" b="1" dirty="0">
+                <a:latin typeface="Courier"/>
+              </a:rPr>
+              <a:t>;</a:t>
             </a:r>
           </a:p>
           <a:p>
@@ -8996,7 +12450,7 @@
               <a:rPr lang="en-US" sz="1000" b="1" dirty="0">
                 <a:latin typeface="Courier"/>
               </a:rPr>
-              <a:t>    rep:	v := [v, "@proto"];</a:t>
+              <a:t>	</a:t>
             </a:r>
           </a:p>
           <a:p>
@@ -9015,31 +12469,7 @@
               <a:rPr lang="en-US" sz="1000" b="1" dirty="0">
                 <a:latin typeface="Courier"/>
               </a:rPr>
-              <a:t>	</a:t>
-            </a:r>
-            <a:r>
-              <a:rPr lang="en-US" sz="1000" b="1" dirty="0" err="1">
-                <a:latin typeface="Courier"/>
-              </a:rPr>
-              <a:t>goto</a:t>
-            </a:r>
-            <a:r>
-              <a:rPr lang="en-US" sz="1000" b="1" dirty="0">
-                <a:latin typeface="Courier"/>
-              </a:rPr>
-              <a:t> [v = $$null] fret </a:t>
-            </a:r>
-            <a:r>
-              <a:rPr lang="en-US" sz="1000" b="1" dirty="0" err="1">
-                <a:latin typeface="Courier"/>
-              </a:rPr>
-              <a:t>nnull</a:t>
-            </a:r>
-            <a:r>
-              <a:rPr lang="en-US" sz="1000" b="1" dirty="0">
-                <a:latin typeface="Courier"/>
-              </a:rPr>
-              <a:t>;</a:t>
+              <a:t>    rep:	v := [v, "@proto"];</a:t>
             </a:r>
           </a:p>
           <a:p>
@@ -9058,7 +12488,31 @@
               <a:rPr lang="en-US" sz="1000" b="1" dirty="0">
                 <a:latin typeface="Courier"/>
               </a:rPr>
-              <a:t>		</a:t>
+              <a:t>	</a:t>
+            </a:r>
+            <a:r>
+              <a:rPr lang="en-US" sz="1000" b="1" dirty="0" err="1">
+                <a:latin typeface="Courier"/>
+              </a:rPr>
+              <a:t>goto</a:t>
+            </a:r>
+            <a:r>
+              <a:rPr lang="en-US" sz="1000" b="1" dirty="0">
+                <a:latin typeface="Courier"/>
+              </a:rPr>
+              <a:t> [v = $$null] fret </a:t>
+            </a:r>
+            <a:r>
+              <a:rPr lang="en-US" sz="1000" b="1" dirty="0" err="1">
+                <a:latin typeface="Courier"/>
+              </a:rPr>
+              <a:t>nnull</a:t>
+            </a:r>
+            <a:r>
+              <a:rPr lang="en-US" sz="1000" b="1" dirty="0">
+                <a:latin typeface="Courier"/>
+              </a:rPr>
+              <a:t>;</a:t>
             </a:r>
           </a:p>
           <a:p>
@@ -9077,55 +12531,7 @@
               <a:rPr lang="en-US" sz="1000" b="1" dirty="0">
                 <a:latin typeface="Courier"/>
               </a:rPr>
-              <a:t>	</a:t>
-            </a:r>
-            <a:r>
-              <a:rPr lang="en-US" sz="1000" b="1" dirty="0" err="1">
-                <a:latin typeface="Courier"/>
-              </a:rPr>
-              <a:t>nnull</a:t>
-            </a:r>
-            <a:r>
-              <a:rPr lang="en-US" sz="1000" b="1" dirty="0">
-                <a:latin typeface="Courier"/>
-              </a:rPr>
-              <a:t>:      </a:t>
-            </a:r>
-            <a:r>
-              <a:rPr lang="en-US" sz="1000" b="1" dirty="0" err="1">
-                <a:latin typeface="Courier"/>
-              </a:rPr>
-              <a:t>goto</a:t>
-            </a:r>
-            <a:r>
-              <a:rPr lang="en-US" sz="1000" b="1" dirty="0">
-                <a:latin typeface="Courier"/>
-              </a:rPr>
-              <a:t> [v = </a:t>
-            </a:r>
-            <a:r>
-              <a:rPr lang="en-US" sz="1000" b="1" dirty="0" err="1">
-                <a:latin typeface="Courier"/>
-              </a:rPr>
-              <a:t>xret</a:t>
-            </a:r>
-            <a:r>
-              <a:rPr lang="en-US" sz="1000" b="1" dirty="0">
-                <a:latin typeface="Courier"/>
-              </a:rPr>
-              <a:t>] </a:t>
-            </a:r>
-            <a:r>
-              <a:rPr lang="en-US" sz="1000" b="1" dirty="0" err="1">
-                <a:latin typeface="Courier"/>
-              </a:rPr>
-              <a:t>tret</a:t>
-            </a:r>
-            <a:r>
-              <a:rPr lang="en-US" sz="1000" b="1" dirty="0">
-                <a:latin typeface="Courier"/>
-              </a:rPr>
-              <a:t> rep;</a:t>
+              <a:t>		</a:t>
             </a:r>
           </a:p>
           <a:p>
@@ -9146,6 +12552,54 @@
               </a:rPr>
               <a:t>	</a:t>
             </a:r>
+            <a:r>
+              <a:rPr lang="en-US" sz="1000" b="1" dirty="0" err="1">
+                <a:latin typeface="Courier"/>
+              </a:rPr>
+              <a:t>nnull</a:t>
+            </a:r>
+            <a:r>
+              <a:rPr lang="en-US" sz="1000" b="1" dirty="0">
+                <a:latin typeface="Courier"/>
+              </a:rPr>
+              <a:t>:      </a:t>
+            </a:r>
+            <a:r>
+              <a:rPr lang="en-US" sz="1000" b="1" dirty="0" err="1">
+                <a:latin typeface="Courier"/>
+              </a:rPr>
+              <a:t>goto</a:t>
+            </a:r>
+            <a:r>
+              <a:rPr lang="en-US" sz="1000" b="1" dirty="0">
+                <a:latin typeface="Courier"/>
+              </a:rPr>
+              <a:t> [v = </a:t>
+            </a:r>
+            <a:r>
+              <a:rPr lang="en-US" sz="1000" b="1" dirty="0" err="1">
+                <a:latin typeface="Courier"/>
+              </a:rPr>
+              <a:t>xret</a:t>
+            </a:r>
+            <a:r>
+              <a:rPr lang="en-US" sz="1000" b="1" dirty="0">
+                <a:latin typeface="Courier"/>
+              </a:rPr>
+              <a:t>] </a:t>
+            </a:r>
+            <a:r>
+              <a:rPr lang="en-US" sz="1000" b="1" dirty="0" err="1">
+                <a:latin typeface="Courier"/>
+              </a:rPr>
+              <a:t>tret</a:t>
+            </a:r>
+            <a:r>
+              <a:rPr lang="en-US" sz="1000" b="1" dirty="0">
+                <a:latin typeface="Courier"/>
+              </a:rPr>
+              <a:t> rep;</a:t>
+            </a:r>
           </a:p>
           <a:p>
             <a:pPr>
@@ -9165,30 +12619,6 @@
               </a:rPr>
               <a:t>	</a:t>
             </a:r>
-            <a:r>
-              <a:rPr lang="en-US" sz="1000" b="1" dirty="0" err="1">
-                <a:latin typeface="Courier"/>
-              </a:rPr>
-              <a:t>tret</a:t>
-            </a:r>
-            <a:r>
-              <a:rPr lang="en-US" sz="1000" b="1" dirty="0">
-                <a:latin typeface="Courier"/>
-              </a:rPr>
-              <a:t>: 	</a:t>
-            </a:r>
-            <a:r>
-              <a:rPr lang="en-US" sz="1000" b="1" dirty="0" err="1">
-                <a:latin typeface="Courier"/>
-              </a:rPr>
-              <a:t>xret</a:t>
-            </a:r>
-            <a:r>
-              <a:rPr lang="en-US" sz="1000" b="1" dirty="0">
-                <a:latin typeface="Courier"/>
-              </a:rPr>
-              <a:t> := $$t;</a:t>
-            </a:r>
           </a:p>
           <a:p>
             <a:pPr>
@@ -9206,31 +12636,31 @@
               <a:rPr lang="en-US" sz="1000" b="1" dirty="0">
                 <a:latin typeface="Courier"/>
               </a:rPr>
-              <a:t>		</a:t>
+              <a:t>	</a:t>
             </a:r>
             <a:r>
               <a:rPr lang="en-US" sz="1000" b="1" dirty="0" err="1">
                 <a:latin typeface="Courier"/>
               </a:rPr>
-              <a:t>goto</a:t>
+              <a:t>tret</a:t>
             </a:r>
             <a:r>
               <a:rPr lang="en-US" sz="1000" b="1" dirty="0">
                 <a:latin typeface="Courier"/>
               </a:rPr>
-              <a:t> </a:t>
+              <a:t>: 	</a:t>
             </a:r>
             <a:r>
               <a:rPr lang="en-US" sz="1000" b="1" dirty="0" err="1">
                 <a:latin typeface="Courier"/>
               </a:rPr>
-              <a:t>rlab</a:t>
+              <a:t>xret</a:t>
             </a:r>
             <a:r>
               <a:rPr lang="en-US" sz="1000" b="1" dirty="0">
                 <a:latin typeface="Courier"/>
               </a:rPr>
-              <a:t>;</a:t>
+              <a:t> := $$t;</a:t>
             </a:r>
           </a:p>
           <a:p>
@@ -9249,7 +12679,31 @@
               <a:rPr lang="en-US" sz="1000" b="1" dirty="0">
                 <a:latin typeface="Courier"/>
               </a:rPr>
-              <a:t>	</a:t>
+              <a:t>		</a:t>
+            </a:r>
+            <a:r>
+              <a:rPr lang="en-US" sz="1000" b="1" dirty="0" err="1">
+                <a:latin typeface="Courier"/>
+              </a:rPr>
+              <a:t>goto</a:t>
+            </a:r>
+            <a:r>
+              <a:rPr lang="en-US" sz="1000" b="1" dirty="0">
+                <a:latin typeface="Courier"/>
+              </a:rPr>
+              <a:t> </a:t>
+            </a:r>
+            <a:r>
+              <a:rPr lang="en-US" sz="1000" b="1" dirty="0" err="1">
+                <a:latin typeface="Courier"/>
+              </a:rPr>
+              <a:t>rlab</a:t>
+            </a:r>
+            <a:r>
+              <a:rPr lang="en-US" sz="1000" b="1" dirty="0">
+                <a:latin typeface="Courier"/>
+              </a:rPr>
+              <a:t>;</a:t>
             </a:r>
           </a:p>
           <a:p>
@@ -9268,20 +12722,11 @@
               <a:rPr lang="en-US" sz="1000" b="1" dirty="0">
                 <a:latin typeface="Courier"/>
               </a:rPr>
-              <a:t>	fret: 	</a:t>
-            </a:r>
-            <a:r>
-              <a:rPr lang="en-US" sz="1000" b="1" dirty="0" err="1">
-                <a:latin typeface="Courier"/>
-              </a:rPr>
-              <a:t>xret</a:t>
-            </a:r>
-            <a:r>
-              <a:rPr lang="en-US" sz="1000" b="1" dirty="0">
-                <a:latin typeface="Courier"/>
-              </a:rPr>
-              <a:t> := $$f;</a:t>
-            </a:r>
+              <a:t>	</a:t>
+            </a:r>
+            <a:endParaRPr lang="en-US" sz="400" b="1" dirty="0" smtClean="0">
+              <a:latin typeface="Courier"/>
+            </a:endParaRPr>
           </a:p>
           <a:p>
             <a:pPr>
@@ -9296,10 +12741,22 @@
               </a:spcAft>
             </a:pPr>
             <a:r>
-              <a:rPr lang="en-US" sz="1000" b="1" dirty="0">
+              <a:rPr lang="en-US" sz="1000" b="1" dirty="0" smtClean="0">
                 <a:latin typeface="Courier"/>
               </a:rPr>
-              <a:t>	</a:t>
+              <a:t>	fret: 	</a:t>
+            </a:r>
+            <a:r>
+              <a:rPr lang="en-US" sz="1000" b="1" dirty="0" err="1" smtClean="0">
+                <a:latin typeface="Courier"/>
+              </a:rPr>
+              <a:t>xret</a:t>
+            </a:r>
+            <a:r>
+              <a:rPr lang="en-US" sz="1000" b="1" dirty="0" smtClean="0">
+                <a:latin typeface="Courier"/>
+              </a:rPr>
+              <a:t> := $$f;</a:t>
             </a:r>
           </a:p>
           <a:p>
@@ -9320,18 +12777,6 @@
               </a:rPr>
               <a:t>	</a:t>
             </a:r>
-            <a:r>
-              <a:rPr lang="en-US" sz="1000" b="1" dirty="0" err="1">
-                <a:latin typeface="Courier"/>
-              </a:rPr>
-              <a:t>rlab</a:t>
-            </a:r>
-            <a:r>
-              <a:rPr lang="en-US" sz="1000" b="1" dirty="0">
-                <a:latin typeface="Courier"/>
-              </a:rPr>
-              <a:t>:	skip;</a:t>
-            </a:r>
           </a:p>
           <a:p>
             <a:pPr>
@@ -9355,13 +12800,13 @@
               <a:rPr lang="en-US" sz="1000" b="1" dirty="0" err="1">
                 <a:latin typeface="Courier"/>
               </a:rPr>
-              <a:t>elab</a:t>
+              <a:t>rlab</a:t>
             </a:r>
             <a:r>
               <a:rPr lang="en-US" sz="1000" b="1" dirty="0">
                 <a:latin typeface="Courier"/>
               </a:rPr>
-              <a:t>:	skip</a:t>
+              <a:t>:	skip;</a:t>
             </a:r>
           </a:p>
           <a:p>
@@ -9380,7 +12825,19 @@
               <a:rPr lang="en-US" sz="1000" b="1" dirty="0">
                 <a:latin typeface="Courier"/>
               </a:rPr>
-              <a:t>}</a:t>
+              <a:t>	</a:t>
+            </a:r>
+            <a:r>
+              <a:rPr lang="en-US" sz="1000" b="1" dirty="0" err="1">
+                <a:latin typeface="Courier"/>
+              </a:rPr>
+              <a:t>elab</a:t>
+            </a:r>
+            <a:r>
+              <a:rPr lang="en-US" sz="1000" b="1" dirty="0">
+                <a:latin typeface="Courier"/>
+              </a:rPr>
+              <a:t>:	skip</a:t>
             </a:r>
           </a:p>
           <a:p>
@@ -9399,7 +12856,7 @@
               <a:rPr lang="en-US" sz="1000" b="1" dirty="0">
                 <a:latin typeface="Courier"/>
               </a:rPr>
-              <a:t>with</a:t>
+              <a:t>}</a:t>
             </a:r>
           </a:p>
           <a:p>
@@ -9418,7 +12875,7 @@
               <a:rPr lang="en-US" sz="1000" b="1" dirty="0">
                 <a:latin typeface="Courier"/>
               </a:rPr>
-              <a:t>{</a:t>
+              <a:t>with</a:t>
             </a:r>
           </a:p>
           <a:p>
@@ -9437,31 +12894,7 @@
               <a:rPr lang="en-US" sz="1000" b="1" dirty="0">
                 <a:latin typeface="Courier"/>
               </a:rPr>
-              <a:t>	ret:	</a:t>
-            </a:r>
-            <a:r>
-              <a:rPr lang="en-US" sz="1000" b="1" dirty="0" err="1">
-                <a:latin typeface="Courier"/>
-              </a:rPr>
-              <a:t>xret</a:t>
-            </a:r>
-            <a:r>
-              <a:rPr lang="en-US" sz="1000" b="1" dirty="0">
-                <a:latin typeface="Courier"/>
-              </a:rPr>
-              <a:t>, </a:t>
-            </a:r>
-            <a:r>
-              <a:rPr lang="en-US" sz="1000" b="1" dirty="0" err="1">
-                <a:latin typeface="Courier"/>
-              </a:rPr>
-              <a:t>rlab</a:t>
-            </a:r>
-            <a:r>
-              <a:rPr lang="en-US" sz="1000" b="1" dirty="0">
-                <a:latin typeface="Courier"/>
-              </a:rPr>
-              <a:t>;</a:t>
+              <a:t>{</a:t>
             </a:r>
           </a:p>
           <a:p>
@@ -9480,7 +12913,7 @@
               <a:rPr lang="en-US" sz="1000" b="1" dirty="0">
                 <a:latin typeface="Courier"/>
               </a:rPr>
-              <a:t>	err:	</a:t>
+              <a:t>	ret:	</a:t>
             </a:r>
             <a:r>
               <a:rPr lang="en-US" sz="1000" b="1" dirty="0" err="1">
@@ -9498,7 +12931,7 @@
               <a:rPr lang="en-US" sz="1000" b="1" dirty="0" err="1">
                 <a:latin typeface="Courier"/>
               </a:rPr>
-              <a:t>elab</a:t>
+              <a:t>rlab</a:t>
             </a:r>
             <a:r>
               <a:rPr lang="en-US" sz="1000" b="1" dirty="0">
@@ -9523,8 +12956,738 @@
               <a:rPr lang="en-US" sz="1000" b="1" dirty="0">
                 <a:latin typeface="Courier"/>
               </a:rPr>
+              <a:t>	err:	</a:t>
+            </a:r>
+            <a:r>
+              <a:rPr lang="en-US" sz="1000" b="1" dirty="0" err="1">
+                <a:latin typeface="Courier"/>
+              </a:rPr>
+              <a:t>xret</a:t>
+            </a:r>
+            <a:r>
+              <a:rPr lang="en-US" sz="1000" b="1" dirty="0">
+                <a:latin typeface="Courier"/>
+              </a:rPr>
+              <a:t>, </a:t>
+            </a:r>
+            <a:r>
+              <a:rPr lang="en-US" sz="1000" b="1" dirty="0" err="1">
+                <a:latin typeface="Courier"/>
+              </a:rPr>
+              <a:t>elab</a:t>
+            </a:r>
+            <a:r>
+              <a:rPr lang="en-US" sz="1000" b="1" dirty="0">
+                <a:latin typeface="Courier"/>
+              </a:rPr>
+              <a:t>;</a:t>
+            </a:r>
+          </a:p>
+          <a:p>
+            <a:pPr>
+              <a:lnSpc>
+                <a:spcPct val="120000"/>
+              </a:lnSpc>
+              <a:spcBef>
+                <a:spcPts val="0"/>
+              </a:spcBef>
+              <a:spcAft>
+                <a:spcPts val="0"/>
+              </a:spcAft>
+            </a:pPr>
+            <a:r>
+              <a:rPr lang="en-US" sz="1000" b="1" dirty="0">
+                <a:latin typeface="Courier"/>
+              </a:rPr>
               <a:t>};</a:t>
             </a:r>
+          </a:p>
+        </p:txBody>
+      </p:sp>
+      <p:sp>
+        <p:nvSpPr>
+          <p:cNvPr id="9" name="Content Placeholder 2"/>
+          <p:cNvSpPr txBox="1">
+            <a:spLocks/>
+          </p:cNvSpPr>
+          <p:nvPr/>
+        </p:nvSpPr>
+        <p:spPr>
+          <a:xfrm>
+            <a:off x="509478" y="2296142"/>
+            <a:ext cx="5223194" cy="3104375"/>
+          </a:xfrm>
+          <a:prstGeom prst="rect">
+            <a:avLst/>
+          </a:prstGeom>
+        </p:spPr>
+        <p:txBody>
+          <a:bodyPr vert="horz" lIns="0" tIns="45720" rIns="0" bIns="45720" rtlCol="0">
+            <a:normAutofit/>
+          </a:bodyPr>
+          <a:lstStyle>
+            <a:lvl1pPr marL="91436" indent="-91436" algn="l" defTabSz="914354" rtl="0" eaLnBrk="1" latinLnBrk="0" hangingPunct="1">
+              <a:lnSpc>
+                <a:spcPct val="90000"/>
+              </a:lnSpc>
+              <a:spcBef>
+                <a:spcPts val="1200"/>
+              </a:spcBef>
+              <a:spcAft>
+                <a:spcPts val="200"/>
+              </a:spcAft>
+              <a:buClr>
+                <a:schemeClr val="accent1"/>
+              </a:buClr>
+              <a:buSzPct val="100000"/>
+              <a:buFont typeface="Calibri" panose="020F0502020204030204" pitchFamily="34" charset="0"/>
+              <a:buChar char=" "/>
+              <a:defRPr sz="2000" kern="1200">
+                <a:solidFill>
+                  <a:schemeClr val="tx1">
+                    <a:lumMod val="75000"/>
+                    <a:lumOff val="25000"/>
+                  </a:schemeClr>
+                </a:solidFill>
+                <a:latin typeface="+mn-lt"/>
+                <a:ea typeface="+mn-ea"/>
+                <a:cs typeface="+mn-cs"/>
+              </a:defRPr>
+            </a:lvl1pPr>
+            <a:lvl2pPr marL="384029" indent="-182870" algn="l" defTabSz="914354" rtl="0" eaLnBrk="1" latinLnBrk="0" hangingPunct="1">
+              <a:lnSpc>
+                <a:spcPct val="90000"/>
+              </a:lnSpc>
+              <a:spcBef>
+                <a:spcPts val="200"/>
+              </a:spcBef>
+              <a:spcAft>
+                <a:spcPts val="400"/>
+              </a:spcAft>
+              <a:buClr>
+                <a:schemeClr val="accent1"/>
+              </a:buClr>
+              <a:buFont typeface="Calibri" pitchFamily="34" charset="0"/>
+              <a:buChar char="◦"/>
+              <a:defRPr sz="1800" kern="1200">
+                <a:solidFill>
+                  <a:schemeClr val="tx1">
+                    <a:lumMod val="75000"/>
+                    <a:lumOff val="25000"/>
+                  </a:schemeClr>
+                </a:solidFill>
+                <a:latin typeface="+mn-lt"/>
+                <a:ea typeface="+mn-ea"/>
+                <a:cs typeface="+mn-cs"/>
+              </a:defRPr>
+            </a:lvl2pPr>
+            <a:lvl3pPr marL="566900" indent="-182870" algn="l" defTabSz="914354" rtl="0" eaLnBrk="1" latinLnBrk="0" hangingPunct="1">
+              <a:lnSpc>
+                <a:spcPct val="90000"/>
+              </a:lnSpc>
+              <a:spcBef>
+                <a:spcPts val="200"/>
+              </a:spcBef>
+              <a:spcAft>
+                <a:spcPts val="400"/>
+              </a:spcAft>
+              <a:buClr>
+                <a:schemeClr val="accent1"/>
+              </a:buClr>
+              <a:buFont typeface="Calibri" pitchFamily="34" charset="0"/>
+              <a:buChar char="◦"/>
+              <a:defRPr sz="1400" kern="1200">
+                <a:solidFill>
+                  <a:schemeClr val="tx1">
+                    <a:lumMod val="75000"/>
+                    <a:lumOff val="25000"/>
+                  </a:schemeClr>
+                </a:solidFill>
+                <a:latin typeface="+mn-lt"/>
+                <a:ea typeface="+mn-ea"/>
+                <a:cs typeface="+mn-cs"/>
+              </a:defRPr>
+            </a:lvl3pPr>
+            <a:lvl4pPr marL="749771" indent="-182870" algn="l" defTabSz="914354" rtl="0" eaLnBrk="1" latinLnBrk="0" hangingPunct="1">
+              <a:lnSpc>
+                <a:spcPct val="90000"/>
+              </a:lnSpc>
+              <a:spcBef>
+                <a:spcPts val="200"/>
+              </a:spcBef>
+              <a:spcAft>
+                <a:spcPts val="400"/>
+              </a:spcAft>
+              <a:buClr>
+                <a:schemeClr val="accent1"/>
+              </a:buClr>
+              <a:buFont typeface="Calibri" pitchFamily="34" charset="0"/>
+              <a:buChar char="◦"/>
+              <a:defRPr sz="1400" kern="1200">
+                <a:solidFill>
+                  <a:schemeClr val="tx1">
+                    <a:lumMod val="75000"/>
+                    <a:lumOff val="25000"/>
+                  </a:schemeClr>
+                </a:solidFill>
+                <a:latin typeface="+mn-lt"/>
+                <a:ea typeface="+mn-ea"/>
+                <a:cs typeface="+mn-cs"/>
+              </a:defRPr>
+            </a:lvl4pPr>
+            <a:lvl5pPr marL="932642" indent="-182870" algn="l" defTabSz="914354" rtl="0" eaLnBrk="1" latinLnBrk="0" hangingPunct="1">
+              <a:lnSpc>
+                <a:spcPct val="90000"/>
+              </a:lnSpc>
+              <a:spcBef>
+                <a:spcPts val="200"/>
+              </a:spcBef>
+              <a:spcAft>
+                <a:spcPts val="400"/>
+              </a:spcAft>
+              <a:buClr>
+                <a:schemeClr val="accent1"/>
+              </a:buClr>
+              <a:buFont typeface="Calibri" pitchFamily="34" charset="0"/>
+              <a:buChar char="◦"/>
+              <a:defRPr sz="1400" kern="1200">
+                <a:solidFill>
+                  <a:schemeClr val="tx1">
+                    <a:lumMod val="75000"/>
+                    <a:lumOff val="25000"/>
+                  </a:schemeClr>
+                </a:solidFill>
+                <a:latin typeface="+mn-lt"/>
+                <a:ea typeface="+mn-ea"/>
+                <a:cs typeface="+mn-cs"/>
+              </a:defRPr>
+            </a:lvl5pPr>
+            <a:lvl6pPr marL="1099946" indent="-228589" algn="l" defTabSz="914354" rtl="0" eaLnBrk="1" latinLnBrk="0" hangingPunct="1">
+              <a:lnSpc>
+                <a:spcPct val="90000"/>
+              </a:lnSpc>
+              <a:spcBef>
+                <a:spcPts val="200"/>
+              </a:spcBef>
+              <a:spcAft>
+                <a:spcPts val="400"/>
+              </a:spcAft>
+              <a:buClr>
+                <a:schemeClr val="accent1"/>
+              </a:buClr>
+              <a:buFont typeface="Calibri" pitchFamily="34" charset="0"/>
+              <a:buChar char="◦"/>
+              <a:defRPr sz="1400" kern="1200">
+                <a:solidFill>
+                  <a:schemeClr val="tx1">
+                    <a:lumMod val="75000"/>
+                    <a:lumOff val="25000"/>
+                  </a:schemeClr>
+                </a:solidFill>
+                <a:latin typeface="+mn-lt"/>
+                <a:ea typeface="+mn-ea"/>
+                <a:cs typeface="+mn-cs"/>
+              </a:defRPr>
+            </a:lvl6pPr>
+            <a:lvl7pPr marL="1299936" indent="-228589" algn="l" defTabSz="914354" rtl="0" eaLnBrk="1" latinLnBrk="0" hangingPunct="1">
+              <a:lnSpc>
+                <a:spcPct val="90000"/>
+              </a:lnSpc>
+              <a:spcBef>
+                <a:spcPts val="200"/>
+              </a:spcBef>
+              <a:spcAft>
+                <a:spcPts val="400"/>
+              </a:spcAft>
+              <a:buClr>
+                <a:schemeClr val="accent1"/>
+              </a:buClr>
+              <a:buFont typeface="Calibri" pitchFamily="34" charset="0"/>
+              <a:buChar char="◦"/>
+              <a:defRPr sz="1400" kern="1200">
+                <a:solidFill>
+                  <a:schemeClr val="tx1">
+                    <a:lumMod val="75000"/>
+                    <a:lumOff val="25000"/>
+                  </a:schemeClr>
+                </a:solidFill>
+                <a:latin typeface="+mn-lt"/>
+                <a:ea typeface="+mn-ea"/>
+                <a:cs typeface="+mn-cs"/>
+              </a:defRPr>
+            </a:lvl7pPr>
+            <a:lvl8pPr marL="1499925" indent="-228589" algn="l" defTabSz="914354" rtl="0" eaLnBrk="1" latinLnBrk="0" hangingPunct="1">
+              <a:lnSpc>
+                <a:spcPct val="90000"/>
+              </a:lnSpc>
+              <a:spcBef>
+                <a:spcPts val="200"/>
+              </a:spcBef>
+              <a:spcAft>
+                <a:spcPts val="400"/>
+              </a:spcAft>
+              <a:buClr>
+                <a:schemeClr val="accent1"/>
+              </a:buClr>
+              <a:buFont typeface="Calibri" pitchFamily="34" charset="0"/>
+              <a:buChar char="◦"/>
+              <a:defRPr sz="1400" kern="1200">
+                <a:solidFill>
+                  <a:schemeClr val="tx1">
+                    <a:lumMod val="75000"/>
+                    <a:lumOff val="25000"/>
+                  </a:schemeClr>
+                </a:solidFill>
+                <a:latin typeface="+mn-lt"/>
+                <a:ea typeface="+mn-ea"/>
+                <a:cs typeface="+mn-cs"/>
+              </a:defRPr>
+            </a:lvl8pPr>
+            <a:lvl9pPr marL="1699916" indent="-228589" algn="l" defTabSz="914354" rtl="0" eaLnBrk="1" latinLnBrk="0" hangingPunct="1">
+              <a:lnSpc>
+                <a:spcPct val="90000"/>
+              </a:lnSpc>
+              <a:spcBef>
+                <a:spcPts val="200"/>
+              </a:spcBef>
+              <a:spcAft>
+                <a:spcPts val="400"/>
+              </a:spcAft>
+              <a:buClr>
+                <a:schemeClr val="accent1"/>
+              </a:buClr>
+              <a:buFont typeface="Calibri" pitchFamily="34" charset="0"/>
+              <a:buChar char="◦"/>
+              <a:defRPr sz="1400" kern="1200">
+                <a:solidFill>
+                  <a:schemeClr val="tx1">
+                    <a:lumMod val="75000"/>
+                    <a:lumOff val="25000"/>
+                  </a:schemeClr>
+                </a:solidFill>
+                <a:latin typeface="+mn-lt"/>
+                <a:ea typeface="+mn-ea"/>
+                <a:cs typeface="+mn-cs"/>
+              </a:defRPr>
+            </a:lvl9pPr>
+          </a:lstStyle>
+          <a:p>
+            <a:pPr marL="0" indent="0" algn="ctr">
+              <a:buFont typeface="Calibri" panose="020F0502020204030204" pitchFamily="34" charset="0"/>
+              <a:buNone/>
+            </a:pPr>
+            <a:r>
+              <a:rPr lang="en-US" sz="1800" b="1" u="sng" dirty="0" smtClean="0">
+                <a:solidFill>
+                  <a:schemeClr val="accent2"/>
+                </a:solidFill>
+              </a:rPr>
+              <a:t>ES5 Standard</a:t>
+            </a:r>
+          </a:p>
+          <a:p>
+            <a:pPr marL="457200" indent="-457200">
+              <a:buFont typeface="+mj-lt"/>
+              <a:buAutoNum type="arabicPeriod"/>
+            </a:pPr>
+            <a:r>
+              <a:rPr lang="en-US" sz="1800" dirty="0" smtClean="0"/>
+              <a:t>If V is not an object, return </a:t>
+            </a:r>
+            <a:r>
+              <a:rPr lang="en-US" sz="1800" b="1" dirty="0" smtClean="0"/>
+              <a:t>false</a:t>
+            </a:r>
+            <a:r>
+              <a:rPr lang="en-US" sz="1800" dirty="0" smtClean="0"/>
+              <a:t>.</a:t>
+            </a:r>
+          </a:p>
+          <a:p>
+            <a:pPr marL="457200" indent="-457200">
+              <a:buFont typeface="+mj-lt"/>
+              <a:buAutoNum type="arabicPeriod"/>
+            </a:pPr>
+            <a:r>
+              <a:rPr lang="en-US" sz="1800" dirty="0" smtClean="0"/>
+              <a:t>Let O be the result of calling </a:t>
+            </a:r>
+            <a:r>
+              <a:rPr lang="en-US" sz="1800" dirty="0" err="1" smtClean="0"/>
+              <a:t>ToObject</a:t>
+            </a:r>
+            <a:r>
+              <a:rPr lang="en-US" sz="1800" dirty="0" smtClean="0"/>
+              <a:t> passing the </a:t>
+            </a:r>
+            <a:r>
+              <a:rPr lang="en-US" sz="1800" b="1" dirty="0" smtClean="0"/>
+              <a:t>this </a:t>
+            </a:r>
+            <a:r>
+              <a:rPr lang="en-US" sz="1800" dirty="0" smtClean="0"/>
+              <a:t>value as the argument.</a:t>
+            </a:r>
+          </a:p>
+          <a:p>
+            <a:pPr marL="457200" indent="-457200">
+              <a:buFont typeface="+mj-lt"/>
+              <a:buAutoNum type="arabicPeriod"/>
+            </a:pPr>
+            <a:r>
+              <a:rPr lang="en-US" sz="1800" dirty="0" smtClean="0"/>
+              <a:t>Repeat</a:t>
+            </a:r>
+          </a:p>
+          <a:p>
+            <a:pPr marL="763588" lvl="1" indent="-268288">
+              <a:buFont typeface="+mj-lt"/>
+              <a:buAutoNum type="alphaLcPeriod"/>
+            </a:pPr>
+            <a:r>
+              <a:rPr lang="en-US" sz="1600" dirty="0" smtClean="0"/>
+              <a:t>Let V be the value of the [[Prototype]] internal property of V.</a:t>
+            </a:r>
+          </a:p>
+          <a:p>
+            <a:pPr marL="763588" lvl="1" indent="-268288">
+              <a:buFont typeface="+mj-lt"/>
+              <a:buAutoNum type="alphaLcPeriod"/>
+            </a:pPr>
+            <a:r>
+              <a:rPr lang="en-US" sz="1600" dirty="0" smtClean="0"/>
+              <a:t>if V is </a:t>
+            </a:r>
+            <a:r>
+              <a:rPr lang="en-US" sz="1600" b="1" dirty="0" smtClean="0"/>
+              <a:t>null</a:t>
+            </a:r>
+            <a:r>
+              <a:rPr lang="en-US" sz="1600" dirty="0" smtClean="0"/>
+              <a:t>, return </a:t>
+            </a:r>
+            <a:r>
+              <a:rPr lang="en-US" sz="1600" b="1" dirty="0" smtClean="0"/>
+              <a:t>false.</a:t>
+            </a:r>
+          </a:p>
+          <a:p>
+            <a:pPr marL="763588" lvl="1" indent="-268288">
+              <a:buFont typeface="+mj-lt"/>
+              <a:buAutoNum type="alphaLcPeriod"/>
+            </a:pPr>
+            <a:r>
+              <a:rPr lang="en-US" sz="1600" dirty="0" smtClean="0"/>
+              <a:t>If O and V refer to the same object, return </a:t>
+            </a:r>
+            <a:r>
+              <a:rPr lang="en-US" sz="1600" b="1" dirty="0" smtClean="0"/>
+              <a:t>true</a:t>
+            </a:r>
+            <a:r>
+              <a:rPr lang="en-US" sz="1600" dirty="0" smtClean="0"/>
+              <a:t>.</a:t>
+            </a:r>
+            <a:endParaRPr lang="en-US" sz="1600" dirty="0"/>
+          </a:p>
+        </p:txBody>
+      </p:sp>
+      <p:sp>
+        <p:nvSpPr>
+          <p:cNvPr id="11" name="Content Placeholder 3"/>
+          <p:cNvSpPr txBox="1">
+            <a:spLocks noChangeAspect="1"/>
+          </p:cNvSpPr>
+          <p:nvPr/>
+        </p:nvSpPr>
+        <p:spPr>
+          <a:xfrm>
+            <a:off x="6247969" y="2093267"/>
+            <a:ext cx="5038262" cy="376990"/>
+          </a:xfrm>
+          <a:prstGeom prst="rect">
+            <a:avLst/>
+          </a:prstGeom>
+          <a:effectLst/>
+        </p:spPr>
+        <p:txBody>
+          <a:bodyPr vert="horz" lIns="0" tIns="45720" rIns="0" bIns="45720" rtlCol="0">
+            <a:noAutofit/>
+          </a:bodyPr>
+          <a:lstStyle>
+            <a:lvl1pPr marL="91436" indent="-91436" algn="l" defTabSz="914354" rtl="0" eaLnBrk="1" latinLnBrk="0" hangingPunct="1">
+              <a:lnSpc>
+                <a:spcPct val="90000"/>
+              </a:lnSpc>
+              <a:spcBef>
+                <a:spcPts val="1200"/>
+              </a:spcBef>
+              <a:spcAft>
+                <a:spcPts val="200"/>
+              </a:spcAft>
+              <a:buClr>
+                <a:schemeClr val="accent1"/>
+              </a:buClr>
+              <a:buSzPct val="100000"/>
+              <a:buFont typeface="Calibri" panose="020F0502020204030204" pitchFamily="34" charset="0"/>
+              <a:buChar char=" "/>
+              <a:defRPr sz="2000" kern="1200">
+                <a:solidFill>
+                  <a:schemeClr val="tx1">
+                    <a:lumMod val="75000"/>
+                    <a:lumOff val="25000"/>
+                  </a:schemeClr>
+                </a:solidFill>
+                <a:latin typeface="+mn-lt"/>
+                <a:ea typeface="+mn-ea"/>
+                <a:cs typeface="+mn-cs"/>
+              </a:defRPr>
+            </a:lvl1pPr>
+            <a:lvl2pPr marL="384029" indent="-182870" algn="l" defTabSz="914354" rtl="0" eaLnBrk="1" latinLnBrk="0" hangingPunct="1">
+              <a:lnSpc>
+                <a:spcPct val="90000"/>
+              </a:lnSpc>
+              <a:spcBef>
+                <a:spcPts val="200"/>
+              </a:spcBef>
+              <a:spcAft>
+                <a:spcPts val="400"/>
+              </a:spcAft>
+              <a:buClr>
+                <a:schemeClr val="accent1"/>
+              </a:buClr>
+              <a:buFont typeface="Calibri" pitchFamily="34" charset="0"/>
+              <a:buChar char="◦"/>
+              <a:defRPr sz="1800" kern="1200">
+                <a:solidFill>
+                  <a:schemeClr val="tx1">
+                    <a:lumMod val="75000"/>
+                    <a:lumOff val="25000"/>
+                  </a:schemeClr>
+                </a:solidFill>
+                <a:latin typeface="+mn-lt"/>
+                <a:ea typeface="+mn-ea"/>
+                <a:cs typeface="+mn-cs"/>
+              </a:defRPr>
+            </a:lvl2pPr>
+            <a:lvl3pPr marL="566900" indent="-182870" algn="l" defTabSz="914354" rtl="0" eaLnBrk="1" latinLnBrk="0" hangingPunct="1">
+              <a:lnSpc>
+                <a:spcPct val="90000"/>
+              </a:lnSpc>
+              <a:spcBef>
+                <a:spcPts val="200"/>
+              </a:spcBef>
+              <a:spcAft>
+                <a:spcPts val="400"/>
+              </a:spcAft>
+              <a:buClr>
+                <a:schemeClr val="accent1"/>
+              </a:buClr>
+              <a:buFont typeface="Calibri" pitchFamily="34" charset="0"/>
+              <a:buChar char="◦"/>
+              <a:defRPr sz="1400" kern="1200">
+                <a:solidFill>
+                  <a:schemeClr val="tx1">
+                    <a:lumMod val="75000"/>
+                    <a:lumOff val="25000"/>
+                  </a:schemeClr>
+                </a:solidFill>
+                <a:latin typeface="+mn-lt"/>
+                <a:ea typeface="+mn-ea"/>
+                <a:cs typeface="+mn-cs"/>
+              </a:defRPr>
+            </a:lvl3pPr>
+            <a:lvl4pPr marL="749771" indent="-182870" algn="l" defTabSz="914354" rtl="0" eaLnBrk="1" latinLnBrk="0" hangingPunct="1">
+              <a:lnSpc>
+                <a:spcPct val="90000"/>
+              </a:lnSpc>
+              <a:spcBef>
+                <a:spcPts val="200"/>
+              </a:spcBef>
+              <a:spcAft>
+                <a:spcPts val="400"/>
+              </a:spcAft>
+              <a:buClr>
+                <a:schemeClr val="accent1"/>
+              </a:buClr>
+              <a:buFont typeface="Calibri" pitchFamily="34" charset="0"/>
+              <a:buChar char="◦"/>
+              <a:defRPr sz="1400" kern="1200">
+                <a:solidFill>
+                  <a:schemeClr val="tx1">
+                    <a:lumMod val="75000"/>
+                    <a:lumOff val="25000"/>
+                  </a:schemeClr>
+                </a:solidFill>
+                <a:latin typeface="+mn-lt"/>
+                <a:ea typeface="+mn-ea"/>
+                <a:cs typeface="+mn-cs"/>
+              </a:defRPr>
+            </a:lvl4pPr>
+            <a:lvl5pPr marL="932642" indent="-182870" algn="l" defTabSz="914354" rtl="0" eaLnBrk="1" latinLnBrk="0" hangingPunct="1">
+              <a:lnSpc>
+                <a:spcPct val="90000"/>
+              </a:lnSpc>
+              <a:spcBef>
+                <a:spcPts val="200"/>
+              </a:spcBef>
+              <a:spcAft>
+                <a:spcPts val="400"/>
+              </a:spcAft>
+              <a:buClr>
+                <a:schemeClr val="accent1"/>
+              </a:buClr>
+              <a:buFont typeface="Calibri" pitchFamily="34" charset="0"/>
+              <a:buChar char="◦"/>
+              <a:defRPr sz="1400" kern="1200">
+                <a:solidFill>
+                  <a:schemeClr val="tx1">
+                    <a:lumMod val="75000"/>
+                    <a:lumOff val="25000"/>
+                  </a:schemeClr>
+                </a:solidFill>
+                <a:latin typeface="+mn-lt"/>
+                <a:ea typeface="+mn-ea"/>
+                <a:cs typeface="+mn-cs"/>
+              </a:defRPr>
+            </a:lvl5pPr>
+            <a:lvl6pPr marL="1099946" indent="-228589" algn="l" defTabSz="914354" rtl="0" eaLnBrk="1" latinLnBrk="0" hangingPunct="1">
+              <a:lnSpc>
+                <a:spcPct val="90000"/>
+              </a:lnSpc>
+              <a:spcBef>
+                <a:spcPts val="200"/>
+              </a:spcBef>
+              <a:spcAft>
+                <a:spcPts val="400"/>
+              </a:spcAft>
+              <a:buClr>
+                <a:schemeClr val="accent1"/>
+              </a:buClr>
+              <a:buFont typeface="Calibri" pitchFamily="34" charset="0"/>
+              <a:buChar char="◦"/>
+              <a:defRPr sz="1400" kern="1200">
+                <a:solidFill>
+                  <a:schemeClr val="tx1">
+                    <a:lumMod val="75000"/>
+                    <a:lumOff val="25000"/>
+                  </a:schemeClr>
+                </a:solidFill>
+                <a:latin typeface="+mn-lt"/>
+                <a:ea typeface="+mn-ea"/>
+                <a:cs typeface="+mn-cs"/>
+              </a:defRPr>
+            </a:lvl6pPr>
+            <a:lvl7pPr marL="1299936" indent="-228589" algn="l" defTabSz="914354" rtl="0" eaLnBrk="1" latinLnBrk="0" hangingPunct="1">
+              <a:lnSpc>
+                <a:spcPct val="90000"/>
+              </a:lnSpc>
+              <a:spcBef>
+                <a:spcPts val="200"/>
+              </a:spcBef>
+              <a:spcAft>
+                <a:spcPts val="400"/>
+              </a:spcAft>
+              <a:buClr>
+                <a:schemeClr val="accent1"/>
+              </a:buClr>
+              <a:buFont typeface="Calibri" pitchFamily="34" charset="0"/>
+              <a:buChar char="◦"/>
+              <a:defRPr sz="1400" kern="1200">
+                <a:solidFill>
+                  <a:schemeClr val="tx1">
+                    <a:lumMod val="75000"/>
+                    <a:lumOff val="25000"/>
+                  </a:schemeClr>
+                </a:solidFill>
+                <a:latin typeface="+mn-lt"/>
+                <a:ea typeface="+mn-ea"/>
+                <a:cs typeface="+mn-cs"/>
+              </a:defRPr>
+            </a:lvl7pPr>
+            <a:lvl8pPr marL="1499925" indent="-228589" algn="l" defTabSz="914354" rtl="0" eaLnBrk="1" latinLnBrk="0" hangingPunct="1">
+              <a:lnSpc>
+                <a:spcPct val="90000"/>
+              </a:lnSpc>
+              <a:spcBef>
+                <a:spcPts val="200"/>
+              </a:spcBef>
+              <a:spcAft>
+                <a:spcPts val="400"/>
+              </a:spcAft>
+              <a:buClr>
+                <a:schemeClr val="accent1"/>
+              </a:buClr>
+              <a:buFont typeface="Calibri" pitchFamily="34" charset="0"/>
+              <a:buChar char="◦"/>
+              <a:defRPr sz="1400" kern="1200">
+                <a:solidFill>
+                  <a:schemeClr val="tx1">
+                    <a:lumMod val="75000"/>
+                    <a:lumOff val="25000"/>
+                  </a:schemeClr>
+                </a:solidFill>
+                <a:latin typeface="+mn-lt"/>
+                <a:ea typeface="+mn-ea"/>
+                <a:cs typeface="+mn-cs"/>
+              </a:defRPr>
+            </a:lvl8pPr>
+            <a:lvl9pPr marL="1699916" indent="-228589" algn="l" defTabSz="914354" rtl="0" eaLnBrk="1" latinLnBrk="0" hangingPunct="1">
+              <a:lnSpc>
+                <a:spcPct val="90000"/>
+              </a:lnSpc>
+              <a:spcBef>
+                <a:spcPts val="200"/>
+              </a:spcBef>
+              <a:spcAft>
+                <a:spcPts val="400"/>
+              </a:spcAft>
+              <a:buClr>
+                <a:schemeClr val="accent1"/>
+              </a:buClr>
+              <a:buFont typeface="Calibri" pitchFamily="34" charset="0"/>
+              <a:buChar char="◦"/>
+              <a:defRPr sz="1400" kern="1200">
+                <a:solidFill>
+                  <a:schemeClr val="tx1">
+                    <a:lumMod val="75000"/>
+                    <a:lumOff val="25000"/>
+                  </a:schemeClr>
+                </a:solidFill>
+                <a:latin typeface="+mn-lt"/>
+                <a:ea typeface="+mn-ea"/>
+                <a:cs typeface="+mn-cs"/>
+              </a:defRPr>
+            </a:lvl9pPr>
+          </a:lstStyle>
+          <a:p>
+            <a:pPr marL="0" lvl="0" indent="0" algn="ctr" defTabSz="457200">
+              <a:lnSpc>
+                <a:spcPct val="100000"/>
+              </a:lnSpc>
+              <a:spcBef>
+                <a:spcPts val="0"/>
+              </a:spcBef>
+              <a:spcAft>
+                <a:spcPts val="0"/>
+              </a:spcAft>
+              <a:buClrTx/>
+              <a:buSzTx/>
+              <a:buNone/>
+            </a:pPr>
+            <a:r>
+              <a:rPr lang="en-US" sz="1800" b="1" u="sng" dirty="0" smtClean="0">
+                <a:solidFill>
+                  <a:srgbClr val="2683C6"/>
+                </a:solidFill>
+              </a:rPr>
+              <a:t>Pretty-big-step Semantics</a:t>
+            </a:r>
+            <a:endParaRPr lang="en-US" sz="1800" b="1" u="sng" dirty="0">
+              <a:solidFill>
+                <a:srgbClr val="2683C6"/>
+              </a:solidFill>
+            </a:endParaRPr>
           </a:p>
         </p:txBody>
       </p:sp>
@@ -9538,6 +13701,18 @@
   <p:clrMapOvr>
     <a:masterClrMapping/>
   </p:clrMapOvr>
+  <mc:AlternateContent xmlns:mc="http://schemas.openxmlformats.org/markup-compatibility/2006" xmlns:p14="http://schemas.microsoft.com/office/powerpoint/2010/main">
+    <mc:Choice Requires="p14">
+      <p:transition spd="med" p14:dur="700">
+        <p:fade/>
+      </p:transition>
+    </mc:Choice>
+    <mc:Fallback xmlns="">
+      <p:transition spd="med">
+        <p:fade/>
+      </p:transition>
+    </mc:Fallback>
+  </mc:AlternateContent>
   <p:timing>
     <p:tnLst>
       <p:par>
@@ -9559,7 +13734,7 @@
                             </p:stCondLst>
                             <p:childTnLst>
                               <p:par>
-                                <p:cTn id="5" presetID="1" presetClass="entr" presetSubtype="0" fill="hold" nodeType="clickEffect">
+                                <p:cTn id="5" presetID="10" presetClass="entr" presetSubtype="0" fill="hold" grpId="0" nodeType="clickEffect">
                                   <p:stCondLst>
                                     <p:cond delay="0"/>
                                   </p:stCondLst>
@@ -9567,96 +13742,6 @@
                                     <p:set>
                                       <p:cBhvr>
                                         <p:cTn id="6" dur="1" fill="hold">
-                                          <p:stCondLst>
-                                            <p:cond delay="0"/>
-                                          </p:stCondLst>
-                                        </p:cTn>
-                                        <p:tgtEl>
-                                          <p:spTgt spid="5"/>
-                                        </p:tgtEl>
-                                        <p:attrNameLst>
-                                          <p:attrName>style.visibility</p:attrName>
-                                        </p:attrNameLst>
-                                      </p:cBhvr>
-                                      <p:to>
-                                        <p:strVal val="visible"/>
-                                      </p:to>
-                                    </p:set>
-                                  </p:childTnLst>
-                                </p:cTn>
-                              </p:par>
-                            </p:childTnLst>
-                          </p:cTn>
-                        </p:par>
-                      </p:childTnLst>
-                    </p:cTn>
-                  </p:par>
-                  <p:par>
-                    <p:cTn id="7" fill="hold">
-                      <p:stCondLst>
-                        <p:cond delay="indefinite"/>
-                      </p:stCondLst>
-                      <p:childTnLst>
-                        <p:par>
-                          <p:cTn id="8" fill="hold">
-                            <p:stCondLst>
-                              <p:cond delay="0"/>
-                            </p:stCondLst>
-                            <p:childTnLst>
-                              <p:par>
-                                <p:cTn id="9" presetID="1" presetClass="exit" presetSubtype="0" fill="hold" nodeType="clickEffect">
-                                  <p:stCondLst>
-                                    <p:cond delay="0"/>
-                                  </p:stCondLst>
-                                  <p:childTnLst>
-                                    <p:set>
-                                      <p:cBhvr>
-                                        <p:cTn id="10" dur="1" fill="hold">
-                                          <p:stCondLst>
-                                            <p:cond delay="0"/>
-                                          </p:stCondLst>
-                                        </p:cTn>
-                                        <p:tgtEl>
-                                          <p:spTgt spid="5"/>
-                                        </p:tgtEl>
-                                        <p:attrNameLst>
-                                          <p:attrName>style.visibility</p:attrName>
-                                        </p:attrNameLst>
-                                      </p:cBhvr>
-                                      <p:to>
-                                        <p:strVal val="hidden"/>
-                                      </p:to>
-                                    </p:set>
-                                  </p:childTnLst>
-                                </p:cTn>
-                              </p:par>
-                            </p:childTnLst>
-                          </p:cTn>
-                        </p:par>
-                      </p:childTnLst>
-                    </p:cTn>
-                  </p:par>
-                  <p:par>
-                    <p:cTn id="11" fill="hold">
-                      <p:stCondLst>
-                        <p:cond delay="indefinite"/>
-                      </p:stCondLst>
-                      <p:childTnLst>
-                        <p:par>
-                          <p:cTn id="12" fill="hold">
-                            <p:stCondLst>
-                              <p:cond delay="0"/>
-                            </p:stCondLst>
-                            <p:childTnLst>
-                              <p:par>
-                                <p:cTn id="13" presetID="1" presetClass="entr" presetSubtype="0" fill="hold" grpId="0" nodeType="clickEffect">
-                                  <p:stCondLst>
-                                    <p:cond delay="0"/>
-                                  </p:stCondLst>
-                                  <p:childTnLst>
-                                    <p:set>
-                                      <p:cBhvr>
-                                        <p:cTn id="14" dur="1" fill="hold">
                                           <p:stCondLst>
                                             <p:cond delay="0"/>
                                           </p:stCondLst>
@@ -9670,6 +13755,84 @@
                                       </p:cBhvr>
                                       <p:to>
                                         <p:strVal val="visible"/>
+                                      </p:to>
+                                    </p:set>
+                                    <p:animEffect transition="in" filter="fade">
+                                      <p:cBhvr>
+                                        <p:cTn id="7" dur="1000"/>
+                                        <p:tgtEl>
+                                          <p:spTgt spid="6"/>
+                                        </p:tgtEl>
+                                      </p:cBhvr>
+                                    </p:animEffect>
+                                  </p:childTnLst>
+                                </p:cTn>
+                              </p:par>
+                              <p:par>
+                                <p:cTn id="8" presetID="10" presetClass="exit" presetSubtype="0" fill="hold" nodeType="withEffect">
+                                  <p:stCondLst>
+                                    <p:cond delay="0"/>
+                                  </p:stCondLst>
+                                  <p:childTnLst>
+                                    <p:animEffect transition="out" filter="fade">
+                                      <p:cBhvr>
+                                        <p:cTn id="9" dur="1000"/>
+                                        <p:tgtEl>
+                                          <p:spTgt spid="7"/>
+                                        </p:tgtEl>
+                                      </p:cBhvr>
+                                    </p:animEffect>
+                                    <p:set>
+                                      <p:cBhvr>
+                                        <p:cTn id="10" dur="1" fill="hold">
+                                          <p:stCondLst>
+                                            <p:cond delay="999"/>
+                                          </p:stCondLst>
+                                        </p:cTn>
+                                        <p:tgtEl>
+                                          <p:spTgt spid="7"/>
+                                        </p:tgtEl>
+                                        <p:attrNameLst>
+                                          <p:attrName>style.visibility</p:attrName>
+                                        </p:attrNameLst>
+                                      </p:cBhvr>
+                                      <p:to>
+                                        <p:strVal val="hidden"/>
+                                      </p:to>
+                                    </p:set>
+                                  </p:childTnLst>
+                                </p:cTn>
+                              </p:par>
+                              <p:par>
+                                <p:cTn id="11" presetID="10" presetClass="exit" presetSubtype="0" fill="hold" grpId="0" nodeType="withEffect">
+                                  <p:stCondLst>
+                                    <p:cond delay="0"/>
+                                  </p:stCondLst>
+                                  <p:childTnLst>
+                                    <p:animEffect transition="out" filter="fade">
+                                      <p:cBhvr>
+                                        <p:cTn id="12" dur="500"/>
+                                        <p:tgtEl>
+                                          <p:spTgt spid="11"/>
+                                        </p:tgtEl>
+                                      </p:cBhvr>
+                                    </p:animEffect>
+                                    <p:set>
+                                      <p:cBhvr>
+                                        <p:cTn id="13" dur="1" fill="hold">
+                                          <p:stCondLst>
+                                            <p:cond delay="499"/>
+                                          </p:stCondLst>
+                                        </p:cTn>
+                                        <p:tgtEl>
+                                          <p:spTgt spid="11"/>
+                                        </p:tgtEl>
+                                        <p:attrNameLst>
+                                          <p:attrName>style.visibility</p:attrName>
+                                        </p:attrNameLst>
+                                      </p:cBhvr>
+                                      <p:to>
+                                        <p:strVal val="hidden"/>
                                       </p:to>
                                     </p:set>
                                   </p:childTnLst>
@@ -9704,6 +13867,7 @@
     </p:tnLst>
     <p:bldLst>
       <p:bldP spid="6" grpId="0"/>
+      <p:bldP spid="11" grpId="0"/>
     </p:bldLst>
   </p:timing>
 </p:sld>
@@ -9736,25 +13900,35 @@
             <p:ph type="title"/>
           </p:nvPr>
         </p:nvSpPr>
-        <p:spPr/>
+        <p:spPr>
+          <a:xfrm>
+            <a:off x="2910177" y="540690"/>
+            <a:ext cx="5947576" cy="743451"/>
+          </a:xfrm>
+        </p:spPr>
         <p:txBody>
           <a:bodyPr/>
           <a:lstStyle/>
           <a:p>
             <a:r>
-              <a:rPr lang="en-US" b="1" u="sng" dirty="0">
+              <a:rPr lang="en-US" b="1" u="sng" dirty="0" smtClean="0">
                 <a:solidFill>
                   <a:schemeClr val="accent2"/>
                 </a:solidFill>
               </a:rPr>
-              <a:t>Coverage</a:t>
-            </a:r>
+              <a:t>Extending the Coverage</a:t>
+            </a:r>
+            <a:endParaRPr lang="en-US" b="1" u="sng" dirty="0">
+              <a:solidFill>
+                <a:schemeClr val="accent2"/>
+              </a:solidFill>
+            </a:endParaRPr>
           </a:p>
         </p:txBody>
       </p:sp>
       <p:sp>
         <p:nvSpPr>
-          <p:cNvPr id="3" name="Content Placeholder 2"/>
+          <p:cNvPr id="5" name="Content Placeholder 2"/>
           <p:cNvSpPr>
             <a:spLocks noGrp="1"/>
           </p:cNvSpPr>
@@ -9762,48 +13936,365 @@
             <p:ph sz="half" idx="1"/>
           </p:nvPr>
         </p:nvSpPr>
-        <p:spPr/>
+        <p:spPr>
+          <a:xfrm>
+            <a:off x="814317" y="1645777"/>
+            <a:ext cx="4632325" cy="4455234"/>
+          </a:xfrm>
+        </p:spPr>
         <p:txBody>
-          <a:bodyPr/>
+          <a:bodyPr>
+            <a:normAutofit/>
+          </a:bodyPr>
           <a:lstStyle/>
           <a:p>
             <a:r>
-              <a:rPr lang="en-US" dirty="0"/>
-              <a:t>What has been done</a:t>
-            </a:r>
-          </a:p>
-          <a:p>
-            <a:r>
-              <a:rPr lang="en-US" dirty="0"/>
-              <a:t>How? Standard, bit of </a:t>
-            </a:r>
-            <a:r>
-              <a:rPr lang="en-US" dirty="0" err="1"/>
-              <a:t>opsem</a:t>
+              <a:rPr lang="en-US" sz="2400" b="1" u="sng" dirty="0" smtClean="0">
+                <a:solidFill>
+                  <a:schemeClr val="accent2"/>
+                </a:solidFill>
+              </a:rPr>
+              <a:t>What has been done?</a:t>
+            </a:r>
+          </a:p>
+          <a:p>
+            <a:pPr>
+              <a:spcAft>
+                <a:spcPts val="800"/>
+              </a:spcAft>
+            </a:pPr>
+            <a:r>
+              <a:rPr lang="en-US" b="1" dirty="0" smtClean="0">
+                <a:solidFill>
+                  <a:schemeClr val="accent2"/>
+                </a:solidFill>
+              </a:rPr>
+              <a:t>Extending the language</a:t>
+            </a:r>
+            <a:r>
+              <a:rPr lang="en-US" dirty="0" smtClean="0">
+                <a:solidFill>
+                  <a:schemeClr val="accent2"/>
+                </a:solidFill>
+              </a:rPr>
+              <a:t>:</a:t>
+            </a:r>
+          </a:p>
+          <a:p>
+            <a:pPr lvl="1">
+              <a:buFont typeface="Arial" charset="0"/>
+              <a:buChar char="•"/>
+            </a:pPr>
+            <a:r>
+              <a:rPr lang="en-US" dirty="0" smtClean="0"/>
+              <a:t>Arguments object</a:t>
+            </a:r>
+          </a:p>
+          <a:p>
+            <a:pPr lvl="0">
+              <a:spcAft>
+                <a:spcPts val="800"/>
+              </a:spcAft>
+              <a:buClr>
+                <a:srgbClr val="1CADE4"/>
+              </a:buClr>
+            </a:pPr>
+            <a:r>
+              <a:rPr lang="en-US" b="1" dirty="0" smtClean="0">
+                <a:solidFill>
+                  <a:schemeClr val="accent2"/>
+                </a:solidFill>
+              </a:rPr>
+              <a:t>Extending the built-in libraries</a:t>
+            </a:r>
+            <a:r>
+              <a:rPr lang="en-US" dirty="0" smtClean="0">
+                <a:solidFill>
+                  <a:schemeClr val="accent2"/>
+                </a:solidFill>
+              </a:rPr>
+              <a:t>:</a:t>
+            </a:r>
+            <a:endParaRPr lang="en-US" dirty="0">
+              <a:solidFill>
+                <a:schemeClr val="accent2"/>
+              </a:solidFill>
+            </a:endParaRPr>
+          </a:p>
+          <a:p>
+            <a:pPr lvl="1">
+              <a:buFont typeface="Arial" charset="0"/>
+              <a:buChar char="•"/>
+            </a:pPr>
+            <a:r>
+              <a:rPr lang="en-US" dirty="0" err="1" smtClean="0"/>
+              <a:t>Object.prototype</a:t>
+            </a:r>
+            <a:r>
+              <a:rPr lang="en-US" dirty="0" smtClean="0"/>
+              <a:t> (entire)</a:t>
             </a:r>
             <a:endParaRPr lang="en-US" dirty="0"/>
           </a:p>
           <a:p>
+            <a:pPr lvl="1">
+              <a:buFont typeface="Arial" charset="0"/>
+              <a:buChar char="•"/>
+            </a:pPr>
+            <a:r>
+              <a:rPr lang="en-US" dirty="0" smtClean="0"/>
+              <a:t>Array (entire)</a:t>
+            </a:r>
+          </a:p>
+          <a:p>
+            <a:pPr lvl="1">
+              <a:buFont typeface="Arial" charset="0"/>
+              <a:buChar char="•"/>
+            </a:pPr>
+            <a:r>
+              <a:rPr lang="en-US" dirty="0" smtClean="0"/>
+              <a:t>String (partial)</a:t>
+            </a:r>
             <a:endParaRPr lang="en-US" dirty="0"/>
           </a:p>
+          <a:p>
+            <a:pPr>
+              <a:spcAft>
+                <a:spcPts val="800"/>
+              </a:spcAft>
+              <a:buClr>
+                <a:srgbClr val="1CADE4"/>
+              </a:buClr>
+            </a:pPr>
+            <a:r>
+              <a:rPr lang="en-US" b="1" dirty="0" smtClean="0">
+                <a:solidFill>
+                  <a:schemeClr val="accent2"/>
+                </a:solidFill>
+              </a:rPr>
+              <a:t>Quantity-wise</a:t>
+            </a:r>
+            <a:r>
+              <a:rPr lang="en-US" dirty="0" smtClean="0">
+                <a:solidFill>
+                  <a:schemeClr val="accent2"/>
+                </a:solidFill>
+              </a:rPr>
+              <a:t>:</a:t>
+            </a:r>
+            <a:endParaRPr lang="en-US" dirty="0">
+              <a:solidFill>
+                <a:schemeClr val="accent2"/>
+              </a:solidFill>
+            </a:endParaRPr>
+          </a:p>
+          <a:p>
+            <a:pPr lvl="1">
+              <a:buFont typeface="Arial" charset="0"/>
+              <a:buChar char="•"/>
+            </a:pPr>
+            <a:r>
+              <a:rPr lang="en-US" dirty="0" smtClean="0"/>
+              <a:t>Around forty methods implemented</a:t>
+            </a:r>
+            <a:endParaRPr lang="en-US" dirty="0"/>
+          </a:p>
+          <a:p>
+            <a:pPr lvl="1">
+              <a:buFont typeface="Arial" charset="0"/>
+              <a:buChar char="•"/>
+            </a:pPr>
+            <a:r>
+              <a:rPr lang="en-US" dirty="0" smtClean="0"/>
+              <a:t>Covering around forty pages of the standard</a:t>
+            </a:r>
+            <a:endParaRPr lang="en-US" dirty="0"/>
+          </a:p>
+          <a:p>
+            <a:pPr lvl="1">
+              <a:buFont typeface="Arial" charset="0"/>
+              <a:buChar char="•"/>
+            </a:pPr>
+            <a:r>
+              <a:rPr lang="en-US" dirty="0" smtClean="0"/>
+              <a:t>More than 2,000 lines of JSIL code</a:t>
+            </a:r>
+            <a:endParaRPr lang="en-US" dirty="0"/>
+          </a:p>
+          <a:p>
+            <a:pPr lvl="1">
+              <a:buFont typeface="Arial" charset="0"/>
+              <a:buChar char="•"/>
+            </a:pPr>
+            <a:endParaRPr lang="en-US" dirty="0" smtClean="0"/>
+          </a:p>
         </p:txBody>
       </p:sp>
       <p:sp>
         <p:nvSpPr>
-          <p:cNvPr id="4" name="Content Placeholder 3"/>
+          <p:cNvPr id="7" name="Content Placeholder 2"/>
           <p:cNvSpPr>
             <a:spLocks noGrp="1"/>
           </p:cNvSpPr>
           <p:nvPr>
-            <p:ph sz="half" idx="2"/>
+            <p:ph sz="half" idx="1"/>
           </p:nvPr>
         </p:nvSpPr>
-        <p:spPr/>
+        <p:spPr>
+          <a:xfrm>
+            <a:off x="5764694" y="1645777"/>
+            <a:ext cx="5772647" cy="1612863"/>
+          </a:xfrm>
+        </p:spPr>
         <p:txBody>
-          <a:bodyPr/>
+          <a:bodyPr>
+            <a:normAutofit lnSpcReduction="10000"/>
+          </a:bodyPr>
           <a:lstStyle/>
           <a:p>
-            <a:endParaRPr lang="en-US"/>
+            <a:r>
+              <a:rPr lang="en-US" sz="2400" b="1" u="sng" dirty="0" smtClean="0">
+                <a:solidFill>
+                  <a:schemeClr val="accent2"/>
+                </a:solidFill>
+              </a:rPr>
+              <a:t>How has it been done?</a:t>
+            </a:r>
+          </a:p>
+          <a:p>
+            <a:pPr marL="361950" indent="-228600">
+              <a:spcAft>
+                <a:spcPts val="800"/>
+              </a:spcAft>
+              <a:buFont typeface="Arial" charset="0"/>
+              <a:buChar char="•"/>
+            </a:pPr>
+            <a:r>
+              <a:rPr lang="en-US" dirty="0" smtClean="0">
+                <a:solidFill>
+                  <a:schemeClr val="tx1"/>
+                </a:solidFill>
+              </a:rPr>
+              <a:t>Dominantly by relying on the ES5 English Standard</a:t>
+            </a:r>
+          </a:p>
+          <a:p>
+            <a:pPr marL="361950" indent="-228600">
+              <a:spcAft>
+                <a:spcPts val="800"/>
+              </a:spcAft>
+              <a:buFont typeface="Arial" charset="0"/>
+              <a:buChar char="•"/>
+            </a:pPr>
+            <a:r>
+              <a:rPr lang="en-US" dirty="0" smtClean="0">
+                <a:solidFill>
+                  <a:schemeClr val="tx1"/>
+                </a:solidFill>
+              </a:rPr>
+              <a:t>To a lesser extent, relying on the pre-existing and new pretty-big-step semantics</a:t>
+            </a:r>
+          </a:p>
+        </p:txBody>
+      </p:sp>
+      <p:sp>
+        <p:nvSpPr>
+          <p:cNvPr id="8" name="Content Placeholder 2"/>
+          <p:cNvSpPr>
+            <a:spLocks noGrp="1"/>
+          </p:cNvSpPr>
+          <p:nvPr>
+            <p:ph sz="half" idx="1"/>
+          </p:nvPr>
+        </p:nvSpPr>
+        <p:spPr>
+          <a:xfrm>
+            <a:off x="5764694" y="3551148"/>
+            <a:ext cx="5701088" cy="2549863"/>
+          </a:xfrm>
+        </p:spPr>
+        <p:txBody>
+          <a:bodyPr>
+            <a:normAutofit fontScale="92500" lnSpcReduction="10000"/>
+          </a:bodyPr>
+          <a:lstStyle/>
+          <a:p>
+            <a:r>
+              <a:rPr lang="en-US" sz="2400" b="1" u="sng" dirty="0" smtClean="0">
+                <a:solidFill>
+                  <a:schemeClr val="accent2"/>
+                </a:solidFill>
+              </a:rPr>
+              <a:t>How has it been evaluated?</a:t>
+            </a:r>
+          </a:p>
+          <a:p>
+            <a:pPr marL="361950" indent="-228600">
+              <a:spcAft>
+                <a:spcPts val="800"/>
+              </a:spcAft>
+              <a:buFont typeface="Arial" charset="0"/>
+              <a:buChar char="•"/>
+            </a:pPr>
+            <a:r>
+              <a:rPr lang="en-US" dirty="0" smtClean="0">
+                <a:solidFill>
+                  <a:schemeClr val="tx1"/>
+                </a:solidFill>
+              </a:rPr>
+              <a:t>Pre-deployment unit testing</a:t>
+            </a:r>
+          </a:p>
+          <a:p>
+            <a:pPr marL="654543" lvl="1" indent="-228600">
+              <a:spcAft>
+                <a:spcPts val="800"/>
+              </a:spcAft>
+              <a:buFont typeface="Arial" charset="0"/>
+              <a:buChar char="•"/>
+            </a:pPr>
+            <a:r>
+              <a:rPr lang="en-US" dirty="0" smtClean="0">
+                <a:solidFill>
+                  <a:schemeClr val="tx1"/>
+                </a:solidFill>
+              </a:rPr>
+              <a:t>Understanding all possible execution paths from the standard/semantics, then constructing and running tests that target those paths. </a:t>
+            </a:r>
+          </a:p>
+          <a:p>
+            <a:pPr marL="361950" indent="-228600">
+              <a:spcAft>
+                <a:spcPts val="800"/>
+              </a:spcAft>
+              <a:buFont typeface="Arial" charset="0"/>
+              <a:buChar char="•"/>
+            </a:pPr>
+            <a:r>
+              <a:rPr lang="en-US" dirty="0" smtClean="0">
+                <a:solidFill>
+                  <a:schemeClr val="tx1"/>
+                </a:solidFill>
+              </a:rPr>
+              <a:t>Post-deployment formal testing</a:t>
+            </a:r>
+          </a:p>
+          <a:p>
+            <a:pPr marL="654543" lvl="1" indent="-228600">
+              <a:spcAft>
+                <a:spcPts val="800"/>
+              </a:spcAft>
+              <a:buFont typeface="Arial" charset="0"/>
+              <a:buChar char="•"/>
+            </a:pPr>
+            <a:r>
+              <a:rPr lang="en-US" dirty="0" smtClean="0">
+                <a:solidFill>
+                  <a:schemeClr val="tx1"/>
+                </a:solidFill>
+              </a:rPr>
+              <a:t>Official Test262 Test Suite – much more complex than unit testing</a:t>
+            </a:r>
           </a:p>
         </p:txBody>
       </p:sp>
@@ -9817,6 +14308,158 @@
   <p:clrMapOvr>
     <a:masterClrMapping/>
   </p:clrMapOvr>
+  <mc:AlternateContent xmlns:mc="http://schemas.openxmlformats.org/markup-compatibility/2006" xmlns:p14="http://schemas.microsoft.com/office/powerpoint/2010/main">
+    <mc:Choice Requires="p14">
+      <p:transition spd="med" p14:dur="700">
+        <p:fade/>
+      </p:transition>
+    </mc:Choice>
+    <mc:Fallback xmlns="">
+      <p:transition spd="med">
+        <p:fade/>
+      </p:transition>
+    </mc:Fallback>
+  </mc:AlternateContent>
+  <p:timing>
+    <p:tnLst>
+      <p:par>
+        <p:cTn id="1" dur="indefinite" restart="never" nodeType="tmRoot">
+          <p:childTnLst>
+            <p:seq concurrent="1" nextAc="seek">
+              <p:cTn id="2" dur="indefinite" nodeType="mainSeq">
+                <p:childTnLst>
+                  <p:par>
+                    <p:cTn id="3" fill="hold">
+                      <p:stCondLst>
+                        <p:cond delay="indefinite"/>
+                      </p:stCondLst>
+                      <p:childTnLst>
+                        <p:par>
+                          <p:cTn id="4" fill="hold">
+                            <p:stCondLst>
+                              <p:cond delay="0"/>
+                            </p:stCondLst>
+                            <p:childTnLst>
+                              <p:par>
+                                <p:cTn id="5" presetID="10" presetClass="entr" presetSubtype="0" fill="hold" grpId="0" nodeType="clickEffect">
+                                  <p:stCondLst>
+                                    <p:cond delay="0"/>
+                                  </p:stCondLst>
+                                  <p:childTnLst>
+                                    <p:set>
+                                      <p:cBhvr>
+                                        <p:cTn id="6" dur="1" fill="hold">
+                                          <p:stCondLst>
+                                            <p:cond delay="0"/>
+                                          </p:stCondLst>
+                                        </p:cTn>
+                                        <p:tgtEl>
+                                          <p:spTgt spid="7"/>
+                                        </p:tgtEl>
+                                        <p:attrNameLst>
+                                          <p:attrName>style.visibility</p:attrName>
+                                        </p:attrNameLst>
+                                      </p:cBhvr>
+                                      <p:to>
+                                        <p:strVal val="visible"/>
+                                      </p:to>
+                                    </p:set>
+                                    <p:animEffect transition="in" filter="fade">
+                                      <p:cBhvr>
+                                        <p:cTn id="7" dur="1000"/>
+                                        <p:tgtEl>
+                                          <p:spTgt spid="7"/>
+                                        </p:tgtEl>
+                                      </p:cBhvr>
+                                    </p:animEffect>
+                                  </p:childTnLst>
+                                </p:cTn>
+                              </p:par>
+                            </p:childTnLst>
+                          </p:cTn>
+                        </p:par>
+                      </p:childTnLst>
+                    </p:cTn>
+                  </p:par>
+                  <p:par>
+                    <p:cTn id="8" fill="hold">
+                      <p:stCondLst>
+                        <p:cond delay="indefinite"/>
+                      </p:stCondLst>
+                      <p:childTnLst>
+                        <p:par>
+                          <p:cTn id="9" fill="hold">
+                            <p:stCondLst>
+                              <p:cond delay="0"/>
+                            </p:stCondLst>
+                            <p:childTnLst>
+                              <p:par>
+                                <p:cTn id="10" presetID="10" presetClass="entr" presetSubtype="0" fill="hold" grpId="0" nodeType="clickEffect">
+                                  <p:stCondLst>
+                                    <p:cond delay="0"/>
+                                  </p:stCondLst>
+                                  <p:childTnLst>
+                                    <p:set>
+                                      <p:cBhvr>
+                                        <p:cTn id="11" dur="1" fill="hold">
+                                          <p:stCondLst>
+                                            <p:cond delay="0"/>
+                                          </p:stCondLst>
+                                        </p:cTn>
+                                        <p:tgtEl>
+                                          <p:spTgt spid="8"/>
+                                        </p:tgtEl>
+                                        <p:attrNameLst>
+                                          <p:attrName>style.visibility</p:attrName>
+                                        </p:attrNameLst>
+                                      </p:cBhvr>
+                                      <p:to>
+                                        <p:strVal val="visible"/>
+                                      </p:to>
+                                    </p:set>
+                                    <p:animEffect transition="in" filter="fade">
+                                      <p:cBhvr>
+                                        <p:cTn id="12" dur="1000"/>
+                                        <p:tgtEl>
+                                          <p:spTgt spid="8"/>
+                                        </p:tgtEl>
+                                      </p:cBhvr>
+                                    </p:animEffect>
+                                  </p:childTnLst>
+                                </p:cTn>
+                              </p:par>
+                            </p:childTnLst>
+                          </p:cTn>
+                        </p:par>
+                      </p:childTnLst>
+                    </p:cTn>
+                  </p:par>
+                </p:childTnLst>
+              </p:cTn>
+              <p:prevCondLst>
+                <p:cond evt="onPrev" delay="0">
+                  <p:tgtEl>
+                    <p:sldTgt/>
+                  </p:tgtEl>
+                </p:cond>
+              </p:prevCondLst>
+              <p:nextCondLst>
+                <p:cond evt="onNext" delay="0">
+                  <p:tgtEl>
+                    <p:sldTgt/>
+                  </p:tgtEl>
+                </p:cond>
+              </p:nextCondLst>
+            </p:seq>
+          </p:childTnLst>
+        </p:cTn>
+      </p:par>
+    </p:tnLst>
+    <p:bldLst>
+      <p:bldP spid="7" grpId="0"/>
+      <p:bldP spid="8" grpId="0"/>
+    </p:bldLst>
+  </p:timing>
 </p:sld>
 </file>
 

--- a/presentation.pptx
+++ b/presentation.pptx
@@ -210,7 +210,7 @@
           <a:p>
             <a:fld id="{0A24DC99-4584-9243-8227-88E4411C14D9}" type="datetimeFigureOut">
               <a:rPr lang="en-US" smtClean="0"/>
-              <a:t>9/17/16</a:t>
+              <a:t>9/18/16</a:t>
             </a:fld>
             <a:endParaRPr lang="en-US"/>
           </a:p>
@@ -1242,7 +1242,7 @@
           <a:p>
             <a:fld id="{C844D2C0-41C2-43BC-8019-694385F02E35}" type="datetimeFigureOut">
               <a:rPr lang="en-US" smtClean="0"/>
-              <a:t>9/17/16</a:t>
+              <a:t>9/18/16</a:t>
             </a:fld>
             <a:endParaRPr lang="en-US"/>
           </a:p>
@@ -1450,7 +1450,7 @@
           <a:p>
             <a:fld id="{C844D2C0-41C2-43BC-8019-694385F02E35}" type="datetimeFigureOut">
               <a:rPr lang="en-US" smtClean="0"/>
-              <a:t>9/17/16</a:t>
+              <a:t>9/18/16</a:t>
             </a:fld>
             <a:endParaRPr lang="en-US"/>
           </a:p>
@@ -1706,7 +1706,7 @@
           <a:p>
             <a:fld id="{C844D2C0-41C2-43BC-8019-694385F02E35}" type="datetimeFigureOut">
               <a:rPr lang="en-US" smtClean="0"/>
-              <a:t>9/17/16</a:t>
+              <a:t>9/18/16</a:t>
             </a:fld>
             <a:endParaRPr lang="en-US"/>
           </a:p>
@@ -1876,7 +1876,7 @@
           <a:p>
             <a:fld id="{C844D2C0-41C2-43BC-8019-694385F02E35}" type="datetimeFigureOut">
               <a:rPr lang="en-US" smtClean="0"/>
-              <a:t>9/17/16</a:t>
+              <a:t>9/18/16</a:t>
             </a:fld>
             <a:endParaRPr lang="en-US"/>
           </a:p>
@@ -2211,7 +2211,7 @@
           <a:p>
             <a:fld id="{C844D2C0-41C2-43BC-8019-694385F02E35}" type="datetimeFigureOut">
               <a:rPr lang="en-US" smtClean="0"/>
-              <a:t>9/17/16</a:t>
+              <a:t>9/18/16</a:t>
             </a:fld>
             <a:endParaRPr lang="en-US"/>
           </a:p>
@@ -2486,7 +2486,7 @@
           <a:p>
             <a:fld id="{C844D2C0-41C2-43BC-8019-694385F02E35}" type="datetimeFigureOut">
               <a:rPr lang="en-US" smtClean="0"/>
-              <a:t>9/17/16</a:t>
+              <a:t>9/18/16</a:t>
             </a:fld>
             <a:endParaRPr lang="en-US"/>
           </a:p>
@@ -2865,7 +2865,7 @@
           <a:p>
             <a:fld id="{C844D2C0-41C2-43BC-8019-694385F02E35}" type="datetimeFigureOut">
               <a:rPr lang="en-US" smtClean="0"/>
-              <a:t>9/17/16</a:t>
+              <a:t>9/18/16</a:t>
             </a:fld>
             <a:endParaRPr lang="en-US"/>
           </a:p>
@@ -2983,7 +2983,7 @@
           <a:p>
             <a:fld id="{C844D2C0-41C2-43BC-8019-694385F02E35}" type="datetimeFigureOut">
               <a:rPr lang="en-US" smtClean="0"/>
-              <a:t>9/17/16</a:t>
+              <a:t>9/18/16</a:t>
             </a:fld>
             <a:endParaRPr lang="en-US"/>
           </a:p>
@@ -3154,7 +3154,7 @@
           <a:p>
             <a:fld id="{C844D2C0-41C2-43BC-8019-694385F02E35}" type="datetimeFigureOut">
               <a:rPr lang="en-US" smtClean="0"/>
-              <a:t>9/17/16</a:t>
+              <a:t>9/18/16</a:t>
             </a:fld>
             <a:endParaRPr lang="en-US"/>
           </a:p>
@@ -3508,7 +3508,7 @@
           <a:p>
             <a:fld id="{C844D2C0-41C2-43BC-8019-694385F02E35}" type="datetimeFigureOut">
               <a:rPr lang="en-US" smtClean="0"/>
-              <a:t>9/17/16</a:t>
+              <a:t>9/18/16</a:t>
             </a:fld>
             <a:endParaRPr lang="en-US"/>
           </a:p>
@@ -3885,7 +3885,7 @@
           <a:p>
             <a:fld id="{C844D2C0-41C2-43BC-8019-694385F02E35}" type="datetimeFigureOut">
               <a:rPr lang="en-US" smtClean="0"/>
-              <a:t>9/17/16</a:t>
+              <a:t>9/18/16</a:t>
             </a:fld>
             <a:endParaRPr lang="en-US"/>
           </a:p>
@@ -4175,7 +4175,7 @@
           <a:p>
             <a:fld id="{C844D2C0-41C2-43BC-8019-694385F02E35}" type="datetimeFigureOut">
               <a:rPr lang="en-US" smtClean="0"/>
-              <a:t>9/17/16</a:t>
+              <a:t>9/18/16</a:t>
             </a:fld>
             <a:endParaRPr lang="en-US"/>
           </a:p>
@@ -14094,8 +14094,12 @@
               <a:buChar char="•"/>
             </a:pPr>
             <a:r>
+              <a:rPr lang="en-US" smtClean="0"/>
+              <a:t>Thirty-five methods </a:t>
+            </a:r>
+            <a:r>
               <a:rPr lang="en-US" dirty="0" smtClean="0"/>
-              <a:t>Around forty methods implemented</a:t>
+              <a:t>implemented</a:t>
             </a:r>
             <a:endParaRPr lang="en-US" dirty="0"/>
           </a:p>
